--- a/CISC874/Project/PartC/DataPipeline.pptx
+++ b/CISC874/Project/PartC/DataPipeline.pptx
@@ -6,6 +6,11 @@
   </p:sldMasterIdLst>
   <p:sldIdLst>
     <p:sldId id="257" r:id="rId2"/>
+    <p:sldId id="258" r:id="rId3"/>
+    <p:sldId id="259" r:id="rId4"/>
+    <p:sldId id="261" r:id="rId5"/>
+    <p:sldId id="260" r:id="rId6"/>
+    <p:sldId id="262" r:id="rId7"/>
   </p:sldIdLst>
   <p:sldSz cx="12192000" cy="6858000"/>
   <p:notesSz cx="6858000" cy="9144000"/>
@@ -104,6 +109,11 @@
       </a:defRPr>
     </a:lvl9pPr>
   </p:defaultTextStyle>
+  <p:extLst>
+    <p:ext uri="{EFAFB233-063F-42B5-8137-9DF3F51BA10A}">
+      <p15:sldGuideLst xmlns:p15="http://schemas.microsoft.com/office/powerpoint/2012/main"/>
+    </p:ext>
+  </p:extLst>
 </p:presentation>
 </file>
 
@@ -238,7 +248,7 @@
           <a:p>
             <a:fld id="{8A73721D-0424-4701-9427-6A60784BC223}" type="datetimeFigureOut">
               <a:rPr lang="en-CA" smtClean="0"/>
-              <a:t>11/11/2016</a:t>
+              <a:t>13/11/2016</a:t>
             </a:fld>
             <a:endParaRPr lang="en-CA"/>
           </a:p>
@@ -408,7 +418,7 @@
           <a:p>
             <a:fld id="{8A73721D-0424-4701-9427-6A60784BC223}" type="datetimeFigureOut">
               <a:rPr lang="en-CA" smtClean="0"/>
-              <a:t>11/11/2016</a:t>
+              <a:t>13/11/2016</a:t>
             </a:fld>
             <a:endParaRPr lang="en-CA"/>
           </a:p>
@@ -588,7 +598,7 @@
           <a:p>
             <a:fld id="{8A73721D-0424-4701-9427-6A60784BC223}" type="datetimeFigureOut">
               <a:rPr lang="en-CA" smtClean="0"/>
-              <a:t>11/11/2016</a:t>
+              <a:t>13/11/2016</a:t>
             </a:fld>
             <a:endParaRPr lang="en-CA"/>
           </a:p>
@@ -758,7 +768,7 @@
           <a:p>
             <a:fld id="{8A73721D-0424-4701-9427-6A60784BC223}" type="datetimeFigureOut">
               <a:rPr lang="en-CA" smtClean="0"/>
-              <a:t>11/11/2016</a:t>
+              <a:t>13/11/2016</a:t>
             </a:fld>
             <a:endParaRPr lang="en-CA"/>
           </a:p>
@@ -1004,7 +1014,7 @@
           <a:p>
             <a:fld id="{8A73721D-0424-4701-9427-6A60784BC223}" type="datetimeFigureOut">
               <a:rPr lang="en-CA" smtClean="0"/>
-              <a:t>11/11/2016</a:t>
+              <a:t>13/11/2016</a:t>
             </a:fld>
             <a:endParaRPr lang="en-CA"/>
           </a:p>
@@ -1236,7 +1246,7 @@
           <a:p>
             <a:fld id="{8A73721D-0424-4701-9427-6A60784BC223}" type="datetimeFigureOut">
               <a:rPr lang="en-CA" smtClean="0"/>
-              <a:t>11/11/2016</a:t>
+              <a:t>13/11/2016</a:t>
             </a:fld>
             <a:endParaRPr lang="en-CA"/>
           </a:p>
@@ -1603,7 +1613,7 @@
           <a:p>
             <a:fld id="{8A73721D-0424-4701-9427-6A60784BC223}" type="datetimeFigureOut">
               <a:rPr lang="en-CA" smtClean="0"/>
-              <a:t>11/11/2016</a:t>
+              <a:t>13/11/2016</a:t>
             </a:fld>
             <a:endParaRPr lang="en-CA"/>
           </a:p>
@@ -1721,7 +1731,7 @@
           <a:p>
             <a:fld id="{8A73721D-0424-4701-9427-6A60784BC223}" type="datetimeFigureOut">
               <a:rPr lang="en-CA" smtClean="0"/>
-              <a:t>11/11/2016</a:t>
+              <a:t>13/11/2016</a:t>
             </a:fld>
             <a:endParaRPr lang="en-CA"/>
           </a:p>
@@ -1816,7 +1826,7 @@
           <a:p>
             <a:fld id="{8A73721D-0424-4701-9427-6A60784BC223}" type="datetimeFigureOut">
               <a:rPr lang="en-CA" smtClean="0"/>
-              <a:t>11/11/2016</a:t>
+              <a:t>13/11/2016</a:t>
             </a:fld>
             <a:endParaRPr lang="en-CA"/>
           </a:p>
@@ -2093,7 +2103,7 @@
           <a:p>
             <a:fld id="{8A73721D-0424-4701-9427-6A60784BC223}" type="datetimeFigureOut">
               <a:rPr lang="en-CA" smtClean="0"/>
-              <a:t>11/11/2016</a:t>
+              <a:t>13/11/2016</a:t>
             </a:fld>
             <a:endParaRPr lang="en-CA"/>
           </a:p>
@@ -2346,7 +2356,7 @@
           <a:p>
             <a:fld id="{8A73721D-0424-4701-9427-6A60784BC223}" type="datetimeFigureOut">
               <a:rPr lang="en-CA" smtClean="0"/>
-              <a:t>11/11/2016</a:t>
+              <a:t>13/11/2016</a:t>
             </a:fld>
             <a:endParaRPr lang="en-CA"/>
           </a:p>
@@ -2559,7 +2569,7 @@
           <a:p>
             <a:fld id="{8A73721D-0424-4701-9427-6A60784BC223}" type="datetimeFigureOut">
               <a:rPr lang="en-CA" smtClean="0"/>
-              <a:t>11/11/2016</a:t>
+              <a:t>13/11/2016</a:t>
             </a:fld>
             <a:endParaRPr lang="en-CA"/>
           </a:p>
@@ -8880,6 +8890,7955 @@
 </p:sld>
 </file>
 
+<file path=ppt/slides/slide2.xml><?xml version="1.0" encoding="utf-8"?>
+<p:sld xmlns:a="http://schemas.openxmlformats.org/drawingml/2006/main" xmlns:r="http://schemas.openxmlformats.org/officeDocument/2006/relationships" xmlns:p="http://schemas.openxmlformats.org/presentationml/2006/main">
+  <p:cSld>
+    <p:spTree>
+      <p:nvGrpSpPr>
+        <p:cNvPr id="1" name=""/>
+        <p:cNvGrpSpPr/>
+        <p:nvPr/>
+      </p:nvGrpSpPr>
+      <p:grpSpPr>
+        <a:xfrm>
+          <a:off x="0" y="0"/>
+          <a:ext cx="0" cy="0"/>
+          <a:chOff x="0" y="0"/>
+          <a:chExt cx="0" cy="0"/>
+        </a:xfrm>
+      </p:grpSpPr>
+      <p:grpSp>
+        <p:nvGrpSpPr>
+          <p:cNvPr id="39" name="Group 38"/>
+          <p:cNvGrpSpPr/>
+          <p:nvPr/>
+        </p:nvGrpSpPr>
+        <p:grpSpPr>
+          <a:xfrm>
+            <a:off x="710388" y="366264"/>
+            <a:ext cx="10092373" cy="6041586"/>
+            <a:chOff x="710388" y="366264"/>
+            <a:chExt cx="10092373" cy="6041586"/>
+          </a:xfrm>
+        </p:grpSpPr>
+        <p:pic>
+          <p:nvPicPr>
+            <p:cNvPr id="2" name="Picture 1"/>
+            <p:cNvPicPr>
+              <a:picLocks noChangeAspect="1"/>
+            </p:cNvPicPr>
+            <p:nvPr/>
+          </p:nvPicPr>
+          <p:blipFill rotWithShape="1">
+            <a:blip r:embed="rId2">
+              <a:extLst>
+                <a:ext uri="{28A0092B-C50C-407E-A947-70E740481C1C}">
+                  <a14:useLocalDpi xmlns:a14="http://schemas.microsoft.com/office/drawing/2010/main" val="0"/>
+                </a:ext>
+              </a:extLst>
+            </a:blip>
+            <a:srcRect l="15220" r="11972" b="5432"/>
+            <a:stretch/>
+          </p:blipFill>
+          <p:spPr>
+            <a:xfrm>
+              <a:off x="710388" y="853564"/>
+              <a:ext cx="3177767" cy="4179990"/>
+            </a:xfrm>
+            <a:prstGeom prst="rect">
+              <a:avLst/>
+            </a:prstGeom>
+          </p:spPr>
+        </p:pic>
+        <p:grpSp>
+          <p:nvGrpSpPr>
+            <p:cNvPr id="7" name="Group 6"/>
+            <p:cNvGrpSpPr/>
+            <p:nvPr/>
+          </p:nvGrpSpPr>
+          <p:grpSpPr>
+            <a:xfrm>
+              <a:off x="1438256" y="1531148"/>
+              <a:ext cx="1736335" cy="2318039"/>
+              <a:chOff x="1264085" y="1208931"/>
+              <a:chExt cx="1736335" cy="2318039"/>
+            </a:xfrm>
+          </p:grpSpPr>
+          <p:cxnSp>
+            <p:nvCxnSpPr>
+              <p:cNvPr id="3" name="Straight Connector 2"/>
+              <p:cNvCxnSpPr/>
+              <p:nvPr/>
+            </p:nvCxnSpPr>
+            <p:spPr>
+              <a:xfrm>
+                <a:off x="1820983" y="1208931"/>
+                <a:ext cx="600892" cy="722811"/>
+              </a:xfrm>
+              <a:prstGeom prst="line">
+                <a:avLst/>
+              </a:prstGeom>
+              <a:ln w="38100">
+                <a:solidFill>
+                  <a:schemeClr val="bg1"/>
+                </a:solidFill>
+              </a:ln>
+            </p:spPr>
+            <p:style>
+              <a:lnRef idx="1">
+                <a:schemeClr val="accent1"/>
+              </a:lnRef>
+              <a:fillRef idx="0">
+                <a:schemeClr val="accent1"/>
+              </a:fillRef>
+              <a:effectRef idx="0">
+                <a:schemeClr val="accent1"/>
+              </a:effectRef>
+              <a:fontRef idx="minor">
+                <a:schemeClr val="tx1"/>
+              </a:fontRef>
+            </p:style>
+          </p:cxnSp>
+          <p:cxnSp>
+            <p:nvCxnSpPr>
+              <p:cNvPr id="4" name="Straight Connector 3"/>
+              <p:cNvCxnSpPr/>
+              <p:nvPr/>
+            </p:nvCxnSpPr>
+            <p:spPr>
+              <a:xfrm flipV="1">
+                <a:off x="1264085" y="2960913"/>
+                <a:ext cx="807406" cy="566057"/>
+              </a:xfrm>
+              <a:prstGeom prst="line">
+                <a:avLst/>
+              </a:prstGeom>
+              <a:ln w="38100">
+                <a:solidFill>
+                  <a:schemeClr val="bg1"/>
+                </a:solidFill>
+              </a:ln>
+            </p:spPr>
+            <p:style>
+              <a:lnRef idx="1">
+                <a:schemeClr val="accent1"/>
+              </a:lnRef>
+              <a:fillRef idx="0">
+                <a:schemeClr val="accent1"/>
+              </a:fillRef>
+              <a:effectRef idx="0">
+                <a:schemeClr val="accent1"/>
+              </a:effectRef>
+              <a:fontRef idx="minor">
+                <a:schemeClr val="tx1"/>
+              </a:fontRef>
+            </p:style>
+          </p:cxnSp>
+          <p:sp>
+            <p:nvSpPr>
+              <p:cNvPr id="5" name="Arc 4"/>
+              <p:cNvSpPr/>
+              <p:nvPr/>
+            </p:nvSpPr>
+            <p:spPr>
+              <a:xfrm rot="13055073">
+                <a:off x="1849562" y="1759596"/>
+                <a:ext cx="1150858" cy="1405500"/>
+              </a:xfrm>
+              <a:prstGeom prst="arc">
+                <a:avLst>
+                  <a:gd name="adj1" fmla="val 16200000"/>
+                  <a:gd name="adj2" fmla="val 2604794"/>
+                </a:avLst>
+              </a:prstGeom>
+              <a:ln w="38100">
+                <a:solidFill>
+                  <a:schemeClr val="bg1"/>
+                </a:solidFill>
+              </a:ln>
+            </p:spPr>
+            <p:style>
+              <a:lnRef idx="1">
+                <a:schemeClr val="accent1"/>
+              </a:lnRef>
+              <a:fillRef idx="0">
+                <a:schemeClr val="accent1"/>
+              </a:fillRef>
+              <a:effectRef idx="0">
+                <a:schemeClr val="accent1"/>
+              </a:effectRef>
+              <a:fontRef idx="minor">
+                <a:schemeClr val="tx1"/>
+              </a:fontRef>
+            </p:style>
+            <p:txBody>
+              <a:bodyPr rtlCol="0" anchor="ctr"/>
+              <a:lstStyle/>
+              <a:p>
+                <a:pPr algn="ctr"/>
+                <a:endParaRPr lang="en-CA"/>
+              </a:p>
+            </p:txBody>
+          </p:sp>
+        </p:grpSp>
+        <p:sp>
+          <p:nvSpPr>
+            <p:cNvPr id="13" name="Rectangle 12"/>
+            <p:cNvSpPr/>
+            <p:nvPr/>
+          </p:nvSpPr>
+          <p:spPr>
+            <a:xfrm>
+              <a:off x="5225143" y="862271"/>
+              <a:ext cx="1793966" cy="896983"/>
+            </a:xfrm>
+            <a:prstGeom prst="rect">
+              <a:avLst/>
+            </a:prstGeom>
+            <a:noFill/>
+            <a:ln w="57150">
+              <a:solidFill>
+                <a:schemeClr val="tx1"/>
+              </a:solidFill>
+            </a:ln>
+          </p:spPr>
+          <p:style>
+            <a:lnRef idx="2">
+              <a:schemeClr val="accent1">
+                <a:shade val="50000"/>
+              </a:schemeClr>
+            </a:lnRef>
+            <a:fillRef idx="1">
+              <a:schemeClr val="accent1"/>
+            </a:fillRef>
+            <a:effectRef idx="0">
+              <a:schemeClr val="accent1"/>
+            </a:effectRef>
+            <a:fontRef idx="minor">
+              <a:schemeClr val="lt1"/>
+            </a:fontRef>
+          </p:style>
+          <p:txBody>
+            <a:bodyPr rtlCol="0" anchor="ctr"/>
+            <a:lstStyle/>
+            <a:p>
+              <a:pPr algn="ctr"/>
+              <a:r>
+                <a:rPr lang="en-CA" sz="2400" dirty="0" smtClean="0">
+                  <a:solidFill>
+                    <a:schemeClr val="tx1"/>
+                  </a:solidFill>
+                </a:rPr>
+                <a:t>Pre-processing</a:t>
+              </a:r>
+              <a:endParaRPr lang="en-CA" sz="2400" dirty="0">
+                <a:solidFill>
+                  <a:schemeClr val="tx1"/>
+                </a:solidFill>
+              </a:endParaRPr>
+            </a:p>
+          </p:txBody>
+        </p:sp>
+        <p:sp>
+          <p:nvSpPr>
+            <p:cNvPr id="14" name="Rectangle 13"/>
+            <p:cNvSpPr/>
+            <p:nvPr/>
+          </p:nvSpPr>
+          <p:spPr>
+            <a:xfrm>
+              <a:off x="5225143" y="2486296"/>
+              <a:ext cx="1793966" cy="896983"/>
+            </a:xfrm>
+            <a:prstGeom prst="rect">
+              <a:avLst/>
+            </a:prstGeom>
+            <a:noFill/>
+            <a:ln w="57150">
+              <a:solidFill>
+                <a:schemeClr val="tx1"/>
+              </a:solidFill>
+            </a:ln>
+          </p:spPr>
+          <p:style>
+            <a:lnRef idx="2">
+              <a:schemeClr val="accent1">
+                <a:shade val="50000"/>
+              </a:schemeClr>
+            </a:lnRef>
+            <a:fillRef idx="1">
+              <a:schemeClr val="accent1"/>
+            </a:fillRef>
+            <a:effectRef idx="0">
+              <a:schemeClr val="accent1"/>
+            </a:effectRef>
+            <a:fontRef idx="minor">
+              <a:schemeClr val="lt1"/>
+            </a:fontRef>
+          </p:style>
+          <p:txBody>
+            <a:bodyPr rtlCol="0" anchor="ctr"/>
+            <a:lstStyle/>
+            <a:p>
+              <a:pPr algn="ctr"/>
+              <a:r>
+                <a:rPr lang="en-CA" sz="2400" dirty="0" smtClean="0">
+                  <a:solidFill>
+                    <a:schemeClr val="tx1"/>
+                  </a:solidFill>
+                </a:rPr>
+                <a:t>Neural network</a:t>
+              </a:r>
+              <a:endParaRPr lang="en-CA" sz="2400" dirty="0">
+                <a:solidFill>
+                  <a:schemeClr val="tx1"/>
+                </a:solidFill>
+              </a:endParaRPr>
+            </a:p>
+          </p:txBody>
+        </p:sp>
+        <p:sp>
+          <p:nvSpPr>
+            <p:cNvPr id="15" name="Freeform 14"/>
+            <p:cNvSpPr/>
+            <p:nvPr/>
+          </p:nvSpPr>
+          <p:spPr>
+            <a:xfrm>
+              <a:off x="2037805" y="2522929"/>
+              <a:ext cx="605371" cy="2501917"/>
+            </a:xfrm>
+            <a:custGeom>
+              <a:avLst/>
+              <a:gdLst>
+                <a:gd name="connsiteX0" fmla="*/ 0 w 1846217"/>
+                <a:gd name="connsiteY0" fmla="*/ 89642 h 2081867"/>
+                <a:gd name="connsiteX1" fmla="*/ 539932 w 1846217"/>
+                <a:gd name="connsiteY1" fmla="*/ 202854 h 2081867"/>
+                <a:gd name="connsiteX2" fmla="*/ 592183 w 1846217"/>
+                <a:gd name="connsiteY2" fmla="*/ 1874899 h 2081867"/>
+                <a:gd name="connsiteX3" fmla="*/ 1846217 w 1846217"/>
+                <a:gd name="connsiteY3" fmla="*/ 2075197 h 2081867"/>
+                <a:gd name="connsiteX0" fmla="*/ 0 w 605371"/>
+                <a:gd name="connsiteY0" fmla="*/ 89642 h 2501917"/>
+                <a:gd name="connsiteX1" fmla="*/ 539932 w 605371"/>
+                <a:gd name="connsiteY1" fmla="*/ 202854 h 2501917"/>
+                <a:gd name="connsiteX2" fmla="*/ 592183 w 605371"/>
+                <a:gd name="connsiteY2" fmla="*/ 1874899 h 2501917"/>
+                <a:gd name="connsiteX3" fmla="*/ 505097 w 605371"/>
+                <a:gd name="connsiteY3" fmla="*/ 2501917 h 2501917"/>
+                <a:gd name="connsiteX0" fmla="*/ 0 w 605371"/>
+                <a:gd name="connsiteY0" fmla="*/ 89642 h 2501917"/>
+                <a:gd name="connsiteX1" fmla="*/ 539932 w 605371"/>
+                <a:gd name="connsiteY1" fmla="*/ 202854 h 2501917"/>
+                <a:gd name="connsiteX2" fmla="*/ 592183 w 605371"/>
+                <a:gd name="connsiteY2" fmla="*/ 1874899 h 2501917"/>
+                <a:gd name="connsiteX3" fmla="*/ 505097 w 605371"/>
+                <a:gd name="connsiteY3" fmla="*/ 2501917 h 2501917"/>
+              </a:gdLst>
+              <a:ahLst/>
+              <a:cxnLst>
+                <a:cxn ang="0">
+                  <a:pos x="connsiteX0" y="connsiteY0"/>
+                </a:cxn>
+                <a:cxn ang="0">
+                  <a:pos x="connsiteX1" y="connsiteY1"/>
+                </a:cxn>
+                <a:cxn ang="0">
+                  <a:pos x="connsiteX2" y="connsiteY2"/>
+                </a:cxn>
+                <a:cxn ang="0">
+                  <a:pos x="connsiteX3" y="connsiteY3"/>
+                </a:cxn>
+              </a:cxnLst>
+              <a:rect l="l" t="t" r="r" b="b"/>
+              <a:pathLst>
+                <a:path w="605371" h="2501917">
+                  <a:moveTo>
+                    <a:pt x="0" y="89642"/>
+                  </a:moveTo>
+                  <a:cubicBezTo>
+                    <a:pt x="220617" y="-2524"/>
+                    <a:pt x="441235" y="-94689"/>
+                    <a:pt x="539932" y="202854"/>
+                  </a:cubicBezTo>
+                  <a:cubicBezTo>
+                    <a:pt x="638629" y="500397"/>
+                    <a:pt x="597989" y="1491722"/>
+                    <a:pt x="592183" y="1874899"/>
+                  </a:cubicBezTo>
+                  <a:cubicBezTo>
+                    <a:pt x="586377" y="2258076"/>
+                    <a:pt x="525416" y="2332100"/>
+                    <a:pt x="505097" y="2501917"/>
+                  </a:cubicBezTo>
+                </a:path>
+              </a:pathLst>
+            </a:custGeom>
+            <a:noFill/>
+            <a:ln w="38100">
+              <a:solidFill>
+                <a:schemeClr val="bg1"/>
+              </a:solidFill>
+            </a:ln>
+          </p:spPr>
+          <p:style>
+            <a:lnRef idx="2">
+              <a:schemeClr val="accent1">
+                <a:shade val="50000"/>
+              </a:schemeClr>
+            </a:lnRef>
+            <a:fillRef idx="1">
+              <a:schemeClr val="accent1"/>
+            </a:fillRef>
+            <a:effectRef idx="0">
+              <a:schemeClr val="accent1"/>
+            </a:effectRef>
+            <a:fontRef idx="minor">
+              <a:schemeClr val="lt1"/>
+            </a:fontRef>
+          </p:style>
+          <p:txBody>
+            <a:bodyPr rtlCol="0" anchor="ctr"/>
+            <a:lstStyle/>
+            <a:p>
+              <a:pPr algn="ctr"/>
+              <a:endParaRPr lang="en-CA"/>
+            </a:p>
+          </p:txBody>
+        </p:sp>
+        <p:sp>
+          <p:nvSpPr>
+            <p:cNvPr id="17" name="TextBox 16"/>
+            <p:cNvSpPr txBox="1"/>
+            <p:nvPr/>
+          </p:nvSpPr>
+          <p:spPr>
+            <a:xfrm>
+              <a:off x="2037805" y="366264"/>
+              <a:ext cx="3187338" cy="461665"/>
+            </a:xfrm>
+            <a:prstGeom prst="rect">
+              <a:avLst/>
+            </a:prstGeom>
+            <a:noFill/>
+          </p:spPr>
+          <p:txBody>
+            <a:bodyPr wrap="square" rtlCol="0">
+              <a:spAutoFit/>
+            </a:bodyPr>
+            <a:lstStyle/>
+            <a:p>
+              <a:r>
+                <a:rPr lang="en-CA" sz="2400" dirty="0" smtClean="0"/>
+                <a:t>Original landmark data</a:t>
+              </a:r>
+              <a:endParaRPr lang="en-CA" sz="2400" dirty="0"/>
+            </a:p>
+          </p:txBody>
+        </p:sp>
+        <p:sp>
+          <p:nvSpPr>
+            <p:cNvPr id="18" name="Oval 17"/>
+            <p:cNvSpPr/>
+            <p:nvPr/>
+          </p:nvSpPr>
+          <p:spPr>
+            <a:xfrm>
+              <a:off x="5421086" y="4081651"/>
+              <a:ext cx="1402080" cy="1306286"/>
+            </a:xfrm>
+            <a:prstGeom prst="ellipse">
+              <a:avLst/>
+            </a:prstGeom>
+            <a:noFill/>
+            <a:ln w="57150">
+              <a:solidFill>
+                <a:schemeClr val="tx1"/>
+              </a:solidFill>
+            </a:ln>
+          </p:spPr>
+          <p:style>
+            <a:lnRef idx="2">
+              <a:schemeClr val="accent1">
+                <a:shade val="50000"/>
+              </a:schemeClr>
+            </a:lnRef>
+            <a:fillRef idx="1">
+              <a:schemeClr val="accent1"/>
+            </a:fillRef>
+            <a:effectRef idx="0">
+              <a:schemeClr val="accent1"/>
+            </a:effectRef>
+            <a:fontRef idx="minor">
+              <a:schemeClr val="lt1"/>
+            </a:fontRef>
+          </p:style>
+          <p:txBody>
+            <a:bodyPr rtlCol="0" anchor="ctr"/>
+            <a:lstStyle/>
+            <a:p>
+              <a:pPr algn="ctr"/>
+              <a:endParaRPr lang="en-CA"/>
+            </a:p>
+          </p:txBody>
+        </p:sp>
+        <p:sp>
+          <p:nvSpPr>
+            <p:cNvPr id="19" name="Freeform 18"/>
+            <p:cNvSpPr/>
+            <p:nvPr/>
+          </p:nvSpPr>
+          <p:spPr>
+            <a:xfrm>
+              <a:off x="2542905" y="5008453"/>
+              <a:ext cx="3650943" cy="833921"/>
+            </a:xfrm>
+            <a:custGeom>
+              <a:avLst/>
+              <a:gdLst>
+                <a:gd name="connsiteX0" fmla="*/ 293353 w 3623061"/>
+                <a:gd name="connsiteY0" fmla="*/ 0 h 1277497"/>
+                <a:gd name="connsiteX1" fmla="*/ 275936 w 3623061"/>
+                <a:gd name="connsiteY1" fmla="*/ 705394 h 1277497"/>
+                <a:gd name="connsiteX2" fmla="*/ 3202016 w 3623061"/>
+                <a:gd name="connsiteY2" fmla="*/ 1271451 h 1277497"/>
+                <a:gd name="connsiteX3" fmla="*/ 3541650 w 3623061"/>
+                <a:gd name="connsiteY3" fmla="*/ 339634 h 1277497"/>
+                <a:gd name="connsiteX0" fmla="*/ 272443 w 3546987"/>
+                <a:gd name="connsiteY0" fmla="*/ 0 h 1234466"/>
+                <a:gd name="connsiteX1" fmla="*/ 255026 w 3546987"/>
+                <a:gd name="connsiteY1" fmla="*/ 705394 h 1234466"/>
+                <a:gd name="connsiteX2" fmla="*/ 2885014 w 3546987"/>
+                <a:gd name="connsiteY2" fmla="*/ 1227908 h 1234466"/>
+                <a:gd name="connsiteX3" fmla="*/ 3520740 w 3546987"/>
+                <a:gd name="connsiteY3" fmla="*/ 339634 h 1234466"/>
+                <a:gd name="connsiteX0" fmla="*/ 272443 w 3544658"/>
+                <a:gd name="connsiteY0" fmla="*/ 0 h 1291258"/>
+                <a:gd name="connsiteX1" fmla="*/ 255026 w 3544658"/>
+                <a:gd name="connsiteY1" fmla="*/ 705394 h 1291258"/>
+                <a:gd name="connsiteX2" fmla="*/ 2885014 w 3544658"/>
+                <a:gd name="connsiteY2" fmla="*/ 1227908 h 1291258"/>
+                <a:gd name="connsiteX3" fmla="*/ 3520740 w 3544658"/>
+                <a:gd name="connsiteY3" fmla="*/ 339634 h 1291258"/>
+                <a:gd name="connsiteX0" fmla="*/ 243347 w 3515562"/>
+                <a:gd name="connsiteY0" fmla="*/ 0 h 1292613"/>
+                <a:gd name="connsiteX1" fmla="*/ 225930 w 3515562"/>
+                <a:gd name="connsiteY1" fmla="*/ 705394 h 1292613"/>
+                <a:gd name="connsiteX2" fmla="*/ 2855918 w 3515562"/>
+                <a:gd name="connsiteY2" fmla="*/ 1227908 h 1292613"/>
+                <a:gd name="connsiteX3" fmla="*/ 3491644 w 3515562"/>
+                <a:gd name="connsiteY3" fmla="*/ 339634 h 1292613"/>
+                <a:gd name="connsiteX0" fmla="*/ 99667 w 3370112"/>
+                <a:gd name="connsiteY0" fmla="*/ 0 h 1243148"/>
+                <a:gd name="connsiteX1" fmla="*/ 474135 w 3370112"/>
+                <a:gd name="connsiteY1" fmla="*/ 827314 h 1243148"/>
+                <a:gd name="connsiteX2" fmla="*/ 2712238 w 3370112"/>
+                <a:gd name="connsiteY2" fmla="*/ 1227908 h 1243148"/>
+                <a:gd name="connsiteX3" fmla="*/ 3347964 w 3370112"/>
+                <a:gd name="connsiteY3" fmla="*/ 339634 h 1243148"/>
+                <a:gd name="connsiteX0" fmla="*/ 74326 w 3344771"/>
+                <a:gd name="connsiteY0" fmla="*/ 0 h 1246244"/>
+                <a:gd name="connsiteX1" fmla="*/ 448794 w 3344771"/>
+                <a:gd name="connsiteY1" fmla="*/ 827314 h 1246244"/>
+                <a:gd name="connsiteX2" fmla="*/ 2686897 w 3344771"/>
+                <a:gd name="connsiteY2" fmla="*/ 1227908 h 1246244"/>
+                <a:gd name="connsiteX3" fmla="*/ 3322623 w 3344771"/>
+                <a:gd name="connsiteY3" fmla="*/ 339634 h 1246244"/>
+                <a:gd name="connsiteX0" fmla="*/ 0 w 3270445"/>
+                <a:gd name="connsiteY0" fmla="*/ 0 h 1246244"/>
+                <a:gd name="connsiteX1" fmla="*/ 374468 w 3270445"/>
+                <a:gd name="connsiteY1" fmla="*/ 827314 h 1246244"/>
+                <a:gd name="connsiteX2" fmla="*/ 2612571 w 3270445"/>
+                <a:gd name="connsiteY2" fmla="*/ 1227908 h 1246244"/>
+                <a:gd name="connsiteX3" fmla="*/ 3248297 w 3270445"/>
+                <a:gd name="connsiteY3" fmla="*/ 339634 h 1246244"/>
+                <a:gd name="connsiteX0" fmla="*/ 0 w 3249219"/>
+                <a:gd name="connsiteY0" fmla="*/ 0 h 1246244"/>
+                <a:gd name="connsiteX1" fmla="*/ 374468 w 3249219"/>
+                <a:gd name="connsiteY1" fmla="*/ 827314 h 1246244"/>
+                <a:gd name="connsiteX2" fmla="*/ 2612571 w 3249219"/>
+                <a:gd name="connsiteY2" fmla="*/ 1227908 h 1246244"/>
+                <a:gd name="connsiteX3" fmla="*/ 3248297 w 3249219"/>
+                <a:gd name="connsiteY3" fmla="*/ 339634 h 1246244"/>
+                <a:gd name="connsiteX0" fmla="*/ 0 w 3248729"/>
+                <a:gd name="connsiteY0" fmla="*/ 0 h 945052"/>
+                <a:gd name="connsiteX1" fmla="*/ 374468 w 3248729"/>
+                <a:gd name="connsiteY1" fmla="*/ 827314 h 945052"/>
+                <a:gd name="connsiteX2" fmla="*/ 2394857 w 3248729"/>
+                <a:gd name="connsiteY2" fmla="*/ 888274 h 945052"/>
+                <a:gd name="connsiteX3" fmla="*/ 3248297 w 3248729"/>
+                <a:gd name="connsiteY3" fmla="*/ 339634 h 945052"/>
+                <a:gd name="connsiteX0" fmla="*/ 0 w 3248700"/>
+                <a:gd name="connsiteY0" fmla="*/ 0 h 906908"/>
+                <a:gd name="connsiteX1" fmla="*/ 548640 w 3248700"/>
+                <a:gd name="connsiteY1" fmla="*/ 705394 h 906908"/>
+                <a:gd name="connsiteX2" fmla="*/ 2394857 w 3248700"/>
+                <a:gd name="connsiteY2" fmla="*/ 888274 h 906908"/>
+                <a:gd name="connsiteX3" fmla="*/ 3248297 w 3248700"/>
+                <a:gd name="connsiteY3" fmla="*/ 339634 h 906908"/>
+                <a:gd name="connsiteX0" fmla="*/ 0 w 3248700"/>
+                <a:gd name="connsiteY0" fmla="*/ 0 h 760737"/>
+                <a:gd name="connsiteX1" fmla="*/ 548640 w 3248700"/>
+                <a:gd name="connsiteY1" fmla="*/ 561465 h 760737"/>
+                <a:gd name="connsiteX2" fmla="*/ 2394857 w 3248700"/>
+                <a:gd name="connsiteY2" fmla="*/ 744345 h 760737"/>
+                <a:gd name="connsiteX3" fmla="*/ 3248297 w 3248700"/>
+                <a:gd name="connsiteY3" fmla="*/ 195705 h 760737"/>
+                <a:gd name="connsiteX0" fmla="*/ 0 w 3248700"/>
+                <a:gd name="connsiteY0" fmla="*/ 0 h 760737"/>
+                <a:gd name="connsiteX1" fmla="*/ 548640 w 3248700"/>
+                <a:gd name="connsiteY1" fmla="*/ 561465 h 760737"/>
+                <a:gd name="connsiteX2" fmla="*/ 2394857 w 3248700"/>
+                <a:gd name="connsiteY2" fmla="*/ 744345 h 760737"/>
+                <a:gd name="connsiteX3" fmla="*/ 3248297 w 3248700"/>
+                <a:gd name="connsiteY3" fmla="*/ 195705 h 760737"/>
+                <a:gd name="connsiteX0" fmla="*/ 0 w 3248700"/>
+                <a:gd name="connsiteY0" fmla="*/ 0 h 760737"/>
+                <a:gd name="connsiteX1" fmla="*/ 548640 w 3248700"/>
+                <a:gd name="connsiteY1" fmla="*/ 561465 h 760737"/>
+                <a:gd name="connsiteX2" fmla="*/ 2394857 w 3248700"/>
+                <a:gd name="connsiteY2" fmla="*/ 744345 h 760737"/>
+                <a:gd name="connsiteX3" fmla="*/ 3248297 w 3248700"/>
+                <a:gd name="connsiteY3" fmla="*/ 195705 h 760737"/>
+                <a:gd name="connsiteX0" fmla="*/ 0 w 3248700"/>
+                <a:gd name="connsiteY0" fmla="*/ 0 h 760737"/>
+                <a:gd name="connsiteX1" fmla="*/ 548640 w 3248700"/>
+                <a:gd name="connsiteY1" fmla="*/ 561465 h 760737"/>
+                <a:gd name="connsiteX2" fmla="*/ 2394857 w 3248700"/>
+                <a:gd name="connsiteY2" fmla="*/ 744345 h 760737"/>
+                <a:gd name="connsiteX3" fmla="*/ 3248297 w 3248700"/>
+                <a:gd name="connsiteY3" fmla="*/ 195705 h 760737"/>
+                <a:gd name="connsiteX0" fmla="*/ 1991 w 3250691"/>
+                <a:gd name="connsiteY0" fmla="*/ 0 h 760737"/>
+                <a:gd name="connsiteX1" fmla="*/ 550631 w 3250691"/>
+                <a:gd name="connsiteY1" fmla="*/ 561465 h 760737"/>
+                <a:gd name="connsiteX2" fmla="*/ 2396848 w 3250691"/>
+                <a:gd name="connsiteY2" fmla="*/ 744345 h 760737"/>
+                <a:gd name="connsiteX3" fmla="*/ 3250288 w 3250691"/>
+                <a:gd name="connsiteY3" fmla="*/ 195705 h 760737"/>
+                <a:gd name="connsiteX0" fmla="*/ 0 w 3248700"/>
+                <a:gd name="connsiteY0" fmla="*/ 0 h 760737"/>
+                <a:gd name="connsiteX1" fmla="*/ 548640 w 3248700"/>
+                <a:gd name="connsiteY1" fmla="*/ 561465 h 760737"/>
+                <a:gd name="connsiteX2" fmla="*/ 2394857 w 3248700"/>
+                <a:gd name="connsiteY2" fmla="*/ 744345 h 760737"/>
+                <a:gd name="connsiteX3" fmla="*/ 3248297 w 3248700"/>
+                <a:gd name="connsiteY3" fmla="*/ 195705 h 760737"/>
+                <a:gd name="connsiteX0" fmla="*/ 0 w 3313307"/>
+                <a:gd name="connsiteY0" fmla="*/ 0 h 750499"/>
+                <a:gd name="connsiteX1" fmla="*/ 548640 w 3313307"/>
+                <a:gd name="connsiteY1" fmla="*/ 561465 h 750499"/>
+                <a:gd name="connsiteX2" fmla="*/ 2394857 w 3313307"/>
+                <a:gd name="connsiteY2" fmla="*/ 744345 h 750499"/>
+                <a:gd name="connsiteX3" fmla="*/ 3312948 w 3313307"/>
+                <a:gd name="connsiteY3" fmla="*/ 375615 h 750499"/>
+                <a:gd name="connsiteX0" fmla="*/ 0 w 3312948"/>
+                <a:gd name="connsiteY0" fmla="*/ 0 h 750499"/>
+                <a:gd name="connsiteX1" fmla="*/ 548640 w 3312948"/>
+                <a:gd name="connsiteY1" fmla="*/ 561465 h 750499"/>
+                <a:gd name="connsiteX2" fmla="*/ 2394857 w 3312948"/>
+                <a:gd name="connsiteY2" fmla="*/ 744345 h 750499"/>
+                <a:gd name="connsiteX3" fmla="*/ 3312948 w 3312948"/>
+                <a:gd name="connsiteY3" fmla="*/ 375615 h 750499"/>
+                <a:gd name="connsiteX0" fmla="*/ 0 w 3313307"/>
+                <a:gd name="connsiteY0" fmla="*/ 0 h 750499"/>
+                <a:gd name="connsiteX1" fmla="*/ 548640 w 3313307"/>
+                <a:gd name="connsiteY1" fmla="*/ 561465 h 750499"/>
+                <a:gd name="connsiteX2" fmla="*/ 2394857 w 3313307"/>
+                <a:gd name="connsiteY2" fmla="*/ 744345 h 750499"/>
+                <a:gd name="connsiteX3" fmla="*/ 3312948 w 3313307"/>
+                <a:gd name="connsiteY3" fmla="*/ 375615 h 750499"/>
+                <a:gd name="connsiteX0" fmla="*/ 0 w 3318265"/>
+                <a:gd name="connsiteY0" fmla="*/ 0 h 750499"/>
+                <a:gd name="connsiteX1" fmla="*/ 548640 w 3318265"/>
+                <a:gd name="connsiteY1" fmla="*/ 561465 h 750499"/>
+                <a:gd name="connsiteX2" fmla="*/ 2394857 w 3318265"/>
+                <a:gd name="connsiteY2" fmla="*/ 744345 h 750499"/>
+                <a:gd name="connsiteX3" fmla="*/ 3312948 w 3318265"/>
+                <a:gd name="connsiteY3" fmla="*/ 375615 h 750499"/>
+                <a:gd name="connsiteX0" fmla="*/ 0 w 3350354"/>
+                <a:gd name="connsiteY0" fmla="*/ 0 h 752763"/>
+                <a:gd name="connsiteX1" fmla="*/ 548640 w 3350354"/>
+                <a:gd name="connsiteY1" fmla="*/ 561465 h 752763"/>
+                <a:gd name="connsiteX2" fmla="*/ 2394857 w 3350354"/>
+                <a:gd name="connsiteY2" fmla="*/ 744345 h 752763"/>
+                <a:gd name="connsiteX3" fmla="*/ 3345273 w 3350354"/>
+                <a:gd name="connsiteY3" fmla="*/ 332437 h 752763"/>
+                <a:gd name="connsiteX0" fmla="*/ 0 w 3364444"/>
+                <a:gd name="connsiteY0" fmla="*/ 0 h 752763"/>
+                <a:gd name="connsiteX1" fmla="*/ 548640 w 3364444"/>
+                <a:gd name="connsiteY1" fmla="*/ 561465 h 752763"/>
+                <a:gd name="connsiteX2" fmla="*/ 2394857 w 3364444"/>
+                <a:gd name="connsiteY2" fmla="*/ 744345 h 752763"/>
+                <a:gd name="connsiteX3" fmla="*/ 3345273 w 3364444"/>
+                <a:gd name="connsiteY3" fmla="*/ 332437 h 752763"/>
+                <a:gd name="connsiteX0" fmla="*/ 0 w 3383615"/>
+                <a:gd name="connsiteY0" fmla="*/ 0 h 752763"/>
+                <a:gd name="connsiteX1" fmla="*/ 548640 w 3383615"/>
+                <a:gd name="connsiteY1" fmla="*/ 561465 h 752763"/>
+                <a:gd name="connsiteX2" fmla="*/ 2394857 w 3383615"/>
+                <a:gd name="connsiteY2" fmla="*/ 744345 h 752763"/>
+                <a:gd name="connsiteX3" fmla="*/ 3345273 w 3383615"/>
+                <a:gd name="connsiteY3" fmla="*/ 332437 h 752763"/>
+                <a:gd name="connsiteX0" fmla="*/ 0 w 3382955"/>
+                <a:gd name="connsiteY0" fmla="*/ 0 h 813156"/>
+                <a:gd name="connsiteX1" fmla="*/ 548640 w 3382955"/>
+                <a:gd name="connsiteY1" fmla="*/ 561465 h 813156"/>
+                <a:gd name="connsiteX2" fmla="*/ 2394857 w 3382955"/>
+                <a:gd name="connsiteY2" fmla="*/ 744345 h 813156"/>
+                <a:gd name="connsiteX3" fmla="*/ 3345273 w 3382955"/>
+                <a:gd name="connsiteY3" fmla="*/ 332437 h 813156"/>
+                <a:gd name="connsiteX0" fmla="*/ 0 w 3381393"/>
+                <a:gd name="connsiteY0" fmla="*/ 0 h 762973"/>
+                <a:gd name="connsiteX1" fmla="*/ 548640 w 3381393"/>
+                <a:gd name="connsiteY1" fmla="*/ 561465 h 762973"/>
+                <a:gd name="connsiteX2" fmla="*/ 2394857 w 3381393"/>
+                <a:gd name="connsiteY2" fmla="*/ 744345 h 762973"/>
+                <a:gd name="connsiteX3" fmla="*/ 3345273 w 3381393"/>
+                <a:gd name="connsiteY3" fmla="*/ 332437 h 762973"/>
+                <a:gd name="connsiteX0" fmla="*/ 0 w 3386375"/>
+                <a:gd name="connsiteY0" fmla="*/ 0 h 830417"/>
+                <a:gd name="connsiteX1" fmla="*/ 548640 w 3386375"/>
+                <a:gd name="connsiteY1" fmla="*/ 561465 h 830417"/>
+                <a:gd name="connsiteX2" fmla="*/ 2507996 w 3386375"/>
+                <a:gd name="connsiteY2" fmla="*/ 816309 h 830417"/>
+                <a:gd name="connsiteX3" fmla="*/ 3345273 w 3386375"/>
+                <a:gd name="connsiteY3" fmla="*/ 332437 h 830417"/>
+                <a:gd name="connsiteX0" fmla="*/ 0 w 3386782"/>
+                <a:gd name="connsiteY0" fmla="*/ 0 h 711549"/>
+                <a:gd name="connsiteX1" fmla="*/ 548640 w 3386782"/>
+                <a:gd name="connsiteY1" fmla="*/ 561465 h 711549"/>
+                <a:gd name="connsiteX2" fmla="*/ 2516077 w 3386782"/>
+                <a:gd name="connsiteY2" fmla="*/ 686774 h 711549"/>
+                <a:gd name="connsiteX3" fmla="*/ 3345273 w 3386782"/>
+                <a:gd name="connsiteY3" fmla="*/ 332437 h 711549"/>
+                <a:gd name="connsiteX0" fmla="*/ 0 w 3387577"/>
+                <a:gd name="connsiteY0" fmla="*/ 0 h 696910"/>
+                <a:gd name="connsiteX1" fmla="*/ 548640 w 3387577"/>
+                <a:gd name="connsiteY1" fmla="*/ 561465 h 696910"/>
+                <a:gd name="connsiteX2" fmla="*/ 2516077 w 3387577"/>
+                <a:gd name="connsiteY2" fmla="*/ 686774 h 696910"/>
+                <a:gd name="connsiteX3" fmla="*/ 3345273 w 3387577"/>
+                <a:gd name="connsiteY3" fmla="*/ 332437 h 696910"/>
+                <a:gd name="connsiteX0" fmla="*/ 0 w 3387984"/>
+                <a:gd name="connsiteY0" fmla="*/ 0 h 689120"/>
+                <a:gd name="connsiteX1" fmla="*/ 548640 w 3387984"/>
+                <a:gd name="connsiteY1" fmla="*/ 561465 h 689120"/>
+                <a:gd name="connsiteX2" fmla="*/ 2516077 w 3387984"/>
+                <a:gd name="connsiteY2" fmla="*/ 686774 h 689120"/>
+                <a:gd name="connsiteX3" fmla="*/ 3345273 w 3387984"/>
+                <a:gd name="connsiteY3" fmla="*/ 332437 h 689120"/>
+                <a:gd name="connsiteX0" fmla="*/ 0 w 3387984"/>
+                <a:gd name="connsiteY0" fmla="*/ 0 h 689120"/>
+                <a:gd name="connsiteX1" fmla="*/ 548640 w 3387984"/>
+                <a:gd name="connsiteY1" fmla="*/ 561465 h 689120"/>
+                <a:gd name="connsiteX2" fmla="*/ 2516077 w 3387984"/>
+                <a:gd name="connsiteY2" fmla="*/ 686774 h 689120"/>
+                <a:gd name="connsiteX3" fmla="*/ 3345273 w 3387984"/>
+                <a:gd name="connsiteY3" fmla="*/ 332437 h 689120"/>
+              </a:gdLst>
+              <a:ahLst/>
+              <a:cxnLst>
+                <a:cxn ang="0">
+                  <a:pos x="connsiteX0" y="connsiteY0"/>
+                </a:cxn>
+                <a:cxn ang="0">
+                  <a:pos x="connsiteX1" y="connsiteY1"/>
+                </a:cxn>
+                <a:cxn ang="0">
+                  <a:pos x="connsiteX2" y="connsiteY2"/>
+                </a:cxn>
+                <a:cxn ang="0">
+                  <a:pos x="connsiteX3" y="connsiteY3"/>
+                </a:cxn>
+              </a:cxnLst>
+              <a:rect l="l" t="t" r="r" b="b"/>
+              <a:pathLst>
+                <a:path w="3387984" h="689120">
+                  <a:moveTo>
+                    <a:pt x="0" y="0"/>
+                  </a:moveTo>
+                  <a:cubicBezTo>
+                    <a:pt x="9532" y="406888"/>
+                    <a:pt x="129294" y="447003"/>
+                    <a:pt x="548640" y="561465"/>
+                  </a:cubicBezTo>
+                  <a:cubicBezTo>
+                    <a:pt x="967986" y="675927"/>
+                    <a:pt x="2082296" y="660177"/>
+                    <a:pt x="2516077" y="686774"/>
+                  </a:cubicBezTo>
+                  <a:cubicBezTo>
+                    <a:pt x="2949858" y="713371"/>
+                    <a:pt x="3554466" y="508794"/>
+                    <a:pt x="3345273" y="332437"/>
+                  </a:cubicBezTo>
+                </a:path>
+              </a:pathLst>
+            </a:custGeom>
+            <a:noFill/>
+            <a:ln w="57150">
+              <a:solidFill>
+                <a:schemeClr val="tx1"/>
+              </a:solidFill>
+              <a:headEnd type="none" w="med" len="med"/>
+              <a:tailEnd type="triangle" w="med" len="med"/>
+            </a:ln>
+          </p:spPr>
+          <p:style>
+            <a:lnRef idx="2">
+              <a:schemeClr val="accent1">
+                <a:shade val="50000"/>
+              </a:schemeClr>
+            </a:lnRef>
+            <a:fillRef idx="1">
+              <a:schemeClr val="accent1"/>
+            </a:fillRef>
+            <a:effectRef idx="0">
+              <a:schemeClr val="accent1"/>
+            </a:effectRef>
+            <a:fontRef idx="minor">
+              <a:schemeClr val="lt1"/>
+            </a:fontRef>
+          </p:style>
+          <p:txBody>
+            <a:bodyPr rtlCol="0" anchor="ctr"/>
+            <a:lstStyle/>
+            <a:p>
+              <a:pPr algn="ctr"/>
+              <a:endParaRPr lang="en-CA"/>
+            </a:p>
+          </p:txBody>
+        </p:sp>
+        <p:sp>
+          <p:nvSpPr>
+            <p:cNvPr id="20" name="TextBox 19"/>
+            <p:cNvSpPr txBox="1"/>
+            <p:nvPr/>
+          </p:nvSpPr>
+          <p:spPr>
+            <a:xfrm>
+              <a:off x="2429692" y="5946185"/>
+              <a:ext cx="3431178" cy="461665"/>
+            </a:xfrm>
+            <a:prstGeom prst="rect">
+              <a:avLst/>
+            </a:prstGeom>
+            <a:noFill/>
+          </p:spPr>
+          <p:txBody>
+            <a:bodyPr wrap="square" rtlCol="0">
+              <a:spAutoFit/>
+            </a:bodyPr>
+            <a:lstStyle/>
+            <a:p>
+              <a:r>
+                <a:rPr lang="en-CA" sz="2400" dirty="0" smtClean="0"/>
+                <a:t>Ground-truth Cobb angle</a:t>
+              </a:r>
+              <a:endParaRPr lang="en-CA" sz="2400" dirty="0"/>
+            </a:p>
+          </p:txBody>
+        </p:sp>
+        <p:sp>
+          <p:nvSpPr>
+            <p:cNvPr id="21" name="TextBox 20"/>
+            <p:cNvSpPr txBox="1"/>
+            <p:nvPr/>
+          </p:nvSpPr>
+          <p:spPr>
+            <a:xfrm>
+              <a:off x="5482046" y="4510149"/>
+              <a:ext cx="1341120" cy="461665"/>
+            </a:xfrm>
+            <a:prstGeom prst="rect">
+              <a:avLst/>
+            </a:prstGeom>
+            <a:noFill/>
+          </p:spPr>
+          <p:txBody>
+            <a:bodyPr wrap="square" rtlCol="0">
+              <a:spAutoFit/>
+            </a:bodyPr>
+            <a:lstStyle/>
+            <a:p>
+              <a:r>
+                <a:rPr lang="en-CA" sz="2400" dirty="0" smtClean="0"/>
+                <a:t>Compare</a:t>
+              </a:r>
+              <a:endParaRPr lang="en-CA" sz="2400" dirty="0"/>
+            </a:p>
+          </p:txBody>
+        </p:sp>
+        <p:sp>
+          <p:nvSpPr>
+            <p:cNvPr id="25" name="TextBox 24"/>
+            <p:cNvSpPr txBox="1"/>
+            <p:nvPr/>
+          </p:nvSpPr>
+          <p:spPr>
+            <a:xfrm>
+              <a:off x="6309360" y="1715765"/>
+              <a:ext cx="4493401" cy="830997"/>
+            </a:xfrm>
+            <a:prstGeom prst="rect">
+              <a:avLst/>
+            </a:prstGeom>
+            <a:noFill/>
+          </p:spPr>
+          <p:txBody>
+            <a:bodyPr wrap="square" rtlCol="0">
+              <a:spAutoFit/>
+            </a:bodyPr>
+            <a:lstStyle/>
+            <a:p>
+              <a:r>
+                <a:rPr lang="en-CA" sz="2400" dirty="0" smtClean="0"/>
+                <a:t>Completed, centered, normalized data with added errors</a:t>
+              </a:r>
+              <a:endParaRPr lang="en-CA" sz="2400" dirty="0"/>
+            </a:p>
+          </p:txBody>
+        </p:sp>
+        <p:sp>
+          <p:nvSpPr>
+            <p:cNvPr id="27" name="TextBox 26"/>
+            <p:cNvSpPr txBox="1"/>
+            <p:nvPr/>
+          </p:nvSpPr>
+          <p:spPr>
+            <a:xfrm>
+              <a:off x="6163380" y="3321257"/>
+              <a:ext cx="2721651" cy="830997"/>
+            </a:xfrm>
+            <a:prstGeom prst="rect">
+              <a:avLst/>
+            </a:prstGeom>
+            <a:noFill/>
+          </p:spPr>
+          <p:txBody>
+            <a:bodyPr wrap="square" rtlCol="0">
+              <a:spAutoFit/>
+            </a:bodyPr>
+            <a:lstStyle/>
+            <a:p>
+              <a:r>
+                <a:rPr lang="en-CA" sz="2400" dirty="0" smtClean="0"/>
+                <a:t>Network curvature estimate</a:t>
+              </a:r>
+              <a:endParaRPr lang="en-CA" sz="2400" dirty="0"/>
+            </a:p>
+          </p:txBody>
+        </p:sp>
+        <p:cxnSp>
+          <p:nvCxnSpPr>
+            <p:cNvPr id="29" name="Straight Arrow Connector 28"/>
+            <p:cNvCxnSpPr>
+              <a:stCxn id="14" idx="2"/>
+              <a:endCxn id="18" idx="0"/>
+            </p:cNvCxnSpPr>
+            <p:nvPr/>
+          </p:nvCxnSpPr>
+          <p:spPr>
+            <a:xfrm>
+              <a:off x="6122126" y="3383279"/>
+              <a:ext cx="0" cy="698372"/>
+            </a:xfrm>
+            <a:prstGeom prst="straightConnector1">
+              <a:avLst/>
+            </a:prstGeom>
+            <a:ln w="57150">
+              <a:solidFill>
+                <a:schemeClr val="tx1"/>
+              </a:solidFill>
+              <a:tailEnd type="triangle"/>
+            </a:ln>
+          </p:spPr>
+          <p:style>
+            <a:lnRef idx="1">
+              <a:schemeClr val="accent1"/>
+            </a:lnRef>
+            <a:fillRef idx="0">
+              <a:schemeClr val="accent1"/>
+            </a:fillRef>
+            <a:effectRef idx="0">
+              <a:schemeClr val="accent1"/>
+            </a:effectRef>
+            <a:fontRef idx="minor">
+              <a:schemeClr val="tx1"/>
+            </a:fontRef>
+          </p:style>
+        </p:cxnSp>
+        <p:sp>
+          <p:nvSpPr>
+            <p:cNvPr id="31" name="Striped Right Arrow 30"/>
+            <p:cNvSpPr/>
+            <p:nvPr/>
+          </p:nvSpPr>
+          <p:spPr>
+            <a:xfrm>
+              <a:off x="6823166" y="4411475"/>
+              <a:ext cx="624741" cy="646637"/>
+            </a:xfrm>
+            <a:prstGeom prst="stripedRightArrow">
+              <a:avLst>
+                <a:gd name="adj1" fmla="val 39370"/>
+                <a:gd name="adj2" fmla="val 61151"/>
+              </a:avLst>
+            </a:prstGeom>
+          </p:spPr>
+          <p:style>
+            <a:lnRef idx="2">
+              <a:schemeClr val="dk1">
+                <a:shade val="50000"/>
+              </a:schemeClr>
+            </a:lnRef>
+            <a:fillRef idx="1">
+              <a:schemeClr val="dk1"/>
+            </a:fillRef>
+            <a:effectRef idx="0">
+              <a:schemeClr val="dk1"/>
+            </a:effectRef>
+            <a:fontRef idx="minor">
+              <a:schemeClr val="lt1"/>
+            </a:fontRef>
+          </p:style>
+          <p:txBody>
+            <a:bodyPr rtlCol="0" anchor="ctr"/>
+            <a:lstStyle/>
+            <a:p>
+              <a:pPr algn="ctr"/>
+              <a:endParaRPr lang="en-CA"/>
+            </a:p>
+          </p:txBody>
+        </p:sp>
+        <p:sp>
+          <p:nvSpPr>
+            <p:cNvPr id="32" name="TextBox 31"/>
+            <p:cNvSpPr txBox="1"/>
+            <p:nvPr/>
+          </p:nvSpPr>
+          <p:spPr>
+            <a:xfrm>
+              <a:off x="7458904" y="4510149"/>
+              <a:ext cx="1872238" cy="461665"/>
+            </a:xfrm>
+            <a:prstGeom prst="rect">
+              <a:avLst/>
+            </a:prstGeom>
+            <a:noFill/>
+          </p:spPr>
+          <p:txBody>
+            <a:bodyPr wrap="square" rtlCol="0">
+              <a:spAutoFit/>
+            </a:bodyPr>
+            <a:lstStyle/>
+            <a:p>
+              <a:r>
+                <a:rPr lang="en-CA" sz="2400" dirty="0" smtClean="0"/>
+                <a:t>Performance</a:t>
+              </a:r>
+              <a:endParaRPr lang="en-CA" sz="2400" dirty="0"/>
+            </a:p>
+          </p:txBody>
+        </p:sp>
+        <p:cxnSp>
+          <p:nvCxnSpPr>
+            <p:cNvPr id="35" name="Straight Arrow Connector 34"/>
+            <p:cNvCxnSpPr>
+              <a:stCxn id="13" idx="2"/>
+              <a:endCxn id="14" idx="0"/>
+            </p:cNvCxnSpPr>
+            <p:nvPr/>
+          </p:nvCxnSpPr>
+          <p:spPr>
+            <a:xfrm>
+              <a:off x="6122126" y="1759254"/>
+              <a:ext cx="0" cy="727042"/>
+            </a:xfrm>
+            <a:prstGeom prst="straightConnector1">
+              <a:avLst/>
+            </a:prstGeom>
+            <a:ln w="57150">
+              <a:solidFill>
+                <a:schemeClr val="tx1"/>
+              </a:solidFill>
+              <a:tailEnd type="triangle"/>
+            </a:ln>
+          </p:spPr>
+          <p:style>
+            <a:lnRef idx="1">
+              <a:schemeClr val="accent1"/>
+            </a:lnRef>
+            <a:fillRef idx="0">
+              <a:schemeClr val="accent1"/>
+            </a:fillRef>
+            <a:effectRef idx="0">
+              <a:schemeClr val="accent1"/>
+            </a:effectRef>
+            <a:fontRef idx="minor">
+              <a:schemeClr val="tx1"/>
+            </a:fontRef>
+          </p:style>
+        </p:cxnSp>
+        <p:cxnSp>
+          <p:nvCxnSpPr>
+            <p:cNvPr id="37" name="Straight Arrow Connector 36"/>
+            <p:cNvCxnSpPr>
+              <a:endCxn id="13" idx="1"/>
+            </p:cNvCxnSpPr>
+            <p:nvPr/>
+          </p:nvCxnSpPr>
+          <p:spPr>
+            <a:xfrm>
+              <a:off x="3888155" y="1294646"/>
+              <a:ext cx="1336988" cy="16117"/>
+            </a:xfrm>
+            <a:prstGeom prst="straightConnector1">
+              <a:avLst/>
+            </a:prstGeom>
+            <a:ln w="57150">
+              <a:solidFill>
+                <a:schemeClr val="tx1"/>
+              </a:solidFill>
+              <a:tailEnd type="triangle"/>
+            </a:ln>
+          </p:spPr>
+          <p:style>
+            <a:lnRef idx="1">
+              <a:schemeClr val="accent1"/>
+            </a:lnRef>
+            <a:fillRef idx="0">
+              <a:schemeClr val="accent1"/>
+            </a:fillRef>
+            <a:effectRef idx="0">
+              <a:schemeClr val="accent1"/>
+            </a:effectRef>
+            <a:fontRef idx="minor">
+              <a:schemeClr val="tx1"/>
+            </a:fontRef>
+          </p:style>
+        </p:cxnSp>
+      </p:grpSp>
+    </p:spTree>
+    <p:extLst>
+      <p:ext uri="{BB962C8B-B14F-4D97-AF65-F5344CB8AC3E}">
+        <p14:creationId xmlns:p14="http://schemas.microsoft.com/office/powerpoint/2010/main" val="2534139990"/>
+      </p:ext>
+    </p:extLst>
+  </p:cSld>
+  <p:clrMapOvr>
+    <a:masterClrMapping/>
+  </p:clrMapOvr>
+</p:sld>
+</file>
+
+<file path=ppt/slides/slide3.xml><?xml version="1.0" encoding="utf-8"?>
+<p:sld xmlns:a="http://schemas.openxmlformats.org/drawingml/2006/main" xmlns:r="http://schemas.openxmlformats.org/officeDocument/2006/relationships" xmlns:p="http://schemas.openxmlformats.org/presentationml/2006/main">
+  <p:cSld>
+    <p:spTree>
+      <p:nvGrpSpPr>
+        <p:cNvPr id="1" name=""/>
+        <p:cNvGrpSpPr/>
+        <p:nvPr/>
+      </p:nvGrpSpPr>
+      <p:grpSpPr>
+        <a:xfrm>
+          <a:off x="0" y="0"/>
+          <a:ext cx="0" cy="0"/>
+          <a:chOff x="0" y="0"/>
+          <a:chExt cx="0" cy="0"/>
+        </a:xfrm>
+      </p:grpSpPr>
+      <p:grpSp>
+        <p:nvGrpSpPr>
+          <p:cNvPr id="68" name="Group 67"/>
+          <p:cNvGrpSpPr/>
+          <p:nvPr/>
+        </p:nvGrpSpPr>
+        <p:grpSpPr>
+          <a:xfrm>
+            <a:off x="873033" y="679269"/>
+            <a:ext cx="10791011" cy="5573485"/>
+            <a:chOff x="873033" y="679269"/>
+            <a:chExt cx="10791011" cy="5573485"/>
+          </a:xfrm>
+        </p:grpSpPr>
+        <p:sp>
+          <p:nvSpPr>
+            <p:cNvPr id="4" name="Rectangle 3"/>
+            <p:cNvSpPr/>
+            <p:nvPr/>
+          </p:nvSpPr>
+          <p:spPr>
+            <a:xfrm>
+              <a:off x="2325189" y="679269"/>
+              <a:ext cx="7428411" cy="5573485"/>
+            </a:xfrm>
+            <a:prstGeom prst="rect">
+              <a:avLst/>
+            </a:prstGeom>
+            <a:noFill/>
+            <a:ln w="57150">
+              <a:solidFill>
+                <a:schemeClr val="tx1"/>
+              </a:solidFill>
+            </a:ln>
+          </p:spPr>
+          <p:style>
+            <a:lnRef idx="2">
+              <a:schemeClr val="accent1">
+                <a:shade val="50000"/>
+              </a:schemeClr>
+            </a:lnRef>
+            <a:fillRef idx="1">
+              <a:schemeClr val="accent1"/>
+            </a:fillRef>
+            <a:effectRef idx="0">
+              <a:schemeClr val="accent1"/>
+            </a:effectRef>
+            <a:fontRef idx="minor">
+              <a:schemeClr val="lt1"/>
+            </a:fontRef>
+          </p:style>
+          <p:txBody>
+            <a:bodyPr rtlCol="0" anchor="ctr"/>
+            <a:lstStyle/>
+            <a:p>
+              <a:pPr algn="ctr"/>
+              <a:endParaRPr lang="en-CA"/>
+            </a:p>
+          </p:txBody>
+        </p:sp>
+        <p:sp>
+          <p:nvSpPr>
+            <p:cNvPr id="5" name="TextBox 4"/>
+            <p:cNvSpPr txBox="1"/>
+            <p:nvPr/>
+          </p:nvSpPr>
+          <p:spPr>
+            <a:xfrm>
+              <a:off x="4511039" y="679269"/>
+              <a:ext cx="3056709" cy="646331"/>
+            </a:xfrm>
+            <a:prstGeom prst="rect">
+              <a:avLst/>
+            </a:prstGeom>
+            <a:noFill/>
+          </p:spPr>
+          <p:txBody>
+            <a:bodyPr wrap="square" rtlCol="0">
+              <a:spAutoFit/>
+            </a:bodyPr>
+            <a:lstStyle/>
+            <a:p>
+              <a:r>
+                <a:rPr lang="en-CA" sz="3600" dirty="0" smtClean="0"/>
+                <a:t>Pre-processing</a:t>
+              </a:r>
+              <a:endParaRPr lang="en-CA" sz="3600" dirty="0"/>
+            </a:p>
+          </p:txBody>
+        </p:sp>
+        <p:sp>
+          <p:nvSpPr>
+            <p:cNvPr id="6" name="Right Arrow 5"/>
+            <p:cNvSpPr/>
+            <p:nvPr/>
+          </p:nvSpPr>
+          <p:spPr>
+            <a:xfrm>
+              <a:off x="879566" y="3120897"/>
+              <a:ext cx="1445623" cy="583474"/>
+            </a:xfrm>
+            <a:prstGeom prst="rightArrow">
+              <a:avLst/>
+            </a:prstGeom>
+            <a:solidFill>
+              <a:schemeClr val="tx1"/>
+            </a:solidFill>
+            <a:ln>
+              <a:solidFill>
+                <a:schemeClr val="tx1"/>
+              </a:solidFill>
+            </a:ln>
+          </p:spPr>
+          <p:style>
+            <a:lnRef idx="2">
+              <a:schemeClr val="accent1">
+                <a:shade val="50000"/>
+              </a:schemeClr>
+            </a:lnRef>
+            <a:fillRef idx="1">
+              <a:schemeClr val="accent1"/>
+            </a:fillRef>
+            <a:effectRef idx="0">
+              <a:schemeClr val="accent1"/>
+            </a:effectRef>
+            <a:fontRef idx="minor">
+              <a:schemeClr val="lt1"/>
+            </a:fontRef>
+          </p:style>
+          <p:txBody>
+            <a:bodyPr rtlCol="0" anchor="ctr"/>
+            <a:lstStyle/>
+            <a:p>
+              <a:pPr algn="ctr"/>
+              <a:endParaRPr lang="en-CA"/>
+            </a:p>
+          </p:txBody>
+        </p:sp>
+        <p:sp>
+          <p:nvSpPr>
+            <p:cNvPr id="7" name="TextBox 6"/>
+            <p:cNvSpPr txBox="1"/>
+            <p:nvPr/>
+          </p:nvSpPr>
+          <p:spPr>
+            <a:xfrm>
+              <a:off x="873033" y="2055218"/>
+              <a:ext cx="1759132" cy="1200329"/>
+            </a:xfrm>
+            <a:prstGeom prst="rect">
+              <a:avLst/>
+            </a:prstGeom>
+            <a:noFill/>
+          </p:spPr>
+          <p:txBody>
+            <a:bodyPr wrap="square" rtlCol="0">
+              <a:spAutoFit/>
+            </a:bodyPr>
+            <a:lstStyle/>
+            <a:p>
+              <a:r>
+                <a:rPr lang="en-CA" sz="2400" dirty="0" smtClean="0"/>
+                <a:t>Original landmark data</a:t>
+              </a:r>
+              <a:endParaRPr lang="en-CA" sz="2400" dirty="0"/>
+            </a:p>
+          </p:txBody>
+        </p:sp>
+        <p:cxnSp>
+          <p:nvCxnSpPr>
+            <p:cNvPr id="23" name="Elbow Connector 22"/>
+            <p:cNvCxnSpPr>
+              <a:stCxn id="42" idx="0"/>
+            </p:cNvCxnSpPr>
+            <p:nvPr/>
+          </p:nvCxnSpPr>
+          <p:spPr>
+            <a:xfrm rot="5400000" flipH="1" flipV="1">
+              <a:off x="3478030" y="1605683"/>
+              <a:ext cx="1158242" cy="1569639"/>
+            </a:xfrm>
+            <a:prstGeom prst="bentConnector2">
+              <a:avLst/>
+            </a:prstGeom>
+            <a:ln w="57150">
+              <a:solidFill>
+                <a:schemeClr val="tx1"/>
+              </a:solidFill>
+              <a:tailEnd type="triangle"/>
+            </a:ln>
+          </p:spPr>
+          <p:style>
+            <a:lnRef idx="1">
+              <a:schemeClr val="accent1"/>
+            </a:lnRef>
+            <a:fillRef idx="0">
+              <a:schemeClr val="accent1"/>
+            </a:fillRef>
+            <a:effectRef idx="0">
+              <a:schemeClr val="accent1"/>
+            </a:effectRef>
+            <a:fontRef idx="minor">
+              <a:schemeClr val="tx1"/>
+            </a:fontRef>
+          </p:style>
+        </p:cxnSp>
+        <p:cxnSp>
+          <p:nvCxnSpPr>
+            <p:cNvPr id="27" name="Elbow Connector 26"/>
+            <p:cNvCxnSpPr>
+              <a:stCxn id="42" idx="2"/>
+              <a:endCxn id="48" idx="1"/>
+            </p:cNvCxnSpPr>
+            <p:nvPr/>
+          </p:nvCxnSpPr>
+          <p:spPr>
+            <a:xfrm rot="16200000" flipH="1">
+              <a:off x="3416022" y="3749041"/>
+              <a:ext cx="1234586" cy="1521966"/>
+            </a:xfrm>
+            <a:prstGeom prst="bentConnector2">
+              <a:avLst/>
+            </a:prstGeom>
+            <a:ln w="57150">
+              <a:solidFill>
+                <a:schemeClr val="tx1"/>
+              </a:solidFill>
+              <a:tailEnd type="triangle"/>
+            </a:ln>
+          </p:spPr>
+          <p:style>
+            <a:lnRef idx="1">
+              <a:schemeClr val="accent1"/>
+            </a:lnRef>
+            <a:fillRef idx="0">
+              <a:schemeClr val="accent1"/>
+            </a:fillRef>
+            <a:effectRef idx="0">
+              <a:schemeClr val="accent1"/>
+            </a:effectRef>
+            <a:fontRef idx="minor">
+              <a:schemeClr val="tx1"/>
+            </a:fontRef>
+          </p:style>
+        </p:cxnSp>
+        <p:grpSp>
+          <p:nvGrpSpPr>
+            <p:cNvPr id="51" name="Group 50"/>
+            <p:cNvGrpSpPr/>
+            <p:nvPr/>
+          </p:nvGrpSpPr>
+          <p:grpSpPr>
+            <a:xfrm>
+              <a:off x="2325187" y="2969623"/>
+              <a:ext cx="1894290" cy="923108"/>
+              <a:chOff x="2325187" y="2969623"/>
+              <a:chExt cx="1894290" cy="923108"/>
+            </a:xfrm>
+          </p:grpSpPr>
+          <p:sp>
+            <p:nvSpPr>
+              <p:cNvPr id="16" name="TextBox 15"/>
+              <p:cNvSpPr txBox="1"/>
+              <p:nvPr/>
+            </p:nvSpPr>
+            <p:spPr>
+              <a:xfrm>
+                <a:off x="2557053" y="3165502"/>
+                <a:ext cx="1389017" cy="461665"/>
+              </a:xfrm>
+              <a:prstGeom prst="rect">
+                <a:avLst/>
+              </a:prstGeom>
+              <a:noFill/>
+            </p:spPr>
+            <p:txBody>
+              <a:bodyPr wrap="square" rtlCol="0">
+                <a:spAutoFit/>
+              </a:bodyPr>
+              <a:lstStyle/>
+              <a:p>
+                <a:r>
+                  <a:rPr lang="en-CA" sz="2400" dirty="0" smtClean="0"/>
+                  <a:t>Centering</a:t>
+                </a:r>
+                <a:endParaRPr lang="en-CA" sz="2400" dirty="0"/>
+              </a:p>
+            </p:txBody>
+          </p:sp>
+          <p:sp>
+            <p:nvSpPr>
+              <p:cNvPr id="42" name="Rectangle 41"/>
+              <p:cNvSpPr/>
+              <p:nvPr/>
+            </p:nvSpPr>
+            <p:spPr>
+              <a:xfrm>
+                <a:off x="2325187" y="2969623"/>
+                <a:ext cx="1894290" cy="923108"/>
+              </a:xfrm>
+              <a:prstGeom prst="rect">
+                <a:avLst/>
+              </a:prstGeom>
+              <a:noFill/>
+              <a:ln w="57150">
+                <a:solidFill>
+                  <a:schemeClr val="tx1"/>
+                </a:solidFill>
+              </a:ln>
+            </p:spPr>
+            <p:style>
+              <a:lnRef idx="2">
+                <a:schemeClr val="accent1">
+                  <a:shade val="50000"/>
+                </a:schemeClr>
+              </a:lnRef>
+              <a:fillRef idx="1">
+                <a:schemeClr val="accent1"/>
+              </a:fillRef>
+              <a:effectRef idx="0">
+                <a:schemeClr val="accent1"/>
+              </a:effectRef>
+              <a:fontRef idx="minor">
+                <a:schemeClr val="lt1"/>
+              </a:fontRef>
+            </p:style>
+            <p:txBody>
+              <a:bodyPr rtlCol="0" anchor="ctr"/>
+              <a:lstStyle/>
+              <a:p>
+                <a:pPr algn="ctr"/>
+                <a:endParaRPr lang="en-CA"/>
+              </a:p>
+            </p:txBody>
+          </p:sp>
+        </p:grpSp>
+        <p:grpSp>
+          <p:nvGrpSpPr>
+            <p:cNvPr id="50" name="Group 49"/>
+            <p:cNvGrpSpPr/>
+            <p:nvPr/>
+          </p:nvGrpSpPr>
+          <p:grpSpPr>
+            <a:xfrm>
+              <a:off x="4861557" y="1426399"/>
+              <a:ext cx="2142308" cy="870857"/>
+              <a:chOff x="4861557" y="1426399"/>
+              <a:chExt cx="2142308" cy="870857"/>
+            </a:xfrm>
+          </p:grpSpPr>
+          <p:sp>
+            <p:nvSpPr>
+              <p:cNvPr id="25" name="TextBox 24"/>
+              <p:cNvSpPr txBox="1"/>
+              <p:nvPr/>
+            </p:nvSpPr>
+            <p:spPr>
+              <a:xfrm>
+                <a:off x="4893670" y="1447035"/>
+                <a:ext cx="2078082" cy="830997"/>
+              </a:xfrm>
+              <a:prstGeom prst="rect">
+                <a:avLst/>
+              </a:prstGeom>
+              <a:noFill/>
+            </p:spPr>
+            <p:txBody>
+              <a:bodyPr wrap="square" rtlCol="0">
+                <a:spAutoFit/>
+              </a:bodyPr>
+              <a:lstStyle/>
+              <a:p>
+                <a:pPr algn="ctr"/>
+                <a:r>
+                  <a:rPr lang="en-CA" sz="2400" dirty="0" smtClean="0"/>
+                  <a:t>Extrapolation to completion</a:t>
+                </a:r>
+                <a:endParaRPr lang="en-CA" sz="2400" dirty="0"/>
+              </a:p>
+            </p:txBody>
+          </p:sp>
+          <p:sp>
+            <p:nvSpPr>
+              <p:cNvPr id="45" name="Rectangle 44"/>
+              <p:cNvSpPr/>
+              <p:nvPr/>
+            </p:nvSpPr>
+            <p:spPr>
+              <a:xfrm>
+                <a:off x="4861557" y="1426399"/>
+                <a:ext cx="2142308" cy="870857"/>
+              </a:xfrm>
+              <a:prstGeom prst="rect">
+                <a:avLst/>
+              </a:prstGeom>
+              <a:noFill/>
+              <a:ln w="57150">
+                <a:solidFill>
+                  <a:schemeClr val="tx1"/>
+                </a:solidFill>
+              </a:ln>
+            </p:spPr>
+            <p:style>
+              <a:lnRef idx="2">
+                <a:schemeClr val="accent1">
+                  <a:shade val="50000"/>
+                </a:schemeClr>
+              </a:lnRef>
+              <a:fillRef idx="1">
+                <a:schemeClr val="accent1"/>
+              </a:fillRef>
+              <a:effectRef idx="0">
+                <a:schemeClr val="accent1"/>
+              </a:effectRef>
+              <a:fontRef idx="minor">
+                <a:schemeClr val="lt1"/>
+              </a:fontRef>
+            </p:style>
+            <p:txBody>
+              <a:bodyPr rtlCol="0" anchor="ctr"/>
+              <a:lstStyle/>
+              <a:p>
+                <a:pPr algn="ctr"/>
+                <a:endParaRPr lang="en-CA"/>
+              </a:p>
+            </p:txBody>
+          </p:sp>
+        </p:grpSp>
+        <p:grpSp>
+          <p:nvGrpSpPr>
+            <p:cNvPr id="49" name="Group 48"/>
+            <p:cNvGrpSpPr/>
+            <p:nvPr/>
+          </p:nvGrpSpPr>
+          <p:grpSpPr>
+            <a:xfrm>
+              <a:off x="4794298" y="4613511"/>
+              <a:ext cx="2285998" cy="1027612"/>
+              <a:chOff x="5987145" y="4850674"/>
+              <a:chExt cx="2285998" cy="1027612"/>
+            </a:xfrm>
+          </p:grpSpPr>
+          <p:sp>
+            <p:nvSpPr>
+              <p:cNvPr id="32" name="TextBox 31"/>
+              <p:cNvSpPr txBox="1"/>
+              <p:nvPr/>
+            </p:nvSpPr>
+            <p:spPr>
+              <a:xfrm>
+                <a:off x="6019802" y="4937606"/>
+                <a:ext cx="2220684" cy="830997"/>
+              </a:xfrm>
+              <a:prstGeom prst="rect">
+                <a:avLst/>
+              </a:prstGeom>
+              <a:noFill/>
+            </p:spPr>
+            <p:txBody>
+              <a:bodyPr wrap="square" rtlCol="0">
+                <a:spAutoFit/>
+              </a:bodyPr>
+              <a:lstStyle/>
+              <a:p>
+                <a:pPr algn="ctr"/>
+                <a:r>
+                  <a:rPr lang="en-CA" sz="2400" dirty="0" smtClean="0"/>
+                  <a:t>Ultrasound error simulation</a:t>
+                </a:r>
+                <a:endParaRPr lang="en-CA" sz="2400" dirty="0"/>
+              </a:p>
+            </p:txBody>
+          </p:sp>
+          <p:sp>
+            <p:nvSpPr>
+              <p:cNvPr id="48" name="Rectangle 47"/>
+              <p:cNvSpPr/>
+              <p:nvPr/>
+            </p:nvSpPr>
+            <p:spPr>
+              <a:xfrm>
+                <a:off x="5987145" y="4850674"/>
+                <a:ext cx="2285998" cy="1027612"/>
+              </a:xfrm>
+              <a:prstGeom prst="rect">
+                <a:avLst/>
+              </a:prstGeom>
+              <a:noFill/>
+              <a:ln w="57150">
+                <a:solidFill>
+                  <a:schemeClr val="tx1"/>
+                </a:solidFill>
+              </a:ln>
+            </p:spPr>
+            <p:style>
+              <a:lnRef idx="2">
+                <a:schemeClr val="accent1">
+                  <a:shade val="50000"/>
+                </a:schemeClr>
+              </a:lnRef>
+              <a:fillRef idx="1">
+                <a:schemeClr val="accent1"/>
+              </a:fillRef>
+              <a:effectRef idx="0">
+                <a:schemeClr val="accent1"/>
+              </a:effectRef>
+              <a:fontRef idx="minor">
+                <a:schemeClr val="lt1"/>
+              </a:fontRef>
+            </p:style>
+            <p:txBody>
+              <a:bodyPr rtlCol="0" anchor="ctr"/>
+              <a:lstStyle/>
+              <a:p>
+                <a:pPr algn="ctr"/>
+                <a:endParaRPr lang="en-CA"/>
+              </a:p>
+            </p:txBody>
+          </p:sp>
+        </p:grpSp>
+        <p:grpSp>
+          <p:nvGrpSpPr>
+            <p:cNvPr id="56" name="Group 55"/>
+            <p:cNvGrpSpPr/>
+            <p:nvPr/>
+          </p:nvGrpSpPr>
+          <p:grpSpPr>
+            <a:xfrm>
+              <a:off x="5111928" y="2998299"/>
+              <a:ext cx="1636985" cy="868309"/>
+              <a:chOff x="4861557" y="2954754"/>
+              <a:chExt cx="2201321" cy="868309"/>
+            </a:xfrm>
+          </p:grpSpPr>
+          <p:sp>
+            <p:nvSpPr>
+              <p:cNvPr id="38" name="TextBox 37"/>
+              <p:cNvSpPr txBox="1"/>
+              <p:nvPr/>
+            </p:nvSpPr>
+            <p:spPr>
+              <a:xfrm>
+                <a:off x="5072356" y="2954754"/>
+                <a:ext cx="1885433" cy="830997"/>
+              </a:xfrm>
+              <a:prstGeom prst="rect">
+                <a:avLst/>
+              </a:prstGeom>
+              <a:noFill/>
+            </p:spPr>
+            <p:txBody>
+              <a:bodyPr wrap="square" rtlCol="0">
+                <a:spAutoFit/>
+              </a:bodyPr>
+              <a:lstStyle/>
+              <a:p>
+                <a:pPr algn="ctr"/>
+                <a:r>
+                  <a:rPr lang="en-CA" sz="2400" dirty="0" smtClean="0"/>
+                  <a:t>Set splicing</a:t>
+                </a:r>
+                <a:endParaRPr lang="en-CA" sz="2400" dirty="0"/>
+              </a:p>
+            </p:txBody>
+          </p:sp>
+          <p:sp>
+            <p:nvSpPr>
+              <p:cNvPr id="55" name="Rectangle 54"/>
+              <p:cNvSpPr/>
+              <p:nvPr/>
+            </p:nvSpPr>
+            <p:spPr>
+              <a:xfrm>
+                <a:off x="4861557" y="2954754"/>
+                <a:ext cx="2201321" cy="868309"/>
+              </a:xfrm>
+              <a:prstGeom prst="rect">
+                <a:avLst/>
+              </a:prstGeom>
+              <a:noFill/>
+              <a:ln w="57150">
+                <a:solidFill>
+                  <a:schemeClr val="tx1"/>
+                </a:solidFill>
+              </a:ln>
+            </p:spPr>
+            <p:style>
+              <a:lnRef idx="2">
+                <a:schemeClr val="accent1">
+                  <a:shade val="50000"/>
+                </a:schemeClr>
+              </a:lnRef>
+              <a:fillRef idx="1">
+                <a:schemeClr val="accent1"/>
+              </a:fillRef>
+              <a:effectRef idx="0">
+                <a:schemeClr val="accent1"/>
+              </a:effectRef>
+              <a:fontRef idx="minor">
+                <a:schemeClr val="lt1"/>
+              </a:fontRef>
+            </p:style>
+            <p:txBody>
+              <a:bodyPr rtlCol="0" anchor="ctr"/>
+              <a:lstStyle/>
+              <a:p>
+                <a:pPr algn="ctr"/>
+                <a:endParaRPr lang="en-CA"/>
+              </a:p>
+            </p:txBody>
+          </p:sp>
+        </p:grpSp>
+        <p:cxnSp>
+          <p:nvCxnSpPr>
+            <p:cNvPr id="58" name="Straight Arrow Connector 57"/>
+            <p:cNvCxnSpPr>
+              <a:stCxn id="45" idx="2"/>
+              <a:endCxn id="55" idx="0"/>
+            </p:cNvCxnSpPr>
+            <p:nvPr/>
+          </p:nvCxnSpPr>
+          <p:spPr>
+            <a:xfrm flipH="1">
+              <a:off x="5930421" y="2297256"/>
+              <a:ext cx="2290" cy="701043"/>
+            </a:xfrm>
+            <a:prstGeom prst="straightConnector1">
+              <a:avLst/>
+            </a:prstGeom>
+            <a:ln w="57150">
+              <a:solidFill>
+                <a:schemeClr val="tx1"/>
+              </a:solidFill>
+              <a:tailEnd type="triangle"/>
+            </a:ln>
+          </p:spPr>
+          <p:style>
+            <a:lnRef idx="1">
+              <a:schemeClr val="accent1"/>
+            </a:lnRef>
+            <a:fillRef idx="0">
+              <a:schemeClr val="accent1"/>
+            </a:fillRef>
+            <a:effectRef idx="0">
+              <a:schemeClr val="accent1"/>
+            </a:effectRef>
+            <a:fontRef idx="minor">
+              <a:schemeClr val="tx1"/>
+            </a:fontRef>
+          </p:style>
+        </p:cxnSp>
+        <p:cxnSp>
+          <p:nvCxnSpPr>
+            <p:cNvPr id="60" name="Straight Arrow Connector 59"/>
+            <p:cNvCxnSpPr>
+              <a:stCxn id="48" idx="0"/>
+              <a:endCxn id="55" idx="2"/>
+            </p:cNvCxnSpPr>
+            <p:nvPr/>
+          </p:nvCxnSpPr>
+          <p:spPr>
+            <a:xfrm flipH="1" flipV="1">
+              <a:off x="5930421" y="3866608"/>
+              <a:ext cx="6876" cy="746903"/>
+            </a:xfrm>
+            <a:prstGeom prst="straightConnector1">
+              <a:avLst/>
+            </a:prstGeom>
+            <a:ln w="57150">
+              <a:solidFill>
+                <a:schemeClr val="tx1"/>
+              </a:solidFill>
+              <a:tailEnd type="triangle"/>
+            </a:ln>
+          </p:spPr>
+          <p:style>
+            <a:lnRef idx="1">
+              <a:schemeClr val="accent1"/>
+            </a:lnRef>
+            <a:fillRef idx="0">
+              <a:schemeClr val="accent1"/>
+            </a:fillRef>
+            <a:effectRef idx="0">
+              <a:schemeClr val="accent1"/>
+            </a:effectRef>
+            <a:fontRef idx="minor">
+              <a:schemeClr val="tx1"/>
+            </a:fontRef>
+          </p:style>
+        </p:cxnSp>
+        <p:grpSp>
+          <p:nvGrpSpPr>
+            <p:cNvPr id="61" name="Group 60"/>
+            <p:cNvGrpSpPr/>
+            <p:nvPr/>
+          </p:nvGrpSpPr>
+          <p:grpSpPr>
+            <a:xfrm>
+              <a:off x="7552279" y="2995897"/>
+              <a:ext cx="2201321" cy="868309"/>
+              <a:chOff x="4861557" y="2954754"/>
+              <a:chExt cx="2201321" cy="868309"/>
+            </a:xfrm>
+          </p:grpSpPr>
+          <p:sp>
+            <p:nvSpPr>
+              <p:cNvPr id="62" name="TextBox 61"/>
+              <p:cNvSpPr txBox="1"/>
+              <p:nvPr/>
+            </p:nvSpPr>
+            <p:spPr>
+              <a:xfrm>
+                <a:off x="4989147" y="3121957"/>
+                <a:ext cx="1946140" cy="461665"/>
+              </a:xfrm>
+              <a:prstGeom prst="rect">
+                <a:avLst/>
+              </a:prstGeom>
+              <a:noFill/>
+            </p:spPr>
+            <p:txBody>
+              <a:bodyPr wrap="square" rtlCol="0">
+                <a:spAutoFit/>
+              </a:bodyPr>
+              <a:lstStyle/>
+              <a:p>
+                <a:pPr algn="ctr"/>
+                <a:r>
+                  <a:rPr lang="en-CA" sz="2400" dirty="0" smtClean="0"/>
+                  <a:t>Normalization</a:t>
+                </a:r>
+                <a:endParaRPr lang="en-CA" sz="2400" dirty="0"/>
+              </a:p>
+            </p:txBody>
+          </p:sp>
+          <p:sp>
+            <p:nvSpPr>
+              <p:cNvPr id="63" name="Rectangle 62"/>
+              <p:cNvSpPr/>
+              <p:nvPr/>
+            </p:nvSpPr>
+            <p:spPr>
+              <a:xfrm>
+                <a:off x="4861557" y="2954754"/>
+                <a:ext cx="2201321" cy="868309"/>
+              </a:xfrm>
+              <a:prstGeom prst="rect">
+                <a:avLst/>
+              </a:prstGeom>
+              <a:noFill/>
+              <a:ln w="57150">
+                <a:solidFill>
+                  <a:schemeClr val="tx1"/>
+                </a:solidFill>
+              </a:ln>
+            </p:spPr>
+            <p:style>
+              <a:lnRef idx="2">
+                <a:schemeClr val="accent1">
+                  <a:shade val="50000"/>
+                </a:schemeClr>
+              </a:lnRef>
+              <a:fillRef idx="1">
+                <a:schemeClr val="accent1"/>
+              </a:fillRef>
+              <a:effectRef idx="0">
+                <a:schemeClr val="accent1"/>
+              </a:effectRef>
+              <a:fontRef idx="minor">
+                <a:schemeClr val="lt1"/>
+              </a:fontRef>
+            </p:style>
+            <p:txBody>
+              <a:bodyPr rtlCol="0" anchor="ctr"/>
+              <a:lstStyle/>
+              <a:p>
+                <a:pPr algn="ctr"/>
+                <a:endParaRPr lang="en-CA"/>
+              </a:p>
+            </p:txBody>
+          </p:sp>
+        </p:grpSp>
+        <p:cxnSp>
+          <p:nvCxnSpPr>
+            <p:cNvPr id="65" name="Straight Arrow Connector 64"/>
+            <p:cNvCxnSpPr>
+              <a:stCxn id="55" idx="3"/>
+              <a:endCxn id="63" idx="1"/>
+            </p:cNvCxnSpPr>
+            <p:nvPr/>
+          </p:nvCxnSpPr>
+          <p:spPr>
+            <a:xfrm flipV="1">
+              <a:off x="6748913" y="3430052"/>
+              <a:ext cx="803366" cy="2402"/>
+            </a:xfrm>
+            <a:prstGeom prst="straightConnector1">
+              <a:avLst/>
+            </a:prstGeom>
+            <a:ln w="57150">
+              <a:solidFill>
+                <a:schemeClr val="tx1"/>
+              </a:solidFill>
+              <a:tailEnd type="triangle"/>
+            </a:ln>
+          </p:spPr>
+          <p:style>
+            <a:lnRef idx="1">
+              <a:schemeClr val="accent1"/>
+            </a:lnRef>
+            <a:fillRef idx="0">
+              <a:schemeClr val="accent1"/>
+            </a:fillRef>
+            <a:effectRef idx="0">
+              <a:schemeClr val="accent1"/>
+            </a:effectRef>
+            <a:fontRef idx="minor">
+              <a:schemeClr val="tx1"/>
+            </a:fontRef>
+          </p:style>
+        </p:cxnSp>
+        <p:sp>
+          <p:nvSpPr>
+            <p:cNvPr id="66" name="Right Arrow 65"/>
+            <p:cNvSpPr/>
+            <p:nvPr/>
+          </p:nvSpPr>
+          <p:spPr>
+            <a:xfrm>
+              <a:off x="9760133" y="3163100"/>
+              <a:ext cx="1445623" cy="583474"/>
+            </a:xfrm>
+            <a:prstGeom prst="rightArrow">
+              <a:avLst/>
+            </a:prstGeom>
+            <a:solidFill>
+              <a:schemeClr val="tx1"/>
+            </a:solidFill>
+            <a:ln>
+              <a:solidFill>
+                <a:schemeClr val="tx1"/>
+              </a:solidFill>
+            </a:ln>
+          </p:spPr>
+          <p:style>
+            <a:lnRef idx="2">
+              <a:schemeClr val="accent1">
+                <a:shade val="50000"/>
+              </a:schemeClr>
+            </a:lnRef>
+            <a:fillRef idx="1">
+              <a:schemeClr val="accent1"/>
+            </a:fillRef>
+            <a:effectRef idx="0">
+              <a:schemeClr val="accent1"/>
+            </a:effectRef>
+            <a:fontRef idx="minor">
+              <a:schemeClr val="lt1"/>
+            </a:fontRef>
+          </p:style>
+          <p:txBody>
+            <a:bodyPr rtlCol="0" anchor="ctr"/>
+            <a:lstStyle/>
+            <a:p>
+              <a:pPr algn="ctr"/>
+              <a:endParaRPr lang="en-CA"/>
+            </a:p>
+          </p:txBody>
+        </p:sp>
+        <p:sp>
+          <p:nvSpPr>
+            <p:cNvPr id="67" name="TextBox 66"/>
+            <p:cNvSpPr txBox="1"/>
+            <p:nvPr/>
+          </p:nvSpPr>
+          <p:spPr>
+            <a:xfrm>
+              <a:off x="9774055" y="2055218"/>
+              <a:ext cx="1889989" cy="1200329"/>
+            </a:xfrm>
+            <a:prstGeom prst="rect">
+              <a:avLst/>
+            </a:prstGeom>
+            <a:noFill/>
+          </p:spPr>
+          <p:txBody>
+            <a:bodyPr wrap="square" rtlCol="0">
+              <a:spAutoFit/>
+            </a:bodyPr>
+            <a:lstStyle/>
+            <a:p>
+              <a:r>
+                <a:rPr lang="en-CA" sz="2400" dirty="0" smtClean="0"/>
+                <a:t>Data suitable for neural network</a:t>
+              </a:r>
+              <a:endParaRPr lang="en-CA" sz="2400" dirty="0"/>
+            </a:p>
+          </p:txBody>
+        </p:sp>
+      </p:grpSp>
+    </p:spTree>
+    <p:extLst>
+      <p:ext uri="{BB962C8B-B14F-4D97-AF65-F5344CB8AC3E}">
+        <p14:creationId xmlns:p14="http://schemas.microsoft.com/office/powerpoint/2010/main" val="2622841153"/>
+      </p:ext>
+    </p:extLst>
+  </p:cSld>
+  <p:clrMapOvr>
+    <a:masterClrMapping/>
+  </p:clrMapOvr>
+</p:sld>
+</file>
+
+<file path=ppt/slides/slide4.xml><?xml version="1.0" encoding="utf-8"?>
+<p:sld xmlns:a="http://schemas.openxmlformats.org/drawingml/2006/main" xmlns:r="http://schemas.openxmlformats.org/officeDocument/2006/relationships" xmlns:p="http://schemas.openxmlformats.org/presentationml/2006/main">
+  <p:cSld>
+    <p:spTree>
+      <p:nvGrpSpPr>
+        <p:cNvPr id="1" name=""/>
+        <p:cNvGrpSpPr/>
+        <p:nvPr/>
+      </p:nvGrpSpPr>
+      <p:grpSpPr>
+        <a:xfrm>
+          <a:off x="0" y="0"/>
+          <a:ext cx="0" cy="0"/>
+          <a:chOff x="0" y="0"/>
+          <a:chExt cx="0" cy="0"/>
+        </a:xfrm>
+      </p:grpSpPr>
+      <p:grpSp>
+        <p:nvGrpSpPr>
+          <p:cNvPr id="35" name="Group 34"/>
+          <p:cNvGrpSpPr/>
+          <p:nvPr/>
+        </p:nvGrpSpPr>
+        <p:grpSpPr>
+          <a:xfrm>
+            <a:off x="720844" y="763030"/>
+            <a:ext cx="10028074" cy="4179990"/>
+            <a:chOff x="720844" y="763030"/>
+            <a:chExt cx="10028074" cy="4179990"/>
+          </a:xfrm>
+        </p:grpSpPr>
+        <p:grpSp>
+          <p:nvGrpSpPr>
+            <p:cNvPr id="6" name="Group 5"/>
+            <p:cNvGrpSpPr/>
+            <p:nvPr/>
+          </p:nvGrpSpPr>
+          <p:grpSpPr>
+            <a:xfrm>
+              <a:off x="3892988" y="2273122"/>
+              <a:ext cx="4101221" cy="1738006"/>
+              <a:chOff x="3937601" y="2259384"/>
+              <a:chExt cx="4161807" cy="1723025"/>
+            </a:xfrm>
+          </p:grpSpPr>
+          <p:sp>
+            <p:nvSpPr>
+              <p:cNvPr id="7" name="Rectangle 6"/>
+              <p:cNvSpPr/>
+              <p:nvPr/>
+            </p:nvSpPr>
+            <p:spPr>
+              <a:xfrm>
+                <a:off x="4729401" y="2259384"/>
+                <a:ext cx="2577071" cy="1723025"/>
+              </a:xfrm>
+              <a:prstGeom prst="rect">
+                <a:avLst/>
+              </a:prstGeom>
+              <a:noFill/>
+              <a:ln w="57150">
+                <a:solidFill>
+                  <a:schemeClr val="tx1"/>
+                </a:solidFill>
+              </a:ln>
+            </p:spPr>
+            <p:style>
+              <a:lnRef idx="2">
+                <a:schemeClr val="accent1">
+                  <a:shade val="50000"/>
+                </a:schemeClr>
+              </a:lnRef>
+              <a:fillRef idx="1">
+                <a:schemeClr val="accent1"/>
+              </a:fillRef>
+              <a:effectRef idx="0">
+                <a:schemeClr val="accent1"/>
+              </a:effectRef>
+              <a:fontRef idx="minor">
+                <a:schemeClr val="lt1"/>
+              </a:fontRef>
+            </p:style>
+            <p:txBody>
+              <a:bodyPr rtlCol="0" anchor="ctr"/>
+              <a:lstStyle/>
+              <a:p>
+                <a:pPr algn="ctr"/>
+                <a:endParaRPr lang="en-CA"/>
+              </a:p>
+            </p:txBody>
+          </p:sp>
+          <p:sp>
+            <p:nvSpPr>
+              <p:cNvPr id="8" name="TextBox 7"/>
+              <p:cNvSpPr txBox="1"/>
+              <p:nvPr/>
+            </p:nvSpPr>
+            <p:spPr>
+              <a:xfrm>
+                <a:off x="4902257" y="2423733"/>
+                <a:ext cx="2231356" cy="1189983"/>
+              </a:xfrm>
+              <a:prstGeom prst="rect">
+                <a:avLst/>
+              </a:prstGeom>
+              <a:noFill/>
+            </p:spPr>
+            <p:txBody>
+              <a:bodyPr wrap="square" rtlCol="0">
+                <a:spAutoFit/>
+              </a:bodyPr>
+              <a:lstStyle/>
+              <a:p>
+                <a:pPr algn="ctr"/>
+                <a:r>
+                  <a:rPr lang="en-CA" sz="3600" dirty="0" smtClean="0"/>
+                  <a:t>Pre-processing</a:t>
+                </a:r>
+                <a:endParaRPr lang="en-CA" sz="3600" dirty="0"/>
+              </a:p>
+            </p:txBody>
+          </p:sp>
+          <p:sp>
+            <p:nvSpPr>
+              <p:cNvPr id="9" name="Right Arrow 8"/>
+              <p:cNvSpPr/>
+              <p:nvPr/>
+            </p:nvSpPr>
+            <p:spPr>
+              <a:xfrm>
+                <a:off x="3937601" y="2726986"/>
+                <a:ext cx="784838" cy="583474"/>
+              </a:xfrm>
+              <a:prstGeom prst="rightArrow">
+                <a:avLst/>
+              </a:prstGeom>
+              <a:solidFill>
+                <a:schemeClr val="tx1"/>
+              </a:solidFill>
+              <a:ln>
+                <a:solidFill>
+                  <a:schemeClr val="tx1"/>
+                </a:solidFill>
+              </a:ln>
+            </p:spPr>
+            <p:style>
+              <a:lnRef idx="2">
+                <a:schemeClr val="accent1">
+                  <a:shade val="50000"/>
+                </a:schemeClr>
+              </a:lnRef>
+              <a:fillRef idx="1">
+                <a:schemeClr val="accent1"/>
+              </a:fillRef>
+              <a:effectRef idx="0">
+                <a:schemeClr val="accent1"/>
+              </a:effectRef>
+              <a:fontRef idx="minor">
+                <a:schemeClr val="lt1"/>
+              </a:fontRef>
+            </p:style>
+            <p:txBody>
+              <a:bodyPr rtlCol="0" anchor="ctr"/>
+              <a:lstStyle/>
+              <a:p>
+                <a:pPr algn="ctr"/>
+                <a:endParaRPr lang="en-CA"/>
+              </a:p>
+            </p:txBody>
+          </p:sp>
+          <p:sp>
+            <p:nvSpPr>
+              <p:cNvPr id="21" name="Right Arrow 20"/>
+              <p:cNvSpPr/>
+              <p:nvPr/>
+            </p:nvSpPr>
+            <p:spPr>
+              <a:xfrm>
+                <a:off x="7313433" y="2754480"/>
+                <a:ext cx="785975" cy="583474"/>
+              </a:xfrm>
+              <a:prstGeom prst="rightArrow">
+                <a:avLst/>
+              </a:prstGeom>
+              <a:solidFill>
+                <a:schemeClr val="tx1"/>
+              </a:solidFill>
+              <a:ln>
+                <a:solidFill>
+                  <a:schemeClr val="tx1"/>
+                </a:solidFill>
+              </a:ln>
+            </p:spPr>
+            <p:style>
+              <a:lnRef idx="2">
+                <a:schemeClr val="accent1">
+                  <a:shade val="50000"/>
+                </a:schemeClr>
+              </a:lnRef>
+              <a:fillRef idx="1">
+                <a:schemeClr val="accent1"/>
+              </a:fillRef>
+              <a:effectRef idx="0">
+                <a:schemeClr val="accent1"/>
+              </a:effectRef>
+              <a:fontRef idx="minor">
+                <a:schemeClr val="lt1"/>
+              </a:fontRef>
+            </p:style>
+            <p:txBody>
+              <a:bodyPr rtlCol="0" anchor="ctr"/>
+              <a:lstStyle/>
+              <a:p>
+                <a:pPr algn="ctr"/>
+                <a:endParaRPr lang="en-CA"/>
+              </a:p>
+            </p:txBody>
+          </p:sp>
+        </p:grpSp>
+        <p:pic>
+          <p:nvPicPr>
+            <p:cNvPr id="33" name="Picture 32"/>
+            <p:cNvPicPr>
+              <a:picLocks noChangeAspect="1"/>
+            </p:cNvPicPr>
+            <p:nvPr/>
+          </p:nvPicPr>
+          <p:blipFill rotWithShape="1">
+            <a:blip r:embed="rId2">
+              <a:extLst>
+                <a:ext uri="{28A0092B-C50C-407E-A947-70E740481C1C}">
+                  <a14:useLocalDpi xmlns:a14="http://schemas.microsoft.com/office/drawing/2010/main" val="0"/>
+                </a:ext>
+              </a:extLst>
+            </a:blip>
+            <a:srcRect l="15220" r="11972" b="5432"/>
+            <a:stretch/>
+          </p:blipFill>
+          <p:spPr>
+            <a:xfrm>
+              <a:off x="720844" y="763030"/>
+              <a:ext cx="3177767" cy="4179990"/>
+            </a:xfrm>
+            <a:prstGeom prst="rect">
+              <a:avLst/>
+            </a:prstGeom>
+          </p:spPr>
+        </p:pic>
+        <p:pic>
+          <p:nvPicPr>
+            <p:cNvPr id="34" name="Picture 33"/>
+            <p:cNvPicPr>
+              <a:picLocks noChangeAspect="1"/>
+            </p:cNvPicPr>
+            <p:nvPr/>
+          </p:nvPicPr>
+          <p:blipFill rotWithShape="1">
+            <a:blip r:embed="rId3">
+              <a:extLst>
+                <a:ext uri="{28A0092B-C50C-407E-A947-70E740481C1C}">
+                  <a14:useLocalDpi xmlns:a14="http://schemas.microsoft.com/office/drawing/2010/main" val="0"/>
+                </a:ext>
+              </a:extLst>
+            </a:blip>
+            <a:srcRect l="16038" r="7236"/>
+            <a:stretch/>
+          </p:blipFill>
+          <p:spPr>
+            <a:xfrm>
+              <a:off x="8001069" y="763030"/>
+              <a:ext cx="2747849" cy="4179990"/>
+            </a:xfrm>
+            <a:prstGeom prst="rect">
+              <a:avLst/>
+            </a:prstGeom>
+          </p:spPr>
+        </p:pic>
+      </p:grpSp>
+    </p:spTree>
+    <p:extLst>
+      <p:ext uri="{BB962C8B-B14F-4D97-AF65-F5344CB8AC3E}">
+        <p14:creationId xmlns:p14="http://schemas.microsoft.com/office/powerpoint/2010/main" val="1045123287"/>
+      </p:ext>
+    </p:extLst>
+  </p:cSld>
+  <p:clrMapOvr>
+    <a:masterClrMapping/>
+  </p:clrMapOvr>
+</p:sld>
+</file>
+
+<file path=ppt/slides/slide5.xml><?xml version="1.0" encoding="utf-8"?>
+<p:sld xmlns:a="http://schemas.openxmlformats.org/drawingml/2006/main" xmlns:r="http://schemas.openxmlformats.org/officeDocument/2006/relationships" xmlns:p="http://schemas.openxmlformats.org/presentationml/2006/main">
+  <p:cSld>
+    <p:spTree>
+      <p:nvGrpSpPr>
+        <p:cNvPr id="1" name=""/>
+        <p:cNvGrpSpPr/>
+        <p:nvPr/>
+      </p:nvGrpSpPr>
+      <p:grpSpPr>
+        <a:xfrm>
+          <a:off x="0" y="0"/>
+          <a:ext cx="0" cy="0"/>
+          <a:chOff x="0" y="0"/>
+          <a:chExt cx="0" cy="0"/>
+        </a:xfrm>
+      </p:grpSpPr>
+      <p:grpSp>
+        <p:nvGrpSpPr>
+          <p:cNvPr id="85" name="Group 84"/>
+          <p:cNvGrpSpPr/>
+          <p:nvPr/>
+        </p:nvGrpSpPr>
+        <p:grpSpPr>
+          <a:xfrm>
+            <a:off x="89260" y="705394"/>
+            <a:ext cx="11290946" cy="5408023"/>
+            <a:chOff x="89260" y="705394"/>
+            <a:chExt cx="11290946" cy="5408023"/>
+          </a:xfrm>
+        </p:grpSpPr>
+        <p:sp>
+          <p:nvSpPr>
+            <p:cNvPr id="2" name="Rectangle 1"/>
+            <p:cNvSpPr/>
+            <p:nvPr/>
+          </p:nvSpPr>
+          <p:spPr>
+            <a:xfrm>
+              <a:off x="1861459" y="705394"/>
+              <a:ext cx="8092438" cy="5408023"/>
+            </a:xfrm>
+            <a:prstGeom prst="rect">
+              <a:avLst/>
+            </a:prstGeom>
+            <a:noFill/>
+            <a:ln w="57150">
+              <a:solidFill>
+                <a:schemeClr val="tx1"/>
+              </a:solidFill>
+            </a:ln>
+          </p:spPr>
+          <p:style>
+            <a:lnRef idx="2">
+              <a:schemeClr val="accent1">
+                <a:shade val="50000"/>
+              </a:schemeClr>
+            </a:lnRef>
+            <a:fillRef idx="1">
+              <a:schemeClr val="accent1"/>
+            </a:fillRef>
+            <a:effectRef idx="0">
+              <a:schemeClr val="accent1"/>
+            </a:effectRef>
+            <a:fontRef idx="minor">
+              <a:schemeClr val="lt1"/>
+            </a:fontRef>
+          </p:style>
+          <p:txBody>
+            <a:bodyPr rtlCol="0" anchor="ctr"/>
+            <a:lstStyle/>
+            <a:p>
+              <a:pPr algn="ctr"/>
+              <a:endParaRPr lang="en-CA"/>
+            </a:p>
+          </p:txBody>
+        </p:sp>
+        <p:sp>
+          <p:nvSpPr>
+            <p:cNvPr id="3" name="TextBox 2"/>
+            <p:cNvSpPr txBox="1"/>
+            <p:nvPr/>
+          </p:nvSpPr>
+          <p:spPr>
+            <a:xfrm>
+              <a:off x="4258490" y="705394"/>
+              <a:ext cx="3169921" cy="646331"/>
+            </a:xfrm>
+            <a:prstGeom prst="rect">
+              <a:avLst/>
+            </a:prstGeom>
+            <a:noFill/>
+          </p:spPr>
+          <p:txBody>
+            <a:bodyPr wrap="square" rtlCol="0">
+              <a:spAutoFit/>
+            </a:bodyPr>
+            <a:lstStyle/>
+            <a:p>
+              <a:r>
+                <a:rPr lang="en-CA" sz="3600" dirty="0" smtClean="0"/>
+                <a:t>Neural network</a:t>
+              </a:r>
+              <a:endParaRPr lang="en-CA" sz="3600" dirty="0"/>
+            </a:p>
+          </p:txBody>
+        </p:sp>
+        <p:sp>
+          <p:nvSpPr>
+            <p:cNvPr id="4" name="Right Arrow 3"/>
+            <p:cNvSpPr/>
+            <p:nvPr/>
+          </p:nvSpPr>
+          <p:spPr>
+            <a:xfrm>
+              <a:off x="278674" y="3033811"/>
+              <a:ext cx="1582785" cy="583474"/>
+            </a:xfrm>
+            <a:prstGeom prst="rightArrow">
+              <a:avLst/>
+            </a:prstGeom>
+            <a:solidFill>
+              <a:schemeClr val="tx1"/>
+            </a:solidFill>
+            <a:ln>
+              <a:solidFill>
+                <a:schemeClr val="tx1"/>
+              </a:solidFill>
+            </a:ln>
+          </p:spPr>
+          <p:style>
+            <a:lnRef idx="2">
+              <a:schemeClr val="accent1">
+                <a:shade val="50000"/>
+              </a:schemeClr>
+            </a:lnRef>
+            <a:fillRef idx="1">
+              <a:schemeClr val="accent1"/>
+            </a:fillRef>
+            <a:effectRef idx="0">
+              <a:schemeClr val="accent1"/>
+            </a:effectRef>
+            <a:fontRef idx="minor">
+              <a:schemeClr val="lt1"/>
+            </a:fontRef>
+          </p:style>
+          <p:txBody>
+            <a:bodyPr rtlCol="0" anchor="ctr"/>
+            <a:lstStyle/>
+            <a:p>
+              <a:pPr algn="ctr"/>
+              <a:endParaRPr lang="en-CA"/>
+            </a:p>
+          </p:txBody>
+        </p:sp>
+        <p:sp>
+          <p:nvSpPr>
+            <p:cNvPr id="5" name="TextBox 4"/>
+            <p:cNvSpPr txBox="1"/>
+            <p:nvPr/>
+          </p:nvSpPr>
+          <p:spPr>
+            <a:xfrm>
+              <a:off x="89260" y="1994258"/>
+              <a:ext cx="2140134" cy="1200329"/>
+            </a:xfrm>
+            <a:prstGeom prst="rect">
+              <a:avLst/>
+            </a:prstGeom>
+            <a:noFill/>
+          </p:spPr>
+          <p:txBody>
+            <a:bodyPr wrap="square" rtlCol="0">
+              <a:spAutoFit/>
+            </a:bodyPr>
+            <a:lstStyle/>
+            <a:p>
+              <a:r>
+                <a:rPr lang="en-CA" sz="2400" dirty="0"/>
+                <a:t>Data suitable for neural network</a:t>
+              </a:r>
+              <a:endParaRPr lang="en-CA" sz="2400" dirty="0"/>
+            </a:p>
+          </p:txBody>
+        </p:sp>
+        <p:grpSp>
+          <p:nvGrpSpPr>
+            <p:cNvPr id="14" name="Group 13"/>
+            <p:cNvGrpSpPr/>
+            <p:nvPr/>
+          </p:nvGrpSpPr>
+          <p:grpSpPr>
+            <a:xfrm>
+              <a:off x="3100251" y="1994258"/>
+              <a:ext cx="635726" cy="3578101"/>
+              <a:chOff x="3100251" y="1994258"/>
+              <a:chExt cx="635726" cy="3578101"/>
+            </a:xfrm>
+          </p:grpSpPr>
+          <p:sp>
+            <p:nvSpPr>
+              <p:cNvPr id="6" name="Oval 5"/>
+              <p:cNvSpPr/>
+              <p:nvPr/>
+            </p:nvSpPr>
+            <p:spPr>
+              <a:xfrm>
+                <a:off x="3100251" y="1994258"/>
+                <a:ext cx="635726" cy="609605"/>
+              </a:xfrm>
+              <a:prstGeom prst="ellipse">
+                <a:avLst/>
+              </a:prstGeom>
+              <a:noFill/>
+              <a:ln w="38100">
+                <a:solidFill>
+                  <a:schemeClr val="tx1"/>
+                </a:solidFill>
+              </a:ln>
+            </p:spPr>
+            <p:style>
+              <a:lnRef idx="2">
+                <a:schemeClr val="accent1">
+                  <a:shade val="50000"/>
+                </a:schemeClr>
+              </a:lnRef>
+              <a:fillRef idx="1">
+                <a:schemeClr val="accent1"/>
+              </a:fillRef>
+              <a:effectRef idx="0">
+                <a:schemeClr val="accent1"/>
+              </a:effectRef>
+              <a:fontRef idx="minor">
+                <a:schemeClr val="lt1"/>
+              </a:fontRef>
+            </p:style>
+            <p:txBody>
+              <a:bodyPr rtlCol="0" anchor="ctr"/>
+              <a:lstStyle/>
+              <a:p>
+                <a:pPr algn="ctr"/>
+                <a:endParaRPr lang="en-CA"/>
+              </a:p>
+            </p:txBody>
+          </p:sp>
+          <p:sp>
+            <p:nvSpPr>
+              <p:cNvPr id="7" name="Oval 6"/>
+              <p:cNvSpPr/>
+              <p:nvPr/>
+            </p:nvSpPr>
+            <p:spPr>
+              <a:xfrm>
+                <a:off x="3100251" y="2715943"/>
+                <a:ext cx="635726" cy="609605"/>
+              </a:xfrm>
+              <a:prstGeom prst="ellipse">
+                <a:avLst/>
+              </a:prstGeom>
+              <a:noFill/>
+              <a:ln w="38100">
+                <a:solidFill>
+                  <a:schemeClr val="tx1"/>
+                </a:solidFill>
+              </a:ln>
+            </p:spPr>
+            <p:style>
+              <a:lnRef idx="2">
+                <a:schemeClr val="accent1">
+                  <a:shade val="50000"/>
+                </a:schemeClr>
+              </a:lnRef>
+              <a:fillRef idx="1">
+                <a:schemeClr val="accent1"/>
+              </a:fillRef>
+              <a:effectRef idx="0">
+                <a:schemeClr val="accent1"/>
+              </a:effectRef>
+              <a:fontRef idx="minor">
+                <a:schemeClr val="lt1"/>
+              </a:fontRef>
+            </p:style>
+            <p:txBody>
+              <a:bodyPr rtlCol="0" anchor="ctr"/>
+              <a:lstStyle/>
+              <a:p>
+                <a:pPr algn="ctr"/>
+                <a:endParaRPr lang="en-CA"/>
+              </a:p>
+            </p:txBody>
+          </p:sp>
+          <p:sp>
+            <p:nvSpPr>
+              <p:cNvPr id="8" name="Oval 7"/>
+              <p:cNvSpPr/>
+              <p:nvPr/>
+            </p:nvSpPr>
+            <p:spPr>
+              <a:xfrm>
+                <a:off x="3100251" y="4183337"/>
+                <a:ext cx="635726" cy="609605"/>
+              </a:xfrm>
+              <a:prstGeom prst="ellipse">
+                <a:avLst/>
+              </a:prstGeom>
+              <a:noFill/>
+              <a:ln w="38100">
+                <a:solidFill>
+                  <a:schemeClr val="tx1"/>
+                </a:solidFill>
+              </a:ln>
+            </p:spPr>
+            <p:style>
+              <a:lnRef idx="2">
+                <a:schemeClr val="accent1">
+                  <a:shade val="50000"/>
+                </a:schemeClr>
+              </a:lnRef>
+              <a:fillRef idx="1">
+                <a:schemeClr val="accent1"/>
+              </a:fillRef>
+              <a:effectRef idx="0">
+                <a:schemeClr val="accent1"/>
+              </a:effectRef>
+              <a:fontRef idx="minor">
+                <a:schemeClr val="lt1"/>
+              </a:fontRef>
+            </p:style>
+            <p:txBody>
+              <a:bodyPr rtlCol="0" anchor="ctr"/>
+              <a:lstStyle/>
+              <a:p>
+                <a:pPr algn="ctr"/>
+                <a:endParaRPr lang="en-CA"/>
+              </a:p>
+            </p:txBody>
+          </p:sp>
+          <p:sp>
+            <p:nvSpPr>
+              <p:cNvPr id="9" name="Oval 8"/>
+              <p:cNvSpPr/>
+              <p:nvPr/>
+            </p:nvSpPr>
+            <p:spPr>
+              <a:xfrm>
+                <a:off x="3100251" y="4962754"/>
+                <a:ext cx="635726" cy="609605"/>
+              </a:xfrm>
+              <a:prstGeom prst="ellipse">
+                <a:avLst/>
+              </a:prstGeom>
+              <a:noFill/>
+              <a:ln w="38100">
+                <a:solidFill>
+                  <a:schemeClr val="tx1"/>
+                </a:solidFill>
+              </a:ln>
+            </p:spPr>
+            <p:style>
+              <a:lnRef idx="2">
+                <a:schemeClr val="accent1">
+                  <a:shade val="50000"/>
+                </a:schemeClr>
+              </a:lnRef>
+              <a:fillRef idx="1">
+                <a:schemeClr val="accent1"/>
+              </a:fillRef>
+              <a:effectRef idx="0">
+                <a:schemeClr val="accent1"/>
+              </a:effectRef>
+              <a:fontRef idx="minor">
+                <a:schemeClr val="lt1"/>
+              </a:fontRef>
+            </p:style>
+            <p:txBody>
+              <a:bodyPr rtlCol="0" anchor="ctr"/>
+              <a:lstStyle/>
+              <a:p>
+                <a:pPr algn="ctr"/>
+                <a:endParaRPr lang="en-CA"/>
+              </a:p>
+            </p:txBody>
+          </p:sp>
+          <p:sp>
+            <p:nvSpPr>
+              <p:cNvPr id="10" name="Oval 9"/>
+              <p:cNvSpPr/>
+              <p:nvPr/>
+            </p:nvSpPr>
+            <p:spPr>
+              <a:xfrm>
+                <a:off x="3371306" y="3476484"/>
+                <a:ext cx="93616" cy="89985"/>
+              </a:xfrm>
+              <a:prstGeom prst="ellipse">
+                <a:avLst/>
+              </a:prstGeom>
+              <a:solidFill>
+                <a:schemeClr val="tx1"/>
+              </a:solidFill>
+              <a:ln w="38100">
+                <a:solidFill>
+                  <a:schemeClr val="tx1"/>
+                </a:solidFill>
+              </a:ln>
+            </p:spPr>
+            <p:style>
+              <a:lnRef idx="2">
+                <a:schemeClr val="accent1">
+                  <a:shade val="50000"/>
+                </a:schemeClr>
+              </a:lnRef>
+              <a:fillRef idx="1">
+                <a:schemeClr val="accent1"/>
+              </a:fillRef>
+              <a:effectRef idx="0">
+                <a:schemeClr val="accent1"/>
+              </a:effectRef>
+              <a:fontRef idx="minor">
+                <a:schemeClr val="lt1"/>
+              </a:fontRef>
+            </p:style>
+            <p:txBody>
+              <a:bodyPr rtlCol="0" anchor="ctr"/>
+              <a:lstStyle/>
+              <a:p>
+                <a:pPr algn="ctr"/>
+                <a:endParaRPr lang="en-CA"/>
+              </a:p>
+            </p:txBody>
+          </p:sp>
+          <p:sp>
+            <p:nvSpPr>
+              <p:cNvPr id="11" name="Oval 10"/>
+              <p:cNvSpPr/>
+              <p:nvPr/>
+            </p:nvSpPr>
+            <p:spPr>
+              <a:xfrm>
+                <a:off x="3371306" y="3709450"/>
+                <a:ext cx="93616" cy="89985"/>
+              </a:xfrm>
+              <a:prstGeom prst="ellipse">
+                <a:avLst/>
+              </a:prstGeom>
+              <a:solidFill>
+                <a:schemeClr val="tx1"/>
+              </a:solidFill>
+              <a:ln w="38100">
+                <a:solidFill>
+                  <a:schemeClr val="tx1"/>
+                </a:solidFill>
+              </a:ln>
+            </p:spPr>
+            <p:style>
+              <a:lnRef idx="2">
+                <a:schemeClr val="accent1">
+                  <a:shade val="50000"/>
+                </a:schemeClr>
+              </a:lnRef>
+              <a:fillRef idx="1">
+                <a:schemeClr val="accent1"/>
+              </a:fillRef>
+              <a:effectRef idx="0">
+                <a:schemeClr val="accent1"/>
+              </a:effectRef>
+              <a:fontRef idx="minor">
+                <a:schemeClr val="lt1"/>
+              </a:fontRef>
+            </p:style>
+            <p:txBody>
+              <a:bodyPr rtlCol="0" anchor="ctr"/>
+              <a:lstStyle/>
+              <a:p>
+                <a:pPr algn="ctr"/>
+                <a:endParaRPr lang="en-CA"/>
+              </a:p>
+            </p:txBody>
+          </p:sp>
+          <p:sp>
+            <p:nvSpPr>
+              <p:cNvPr id="12" name="Oval 11"/>
+              <p:cNvSpPr/>
+              <p:nvPr/>
+            </p:nvSpPr>
+            <p:spPr>
+              <a:xfrm>
+                <a:off x="3371306" y="3932419"/>
+                <a:ext cx="93616" cy="89985"/>
+              </a:xfrm>
+              <a:prstGeom prst="ellipse">
+                <a:avLst/>
+              </a:prstGeom>
+              <a:solidFill>
+                <a:schemeClr val="tx1"/>
+              </a:solidFill>
+              <a:ln w="38100">
+                <a:solidFill>
+                  <a:schemeClr val="tx1"/>
+                </a:solidFill>
+              </a:ln>
+            </p:spPr>
+            <p:style>
+              <a:lnRef idx="2">
+                <a:schemeClr val="accent1">
+                  <a:shade val="50000"/>
+                </a:schemeClr>
+              </a:lnRef>
+              <a:fillRef idx="1">
+                <a:schemeClr val="accent1"/>
+              </a:fillRef>
+              <a:effectRef idx="0">
+                <a:schemeClr val="accent1"/>
+              </a:effectRef>
+              <a:fontRef idx="minor">
+                <a:schemeClr val="lt1"/>
+              </a:fontRef>
+            </p:style>
+            <p:txBody>
+              <a:bodyPr rtlCol="0" anchor="ctr"/>
+              <a:lstStyle/>
+              <a:p>
+                <a:pPr algn="ctr"/>
+                <a:endParaRPr lang="en-CA"/>
+              </a:p>
+            </p:txBody>
+          </p:sp>
+        </p:grpSp>
+        <p:sp>
+          <p:nvSpPr>
+            <p:cNvPr id="13" name="TextBox 12"/>
+            <p:cNvSpPr txBox="1"/>
+            <p:nvPr/>
+          </p:nvSpPr>
+          <p:spPr>
+            <a:xfrm>
+              <a:off x="2657203" y="1161014"/>
+              <a:ext cx="1428206" cy="830997"/>
+            </a:xfrm>
+            <a:prstGeom prst="rect">
+              <a:avLst/>
+            </a:prstGeom>
+            <a:noFill/>
+          </p:spPr>
+          <p:txBody>
+            <a:bodyPr wrap="square" rtlCol="0">
+              <a:spAutoFit/>
+            </a:bodyPr>
+            <a:lstStyle/>
+            <a:p>
+              <a:r>
+                <a:rPr lang="en-CA" sz="2400" dirty="0" smtClean="0"/>
+                <a:t>102 input nodes</a:t>
+              </a:r>
+              <a:endParaRPr lang="en-CA" sz="2400" dirty="0"/>
+            </a:p>
+          </p:txBody>
+        </p:sp>
+        <p:grpSp>
+          <p:nvGrpSpPr>
+            <p:cNvPr id="15" name="Group 14"/>
+            <p:cNvGrpSpPr/>
+            <p:nvPr/>
+          </p:nvGrpSpPr>
+          <p:grpSpPr>
+            <a:xfrm>
+              <a:off x="5047707" y="1997471"/>
+              <a:ext cx="635726" cy="3578101"/>
+              <a:chOff x="3100251" y="1994258"/>
+              <a:chExt cx="635726" cy="3578101"/>
+            </a:xfrm>
+          </p:grpSpPr>
+          <p:sp>
+            <p:nvSpPr>
+              <p:cNvPr id="16" name="Oval 15"/>
+              <p:cNvSpPr/>
+              <p:nvPr/>
+            </p:nvSpPr>
+            <p:spPr>
+              <a:xfrm>
+                <a:off x="3100251" y="1994258"/>
+                <a:ext cx="635726" cy="609605"/>
+              </a:xfrm>
+              <a:prstGeom prst="ellipse">
+                <a:avLst/>
+              </a:prstGeom>
+              <a:noFill/>
+              <a:ln w="38100">
+                <a:solidFill>
+                  <a:schemeClr val="tx1"/>
+                </a:solidFill>
+              </a:ln>
+            </p:spPr>
+            <p:style>
+              <a:lnRef idx="2">
+                <a:schemeClr val="accent1">
+                  <a:shade val="50000"/>
+                </a:schemeClr>
+              </a:lnRef>
+              <a:fillRef idx="1">
+                <a:schemeClr val="accent1"/>
+              </a:fillRef>
+              <a:effectRef idx="0">
+                <a:schemeClr val="accent1"/>
+              </a:effectRef>
+              <a:fontRef idx="minor">
+                <a:schemeClr val="lt1"/>
+              </a:fontRef>
+            </p:style>
+            <p:txBody>
+              <a:bodyPr rtlCol="0" anchor="ctr"/>
+              <a:lstStyle/>
+              <a:p>
+                <a:pPr algn="ctr"/>
+                <a:endParaRPr lang="en-CA"/>
+              </a:p>
+            </p:txBody>
+          </p:sp>
+          <p:sp>
+            <p:nvSpPr>
+              <p:cNvPr id="17" name="Oval 16"/>
+              <p:cNvSpPr/>
+              <p:nvPr/>
+            </p:nvSpPr>
+            <p:spPr>
+              <a:xfrm>
+                <a:off x="3100251" y="2715943"/>
+                <a:ext cx="635726" cy="609605"/>
+              </a:xfrm>
+              <a:prstGeom prst="ellipse">
+                <a:avLst/>
+              </a:prstGeom>
+              <a:noFill/>
+              <a:ln w="38100">
+                <a:solidFill>
+                  <a:schemeClr val="tx1"/>
+                </a:solidFill>
+              </a:ln>
+            </p:spPr>
+            <p:style>
+              <a:lnRef idx="2">
+                <a:schemeClr val="accent1">
+                  <a:shade val="50000"/>
+                </a:schemeClr>
+              </a:lnRef>
+              <a:fillRef idx="1">
+                <a:schemeClr val="accent1"/>
+              </a:fillRef>
+              <a:effectRef idx="0">
+                <a:schemeClr val="accent1"/>
+              </a:effectRef>
+              <a:fontRef idx="minor">
+                <a:schemeClr val="lt1"/>
+              </a:fontRef>
+            </p:style>
+            <p:txBody>
+              <a:bodyPr rtlCol="0" anchor="ctr"/>
+              <a:lstStyle/>
+              <a:p>
+                <a:pPr algn="ctr"/>
+                <a:endParaRPr lang="en-CA"/>
+              </a:p>
+            </p:txBody>
+          </p:sp>
+          <p:sp>
+            <p:nvSpPr>
+              <p:cNvPr id="18" name="Oval 17"/>
+              <p:cNvSpPr/>
+              <p:nvPr/>
+            </p:nvSpPr>
+            <p:spPr>
+              <a:xfrm>
+                <a:off x="3100251" y="4183337"/>
+                <a:ext cx="635726" cy="609605"/>
+              </a:xfrm>
+              <a:prstGeom prst="ellipse">
+                <a:avLst/>
+              </a:prstGeom>
+              <a:noFill/>
+              <a:ln w="38100">
+                <a:solidFill>
+                  <a:schemeClr val="tx1"/>
+                </a:solidFill>
+              </a:ln>
+            </p:spPr>
+            <p:style>
+              <a:lnRef idx="2">
+                <a:schemeClr val="accent1">
+                  <a:shade val="50000"/>
+                </a:schemeClr>
+              </a:lnRef>
+              <a:fillRef idx="1">
+                <a:schemeClr val="accent1"/>
+              </a:fillRef>
+              <a:effectRef idx="0">
+                <a:schemeClr val="accent1"/>
+              </a:effectRef>
+              <a:fontRef idx="minor">
+                <a:schemeClr val="lt1"/>
+              </a:fontRef>
+            </p:style>
+            <p:txBody>
+              <a:bodyPr rtlCol="0" anchor="ctr"/>
+              <a:lstStyle/>
+              <a:p>
+                <a:pPr algn="ctr"/>
+                <a:endParaRPr lang="en-CA"/>
+              </a:p>
+            </p:txBody>
+          </p:sp>
+          <p:sp>
+            <p:nvSpPr>
+              <p:cNvPr id="19" name="Oval 18"/>
+              <p:cNvSpPr/>
+              <p:nvPr/>
+            </p:nvSpPr>
+            <p:spPr>
+              <a:xfrm>
+                <a:off x="3100251" y="4962754"/>
+                <a:ext cx="635726" cy="609605"/>
+              </a:xfrm>
+              <a:prstGeom prst="ellipse">
+                <a:avLst/>
+              </a:prstGeom>
+              <a:noFill/>
+              <a:ln w="38100">
+                <a:solidFill>
+                  <a:schemeClr val="tx1"/>
+                </a:solidFill>
+              </a:ln>
+            </p:spPr>
+            <p:style>
+              <a:lnRef idx="2">
+                <a:schemeClr val="accent1">
+                  <a:shade val="50000"/>
+                </a:schemeClr>
+              </a:lnRef>
+              <a:fillRef idx="1">
+                <a:schemeClr val="accent1"/>
+              </a:fillRef>
+              <a:effectRef idx="0">
+                <a:schemeClr val="accent1"/>
+              </a:effectRef>
+              <a:fontRef idx="minor">
+                <a:schemeClr val="lt1"/>
+              </a:fontRef>
+            </p:style>
+            <p:txBody>
+              <a:bodyPr rtlCol="0" anchor="ctr"/>
+              <a:lstStyle/>
+              <a:p>
+                <a:pPr algn="ctr"/>
+                <a:endParaRPr lang="en-CA"/>
+              </a:p>
+            </p:txBody>
+          </p:sp>
+          <p:sp>
+            <p:nvSpPr>
+              <p:cNvPr id="20" name="Oval 19"/>
+              <p:cNvSpPr/>
+              <p:nvPr/>
+            </p:nvSpPr>
+            <p:spPr>
+              <a:xfrm>
+                <a:off x="3371306" y="3476484"/>
+                <a:ext cx="93616" cy="89985"/>
+              </a:xfrm>
+              <a:prstGeom prst="ellipse">
+                <a:avLst/>
+              </a:prstGeom>
+              <a:solidFill>
+                <a:schemeClr val="tx1"/>
+              </a:solidFill>
+              <a:ln w="38100">
+                <a:solidFill>
+                  <a:schemeClr val="tx1"/>
+                </a:solidFill>
+              </a:ln>
+            </p:spPr>
+            <p:style>
+              <a:lnRef idx="2">
+                <a:schemeClr val="accent1">
+                  <a:shade val="50000"/>
+                </a:schemeClr>
+              </a:lnRef>
+              <a:fillRef idx="1">
+                <a:schemeClr val="accent1"/>
+              </a:fillRef>
+              <a:effectRef idx="0">
+                <a:schemeClr val="accent1"/>
+              </a:effectRef>
+              <a:fontRef idx="minor">
+                <a:schemeClr val="lt1"/>
+              </a:fontRef>
+            </p:style>
+            <p:txBody>
+              <a:bodyPr rtlCol="0" anchor="ctr"/>
+              <a:lstStyle/>
+              <a:p>
+                <a:pPr algn="ctr"/>
+                <a:endParaRPr lang="en-CA"/>
+              </a:p>
+            </p:txBody>
+          </p:sp>
+          <p:sp>
+            <p:nvSpPr>
+              <p:cNvPr id="21" name="Oval 20"/>
+              <p:cNvSpPr/>
+              <p:nvPr/>
+            </p:nvSpPr>
+            <p:spPr>
+              <a:xfrm>
+                <a:off x="3371306" y="3709450"/>
+                <a:ext cx="93616" cy="89985"/>
+              </a:xfrm>
+              <a:prstGeom prst="ellipse">
+                <a:avLst/>
+              </a:prstGeom>
+              <a:solidFill>
+                <a:schemeClr val="tx1"/>
+              </a:solidFill>
+              <a:ln w="38100">
+                <a:solidFill>
+                  <a:schemeClr val="tx1"/>
+                </a:solidFill>
+              </a:ln>
+            </p:spPr>
+            <p:style>
+              <a:lnRef idx="2">
+                <a:schemeClr val="accent1">
+                  <a:shade val="50000"/>
+                </a:schemeClr>
+              </a:lnRef>
+              <a:fillRef idx="1">
+                <a:schemeClr val="accent1"/>
+              </a:fillRef>
+              <a:effectRef idx="0">
+                <a:schemeClr val="accent1"/>
+              </a:effectRef>
+              <a:fontRef idx="minor">
+                <a:schemeClr val="lt1"/>
+              </a:fontRef>
+            </p:style>
+            <p:txBody>
+              <a:bodyPr rtlCol="0" anchor="ctr"/>
+              <a:lstStyle/>
+              <a:p>
+                <a:pPr algn="ctr"/>
+                <a:endParaRPr lang="en-CA"/>
+              </a:p>
+            </p:txBody>
+          </p:sp>
+          <p:sp>
+            <p:nvSpPr>
+              <p:cNvPr id="22" name="Oval 21"/>
+              <p:cNvSpPr/>
+              <p:nvPr/>
+            </p:nvSpPr>
+            <p:spPr>
+              <a:xfrm>
+                <a:off x="3371306" y="3932419"/>
+                <a:ext cx="93616" cy="89985"/>
+              </a:xfrm>
+              <a:prstGeom prst="ellipse">
+                <a:avLst/>
+              </a:prstGeom>
+              <a:solidFill>
+                <a:schemeClr val="tx1"/>
+              </a:solidFill>
+              <a:ln w="38100">
+                <a:solidFill>
+                  <a:schemeClr val="tx1"/>
+                </a:solidFill>
+              </a:ln>
+            </p:spPr>
+            <p:style>
+              <a:lnRef idx="2">
+                <a:schemeClr val="accent1">
+                  <a:shade val="50000"/>
+                </a:schemeClr>
+              </a:lnRef>
+              <a:fillRef idx="1">
+                <a:schemeClr val="accent1"/>
+              </a:fillRef>
+              <a:effectRef idx="0">
+                <a:schemeClr val="accent1"/>
+              </a:effectRef>
+              <a:fontRef idx="minor">
+                <a:schemeClr val="lt1"/>
+              </a:fontRef>
+            </p:style>
+            <p:txBody>
+              <a:bodyPr rtlCol="0" anchor="ctr"/>
+              <a:lstStyle/>
+              <a:p>
+                <a:pPr algn="ctr"/>
+                <a:endParaRPr lang="en-CA"/>
+              </a:p>
+            </p:txBody>
+          </p:sp>
+        </p:grpSp>
+        <p:sp>
+          <p:nvSpPr>
+            <p:cNvPr id="23" name="Oval 22"/>
+            <p:cNvSpPr/>
+            <p:nvPr/>
+          </p:nvSpPr>
+          <p:spPr>
+            <a:xfrm>
+              <a:off x="6891746" y="3194587"/>
+              <a:ext cx="853440" cy="857789"/>
+            </a:xfrm>
+            <a:prstGeom prst="ellipse">
+              <a:avLst/>
+            </a:prstGeom>
+            <a:noFill/>
+            <a:ln w="38100">
+              <a:solidFill>
+                <a:schemeClr val="tx1"/>
+              </a:solidFill>
+            </a:ln>
+          </p:spPr>
+          <p:style>
+            <a:lnRef idx="2">
+              <a:schemeClr val="accent1">
+                <a:shade val="50000"/>
+              </a:schemeClr>
+            </a:lnRef>
+            <a:fillRef idx="1">
+              <a:schemeClr val="accent1"/>
+            </a:fillRef>
+            <a:effectRef idx="0">
+              <a:schemeClr val="accent1"/>
+            </a:effectRef>
+            <a:fontRef idx="minor">
+              <a:schemeClr val="lt1"/>
+            </a:fontRef>
+          </p:style>
+          <p:txBody>
+            <a:bodyPr rtlCol="0" anchor="ctr"/>
+            <a:lstStyle/>
+            <a:p>
+              <a:pPr algn="ctr"/>
+              <a:endParaRPr lang="en-CA"/>
+            </a:p>
+          </p:txBody>
+        </p:sp>
+        <p:sp>
+          <p:nvSpPr>
+            <p:cNvPr id="24" name="TextBox 23"/>
+            <p:cNvSpPr txBox="1"/>
+            <p:nvPr/>
+          </p:nvSpPr>
+          <p:spPr>
+            <a:xfrm>
+              <a:off x="4657999" y="1187141"/>
+              <a:ext cx="1536245" cy="830997"/>
+            </a:xfrm>
+            <a:prstGeom prst="rect">
+              <a:avLst/>
+            </a:prstGeom>
+            <a:noFill/>
+          </p:spPr>
+          <p:txBody>
+            <a:bodyPr wrap="square" rtlCol="0">
+              <a:spAutoFit/>
+            </a:bodyPr>
+            <a:lstStyle/>
+            <a:p>
+              <a:r>
+                <a:rPr lang="en-CA" sz="2400" dirty="0" smtClean="0"/>
+                <a:t>10 hidden nodes</a:t>
+              </a:r>
+              <a:endParaRPr lang="en-CA" sz="2400" dirty="0"/>
+            </a:p>
+          </p:txBody>
+        </p:sp>
+        <p:sp>
+          <p:nvSpPr>
+            <p:cNvPr id="25" name="TextBox 24"/>
+            <p:cNvSpPr txBox="1"/>
+            <p:nvPr/>
+          </p:nvSpPr>
+          <p:spPr>
+            <a:xfrm>
+              <a:off x="6766834" y="1207923"/>
+              <a:ext cx="1536245" cy="830997"/>
+            </a:xfrm>
+            <a:prstGeom prst="rect">
+              <a:avLst/>
+            </a:prstGeom>
+            <a:noFill/>
+          </p:spPr>
+          <p:txBody>
+            <a:bodyPr wrap="square" rtlCol="0">
+              <a:spAutoFit/>
+            </a:bodyPr>
+            <a:lstStyle/>
+            <a:p>
+              <a:r>
+                <a:rPr lang="en-CA" sz="2400" dirty="0" smtClean="0"/>
+                <a:t>1 output node</a:t>
+              </a:r>
+              <a:endParaRPr lang="en-CA" sz="2400" dirty="0"/>
+            </a:p>
+          </p:txBody>
+        </p:sp>
+        <p:cxnSp>
+          <p:nvCxnSpPr>
+            <p:cNvPr id="27" name="Straight Arrow Connector 26"/>
+            <p:cNvCxnSpPr>
+              <a:stCxn id="4" idx="3"/>
+              <a:endCxn id="6" idx="2"/>
+            </p:cNvCxnSpPr>
+            <p:nvPr/>
+          </p:nvCxnSpPr>
+          <p:spPr>
+            <a:xfrm flipV="1">
+              <a:off x="1861459" y="2299061"/>
+              <a:ext cx="1238792" cy="1026487"/>
+            </a:xfrm>
+            <a:prstGeom prst="straightConnector1">
+              <a:avLst/>
+            </a:prstGeom>
+            <a:ln w="28575">
+              <a:solidFill>
+                <a:schemeClr val="tx1"/>
+              </a:solidFill>
+              <a:tailEnd type="triangle"/>
+            </a:ln>
+          </p:spPr>
+          <p:style>
+            <a:lnRef idx="1">
+              <a:schemeClr val="accent1"/>
+            </a:lnRef>
+            <a:fillRef idx="0">
+              <a:schemeClr val="accent1"/>
+            </a:fillRef>
+            <a:effectRef idx="0">
+              <a:schemeClr val="accent1"/>
+            </a:effectRef>
+            <a:fontRef idx="minor">
+              <a:schemeClr val="tx1"/>
+            </a:fontRef>
+          </p:style>
+        </p:cxnSp>
+        <p:cxnSp>
+          <p:nvCxnSpPr>
+            <p:cNvPr id="29" name="Straight Arrow Connector 28"/>
+            <p:cNvCxnSpPr>
+              <a:stCxn id="4" idx="3"/>
+              <a:endCxn id="7" idx="2"/>
+            </p:cNvCxnSpPr>
+            <p:nvPr/>
+          </p:nvCxnSpPr>
+          <p:spPr>
+            <a:xfrm flipV="1">
+              <a:off x="1861459" y="3020746"/>
+              <a:ext cx="1238792" cy="304802"/>
+            </a:xfrm>
+            <a:prstGeom prst="straightConnector1">
+              <a:avLst/>
+            </a:prstGeom>
+            <a:ln w="28575">
+              <a:solidFill>
+                <a:schemeClr val="tx1"/>
+              </a:solidFill>
+              <a:tailEnd type="triangle"/>
+            </a:ln>
+          </p:spPr>
+          <p:style>
+            <a:lnRef idx="1">
+              <a:schemeClr val="accent1"/>
+            </a:lnRef>
+            <a:fillRef idx="0">
+              <a:schemeClr val="accent1"/>
+            </a:fillRef>
+            <a:effectRef idx="0">
+              <a:schemeClr val="accent1"/>
+            </a:effectRef>
+            <a:fontRef idx="minor">
+              <a:schemeClr val="tx1"/>
+            </a:fontRef>
+          </p:style>
+        </p:cxnSp>
+        <p:cxnSp>
+          <p:nvCxnSpPr>
+            <p:cNvPr id="31" name="Straight Arrow Connector 30"/>
+            <p:cNvCxnSpPr>
+              <a:stCxn id="4" idx="3"/>
+              <a:endCxn id="8" idx="2"/>
+            </p:cNvCxnSpPr>
+            <p:nvPr/>
+          </p:nvCxnSpPr>
+          <p:spPr>
+            <a:xfrm>
+              <a:off x="1861459" y="3325548"/>
+              <a:ext cx="1238792" cy="1162592"/>
+            </a:xfrm>
+            <a:prstGeom prst="straightConnector1">
+              <a:avLst/>
+            </a:prstGeom>
+            <a:ln w="28575">
+              <a:solidFill>
+                <a:schemeClr val="tx1"/>
+              </a:solidFill>
+              <a:tailEnd type="triangle"/>
+            </a:ln>
+          </p:spPr>
+          <p:style>
+            <a:lnRef idx="1">
+              <a:schemeClr val="accent1"/>
+            </a:lnRef>
+            <a:fillRef idx="0">
+              <a:schemeClr val="accent1"/>
+            </a:fillRef>
+            <a:effectRef idx="0">
+              <a:schemeClr val="accent1"/>
+            </a:effectRef>
+            <a:fontRef idx="minor">
+              <a:schemeClr val="tx1"/>
+            </a:fontRef>
+          </p:style>
+        </p:cxnSp>
+        <p:cxnSp>
+          <p:nvCxnSpPr>
+            <p:cNvPr id="33" name="Straight Arrow Connector 32"/>
+            <p:cNvCxnSpPr>
+              <a:stCxn id="4" idx="3"/>
+              <a:endCxn id="9" idx="2"/>
+            </p:cNvCxnSpPr>
+            <p:nvPr/>
+          </p:nvCxnSpPr>
+          <p:spPr>
+            <a:xfrm>
+              <a:off x="1861459" y="3325548"/>
+              <a:ext cx="1238792" cy="1942009"/>
+            </a:xfrm>
+            <a:prstGeom prst="straightConnector1">
+              <a:avLst/>
+            </a:prstGeom>
+            <a:ln w="28575">
+              <a:solidFill>
+                <a:schemeClr val="tx1"/>
+              </a:solidFill>
+              <a:tailEnd type="triangle"/>
+            </a:ln>
+          </p:spPr>
+          <p:style>
+            <a:lnRef idx="1">
+              <a:schemeClr val="accent1"/>
+            </a:lnRef>
+            <a:fillRef idx="0">
+              <a:schemeClr val="accent1"/>
+            </a:fillRef>
+            <a:effectRef idx="0">
+              <a:schemeClr val="accent1"/>
+            </a:effectRef>
+            <a:fontRef idx="minor">
+              <a:schemeClr val="tx1"/>
+            </a:fontRef>
+          </p:style>
+        </p:cxnSp>
+        <p:cxnSp>
+          <p:nvCxnSpPr>
+            <p:cNvPr id="35" name="Straight Arrow Connector 34"/>
+            <p:cNvCxnSpPr>
+              <a:stCxn id="6" idx="6"/>
+              <a:endCxn id="16" idx="2"/>
+            </p:cNvCxnSpPr>
+            <p:nvPr/>
+          </p:nvCxnSpPr>
+          <p:spPr>
+            <a:xfrm>
+              <a:off x="3735977" y="2299061"/>
+              <a:ext cx="1311730" cy="3213"/>
+            </a:xfrm>
+            <a:prstGeom prst="straightConnector1">
+              <a:avLst/>
+            </a:prstGeom>
+            <a:ln w="28575">
+              <a:solidFill>
+                <a:schemeClr val="tx1"/>
+              </a:solidFill>
+              <a:tailEnd type="triangle"/>
+            </a:ln>
+          </p:spPr>
+          <p:style>
+            <a:lnRef idx="1">
+              <a:schemeClr val="accent1"/>
+            </a:lnRef>
+            <a:fillRef idx="0">
+              <a:schemeClr val="accent1"/>
+            </a:fillRef>
+            <a:effectRef idx="0">
+              <a:schemeClr val="accent1"/>
+            </a:effectRef>
+            <a:fontRef idx="minor">
+              <a:schemeClr val="tx1"/>
+            </a:fontRef>
+          </p:style>
+        </p:cxnSp>
+        <p:cxnSp>
+          <p:nvCxnSpPr>
+            <p:cNvPr id="37" name="Straight Arrow Connector 36"/>
+            <p:cNvCxnSpPr>
+              <a:stCxn id="6" idx="6"/>
+              <a:endCxn id="17" idx="2"/>
+            </p:cNvCxnSpPr>
+            <p:nvPr/>
+          </p:nvCxnSpPr>
+          <p:spPr>
+            <a:xfrm>
+              <a:off x="3735977" y="2299061"/>
+              <a:ext cx="1311730" cy="724898"/>
+            </a:xfrm>
+            <a:prstGeom prst="straightConnector1">
+              <a:avLst/>
+            </a:prstGeom>
+            <a:ln w="28575">
+              <a:solidFill>
+                <a:schemeClr val="tx1"/>
+              </a:solidFill>
+              <a:tailEnd type="triangle"/>
+            </a:ln>
+          </p:spPr>
+          <p:style>
+            <a:lnRef idx="1">
+              <a:schemeClr val="accent1"/>
+            </a:lnRef>
+            <a:fillRef idx="0">
+              <a:schemeClr val="accent1"/>
+            </a:fillRef>
+            <a:effectRef idx="0">
+              <a:schemeClr val="accent1"/>
+            </a:effectRef>
+            <a:fontRef idx="minor">
+              <a:schemeClr val="tx1"/>
+            </a:fontRef>
+          </p:style>
+        </p:cxnSp>
+        <p:cxnSp>
+          <p:nvCxnSpPr>
+            <p:cNvPr id="39" name="Straight Arrow Connector 38"/>
+            <p:cNvCxnSpPr>
+              <a:stCxn id="6" idx="6"/>
+              <a:endCxn id="18" idx="2"/>
+            </p:cNvCxnSpPr>
+            <p:nvPr/>
+          </p:nvCxnSpPr>
+          <p:spPr>
+            <a:xfrm>
+              <a:off x="3735977" y="2299061"/>
+              <a:ext cx="1311730" cy="2192292"/>
+            </a:xfrm>
+            <a:prstGeom prst="straightConnector1">
+              <a:avLst/>
+            </a:prstGeom>
+            <a:ln w="28575">
+              <a:solidFill>
+                <a:schemeClr val="tx1"/>
+              </a:solidFill>
+              <a:tailEnd type="triangle"/>
+            </a:ln>
+          </p:spPr>
+          <p:style>
+            <a:lnRef idx="1">
+              <a:schemeClr val="accent1"/>
+            </a:lnRef>
+            <a:fillRef idx="0">
+              <a:schemeClr val="accent1"/>
+            </a:fillRef>
+            <a:effectRef idx="0">
+              <a:schemeClr val="accent1"/>
+            </a:effectRef>
+            <a:fontRef idx="minor">
+              <a:schemeClr val="tx1"/>
+            </a:fontRef>
+          </p:style>
+        </p:cxnSp>
+        <p:cxnSp>
+          <p:nvCxnSpPr>
+            <p:cNvPr id="41" name="Straight Arrow Connector 40"/>
+            <p:cNvCxnSpPr>
+              <a:stCxn id="6" idx="6"/>
+              <a:endCxn id="19" idx="2"/>
+            </p:cNvCxnSpPr>
+            <p:nvPr/>
+          </p:nvCxnSpPr>
+          <p:spPr>
+            <a:xfrm>
+              <a:off x="3735977" y="2299061"/>
+              <a:ext cx="1311730" cy="2971709"/>
+            </a:xfrm>
+            <a:prstGeom prst="straightConnector1">
+              <a:avLst/>
+            </a:prstGeom>
+            <a:ln w="28575">
+              <a:solidFill>
+                <a:schemeClr val="tx1"/>
+              </a:solidFill>
+              <a:tailEnd type="triangle"/>
+            </a:ln>
+          </p:spPr>
+          <p:style>
+            <a:lnRef idx="1">
+              <a:schemeClr val="accent1"/>
+            </a:lnRef>
+            <a:fillRef idx="0">
+              <a:schemeClr val="accent1"/>
+            </a:fillRef>
+            <a:effectRef idx="0">
+              <a:schemeClr val="accent1"/>
+            </a:effectRef>
+            <a:fontRef idx="minor">
+              <a:schemeClr val="tx1"/>
+            </a:fontRef>
+          </p:style>
+        </p:cxnSp>
+        <p:cxnSp>
+          <p:nvCxnSpPr>
+            <p:cNvPr id="43" name="Straight Arrow Connector 42"/>
+            <p:cNvCxnSpPr>
+              <a:stCxn id="7" idx="6"/>
+              <a:endCxn id="16" idx="2"/>
+            </p:cNvCxnSpPr>
+            <p:nvPr/>
+          </p:nvCxnSpPr>
+          <p:spPr>
+            <a:xfrm flipV="1">
+              <a:off x="3735977" y="2302274"/>
+              <a:ext cx="1311730" cy="718472"/>
+            </a:xfrm>
+            <a:prstGeom prst="straightConnector1">
+              <a:avLst/>
+            </a:prstGeom>
+            <a:ln w="28575">
+              <a:solidFill>
+                <a:schemeClr val="tx1"/>
+              </a:solidFill>
+              <a:tailEnd type="triangle"/>
+            </a:ln>
+          </p:spPr>
+          <p:style>
+            <a:lnRef idx="1">
+              <a:schemeClr val="accent1"/>
+            </a:lnRef>
+            <a:fillRef idx="0">
+              <a:schemeClr val="accent1"/>
+            </a:fillRef>
+            <a:effectRef idx="0">
+              <a:schemeClr val="accent1"/>
+            </a:effectRef>
+            <a:fontRef idx="minor">
+              <a:schemeClr val="tx1"/>
+            </a:fontRef>
+          </p:style>
+        </p:cxnSp>
+        <p:cxnSp>
+          <p:nvCxnSpPr>
+            <p:cNvPr id="45" name="Straight Arrow Connector 44"/>
+            <p:cNvCxnSpPr>
+              <a:stCxn id="7" idx="6"/>
+              <a:endCxn id="17" idx="2"/>
+            </p:cNvCxnSpPr>
+            <p:nvPr/>
+          </p:nvCxnSpPr>
+          <p:spPr>
+            <a:xfrm>
+              <a:off x="3735977" y="3020746"/>
+              <a:ext cx="1311730" cy="3213"/>
+            </a:xfrm>
+            <a:prstGeom prst="straightConnector1">
+              <a:avLst/>
+            </a:prstGeom>
+            <a:ln w="28575">
+              <a:solidFill>
+                <a:schemeClr val="tx1"/>
+              </a:solidFill>
+              <a:tailEnd type="triangle"/>
+            </a:ln>
+          </p:spPr>
+          <p:style>
+            <a:lnRef idx="1">
+              <a:schemeClr val="accent1"/>
+            </a:lnRef>
+            <a:fillRef idx="0">
+              <a:schemeClr val="accent1"/>
+            </a:fillRef>
+            <a:effectRef idx="0">
+              <a:schemeClr val="accent1"/>
+            </a:effectRef>
+            <a:fontRef idx="minor">
+              <a:schemeClr val="tx1"/>
+            </a:fontRef>
+          </p:style>
+        </p:cxnSp>
+        <p:cxnSp>
+          <p:nvCxnSpPr>
+            <p:cNvPr id="47" name="Straight Arrow Connector 46"/>
+            <p:cNvCxnSpPr>
+              <a:stCxn id="7" idx="6"/>
+              <a:endCxn id="18" idx="2"/>
+            </p:cNvCxnSpPr>
+            <p:nvPr/>
+          </p:nvCxnSpPr>
+          <p:spPr>
+            <a:xfrm>
+              <a:off x="3735977" y="3020746"/>
+              <a:ext cx="1311730" cy="1470607"/>
+            </a:xfrm>
+            <a:prstGeom prst="straightConnector1">
+              <a:avLst/>
+            </a:prstGeom>
+            <a:ln w="28575">
+              <a:solidFill>
+                <a:schemeClr val="tx1"/>
+              </a:solidFill>
+              <a:tailEnd type="triangle"/>
+            </a:ln>
+          </p:spPr>
+          <p:style>
+            <a:lnRef idx="1">
+              <a:schemeClr val="accent1"/>
+            </a:lnRef>
+            <a:fillRef idx="0">
+              <a:schemeClr val="accent1"/>
+            </a:fillRef>
+            <a:effectRef idx="0">
+              <a:schemeClr val="accent1"/>
+            </a:effectRef>
+            <a:fontRef idx="minor">
+              <a:schemeClr val="tx1"/>
+            </a:fontRef>
+          </p:style>
+        </p:cxnSp>
+        <p:cxnSp>
+          <p:nvCxnSpPr>
+            <p:cNvPr id="49" name="Straight Arrow Connector 48"/>
+            <p:cNvCxnSpPr>
+              <a:stCxn id="7" idx="6"/>
+              <a:endCxn id="19" idx="2"/>
+            </p:cNvCxnSpPr>
+            <p:nvPr/>
+          </p:nvCxnSpPr>
+          <p:spPr>
+            <a:xfrm>
+              <a:off x="3735977" y="3020746"/>
+              <a:ext cx="1311730" cy="2250024"/>
+            </a:xfrm>
+            <a:prstGeom prst="straightConnector1">
+              <a:avLst/>
+            </a:prstGeom>
+            <a:ln w="28575">
+              <a:solidFill>
+                <a:schemeClr val="tx1"/>
+              </a:solidFill>
+              <a:tailEnd type="triangle"/>
+            </a:ln>
+          </p:spPr>
+          <p:style>
+            <a:lnRef idx="1">
+              <a:schemeClr val="accent1"/>
+            </a:lnRef>
+            <a:fillRef idx="0">
+              <a:schemeClr val="accent1"/>
+            </a:fillRef>
+            <a:effectRef idx="0">
+              <a:schemeClr val="accent1"/>
+            </a:effectRef>
+            <a:fontRef idx="minor">
+              <a:schemeClr val="tx1"/>
+            </a:fontRef>
+          </p:style>
+        </p:cxnSp>
+        <p:cxnSp>
+          <p:nvCxnSpPr>
+            <p:cNvPr id="51" name="Straight Arrow Connector 50"/>
+            <p:cNvCxnSpPr>
+              <a:stCxn id="8" idx="6"/>
+              <a:endCxn id="16" idx="2"/>
+            </p:cNvCxnSpPr>
+            <p:nvPr/>
+          </p:nvCxnSpPr>
+          <p:spPr>
+            <a:xfrm flipV="1">
+              <a:off x="3735977" y="2302274"/>
+              <a:ext cx="1311730" cy="2185866"/>
+            </a:xfrm>
+            <a:prstGeom prst="straightConnector1">
+              <a:avLst/>
+            </a:prstGeom>
+            <a:ln w="28575">
+              <a:solidFill>
+                <a:schemeClr val="tx1"/>
+              </a:solidFill>
+              <a:tailEnd type="triangle"/>
+            </a:ln>
+          </p:spPr>
+          <p:style>
+            <a:lnRef idx="1">
+              <a:schemeClr val="accent1"/>
+            </a:lnRef>
+            <a:fillRef idx="0">
+              <a:schemeClr val="accent1"/>
+            </a:fillRef>
+            <a:effectRef idx="0">
+              <a:schemeClr val="accent1"/>
+            </a:effectRef>
+            <a:fontRef idx="minor">
+              <a:schemeClr val="tx1"/>
+            </a:fontRef>
+          </p:style>
+        </p:cxnSp>
+        <p:cxnSp>
+          <p:nvCxnSpPr>
+            <p:cNvPr id="53" name="Straight Arrow Connector 52"/>
+            <p:cNvCxnSpPr>
+              <a:stCxn id="8" idx="6"/>
+              <a:endCxn id="17" idx="2"/>
+            </p:cNvCxnSpPr>
+            <p:nvPr/>
+          </p:nvCxnSpPr>
+          <p:spPr>
+            <a:xfrm flipV="1">
+              <a:off x="3735977" y="3023959"/>
+              <a:ext cx="1311730" cy="1464181"/>
+            </a:xfrm>
+            <a:prstGeom prst="straightConnector1">
+              <a:avLst/>
+            </a:prstGeom>
+            <a:ln w="28575">
+              <a:solidFill>
+                <a:schemeClr val="tx1"/>
+              </a:solidFill>
+              <a:tailEnd type="triangle"/>
+            </a:ln>
+          </p:spPr>
+          <p:style>
+            <a:lnRef idx="1">
+              <a:schemeClr val="accent1"/>
+            </a:lnRef>
+            <a:fillRef idx="0">
+              <a:schemeClr val="accent1"/>
+            </a:fillRef>
+            <a:effectRef idx="0">
+              <a:schemeClr val="accent1"/>
+            </a:effectRef>
+            <a:fontRef idx="minor">
+              <a:schemeClr val="tx1"/>
+            </a:fontRef>
+          </p:style>
+        </p:cxnSp>
+        <p:cxnSp>
+          <p:nvCxnSpPr>
+            <p:cNvPr id="55" name="Straight Arrow Connector 54"/>
+            <p:cNvCxnSpPr>
+              <a:stCxn id="8" idx="6"/>
+              <a:endCxn id="18" idx="2"/>
+            </p:cNvCxnSpPr>
+            <p:nvPr/>
+          </p:nvCxnSpPr>
+          <p:spPr>
+            <a:xfrm>
+              <a:off x="3735977" y="4488140"/>
+              <a:ext cx="1311730" cy="3213"/>
+            </a:xfrm>
+            <a:prstGeom prst="straightConnector1">
+              <a:avLst/>
+            </a:prstGeom>
+            <a:ln w="28575">
+              <a:solidFill>
+                <a:schemeClr val="tx1"/>
+              </a:solidFill>
+              <a:tailEnd type="triangle"/>
+            </a:ln>
+          </p:spPr>
+          <p:style>
+            <a:lnRef idx="1">
+              <a:schemeClr val="accent1"/>
+            </a:lnRef>
+            <a:fillRef idx="0">
+              <a:schemeClr val="accent1"/>
+            </a:fillRef>
+            <a:effectRef idx="0">
+              <a:schemeClr val="accent1"/>
+            </a:effectRef>
+            <a:fontRef idx="minor">
+              <a:schemeClr val="tx1"/>
+            </a:fontRef>
+          </p:style>
+        </p:cxnSp>
+        <p:cxnSp>
+          <p:nvCxnSpPr>
+            <p:cNvPr id="57" name="Straight Arrow Connector 56"/>
+            <p:cNvCxnSpPr>
+              <a:stCxn id="8" idx="6"/>
+              <a:endCxn id="19" idx="2"/>
+            </p:cNvCxnSpPr>
+            <p:nvPr/>
+          </p:nvCxnSpPr>
+          <p:spPr>
+            <a:xfrm>
+              <a:off x="3735977" y="4488140"/>
+              <a:ext cx="1311730" cy="782630"/>
+            </a:xfrm>
+            <a:prstGeom prst="straightConnector1">
+              <a:avLst/>
+            </a:prstGeom>
+            <a:ln w="28575">
+              <a:solidFill>
+                <a:schemeClr val="tx1"/>
+              </a:solidFill>
+              <a:tailEnd type="triangle"/>
+            </a:ln>
+          </p:spPr>
+          <p:style>
+            <a:lnRef idx="1">
+              <a:schemeClr val="accent1"/>
+            </a:lnRef>
+            <a:fillRef idx="0">
+              <a:schemeClr val="accent1"/>
+            </a:fillRef>
+            <a:effectRef idx="0">
+              <a:schemeClr val="accent1"/>
+            </a:effectRef>
+            <a:fontRef idx="minor">
+              <a:schemeClr val="tx1"/>
+            </a:fontRef>
+          </p:style>
+        </p:cxnSp>
+        <p:cxnSp>
+          <p:nvCxnSpPr>
+            <p:cNvPr id="59" name="Straight Arrow Connector 58"/>
+            <p:cNvCxnSpPr>
+              <a:stCxn id="9" idx="6"/>
+              <a:endCxn id="16" idx="2"/>
+            </p:cNvCxnSpPr>
+            <p:nvPr/>
+          </p:nvCxnSpPr>
+          <p:spPr>
+            <a:xfrm flipV="1">
+              <a:off x="3735977" y="2302274"/>
+              <a:ext cx="1311730" cy="2965283"/>
+            </a:xfrm>
+            <a:prstGeom prst="straightConnector1">
+              <a:avLst/>
+            </a:prstGeom>
+            <a:ln w="28575">
+              <a:solidFill>
+                <a:schemeClr val="tx1"/>
+              </a:solidFill>
+              <a:tailEnd type="triangle"/>
+            </a:ln>
+          </p:spPr>
+          <p:style>
+            <a:lnRef idx="1">
+              <a:schemeClr val="accent1"/>
+            </a:lnRef>
+            <a:fillRef idx="0">
+              <a:schemeClr val="accent1"/>
+            </a:fillRef>
+            <a:effectRef idx="0">
+              <a:schemeClr val="accent1"/>
+            </a:effectRef>
+            <a:fontRef idx="minor">
+              <a:schemeClr val="tx1"/>
+            </a:fontRef>
+          </p:style>
+        </p:cxnSp>
+        <p:cxnSp>
+          <p:nvCxnSpPr>
+            <p:cNvPr id="61" name="Straight Arrow Connector 60"/>
+            <p:cNvCxnSpPr>
+              <a:stCxn id="9" idx="6"/>
+              <a:endCxn id="17" idx="2"/>
+            </p:cNvCxnSpPr>
+            <p:nvPr/>
+          </p:nvCxnSpPr>
+          <p:spPr>
+            <a:xfrm flipV="1">
+              <a:off x="3735977" y="3023959"/>
+              <a:ext cx="1311730" cy="2243598"/>
+            </a:xfrm>
+            <a:prstGeom prst="straightConnector1">
+              <a:avLst/>
+            </a:prstGeom>
+            <a:ln w="28575">
+              <a:solidFill>
+                <a:schemeClr val="tx1"/>
+              </a:solidFill>
+              <a:tailEnd type="triangle"/>
+            </a:ln>
+          </p:spPr>
+          <p:style>
+            <a:lnRef idx="1">
+              <a:schemeClr val="accent1"/>
+            </a:lnRef>
+            <a:fillRef idx="0">
+              <a:schemeClr val="accent1"/>
+            </a:fillRef>
+            <a:effectRef idx="0">
+              <a:schemeClr val="accent1"/>
+            </a:effectRef>
+            <a:fontRef idx="minor">
+              <a:schemeClr val="tx1"/>
+            </a:fontRef>
+          </p:style>
+        </p:cxnSp>
+        <p:cxnSp>
+          <p:nvCxnSpPr>
+            <p:cNvPr id="63" name="Straight Arrow Connector 62"/>
+            <p:cNvCxnSpPr>
+              <a:stCxn id="9" idx="6"/>
+              <a:endCxn id="18" idx="2"/>
+            </p:cNvCxnSpPr>
+            <p:nvPr/>
+          </p:nvCxnSpPr>
+          <p:spPr>
+            <a:xfrm flipV="1">
+              <a:off x="3735977" y="4491353"/>
+              <a:ext cx="1311730" cy="776204"/>
+            </a:xfrm>
+            <a:prstGeom prst="straightConnector1">
+              <a:avLst/>
+            </a:prstGeom>
+            <a:ln w="28575">
+              <a:solidFill>
+                <a:schemeClr val="tx1"/>
+              </a:solidFill>
+              <a:tailEnd type="triangle"/>
+            </a:ln>
+          </p:spPr>
+          <p:style>
+            <a:lnRef idx="1">
+              <a:schemeClr val="accent1"/>
+            </a:lnRef>
+            <a:fillRef idx="0">
+              <a:schemeClr val="accent1"/>
+            </a:fillRef>
+            <a:effectRef idx="0">
+              <a:schemeClr val="accent1"/>
+            </a:effectRef>
+            <a:fontRef idx="minor">
+              <a:schemeClr val="tx1"/>
+            </a:fontRef>
+          </p:style>
+        </p:cxnSp>
+        <p:cxnSp>
+          <p:nvCxnSpPr>
+            <p:cNvPr id="65" name="Straight Arrow Connector 64"/>
+            <p:cNvCxnSpPr>
+              <a:stCxn id="9" idx="6"/>
+              <a:endCxn id="19" idx="2"/>
+            </p:cNvCxnSpPr>
+            <p:nvPr/>
+          </p:nvCxnSpPr>
+          <p:spPr>
+            <a:xfrm>
+              <a:off x="3735977" y="5267557"/>
+              <a:ext cx="1311730" cy="3213"/>
+            </a:xfrm>
+            <a:prstGeom prst="straightConnector1">
+              <a:avLst/>
+            </a:prstGeom>
+            <a:ln w="28575">
+              <a:solidFill>
+                <a:schemeClr val="tx1"/>
+              </a:solidFill>
+              <a:tailEnd type="triangle"/>
+            </a:ln>
+          </p:spPr>
+          <p:style>
+            <a:lnRef idx="1">
+              <a:schemeClr val="accent1"/>
+            </a:lnRef>
+            <a:fillRef idx="0">
+              <a:schemeClr val="accent1"/>
+            </a:fillRef>
+            <a:effectRef idx="0">
+              <a:schemeClr val="accent1"/>
+            </a:effectRef>
+            <a:fontRef idx="minor">
+              <a:schemeClr val="tx1"/>
+            </a:fontRef>
+          </p:style>
+        </p:cxnSp>
+        <p:cxnSp>
+          <p:nvCxnSpPr>
+            <p:cNvPr id="67" name="Straight Arrow Connector 66"/>
+            <p:cNvCxnSpPr>
+              <a:stCxn id="16" idx="6"/>
+              <a:endCxn id="23" idx="2"/>
+            </p:cNvCxnSpPr>
+            <p:nvPr/>
+          </p:nvCxnSpPr>
+          <p:spPr>
+            <a:xfrm>
+              <a:off x="5683433" y="2302274"/>
+              <a:ext cx="1208313" cy="1321208"/>
+            </a:xfrm>
+            <a:prstGeom prst="straightConnector1">
+              <a:avLst/>
+            </a:prstGeom>
+            <a:ln w="28575">
+              <a:solidFill>
+                <a:schemeClr val="tx1"/>
+              </a:solidFill>
+              <a:tailEnd type="triangle"/>
+            </a:ln>
+          </p:spPr>
+          <p:style>
+            <a:lnRef idx="1">
+              <a:schemeClr val="accent1"/>
+            </a:lnRef>
+            <a:fillRef idx="0">
+              <a:schemeClr val="accent1"/>
+            </a:fillRef>
+            <a:effectRef idx="0">
+              <a:schemeClr val="accent1"/>
+            </a:effectRef>
+            <a:fontRef idx="minor">
+              <a:schemeClr val="tx1"/>
+            </a:fontRef>
+          </p:style>
+        </p:cxnSp>
+        <p:cxnSp>
+          <p:nvCxnSpPr>
+            <p:cNvPr id="69" name="Straight Arrow Connector 68"/>
+            <p:cNvCxnSpPr>
+              <a:stCxn id="17" idx="6"/>
+              <a:endCxn id="23" idx="2"/>
+            </p:cNvCxnSpPr>
+            <p:nvPr/>
+          </p:nvCxnSpPr>
+          <p:spPr>
+            <a:xfrm>
+              <a:off x="5683433" y="3023959"/>
+              <a:ext cx="1208313" cy="599523"/>
+            </a:xfrm>
+            <a:prstGeom prst="straightConnector1">
+              <a:avLst/>
+            </a:prstGeom>
+            <a:ln w="28575">
+              <a:solidFill>
+                <a:schemeClr val="tx1"/>
+              </a:solidFill>
+              <a:tailEnd type="triangle"/>
+            </a:ln>
+          </p:spPr>
+          <p:style>
+            <a:lnRef idx="1">
+              <a:schemeClr val="accent1"/>
+            </a:lnRef>
+            <a:fillRef idx="0">
+              <a:schemeClr val="accent1"/>
+            </a:fillRef>
+            <a:effectRef idx="0">
+              <a:schemeClr val="accent1"/>
+            </a:effectRef>
+            <a:fontRef idx="minor">
+              <a:schemeClr val="tx1"/>
+            </a:fontRef>
+          </p:style>
+        </p:cxnSp>
+        <p:cxnSp>
+          <p:nvCxnSpPr>
+            <p:cNvPr id="71" name="Straight Arrow Connector 70"/>
+            <p:cNvCxnSpPr>
+              <a:stCxn id="18" idx="6"/>
+              <a:endCxn id="23" idx="2"/>
+            </p:cNvCxnSpPr>
+            <p:nvPr/>
+          </p:nvCxnSpPr>
+          <p:spPr>
+            <a:xfrm flipV="1">
+              <a:off x="5683433" y="3623482"/>
+              <a:ext cx="1208313" cy="867871"/>
+            </a:xfrm>
+            <a:prstGeom prst="straightConnector1">
+              <a:avLst/>
+            </a:prstGeom>
+            <a:ln w="28575">
+              <a:solidFill>
+                <a:schemeClr val="tx1"/>
+              </a:solidFill>
+              <a:tailEnd type="triangle"/>
+            </a:ln>
+          </p:spPr>
+          <p:style>
+            <a:lnRef idx="1">
+              <a:schemeClr val="accent1"/>
+            </a:lnRef>
+            <a:fillRef idx="0">
+              <a:schemeClr val="accent1"/>
+            </a:fillRef>
+            <a:effectRef idx="0">
+              <a:schemeClr val="accent1"/>
+            </a:effectRef>
+            <a:fontRef idx="minor">
+              <a:schemeClr val="tx1"/>
+            </a:fontRef>
+          </p:style>
+        </p:cxnSp>
+        <p:cxnSp>
+          <p:nvCxnSpPr>
+            <p:cNvPr id="73" name="Straight Arrow Connector 72"/>
+            <p:cNvCxnSpPr>
+              <a:stCxn id="19" idx="6"/>
+              <a:endCxn id="23" idx="2"/>
+            </p:cNvCxnSpPr>
+            <p:nvPr/>
+          </p:nvCxnSpPr>
+          <p:spPr>
+            <a:xfrm flipV="1">
+              <a:off x="5683433" y="3623482"/>
+              <a:ext cx="1208313" cy="1647288"/>
+            </a:xfrm>
+            <a:prstGeom prst="straightConnector1">
+              <a:avLst/>
+            </a:prstGeom>
+            <a:ln w="28575">
+              <a:solidFill>
+                <a:schemeClr val="tx1"/>
+              </a:solidFill>
+              <a:tailEnd type="triangle"/>
+            </a:ln>
+          </p:spPr>
+          <p:style>
+            <a:lnRef idx="1">
+              <a:schemeClr val="accent1"/>
+            </a:lnRef>
+            <a:fillRef idx="0">
+              <a:schemeClr val="accent1"/>
+            </a:fillRef>
+            <a:effectRef idx="0">
+              <a:schemeClr val="accent1"/>
+            </a:effectRef>
+            <a:fontRef idx="minor">
+              <a:schemeClr val="tx1"/>
+            </a:fontRef>
+          </p:style>
+        </p:cxnSp>
+        <p:grpSp>
+          <p:nvGrpSpPr>
+            <p:cNvPr id="80" name="Group 79"/>
+            <p:cNvGrpSpPr/>
+            <p:nvPr/>
+          </p:nvGrpSpPr>
+          <p:grpSpPr>
+            <a:xfrm>
+              <a:off x="8469128" y="3249926"/>
+              <a:ext cx="1484769" cy="723616"/>
+              <a:chOff x="8120957" y="3194587"/>
+              <a:chExt cx="1484769" cy="723616"/>
+            </a:xfrm>
+          </p:grpSpPr>
+          <p:sp>
+            <p:nvSpPr>
+              <p:cNvPr id="78" name="Rectangle 77"/>
+              <p:cNvSpPr/>
+              <p:nvPr/>
+            </p:nvSpPr>
+            <p:spPr>
+              <a:xfrm>
+                <a:off x="8120957" y="3194587"/>
+                <a:ext cx="1484769" cy="723616"/>
+              </a:xfrm>
+              <a:prstGeom prst="rect">
+                <a:avLst/>
+              </a:prstGeom>
+              <a:noFill/>
+              <a:ln w="57150">
+                <a:solidFill>
+                  <a:schemeClr val="tx1"/>
+                </a:solidFill>
+              </a:ln>
+            </p:spPr>
+            <p:style>
+              <a:lnRef idx="2">
+                <a:schemeClr val="accent1">
+                  <a:shade val="50000"/>
+                </a:schemeClr>
+              </a:lnRef>
+              <a:fillRef idx="1">
+                <a:schemeClr val="accent1"/>
+              </a:fillRef>
+              <a:effectRef idx="0">
+                <a:schemeClr val="accent1"/>
+              </a:effectRef>
+              <a:fontRef idx="minor">
+                <a:schemeClr val="lt1"/>
+              </a:fontRef>
+            </p:style>
+            <p:txBody>
+              <a:bodyPr rtlCol="0" anchor="ctr"/>
+              <a:lstStyle/>
+              <a:p>
+                <a:pPr algn="ctr"/>
+                <a:endParaRPr lang="en-CA"/>
+              </a:p>
+            </p:txBody>
+          </p:sp>
+          <p:sp>
+            <p:nvSpPr>
+              <p:cNvPr id="79" name="TextBox 78"/>
+              <p:cNvSpPr txBox="1"/>
+              <p:nvPr/>
+            </p:nvSpPr>
+            <p:spPr>
+              <a:xfrm>
+                <a:off x="8303079" y="3233229"/>
+                <a:ext cx="1138541" cy="646331"/>
+              </a:xfrm>
+              <a:prstGeom prst="rect">
+                <a:avLst/>
+              </a:prstGeom>
+              <a:noFill/>
+            </p:spPr>
+            <p:txBody>
+              <a:bodyPr wrap="square" rtlCol="0">
+                <a:spAutoFit/>
+              </a:bodyPr>
+              <a:lstStyle/>
+              <a:p>
+                <a:pPr algn="ctr"/>
+                <a:r>
+                  <a:rPr lang="en-CA" dirty="0" smtClean="0"/>
+                  <a:t>Multiply by 180</a:t>
+                </a:r>
+                <a:r>
+                  <a:rPr lang="en-CA" baseline="30000" dirty="0" smtClean="0"/>
+                  <a:t>o</a:t>
+                </a:r>
+                <a:endParaRPr lang="en-CA" dirty="0"/>
+              </a:p>
+            </p:txBody>
+          </p:sp>
+        </p:grpSp>
+        <p:cxnSp>
+          <p:nvCxnSpPr>
+            <p:cNvPr id="82" name="Straight Arrow Connector 81"/>
+            <p:cNvCxnSpPr>
+              <a:stCxn id="23" idx="6"/>
+              <a:endCxn id="78" idx="1"/>
+            </p:cNvCxnSpPr>
+            <p:nvPr/>
+          </p:nvCxnSpPr>
+          <p:spPr>
+            <a:xfrm flipV="1">
+              <a:off x="7745186" y="3611734"/>
+              <a:ext cx="723942" cy="11748"/>
+            </a:xfrm>
+            <a:prstGeom prst="straightConnector1">
+              <a:avLst/>
+            </a:prstGeom>
+            <a:ln w="57150">
+              <a:solidFill>
+                <a:schemeClr val="tx1"/>
+              </a:solidFill>
+              <a:tailEnd type="triangle"/>
+            </a:ln>
+          </p:spPr>
+          <p:style>
+            <a:lnRef idx="1">
+              <a:schemeClr val="accent1"/>
+            </a:lnRef>
+            <a:fillRef idx="0">
+              <a:schemeClr val="accent1"/>
+            </a:fillRef>
+            <a:effectRef idx="0">
+              <a:schemeClr val="accent1"/>
+            </a:effectRef>
+            <a:fontRef idx="minor">
+              <a:schemeClr val="tx1"/>
+            </a:fontRef>
+          </p:style>
+        </p:cxnSp>
+        <p:sp>
+          <p:nvSpPr>
+            <p:cNvPr id="83" name="Right Arrow 82"/>
+            <p:cNvSpPr/>
+            <p:nvPr/>
+          </p:nvSpPr>
+          <p:spPr>
+            <a:xfrm>
+              <a:off x="9953897" y="3313995"/>
+              <a:ext cx="1208313" cy="583474"/>
+            </a:xfrm>
+            <a:prstGeom prst="rightArrow">
+              <a:avLst/>
+            </a:prstGeom>
+            <a:solidFill>
+              <a:schemeClr val="tx1"/>
+            </a:solidFill>
+            <a:ln>
+              <a:solidFill>
+                <a:schemeClr val="tx1"/>
+              </a:solidFill>
+            </a:ln>
+          </p:spPr>
+          <p:style>
+            <a:lnRef idx="2">
+              <a:schemeClr val="accent1">
+                <a:shade val="50000"/>
+              </a:schemeClr>
+            </a:lnRef>
+            <a:fillRef idx="1">
+              <a:schemeClr val="accent1"/>
+            </a:fillRef>
+            <a:effectRef idx="0">
+              <a:schemeClr val="accent1"/>
+            </a:effectRef>
+            <a:fontRef idx="minor">
+              <a:schemeClr val="lt1"/>
+            </a:fontRef>
+          </p:style>
+          <p:txBody>
+            <a:bodyPr rtlCol="0" anchor="ctr"/>
+            <a:lstStyle/>
+            <a:p>
+              <a:pPr algn="ctr"/>
+              <a:endParaRPr lang="en-CA"/>
+            </a:p>
+          </p:txBody>
+        </p:sp>
+        <p:sp>
+          <p:nvSpPr>
+            <p:cNvPr id="84" name="TextBox 83"/>
+            <p:cNvSpPr txBox="1"/>
+            <p:nvPr/>
+          </p:nvSpPr>
+          <p:spPr>
+            <a:xfrm>
+              <a:off x="9953897" y="2457571"/>
+              <a:ext cx="1426309" cy="830997"/>
+            </a:xfrm>
+            <a:prstGeom prst="rect">
+              <a:avLst/>
+            </a:prstGeom>
+            <a:noFill/>
+          </p:spPr>
+          <p:txBody>
+            <a:bodyPr wrap="square" rtlCol="0">
+              <a:spAutoFit/>
+            </a:bodyPr>
+            <a:lstStyle/>
+            <a:p>
+              <a:r>
+                <a:rPr lang="en-CA" sz="2400" dirty="0" smtClean="0"/>
+                <a:t>Curvature estimate</a:t>
+              </a:r>
+              <a:endParaRPr lang="en-CA" sz="2400" dirty="0"/>
+            </a:p>
+          </p:txBody>
+        </p:sp>
+      </p:grpSp>
+    </p:spTree>
+    <p:extLst>
+      <p:ext uri="{BB962C8B-B14F-4D97-AF65-F5344CB8AC3E}">
+        <p14:creationId xmlns:p14="http://schemas.microsoft.com/office/powerpoint/2010/main" val="3787472434"/>
+      </p:ext>
+    </p:extLst>
+  </p:cSld>
+  <p:clrMapOvr>
+    <a:masterClrMapping/>
+  </p:clrMapOvr>
+</p:sld>
+</file>
+
+<file path=ppt/slides/slide6.xml><?xml version="1.0" encoding="utf-8"?>
+<p:sld xmlns:a="http://schemas.openxmlformats.org/drawingml/2006/main" xmlns:r="http://schemas.openxmlformats.org/officeDocument/2006/relationships" xmlns:p="http://schemas.openxmlformats.org/presentationml/2006/main">
+  <p:cSld>
+    <p:spTree>
+      <p:nvGrpSpPr>
+        <p:cNvPr id="1" name=""/>
+        <p:cNvGrpSpPr/>
+        <p:nvPr/>
+      </p:nvGrpSpPr>
+      <p:grpSpPr>
+        <a:xfrm>
+          <a:off x="0" y="0"/>
+          <a:ext cx="0" cy="0"/>
+          <a:chOff x="0" y="0"/>
+          <a:chExt cx="0" cy="0"/>
+        </a:xfrm>
+      </p:grpSpPr>
+      <p:grpSp>
+        <p:nvGrpSpPr>
+          <p:cNvPr id="85" name="Group 84"/>
+          <p:cNvGrpSpPr/>
+          <p:nvPr/>
+        </p:nvGrpSpPr>
+        <p:grpSpPr>
+          <a:xfrm>
+            <a:off x="551049" y="1003660"/>
+            <a:ext cx="8219758" cy="4179990"/>
+            <a:chOff x="551049" y="1003660"/>
+            <a:chExt cx="8219758" cy="4179990"/>
+          </a:xfrm>
+        </p:grpSpPr>
+        <p:grpSp>
+          <p:nvGrpSpPr>
+            <p:cNvPr id="3" name="Group 2"/>
+            <p:cNvGrpSpPr/>
+            <p:nvPr/>
+          </p:nvGrpSpPr>
+          <p:grpSpPr>
+            <a:xfrm>
+              <a:off x="3949572" y="2398852"/>
+              <a:ext cx="4101221" cy="1738006"/>
+              <a:chOff x="3937601" y="2259384"/>
+              <a:chExt cx="4161807" cy="1723025"/>
+            </a:xfrm>
+          </p:grpSpPr>
+          <p:sp>
+            <p:nvSpPr>
+              <p:cNvPr id="6" name="Rectangle 5"/>
+              <p:cNvSpPr/>
+              <p:nvPr/>
+            </p:nvSpPr>
+            <p:spPr>
+              <a:xfrm>
+                <a:off x="4729401" y="2259384"/>
+                <a:ext cx="2577071" cy="1723025"/>
+              </a:xfrm>
+              <a:prstGeom prst="rect">
+                <a:avLst/>
+              </a:prstGeom>
+              <a:noFill/>
+              <a:ln w="57150">
+                <a:solidFill>
+                  <a:schemeClr val="tx1"/>
+                </a:solidFill>
+              </a:ln>
+            </p:spPr>
+            <p:style>
+              <a:lnRef idx="2">
+                <a:schemeClr val="accent1">
+                  <a:shade val="50000"/>
+                </a:schemeClr>
+              </a:lnRef>
+              <a:fillRef idx="1">
+                <a:schemeClr val="accent1"/>
+              </a:fillRef>
+              <a:effectRef idx="0">
+                <a:schemeClr val="accent1"/>
+              </a:effectRef>
+              <a:fontRef idx="minor">
+                <a:schemeClr val="lt1"/>
+              </a:fontRef>
+            </p:style>
+            <p:txBody>
+              <a:bodyPr rtlCol="0" anchor="ctr"/>
+              <a:lstStyle/>
+              <a:p>
+                <a:pPr algn="ctr"/>
+                <a:endParaRPr lang="en-CA"/>
+              </a:p>
+            </p:txBody>
+          </p:sp>
+          <p:sp>
+            <p:nvSpPr>
+              <p:cNvPr id="7" name="TextBox 6"/>
+              <p:cNvSpPr txBox="1"/>
+              <p:nvPr/>
+            </p:nvSpPr>
+            <p:spPr>
+              <a:xfrm>
+                <a:off x="4902257" y="2423733"/>
+                <a:ext cx="2231356" cy="1189983"/>
+              </a:xfrm>
+              <a:prstGeom prst="rect">
+                <a:avLst/>
+              </a:prstGeom>
+              <a:noFill/>
+            </p:spPr>
+            <p:txBody>
+              <a:bodyPr wrap="square" rtlCol="0">
+                <a:spAutoFit/>
+              </a:bodyPr>
+              <a:lstStyle/>
+              <a:p>
+                <a:pPr algn="ctr"/>
+                <a:r>
+                  <a:rPr lang="en-CA" sz="3600" dirty="0" smtClean="0"/>
+                  <a:t>Neural network</a:t>
+                </a:r>
+                <a:endParaRPr lang="en-CA" sz="3600" dirty="0"/>
+              </a:p>
+            </p:txBody>
+          </p:sp>
+          <p:sp>
+            <p:nvSpPr>
+              <p:cNvPr id="8" name="Right Arrow 7"/>
+              <p:cNvSpPr/>
+              <p:nvPr/>
+            </p:nvSpPr>
+            <p:spPr>
+              <a:xfrm>
+                <a:off x="3937601" y="2726986"/>
+                <a:ext cx="784838" cy="583474"/>
+              </a:xfrm>
+              <a:prstGeom prst="rightArrow">
+                <a:avLst/>
+              </a:prstGeom>
+              <a:solidFill>
+                <a:schemeClr val="tx1"/>
+              </a:solidFill>
+              <a:ln>
+                <a:solidFill>
+                  <a:schemeClr val="tx1"/>
+                </a:solidFill>
+              </a:ln>
+            </p:spPr>
+            <p:style>
+              <a:lnRef idx="2">
+                <a:schemeClr val="accent1">
+                  <a:shade val="50000"/>
+                </a:schemeClr>
+              </a:lnRef>
+              <a:fillRef idx="1">
+                <a:schemeClr val="accent1"/>
+              </a:fillRef>
+              <a:effectRef idx="0">
+                <a:schemeClr val="accent1"/>
+              </a:effectRef>
+              <a:fontRef idx="minor">
+                <a:schemeClr val="lt1"/>
+              </a:fontRef>
+            </p:style>
+            <p:txBody>
+              <a:bodyPr rtlCol="0" anchor="ctr"/>
+              <a:lstStyle/>
+              <a:p>
+                <a:pPr algn="ctr"/>
+                <a:endParaRPr lang="en-CA"/>
+              </a:p>
+            </p:txBody>
+          </p:sp>
+          <p:sp>
+            <p:nvSpPr>
+              <p:cNvPr id="9" name="Right Arrow 8"/>
+              <p:cNvSpPr/>
+              <p:nvPr/>
+            </p:nvSpPr>
+            <p:spPr>
+              <a:xfrm>
+                <a:off x="7313433" y="2754480"/>
+                <a:ext cx="785975" cy="583474"/>
+              </a:xfrm>
+              <a:prstGeom prst="rightArrow">
+                <a:avLst/>
+              </a:prstGeom>
+              <a:solidFill>
+                <a:schemeClr val="tx1"/>
+              </a:solidFill>
+              <a:ln>
+                <a:solidFill>
+                  <a:schemeClr val="tx1"/>
+                </a:solidFill>
+              </a:ln>
+            </p:spPr>
+            <p:style>
+              <a:lnRef idx="2">
+                <a:schemeClr val="accent1">
+                  <a:shade val="50000"/>
+                </a:schemeClr>
+              </a:lnRef>
+              <a:fillRef idx="1">
+                <a:schemeClr val="accent1"/>
+              </a:fillRef>
+              <a:effectRef idx="0">
+                <a:schemeClr val="accent1"/>
+              </a:effectRef>
+              <a:fontRef idx="minor">
+                <a:schemeClr val="lt1"/>
+              </a:fontRef>
+            </p:style>
+            <p:txBody>
+              <a:bodyPr rtlCol="0" anchor="ctr"/>
+              <a:lstStyle/>
+              <a:p>
+                <a:pPr algn="ctr"/>
+                <a:endParaRPr lang="en-CA"/>
+              </a:p>
+            </p:txBody>
+          </p:sp>
+        </p:grpSp>
+        <p:pic>
+          <p:nvPicPr>
+            <p:cNvPr id="45" name="Picture 44"/>
+            <p:cNvPicPr>
+              <a:picLocks noChangeAspect="1"/>
+            </p:cNvPicPr>
+            <p:nvPr/>
+          </p:nvPicPr>
+          <p:blipFill rotWithShape="1">
+            <a:blip r:embed="rId2">
+              <a:extLst>
+                <a:ext uri="{28A0092B-C50C-407E-A947-70E740481C1C}">
+                  <a14:useLocalDpi xmlns:a14="http://schemas.microsoft.com/office/drawing/2010/main" val="0"/>
+                </a:ext>
+              </a:extLst>
+            </a:blip>
+            <a:srcRect l="16038" r="7236"/>
+            <a:stretch/>
+          </p:blipFill>
+          <p:spPr>
+            <a:xfrm>
+              <a:off x="551049" y="1003660"/>
+              <a:ext cx="2747849" cy="4179990"/>
+            </a:xfrm>
+            <a:prstGeom prst="rect">
+              <a:avLst/>
+            </a:prstGeom>
+          </p:spPr>
+        </p:pic>
+        <p:sp>
+          <p:nvSpPr>
+            <p:cNvPr id="46" name="Right Brace 45"/>
+            <p:cNvSpPr/>
+            <p:nvPr/>
+          </p:nvSpPr>
+          <p:spPr>
+            <a:xfrm>
+              <a:off x="3378492" y="1162050"/>
+              <a:ext cx="344154" cy="4007479"/>
+            </a:xfrm>
+            <a:prstGeom prst="rightBrace">
+              <a:avLst>
+                <a:gd name="adj1" fmla="val 8333"/>
+                <a:gd name="adj2" fmla="val 50904"/>
+              </a:avLst>
+            </a:prstGeom>
+            <a:ln w="38100">
+              <a:solidFill>
+                <a:schemeClr val="tx1"/>
+              </a:solidFill>
+            </a:ln>
+          </p:spPr>
+          <p:style>
+            <a:lnRef idx="1">
+              <a:schemeClr val="accent1"/>
+            </a:lnRef>
+            <a:fillRef idx="0">
+              <a:schemeClr val="accent1"/>
+            </a:fillRef>
+            <a:effectRef idx="0">
+              <a:schemeClr val="accent1"/>
+            </a:effectRef>
+            <a:fontRef idx="minor">
+              <a:schemeClr val="tx1"/>
+            </a:fontRef>
+          </p:style>
+          <p:txBody>
+            <a:bodyPr rtlCol="0" anchor="ctr"/>
+            <a:lstStyle/>
+            <a:p>
+              <a:pPr algn="ctr"/>
+              <a:endParaRPr lang="en-CA"/>
+            </a:p>
+          </p:txBody>
+        </p:sp>
+        <p:sp>
+          <p:nvSpPr>
+            <p:cNvPr id="47" name="Freeform 46"/>
+            <p:cNvSpPr/>
+            <p:nvPr/>
+          </p:nvSpPr>
+          <p:spPr>
+            <a:xfrm>
+              <a:off x="1310758" y="4590107"/>
+              <a:ext cx="1993757" cy="488887"/>
+            </a:xfrm>
+            <a:custGeom>
+              <a:avLst/>
+              <a:gdLst>
+                <a:gd name="connsiteX0" fmla="*/ 20101 w 1993757"/>
+                <a:gd name="connsiteY0" fmla="*/ 0 h 488887"/>
+                <a:gd name="connsiteX1" fmla="*/ 282652 w 1993757"/>
+                <a:gd name="connsiteY1" fmla="*/ 344032 h 488887"/>
+                <a:gd name="connsiteX2" fmla="*/ 1993757 w 1993757"/>
+                <a:gd name="connsiteY2" fmla="*/ 488887 h 488887"/>
+              </a:gdLst>
+              <a:ahLst/>
+              <a:cxnLst>
+                <a:cxn ang="0">
+                  <a:pos x="connsiteX0" y="connsiteY0"/>
+                </a:cxn>
+                <a:cxn ang="0">
+                  <a:pos x="connsiteX1" y="connsiteY1"/>
+                </a:cxn>
+                <a:cxn ang="0">
+                  <a:pos x="connsiteX2" y="connsiteY2"/>
+                </a:cxn>
+              </a:cxnLst>
+              <a:rect l="l" t="t" r="r" b="b"/>
+              <a:pathLst>
+                <a:path w="1993757" h="488887">
+                  <a:moveTo>
+                    <a:pt x="20101" y="0"/>
+                  </a:moveTo>
+                  <a:cubicBezTo>
+                    <a:pt x="-13095" y="131275"/>
+                    <a:pt x="-46291" y="262551"/>
+                    <a:pt x="282652" y="344032"/>
+                  </a:cubicBezTo>
+                  <a:cubicBezTo>
+                    <a:pt x="611595" y="425513"/>
+                    <a:pt x="1302676" y="457200"/>
+                    <a:pt x="1993757" y="488887"/>
+                  </a:cubicBezTo>
+                </a:path>
+              </a:pathLst>
+            </a:custGeom>
+            <a:noFill/>
+            <a:ln w="28575">
+              <a:solidFill>
+                <a:schemeClr val="bg1"/>
+              </a:solidFill>
+            </a:ln>
+          </p:spPr>
+          <p:style>
+            <a:lnRef idx="2">
+              <a:schemeClr val="accent1">
+                <a:shade val="50000"/>
+              </a:schemeClr>
+            </a:lnRef>
+            <a:fillRef idx="1">
+              <a:schemeClr val="accent1"/>
+            </a:fillRef>
+            <a:effectRef idx="0">
+              <a:schemeClr val="accent1"/>
+            </a:effectRef>
+            <a:fontRef idx="minor">
+              <a:schemeClr val="lt1"/>
+            </a:fontRef>
+          </p:style>
+          <p:txBody>
+            <a:bodyPr rtlCol="0" anchor="ctr"/>
+            <a:lstStyle/>
+            <a:p>
+              <a:pPr algn="ctr"/>
+              <a:endParaRPr lang="en-CA"/>
+            </a:p>
+          </p:txBody>
+        </p:sp>
+        <p:sp>
+          <p:nvSpPr>
+            <p:cNvPr id="49" name="Freeform 48"/>
+            <p:cNvSpPr/>
+            <p:nvPr/>
+          </p:nvSpPr>
+          <p:spPr>
+            <a:xfrm>
+              <a:off x="2018923" y="4345663"/>
+              <a:ext cx="1285592" cy="642796"/>
+            </a:xfrm>
+            <a:custGeom>
+              <a:avLst/>
+              <a:gdLst>
+                <a:gd name="connsiteX0" fmla="*/ 0 w 1285592"/>
+                <a:gd name="connsiteY0" fmla="*/ 0 h 642796"/>
+                <a:gd name="connsiteX1" fmla="*/ 235390 w 1285592"/>
+                <a:gd name="connsiteY1" fmla="*/ 506994 h 642796"/>
+                <a:gd name="connsiteX2" fmla="*/ 1285592 w 1285592"/>
+                <a:gd name="connsiteY2" fmla="*/ 642796 h 642796"/>
+              </a:gdLst>
+              <a:ahLst/>
+              <a:cxnLst>
+                <a:cxn ang="0">
+                  <a:pos x="connsiteX0" y="connsiteY0"/>
+                </a:cxn>
+                <a:cxn ang="0">
+                  <a:pos x="connsiteX1" y="connsiteY1"/>
+                </a:cxn>
+                <a:cxn ang="0">
+                  <a:pos x="connsiteX2" y="connsiteY2"/>
+                </a:cxn>
+              </a:cxnLst>
+              <a:rect l="l" t="t" r="r" b="b"/>
+              <a:pathLst>
+                <a:path w="1285592" h="642796">
+                  <a:moveTo>
+                    <a:pt x="0" y="0"/>
+                  </a:moveTo>
+                  <a:cubicBezTo>
+                    <a:pt x="10562" y="199930"/>
+                    <a:pt x="21125" y="399861"/>
+                    <a:pt x="235390" y="506994"/>
+                  </a:cubicBezTo>
+                  <a:cubicBezTo>
+                    <a:pt x="449655" y="614127"/>
+                    <a:pt x="1087925" y="638269"/>
+                    <a:pt x="1285592" y="642796"/>
+                  </a:cubicBezTo>
+                </a:path>
+              </a:pathLst>
+            </a:custGeom>
+            <a:noFill/>
+            <a:ln w="28575">
+              <a:solidFill>
+                <a:schemeClr val="bg1"/>
+              </a:solidFill>
+            </a:ln>
+          </p:spPr>
+          <p:style>
+            <a:lnRef idx="2">
+              <a:schemeClr val="accent1">
+                <a:shade val="50000"/>
+              </a:schemeClr>
+            </a:lnRef>
+            <a:fillRef idx="1">
+              <a:schemeClr val="accent1"/>
+            </a:fillRef>
+            <a:effectRef idx="0">
+              <a:schemeClr val="accent1"/>
+            </a:effectRef>
+            <a:fontRef idx="minor">
+              <a:schemeClr val="lt1"/>
+            </a:fontRef>
+          </p:style>
+          <p:txBody>
+            <a:bodyPr rtlCol="0" anchor="ctr"/>
+            <a:lstStyle/>
+            <a:p>
+              <a:pPr algn="ctr"/>
+              <a:endParaRPr lang="en-CA"/>
+            </a:p>
+          </p:txBody>
+        </p:sp>
+        <p:sp>
+          <p:nvSpPr>
+            <p:cNvPr id="50" name="Freeform 49"/>
+            <p:cNvSpPr/>
+            <p:nvPr/>
+          </p:nvSpPr>
+          <p:spPr>
+            <a:xfrm>
+              <a:off x="1186004" y="4223432"/>
+              <a:ext cx="2118511" cy="719760"/>
+            </a:xfrm>
+            <a:custGeom>
+              <a:avLst/>
+              <a:gdLst>
+                <a:gd name="connsiteX0" fmla="*/ 0 w 2118511"/>
+                <a:gd name="connsiteY0" fmla="*/ 149392 h 719760"/>
+                <a:gd name="connsiteX1" fmla="*/ 932507 w 2118511"/>
+                <a:gd name="connsiteY1" fmla="*/ 22643 h 719760"/>
+                <a:gd name="connsiteX2" fmla="*/ 1249378 w 2118511"/>
+                <a:gd name="connsiteY2" fmla="*/ 556798 h 719760"/>
+                <a:gd name="connsiteX3" fmla="*/ 2118511 w 2118511"/>
+                <a:gd name="connsiteY3" fmla="*/ 719760 h 719760"/>
+              </a:gdLst>
+              <a:ahLst/>
+              <a:cxnLst>
+                <a:cxn ang="0">
+                  <a:pos x="connsiteX0" y="connsiteY0"/>
+                </a:cxn>
+                <a:cxn ang="0">
+                  <a:pos x="connsiteX1" y="connsiteY1"/>
+                </a:cxn>
+                <a:cxn ang="0">
+                  <a:pos x="connsiteX2" y="connsiteY2"/>
+                </a:cxn>
+                <a:cxn ang="0">
+                  <a:pos x="connsiteX3" y="connsiteY3"/>
+                </a:cxn>
+              </a:cxnLst>
+              <a:rect l="l" t="t" r="r" b="b"/>
+              <a:pathLst>
+                <a:path w="2118511" h="719760">
+                  <a:moveTo>
+                    <a:pt x="0" y="149392"/>
+                  </a:moveTo>
+                  <a:cubicBezTo>
+                    <a:pt x="362138" y="52067"/>
+                    <a:pt x="724277" y="-45258"/>
+                    <a:pt x="932507" y="22643"/>
+                  </a:cubicBezTo>
+                  <a:cubicBezTo>
+                    <a:pt x="1140737" y="90544"/>
+                    <a:pt x="1051711" y="440612"/>
+                    <a:pt x="1249378" y="556798"/>
+                  </a:cubicBezTo>
+                  <a:cubicBezTo>
+                    <a:pt x="1447045" y="672984"/>
+                    <a:pt x="2118511" y="719760"/>
+                    <a:pt x="2118511" y="719760"/>
+                  </a:cubicBezTo>
+                </a:path>
+              </a:pathLst>
+            </a:custGeom>
+            <a:noFill/>
+            <a:ln w="28575">
+              <a:solidFill>
+                <a:schemeClr val="bg1"/>
+              </a:solidFill>
+            </a:ln>
+          </p:spPr>
+          <p:style>
+            <a:lnRef idx="2">
+              <a:schemeClr val="accent1">
+                <a:shade val="50000"/>
+              </a:schemeClr>
+            </a:lnRef>
+            <a:fillRef idx="1">
+              <a:schemeClr val="accent1"/>
+            </a:fillRef>
+            <a:effectRef idx="0">
+              <a:schemeClr val="accent1"/>
+            </a:effectRef>
+            <a:fontRef idx="minor">
+              <a:schemeClr val="lt1"/>
+            </a:fontRef>
+          </p:style>
+          <p:txBody>
+            <a:bodyPr rtlCol="0" anchor="ctr"/>
+            <a:lstStyle/>
+            <a:p>
+              <a:pPr algn="ctr"/>
+              <a:endParaRPr lang="en-CA"/>
+            </a:p>
+          </p:txBody>
+        </p:sp>
+        <p:sp>
+          <p:nvSpPr>
+            <p:cNvPr id="52" name="Freeform 51"/>
+            <p:cNvSpPr/>
+            <p:nvPr/>
+          </p:nvSpPr>
+          <p:spPr>
+            <a:xfrm>
+              <a:off x="1910281" y="4129029"/>
+              <a:ext cx="1385180" cy="768896"/>
+            </a:xfrm>
+            <a:custGeom>
+              <a:avLst/>
+              <a:gdLst>
+                <a:gd name="connsiteX0" fmla="*/ 0 w 1385180"/>
+                <a:gd name="connsiteY0" fmla="*/ 8405 h 768896"/>
+                <a:gd name="connsiteX1" fmla="*/ 316871 w 1385180"/>
+                <a:gd name="connsiteY1" fmla="*/ 71779 h 768896"/>
+                <a:gd name="connsiteX2" fmla="*/ 497941 w 1385180"/>
+                <a:gd name="connsiteY2" fmla="*/ 533506 h 768896"/>
+                <a:gd name="connsiteX3" fmla="*/ 787652 w 1385180"/>
+                <a:gd name="connsiteY3" fmla="*/ 669308 h 768896"/>
+                <a:gd name="connsiteX4" fmla="*/ 1385180 w 1385180"/>
+                <a:gd name="connsiteY4" fmla="*/ 768896 h 768896"/>
+                <a:gd name="connsiteX0" fmla="*/ 0 w 1385180"/>
+                <a:gd name="connsiteY0" fmla="*/ 8405 h 768896"/>
+                <a:gd name="connsiteX1" fmla="*/ 316871 w 1385180"/>
+                <a:gd name="connsiteY1" fmla="*/ 71779 h 768896"/>
+                <a:gd name="connsiteX2" fmla="*/ 497941 w 1385180"/>
+                <a:gd name="connsiteY2" fmla="*/ 533506 h 768896"/>
+                <a:gd name="connsiteX3" fmla="*/ 787652 w 1385180"/>
+                <a:gd name="connsiteY3" fmla="*/ 669308 h 768896"/>
+                <a:gd name="connsiteX4" fmla="*/ 1385180 w 1385180"/>
+                <a:gd name="connsiteY4" fmla="*/ 768896 h 768896"/>
+              </a:gdLst>
+              <a:ahLst/>
+              <a:cxnLst>
+                <a:cxn ang="0">
+                  <a:pos x="connsiteX0" y="connsiteY0"/>
+                </a:cxn>
+                <a:cxn ang="0">
+                  <a:pos x="connsiteX1" y="connsiteY1"/>
+                </a:cxn>
+                <a:cxn ang="0">
+                  <a:pos x="connsiteX2" y="connsiteY2"/>
+                </a:cxn>
+                <a:cxn ang="0">
+                  <a:pos x="connsiteX3" y="connsiteY3"/>
+                </a:cxn>
+                <a:cxn ang="0">
+                  <a:pos x="connsiteX4" y="connsiteY4"/>
+                </a:cxn>
+              </a:cxnLst>
+              <a:rect l="l" t="t" r="r" b="b"/>
+              <a:pathLst>
+                <a:path w="1385180" h="768896">
+                  <a:moveTo>
+                    <a:pt x="0" y="8405"/>
+                  </a:moveTo>
+                  <a:cubicBezTo>
+                    <a:pt x="116940" y="-3667"/>
+                    <a:pt x="233881" y="-15738"/>
+                    <a:pt x="316871" y="71779"/>
+                  </a:cubicBezTo>
+                  <a:cubicBezTo>
+                    <a:pt x="399861" y="159296"/>
+                    <a:pt x="419478" y="433918"/>
+                    <a:pt x="497941" y="533506"/>
+                  </a:cubicBezTo>
+                  <a:cubicBezTo>
+                    <a:pt x="576404" y="633094"/>
+                    <a:pt x="639779" y="630076"/>
+                    <a:pt x="787652" y="669308"/>
+                  </a:cubicBezTo>
+                  <a:cubicBezTo>
+                    <a:pt x="935525" y="708540"/>
+                    <a:pt x="852534" y="743245"/>
+                    <a:pt x="1385180" y="768896"/>
+                  </a:cubicBezTo>
+                </a:path>
+              </a:pathLst>
+            </a:custGeom>
+            <a:noFill/>
+            <a:ln w="28575">
+              <a:solidFill>
+                <a:schemeClr val="bg1"/>
+              </a:solidFill>
+            </a:ln>
+          </p:spPr>
+          <p:style>
+            <a:lnRef idx="2">
+              <a:schemeClr val="accent1">
+                <a:shade val="50000"/>
+              </a:schemeClr>
+            </a:lnRef>
+            <a:fillRef idx="1">
+              <a:schemeClr val="accent1"/>
+            </a:fillRef>
+            <a:effectRef idx="0">
+              <a:schemeClr val="accent1"/>
+            </a:effectRef>
+            <a:fontRef idx="minor">
+              <a:schemeClr val="lt1"/>
+            </a:fontRef>
+          </p:style>
+          <p:txBody>
+            <a:bodyPr rtlCol="0" anchor="ctr"/>
+            <a:lstStyle/>
+            <a:p>
+              <a:pPr algn="ctr"/>
+              <a:endParaRPr lang="en-CA"/>
+            </a:p>
+          </p:txBody>
+        </p:sp>
+        <p:sp>
+          <p:nvSpPr>
+            <p:cNvPr id="53" name="Freeform 52"/>
+            <p:cNvSpPr/>
+            <p:nvPr/>
+          </p:nvSpPr>
+          <p:spPr>
+            <a:xfrm>
+              <a:off x="1068309" y="4061545"/>
+              <a:ext cx="2227152" cy="782059"/>
+            </a:xfrm>
+            <a:custGeom>
+              <a:avLst/>
+              <a:gdLst>
+                <a:gd name="connsiteX0" fmla="*/ 0 w 2227152"/>
+                <a:gd name="connsiteY0" fmla="*/ 175477 h 782059"/>
+                <a:gd name="connsiteX1" fmla="*/ 823865 w 2227152"/>
+                <a:gd name="connsiteY1" fmla="*/ 21568 h 782059"/>
+                <a:gd name="connsiteX2" fmla="*/ 1312752 w 2227152"/>
+                <a:gd name="connsiteY2" fmla="*/ 66835 h 782059"/>
+                <a:gd name="connsiteX3" fmla="*/ 1484768 w 2227152"/>
+                <a:gd name="connsiteY3" fmla="*/ 619097 h 782059"/>
+                <a:gd name="connsiteX4" fmla="*/ 2227152 w 2227152"/>
+                <a:gd name="connsiteY4" fmla="*/ 782059 h 782059"/>
+              </a:gdLst>
+              <a:ahLst/>
+              <a:cxnLst>
+                <a:cxn ang="0">
+                  <a:pos x="connsiteX0" y="connsiteY0"/>
+                </a:cxn>
+                <a:cxn ang="0">
+                  <a:pos x="connsiteX1" y="connsiteY1"/>
+                </a:cxn>
+                <a:cxn ang="0">
+                  <a:pos x="connsiteX2" y="connsiteY2"/>
+                </a:cxn>
+                <a:cxn ang="0">
+                  <a:pos x="connsiteX3" y="connsiteY3"/>
+                </a:cxn>
+                <a:cxn ang="0">
+                  <a:pos x="connsiteX4" y="connsiteY4"/>
+                </a:cxn>
+              </a:cxnLst>
+              <a:rect l="l" t="t" r="r" b="b"/>
+              <a:pathLst>
+                <a:path w="2227152" h="782059">
+                  <a:moveTo>
+                    <a:pt x="0" y="175477"/>
+                  </a:moveTo>
+                  <a:cubicBezTo>
+                    <a:pt x="302536" y="107576"/>
+                    <a:pt x="605073" y="39675"/>
+                    <a:pt x="823865" y="21568"/>
+                  </a:cubicBezTo>
+                  <a:cubicBezTo>
+                    <a:pt x="1042657" y="3461"/>
+                    <a:pt x="1202602" y="-32753"/>
+                    <a:pt x="1312752" y="66835"/>
+                  </a:cubicBezTo>
+                  <a:cubicBezTo>
+                    <a:pt x="1422902" y="166423"/>
+                    <a:pt x="1332368" y="499893"/>
+                    <a:pt x="1484768" y="619097"/>
+                  </a:cubicBezTo>
+                  <a:cubicBezTo>
+                    <a:pt x="1637168" y="738301"/>
+                    <a:pt x="1932160" y="760180"/>
+                    <a:pt x="2227152" y="782059"/>
+                  </a:cubicBezTo>
+                </a:path>
+              </a:pathLst>
+            </a:custGeom>
+            <a:noFill/>
+            <a:ln w="28575">
+              <a:solidFill>
+                <a:schemeClr val="bg1"/>
+              </a:solidFill>
+            </a:ln>
+          </p:spPr>
+          <p:style>
+            <a:lnRef idx="2">
+              <a:schemeClr val="accent1">
+                <a:shade val="50000"/>
+              </a:schemeClr>
+            </a:lnRef>
+            <a:fillRef idx="1">
+              <a:schemeClr val="accent1"/>
+            </a:fillRef>
+            <a:effectRef idx="0">
+              <a:schemeClr val="accent1"/>
+            </a:effectRef>
+            <a:fontRef idx="minor">
+              <a:schemeClr val="lt1"/>
+            </a:fontRef>
+          </p:style>
+          <p:txBody>
+            <a:bodyPr rtlCol="0" anchor="ctr"/>
+            <a:lstStyle/>
+            <a:p>
+              <a:pPr algn="ctr"/>
+              <a:endParaRPr lang="en-CA"/>
+            </a:p>
+          </p:txBody>
+        </p:sp>
+        <p:sp>
+          <p:nvSpPr>
+            <p:cNvPr id="54" name="Freeform 53"/>
+            <p:cNvSpPr/>
+            <p:nvPr/>
+          </p:nvSpPr>
+          <p:spPr>
+            <a:xfrm>
+              <a:off x="1023042" y="4005538"/>
+              <a:ext cx="2272419" cy="765638"/>
+            </a:xfrm>
+            <a:custGeom>
+              <a:avLst/>
+              <a:gdLst>
+                <a:gd name="connsiteX0" fmla="*/ 0 w 2272419"/>
+                <a:gd name="connsiteY0" fmla="*/ 50414 h 765638"/>
+                <a:gd name="connsiteX1" fmla="*/ 1004934 w 2272419"/>
+                <a:gd name="connsiteY1" fmla="*/ 5147 h 765638"/>
+                <a:gd name="connsiteX2" fmla="*/ 1412340 w 2272419"/>
+                <a:gd name="connsiteY2" fmla="*/ 68521 h 765638"/>
+                <a:gd name="connsiteX3" fmla="*/ 1530035 w 2272419"/>
+                <a:gd name="connsiteY3" fmla="*/ 602676 h 765638"/>
+                <a:gd name="connsiteX4" fmla="*/ 1765425 w 2272419"/>
+                <a:gd name="connsiteY4" fmla="*/ 693211 h 765638"/>
+                <a:gd name="connsiteX5" fmla="*/ 2272419 w 2272419"/>
+                <a:gd name="connsiteY5" fmla="*/ 765638 h 765638"/>
+              </a:gdLst>
+              <a:ahLst/>
+              <a:cxnLst>
+                <a:cxn ang="0">
+                  <a:pos x="connsiteX0" y="connsiteY0"/>
+                </a:cxn>
+                <a:cxn ang="0">
+                  <a:pos x="connsiteX1" y="connsiteY1"/>
+                </a:cxn>
+                <a:cxn ang="0">
+                  <a:pos x="connsiteX2" y="connsiteY2"/>
+                </a:cxn>
+                <a:cxn ang="0">
+                  <a:pos x="connsiteX3" y="connsiteY3"/>
+                </a:cxn>
+                <a:cxn ang="0">
+                  <a:pos x="connsiteX4" y="connsiteY4"/>
+                </a:cxn>
+                <a:cxn ang="0">
+                  <a:pos x="connsiteX5" y="connsiteY5"/>
+                </a:cxn>
+              </a:cxnLst>
+              <a:rect l="l" t="t" r="r" b="b"/>
+              <a:pathLst>
+                <a:path w="2272419" h="765638">
+                  <a:moveTo>
+                    <a:pt x="0" y="50414"/>
+                  </a:moveTo>
+                  <a:cubicBezTo>
+                    <a:pt x="384772" y="26271"/>
+                    <a:pt x="769544" y="2129"/>
+                    <a:pt x="1004934" y="5147"/>
+                  </a:cubicBezTo>
+                  <a:cubicBezTo>
+                    <a:pt x="1240324" y="8165"/>
+                    <a:pt x="1324823" y="-31067"/>
+                    <a:pt x="1412340" y="68521"/>
+                  </a:cubicBezTo>
+                  <a:cubicBezTo>
+                    <a:pt x="1499857" y="168109"/>
+                    <a:pt x="1471187" y="498561"/>
+                    <a:pt x="1530035" y="602676"/>
+                  </a:cubicBezTo>
+                  <a:cubicBezTo>
+                    <a:pt x="1588883" y="706791"/>
+                    <a:pt x="1641694" y="666051"/>
+                    <a:pt x="1765425" y="693211"/>
+                  </a:cubicBezTo>
+                  <a:cubicBezTo>
+                    <a:pt x="1889156" y="720371"/>
+                    <a:pt x="2080787" y="743004"/>
+                    <a:pt x="2272419" y="765638"/>
+                  </a:cubicBezTo>
+                </a:path>
+              </a:pathLst>
+            </a:custGeom>
+            <a:noFill/>
+            <a:ln w="28575">
+              <a:solidFill>
+                <a:schemeClr val="bg1"/>
+              </a:solidFill>
+            </a:ln>
+          </p:spPr>
+          <p:style>
+            <a:lnRef idx="2">
+              <a:schemeClr val="accent1">
+                <a:shade val="50000"/>
+              </a:schemeClr>
+            </a:lnRef>
+            <a:fillRef idx="1">
+              <a:schemeClr val="accent1"/>
+            </a:fillRef>
+            <a:effectRef idx="0">
+              <a:schemeClr val="accent1"/>
+            </a:effectRef>
+            <a:fontRef idx="minor">
+              <a:schemeClr val="lt1"/>
+            </a:fontRef>
+          </p:style>
+          <p:txBody>
+            <a:bodyPr rtlCol="0" anchor="ctr"/>
+            <a:lstStyle/>
+            <a:p>
+              <a:pPr algn="ctr"/>
+              <a:endParaRPr lang="en-CA"/>
+            </a:p>
+          </p:txBody>
+        </p:sp>
+        <p:sp>
+          <p:nvSpPr>
+            <p:cNvPr id="55" name="Freeform 54"/>
+            <p:cNvSpPr/>
+            <p:nvPr/>
+          </p:nvSpPr>
+          <p:spPr>
+            <a:xfrm>
+              <a:off x="1801640" y="3892265"/>
+              <a:ext cx="1502875" cy="743109"/>
+            </a:xfrm>
+            <a:custGeom>
+              <a:avLst/>
+              <a:gdLst>
+                <a:gd name="connsiteX0" fmla="*/ 0 w 1502875"/>
+                <a:gd name="connsiteY0" fmla="*/ 725 h 743109"/>
+                <a:gd name="connsiteX1" fmla="*/ 697116 w 1502875"/>
+                <a:gd name="connsiteY1" fmla="*/ 82206 h 743109"/>
+                <a:gd name="connsiteX2" fmla="*/ 823865 w 1502875"/>
+                <a:gd name="connsiteY2" fmla="*/ 516773 h 743109"/>
+                <a:gd name="connsiteX3" fmla="*/ 914400 w 1502875"/>
+                <a:gd name="connsiteY3" fmla="*/ 670682 h 743109"/>
+                <a:gd name="connsiteX4" fmla="*/ 1502875 w 1502875"/>
+                <a:gd name="connsiteY4" fmla="*/ 743109 h 743109"/>
+              </a:gdLst>
+              <a:ahLst/>
+              <a:cxnLst>
+                <a:cxn ang="0">
+                  <a:pos x="connsiteX0" y="connsiteY0"/>
+                </a:cxn>
+                <a:cxn ang="0">
+                  <a:pos x="connsiteX1" y="connsiteY1"/>
+                </a:cxn>
+                <a:cxn ang="0">
+                  <a:pos x="connsiteX2" y="connsiteY2"/>
+                </a:cxn>
+                <a:cxn ang="0">
+                  <a:pos x="connsiteX3" y="connsiteY3"/>
+                </a:cxn>
+                <a:cxn ang="0">
+                  <a:pos x="connsiteX4" y="connsiteY4"/>
+                </a:cxn>
+              </a:cxnLst>
+              <a:rect l="l" t="t" r="r" b="b"/>
+              <a:pathLst>
+                <a:path w="1502875" h="743109">
+                  <a:moveTo>
+                    <a:pt x="0" y="725"/>
+                  </a:moveTo>
+                  <a:cubicBezTo>
+                    <a:pt x="279902" y="-1539"/>
+                    <a:pt x="559805" y="-3802"/>
+                    <a:pt x="697116" y="82206"/>
+                  </a:cubicBezTo>
+                  <a:cubicBezTo>
+                    <a:pt x="834427" y="168214"/>
+                    <a:pt x="787651" y="418694"/>
+                    <a:pt x="823865" y="516773"/>
+                  </a:cubicBezTo>
+                  <a:cubicBezTo>
+                    <a:pt x="860079" y="614852"/>
+                    <a:pt x="801232" y="632959"/>
+                    <a:pt x="914400" y="670682"/>
+                  </a:cubicBezTo>
+                  <a:cubicBezTo>
+                    <a:pt x="1027568" y="708405"/>
+                    <a:pt x="1502875" y="743109"/>
+                    <a:pt x="1502875" y="743109"/>
+                  </a:cubicBezTo>
+                </a:path>
+              </a:pathLst>
+            </a:custGeom>
+            <a:noFill/>
+            <a:ln w="28575">
+              <a:solidFill>
+                <a:schemeClr val="bg1"/>
+              </a:solidFill>
+            </a:ln>
+          </p:spPr>
+          <p:style>
+            <a:lnRef idx="2">
+              <a:schemeClr val="accent1">
+                <a:shade val="50000"/>
+              </a:schemeClr>
+            </a:lnRef>
+            <a:fillRef idx="1">
+              <a:schemeClr val="accent1"/>
+            </a:fillRef>
+            <a:effectRef idx="0">
+              <a:schemeClr val="accent1"/>
+            </a:effectRef>
+            <a:fontRef idx="minor">
+              <a:schemeClr val="lt1"/>
+            </a:fontRef>
+          </p:style>
+          <p:txBody>
+            <a:bodyPr rtlCol="0" anchor="ctr"/>
+            <a:lstStyle/>
+            <a:p>
+              <a:pPr algn="ctr"/>
+              <a:endParaRPr lang="en-CA"/>
+            </a:p>
+          </p:txBody>
+        </p:sp>
+        <p:sp>
+          <p:nvSpPr>
+            <p:cNvPr id="57" name="Freeform 56"/>
+            <p:cNvSpPr/>
+            <p:nvPr/>
+          </p:nvSpPr>
+          <p:spPr>
+            <a:xfrm>
+              <a:off x="1032094" y="3766242"/>
+              <a:ext cx="2254312" cy="749788"/>
+            </a:xfrm>
+            <a:custGeom>
+              <a:avLst/>
+              <a:gdLst>
+                <a:gd name="connsiteX0" fmla="*/ 0 w 2534970"/>
+                <a:gd name="connsiteY0" fmla="*/ 0 h 807793"/>
+                <a:gd name="connsiteX1" fmla="*/ 1376127 w 2534970"/>
+                <a:gd name="connsiteY1" fmla="*/ 99588 h 807793"/>
+                <a:gd name="connsiteX2" fmla="*/ 1711105 w 2534970"/>
+                <a:gd name="connsiteY2" fmla="*/ 588475 h 807793"/>
+                <a:gd name="connsiteX3" fmla="*/ 2272420 w 2534970"/>
+                <a:gd name="connsiteY3" fmla="*/ 796705 h 807793"/>
+                <a:gd name="connsiteX4" fmla="*/ 2534970 w 2534970"/>
+                <a:gd name="connsiteY4" fmla="*/ 751437 h 807793"/>
+                <a:gd name="connsiteX0" fmla="*/ 0 w 2534970"/>
+                <a:gd name="connsiteY0" fmla="*/ 0 h 776306"/>
+                <a:gd name="connsiteX1" fmla="*/ 1376127 w 2534970"/>
+                <a:gd name="connsiteY1" fmla="*/ 99588 h 776306"/>
+                <a:gd name="connsiteX2" fmla="*/ 1711105 w 2534970"/>
+                <a:gd name="connsiteY2" fmla="*/ 588475 h 776306"/>
+                <a:gd name="connsiteX3" fmla="*/ 1973655 w 2534970"/>
+                <a:gd name="connsiteY3" fmla="*/ 742384 h 776306"/>
+                <a:gd name="connsiteX4" fmla="*/ 2534970 w 2534970"/>
+                <a:gd name="connsiteY4" fmla="*/ 751437 h 776306"/>
+                <a:gd name="connsiteX0" fmla="*/ 0 w 2308633"/>
+                <a:gd name="connsiteY0" fmla="*/ 0 h 764478"/>
+                <a:gd name="connsiteX1" fmla="*/ 1376127 w 2308633"/>
+                <a:gd name="connsiteY1" fmla="*/ 99588 h 764478"/>
+                <a:gd name="connsiteX2" fmla="*/ 1711105 w 2308633"/>
+                <a:gd name="connsiteY2" fmla="*/ 588475 h 764478"/>
+                <a:gd name="connsiteX3" fmla="*/ 1973655 w 2308633"/>
+                <a:gd name="connsiteY3" fmla="*/ 742384 h 764478"/>
+                <a:gd name="connsiteX4" fmla="*/ 2308633 w 2308633"/>
+                <a:gd name="connsiteY4" fmla="*/ 733330 h 764478"/>
+                <a:gd name="connsiteX0" fmla="*/ 0 w 2254312"/>
+                <a:gd name="connsiteY0" fmla="*/ 0 h 770098"/>
+                <a:gd name="connsiteX1" fmla="*/ 1376127 w 2254312"/>
+                <a:gd name="connsiteY1" fmla="*/ 99588 h 770098"/>
+                <a:gd name="connsiteX2" fmla="*/ 1711105 w 2254312"/>
+                <a:gd name="connsiteY2" fmla="*/ 588475 h 770098"/>
+                <a:gd name="connsiteX3" fmla="*/ 1973655 w 2254312"/>
+                <a:gd name="connsiteY3" fmla="*/ 742384 h 770098"/>
+                <a:gd name="connsiteX4" fmla="*/ 2254312 w 2254312"/>
+                <a:gd name="connsiteY4" fmla="*/ 742383 h 770098"/>
+                <a:gd name="connsiteX0" fmla="*/ 0 w 2254312"/>
+                <a:gd name="connsiteY0" fmla="*/ 0 h 749788"/>
+                <a:gd name="connsiteX1" fmla="*/ 1376127 w 2254312"/>
+                <a:gd name="connsiteY1" fmla="*/ 99588 h 749788"/>
+                <a:gd name="connsiteX2" fmla="*/ 1711105 w 2254312"/>
+                <a:gd name="connsiteY2" fmla="*/ 588475 h 749788"/>
+                <a:gd name="connsiteX3" fmla="*/ 1973655 w 2254312"/>
+                <a:gd name="connsiteY3" fmla="*/ 742384 h 749788"/>
+                <a:gd name="connsiteX4" fmla="*/ 2254312 w 2254312"/>
+                <a:gd name="connsiteY4" fmla="*/ 742383 h 749788"/>
+              </a:gdLst>
+              <a:ahLst/>
+              <a:cxnLst>
+                <a:cxn ang="0">
+                  <a:pos x="connsiteX0" y="connsiteY0"/>
+                </a:cxn>
+                <a:cxn ang="0">
+                  <a:pos x="connsiteX1" y="connsiteY1"/>
+                </a:cxn>
+                <a:cxn ang="0">
+                  <a:pos x="connsiteX2" y="connsiteY2"/>
+                </a:cxn>
+                <a:cxn ang="0">
+                  <a:pos x="connsiteX3" y="connsiteY3"/>
+                </a:cxn>
+                <a:cxn ang="0">
+                  <a:pos x="connsiteX4" y="connsiteY4"/>
+                </a:cxn>
+              </a:cxnLst>
+              <a:rect l="l" t="t" r="r" b="b"/>
+              <a:pathLst>
+                <a:path w="2254312" h="749788">
+                  <a:moveTo>
+                    <a:pt x="0" y="0"/>
+                  </a:moveTo>
+                  <a:cubicBezTo>
+                    <a:pt x="545471" y="754"/>
+                    <a:pt x="1090943" y="1509"/>
+                    <a:pt x="1376127" y="99588"/>
+                  </a:cubicBezTo>
+                  <a:cubicBezTo>
+                    <a:pt x="1661311" y="197667"/>
+                    <a:pt x="1611517" y="481342"/>
+                    <a:pt x="1711105" y="588475"/>
+                  </a:cubicBezTo>
+                  <a:cubicBezTo>
+                    <a:pt x="1810693" y="695608"/>
+                    <a:pt x="1883121" y="716733"/>
+                    <a:pt x="1973655" y="742384"/>
+                  </a:cubicBezTo>
+                  <a:cubicBezTo>
+                    <a:pt x="2064189" y="768035"/>
+                    <a:pt x="2183393" y="716731"/>
+                    <a:pt x="2254312" y="742383"/>
+                  </a:cubicBezTo>
+                </a:path>
+              </a:pathLst>
+            </a:custGeom>
+            <a:noFill/>
+            <a:ln w="28575">
+              <a:solidFill>
+                <a:schemeClr val="bg1"/>
+              </a:solidFill>
+            </a:ln>
+          </p:spPr>
+          <p:style>
+            <a:lnRef idx="2">
+              <a:schemeClr val="accent1">
+                <a:shade val="50000"/>
+              </a:schemeClr>
+            </a:lnRef>
+            <a:fillRef idx="1">
+              <a:schemeClr val="accent1"/>
+            </a:fillRef>
+            <a:effectRef idx="0">
+              <a:schemeClr val="accent1"/>
+            </a:effectRef>
+            <a:fontRef idx="minor">
+              <a:schemeClr val="lt1"/>
+            </a:fontRef>
+          </p:style>
+          <p:txBody>
+            <a:bodyPr rtlCol="0" anchor="ctr"/>
+            <a:lstStyle/>
+            <a:p>
+              <a:pPr algn="ctr"/>
+              <a:endParaRPr lang="en-CA"/>
+            </a:p>
+          </p:txBody>
+        </p:sp>
+        <p:sp>
+          <p:nvSpPr>
+            <p:cNvPr id="58" name="Freeform 57"/>
+            <p:cNvSpPr/>
+            <p:nvPr/>
+          </p:nvSpPr>
+          <p:spPr>
+            <a:xfrm>
+              <a:off x="1557196" y="3693814"/>
+              <a:ext cx="1738265" cy="697117"/>
+            </a:xfrm>
+            <a:custGeom>
+              <a:avLst/>
+              <a:gdLst>
+                <a:gd name="connsiteX0" fmla="*/ 0 w 1738265"/>
+                <a:gd name="connsiteY0" fmla="*/ 0 h 697117"/>
+                <a:gd name="connsiteX1" fmla="*/ 1050202 w 1738265"/>
+                <a:gd name="connsiteY1" fmla="*/ 99588 h 697117"/>
+                <a:gd name="connsiteX2" fmla="*/ 1195057 w 1738265"/>
+                <a:gd name="connsiteY2" fmla="*/ 506994 h 697117"/>
+                <a:gd name="connsiteX3" fmla="*/ 1738265 w 1738265"/>
+                <a:gd name="connsiteY3" fmla="*/ 697117 h 697117"/>
+              </a:gdLst>
+              <a:ahLst/>
+              <a:cxnLst>
+                <a:cxn ang="0">
+                  <a:pos x="connsiteX0" y="connsiteY0"/>
+                </a:cxn>
+                <a:cxn ang="0">
+                  <a:pos x="connsiteX1" y="connsiteY1"/>
+                </a:cxn>
+                <a:cxn ang="0">
+                  <a:pos x="connsiteX2" y="connsiteY2"/>
+                </a:cxn>
+                <a:cxn ang="0">
+                  <a:pos x="connsiteX3" y="connsiteY3"/>
+                </a:cxn>
+              </a:cxnLst>
+              <a:rect l="l" t="t" r="r" b="b"/>
+              <a:pathLst>
+                <a:path w="1738265" h="697117">
+                  <a:moveTo>
+                    <a:pt x="0" y="0"/>
+                  </a:moveTo>
+                  <a:cubicBezTo>
+                    <a:pt x="425513" y="7544"/>
+                    <a:pt x="851026" y="15089"/>
+                    <a:pt x="1050202" y="99588"/>
+                  </a:cubicBezTo>
+                  <a:cubicBezTo>
+                    <a:pt x="1249378" y="184087"/>
+                    <a:pt x="1080380" y="407406"/>
+                    <a:pt x="1195057" y="506994"/>
+                  </a:cubicBezTo>
+                  <a:cubicBezTo>
+                    <a:pt x="1309734" y="606582"/>
+                    <a:pt x="1523999" y="651849"/>
+                    <a:pt x="1738265" y="697117"/>
+                  </a:cubicBezTo>
+                </a:path>
+              </a:pathLst>
+            </a:custGeom>
+            <a:noFill/>
+            <a:ln w="28575">
+              <a:solidFill>
+                <a:schemeClr val="bg1"/>
+              </a:solidFill>
+            </a:ln>
+          </p:spPr>
+          <p:style>
+            <a:lnRef idx="2">
+              <a:schemeClr val="accent1">
+                <a:shade val="50000"/>
+              </a:schemeClr>
+            </a:lnRef>
+            <a:fillRef idx="1">
+              <a:schemeClr val="accent1"/>
+            </a:fillRef>
+            <a:effectRef idx="0">
+              <a:schemeClr val="accent1"/>
+            </a:effectRef>
+            <a:fontRef idx="minor">
+              <a:schemeClr val="lt1"/>
+            </a:fontRef>
+          </p:style>
+          <p:txBody>
+            <a:bodyPr rtlCol="0" anchor="ctr"/>
+            <a:lstStyle/>
+            <a:p>
+              <a:pPr algn="ctr"/>
+              <a:endParaRPr lang="en-CA"/>
+            </a:p>
+          </p:txBody>
+        </p:sp>
+        <p:sp>
+          <p:nvSpPr>
+            <p:cNvPr id="59" name="Freeform 58"/>
+            <p:cNvSpPr/>
+            <p:nvPr/>
+          </p:nvSpPr>
+          <p:spPr>
+            <a:xfrm>
+              <a:off x="1385180" y="3548958"/>
+              <a:ext cx="1901228" cy="760492"/>
+            </a:xfrm>
+            <a:custGeom>
+              <a:avLst/>
+              <a:gdLst>
+                <a:gd name="connsiteX0" fmla="*/ 0 w 1901228"/>
+                <a:gd name="connsiteY0" fmla="*/ 0 h 760492"/>
+                <a:gd name="connsiteX1" fmla="*/ 1394234 w 1901228"/>
+                <a:gd name="connsiteY1" fmla="*/ 172016 h 760492"/>
+                <a:gd name="connsiteX2" fmla="*/ 1448555 w 1901228"/>
+                <a:gd name="connsiteY2" fmla="*/ 516048 h 760492"/>
+                <a:gd name="connsiteX3" fmla="*/ 1901228 w 1901228"/>
+                <a:gd name="connsiteY3" fmla="*/ 760492 h 760492"/>
+              </a:gdLst>
+              <a:ahLst/>
+              <a:cxnLst>
+                <a:cxn ang="0">
+                  <a:pos x="connsiteX0" y="connsiteY0"/>
+                </a:cxn>
+                <a:cxn ang="0">
+                  <a:pos x="connsiteX1" y="connsiteY1"/>
+                </a:cxn>
+                <a:cxn ang="0">
+                  <a:pos x="connsiteX2" y="connsiteY2"/>
+                </a:cxn>
+                <a:cxn ang="0">
+                  <a:pos x="connsiteX3" y="connsiteY3"/>
+                </a:cxn>
+              </a:cxnLst>
+              <a:rect l="l" t="t" r="r" b="b"/>
+              <a:pathLst>
+                <a:path w="1901228" h="760492">
+                  <a:moveTo>
+                    <a:pt x="0" y="0"/>
+                  </a:moveTo>
+                  <a:cubicBezTo>
+                    <a:pt x="576404" y="43004"/>
+                    <a:pt x="1152808" y="86008"/>
+                    <a:pt x="1394234" y="172016"/>
+                  </a:cubicBezTo>
+                  <a:cubicBezTo>
+                    <a:pt x="1635660" y="258024"/>
+                    <a:pt x="1364056" y="417969"/>
+                    <a:pt x="1448555" y="516048"/>
+                  </a:cubicBezTo>
+                  <a:cubicBezTo>
+                    <a:pt x="1533054" y="614127"/>
+                    <a:pt x="1901228" y="760492"/>
+                    <a:pt x="1901228" y="760492"/>
+                  </a:cubicBezTo>
+                </a:path>
+              </a:pathLst>
+            </a:custGeom>
+            <a:noFill/>
+            <a:ln w="28575">
+              <a:solidFill>
+                <a:schemeClr val="bg1"/>
+              </a:solidFill>
+            </a:ln>
+          </p:spPr>
+          <p:style>
+            <a:lnRef idx="2">
+              <a:schemeClr val="accent1">
+                <a:shade val="50000"/>
+              </a:schemeClr>
+            </a:lnRef>
+            <a:fillRef idx="1">
+              <a:schemeClr val="accent1"/>
+            </a:fillRef>
+            <a:effectRef idx="0">
+              <a:schemeClr val="accent1"/>
+            </a:effectRef>
+            <a:fontRef idx="minor">
+              <a:schemeClr val="lt1"/>
+            </a:fontRef>
+          </p:style>
+          <p:txBody>
+            <a:bodyPr rtlCol="0" anchor="ctr"/>
+            <a:lstStyle/>
+            <a:p>
+              <a:pPr algn="ctr"/>
+              <a:endParaRPr lang="en-CA"/>
+            </a:p>
+          </p:txBody>
+        </p:sp>
+        <p:sp>
+          <p:nvSpPr>
+            <p:cNvPr id="60" name="Freeform 59"/>
+            <p:cNvSpPr/>
+            <p:nvPr/>
+          </p:nvSpPr>
+          <p:spPr>
+            <a:xfrm>
+              <a:off x="1068309" y="3404103"/>
+              <a:ext cx="2227152" cy="651849"/>
+            </a:xfrm>
+            <a:custGeom>
+              <a:avLst/>
+              <a:gdLst>
+                <a:gd name="connsiteX0" fmla="*/ 0 w 2227152"/>
+                <a:gd name="connsiteY0" fmla="*/ 0 h 651849"/>
+                <a:gd name="connsiteX1" fmla="*/ 688063 w 2227152"/>
+                <a:gd name="connsiteY1" fmla="*/ 117695 h 651849"/>
+                <a:gd name="connsiteX2" fmla="*/ 1692998 w 2227152"/>
+                <a:gd name="connsiteY2" fmla="*/ 217283 h 651849"/>
+                <a:gd name="connsiteX3" fmla="*/ 1928388 w 2227152"/>
+                <a:gd name="connsiteY3" fmla="*/ 534154 h 651849"/>
+                <a:gd name="connsiteX4" fmla="*/ 2227152 w 2227152"/>
+                <a:gd name="connsiteY4" fmla="*/ 651849 h 651849"/>
+              </a:gdLst>
+              <a:ahLst/>
+              <a:cxnLst>
+                <a:cxn ang="0">
+                  <a:pos x="connsiteX0" y="connsiteY0"/>
+                </a:cxn>
+                <a:cxn ang="0">
+                  <a:pos x="connsiteX1" y="connsiteY1"/>
+                </a:cxn>
+                <a:cxn ang="0">
+                  <a:pos x="connsiteX2" y="connsiteY2"/>
+                </a:cxn>
+                <a:cxn ang="0">
+                  <a:pos x="connsiteX3" y="connsiteY3"/>
+                </a:cxn>
+                <a:cxn ang="0">
+                  <a:pos x="connsiteX4" y="connsiteY4"/>
+                </a:cxn>
+              </a:cxnLst>
+              <a:rect l="l" t="t" r="r" b="b"/>
+              <a:pathLst>
+                <a:path w="2227152" h="651849">
+                  <a:moveTo>
+                    <a:pt x="0" y="0"/>
+                  </a:moveTo>
+                  <a:cubicBezTo>
+                    <a:pt x="202948" y="40740"/>
+                    <a:pt x="405897" y="81481"/>
+                    <a:pt x="688063" y="117695"/>
+                  </a:cubicBezTo>
+                  <a:cubicBezTo>
+                    <a:pt x="970229" y="153909"/>
+                    <a:pt x="1486277" y="147873"/>
+                    <a:pt x="1692998" y="217283"/>
+                  </a:cubicBezTo>
+                  <a:cubicBezTo>
+                    <a:pt x="1899719" y="286693"/>
+                    <a:pt x="1839362" y="461726"/>
+                    <a:pt x="1928388" y="534154"/>
+                  </a:cubicBezTo>
+                  <a:cubicBezTo>
+                    <a:pt x="2017414" y="606582"/>
+                    <a:pt x="2145671" y="639778"/>
+                    <a:pt x="2227152" y="651849"/>
+                  </a:cubicBezTo>
+                </a:path>
+              </a:pathLst>
+            </a:custGeom>
+            <a:noFill/>
+            <a:ln w="28575">
+              <a:solidFill>
+                <a:schemeClr val="bg1"/>
+              </a:solidFill>
+            </a:ln>
+          </p:spPr>
+          <p:style>
+            <a:lnRef idx="2">
+              <a:schemeClr val="accent1">
+                <a:shade val="50000"/>
+              </a:schemeClr>
+            </a:lnRef>
+            <a:fillRef idx="1">
+              <a:schemeClr val="accent1"/>
+            </a:fillRef>
+            <a:effectRef idx="0">
+              <a:schemeClr val="accent1"/>
+            </a:effectRef>
+            <a:fontRef idx="minor">
+              <a:schemeClr val="lt1"/>
+            </a:fontRef>
+          </p:style>
+          <p:txBody>
+            <a:bodyPr rtlCol="0" anchor="ctr"/>
+            <a:lstStyle/>
+            <a:p>
+              <a:pPr algn="ctr"/>
+              <a:endParaRPr lang="en-CA"/>
+            </a:p>
+          </p:txBody>
+        </p:sp>
+        <p:sp>
+          <p:nvSpPr>
+            <p:cNvPr id="61" name="Freeform 60"/>
+            <p:cNvSpPr/>
+            <p:nvPr/>
+          </p:nvSpPr>
+          <p:spPr>
+            <a:xfrm>
+              <a:off x="1348966" y="3395050"/>
+              <a:ext cx="1964602" cy="479833"/>
+            </a:xfrm>
+            <a:custGeom>
+              <a:avLst/>
+              <a:gdLst>
+                <a:gd name="connsiteX0" fmla="*/ 0 w 1964602"/>
+                <a:gd name="connsiteY0" fmla="*/ 0 h 479833"/>
+                <a:gd name="connsiteX1" fmla="*/ 1548143 w 1964602"/>
+                <a:gd name="connsiteY1" fmla="*/ 117695 h 479833"/>
+                <a:gd name="connsiteX2" fmla="*/ 1747319 w 1964602"/>
+                <a:gd name="connsiteY2" fmla="*/ 362138 h 479833"/>
+                <a:gd name="connsiteX3" fmla="*/ 1964602 w 1964602"/>
+                <a:gd name="connsiteY3" fmla="*/ 479833 h 479833"/>
+              </a:gdLst>
+              <a:ahLst/>
+              <a:cxnLst>
+                <a:cxn ang="0">
+                  <a:pos x="connsiteX0" y="connsiteY0"/>
+                </a:cxn>
+                <a:cxn ang="0">
+                  <a:pos x="connsiteX1" y="connsiteY1"/>
+                </a:cxn>
+                <a:cxn ang="0">
+                  <a:pos x="connsiteX2" y="connsiteY2"/>
+                </a:cxn>
+                <a:cxn ang="0">
+                  <a:pos x="connsiteX3" y="connsiteY3"/>
+                </a:cxn>
+              </a:cxnLst>
+              <a:rect l="l" t="t" r="r" b="b"/>
+              <a:pathLst>
+                <a:path w="1964602" h="479833">
+                  <a:moveTo>
+                    <a:pt x="0" y="0"/>
+                  </a:moveTo>
+                  <a:cubicBezTo>
+                    <a:pt x="628461" y="28669"/>
+                    <a:pt x="1256923" y="57339"/>
+                    <a:pt x="1548143" y="117695"/>
+                  </a:cubicBezTo>
+                  <a:cubicBezTo>
+                    <a:pt x="1839363" y="178051"/>
+                    <a:pt x="1677909" y="301782"/>
+                    <a:pt x="1747319" y="362138"/>
+                  </a:cubicBezTo>
+                  <a:cubicBezTo>
+                    <a:pt x="1816729" y="422494"/>
+                    <a:pt x="1923861" y="473797"/>
+                    <a:pt x="1964602" y="479833"/>
+                  </a:cubicBezTo>
+                </a:path>
+              </a:pathLst>
+            </a:custGeom>
+            <a:noFill/>
+            <a:ln w="28575">
+              <a:solidFill>
+                <a:schemeClr val="bg1"/>
+              </a:solidFill>
+            </a:ln>
+          </p:spPr>
+          <p:style>
+            <a:lnRef idx="2">
+              <a:schemeClr val="accent1">
+                <a:shade val="50000"/>
+              </a:schemeClr>
+            </a:lnRef>
+            <a:fillRef idx="1">
+              <a:schemeClr val="accent1"/>
+            </a:fillRef>
+            <a:effectRef idx="0">
+              <a:schemeClr val="accent1"/>
+            </a:effectRef>
+            <a:fontRef idx="minor">
+              <a:schemeClr val="lt1"/>
+            </a:fontRef>
+          </p:style>
+          <p:txBody>
+            <a:bodyPr rtlCol="0" anchor="ctr"/>
+            <a:lstStyle/>
+            <a:p>
+              <a:pPr algn="ctr"/>
+              <a:endParaRPr lang="en-CA"/>
+            </a:p>
+          </p:txBody>
+        </p:sp>
+        <p:sp>
+          <p:nvSpPr>
+            <p:cNvPr id="62" name="Freeform 61"/>
+            <p:cNvSpPr/>
+            <p:nvPr/>
+          </p:nvSpPr>
+          <p:spPr>
+            <a:xfrm>
+              <a:off x="1439501" y="3259248"/>
+              <a:ext cx="1846907" cy="452673"/>
+            </a:xfrm>
+            <a:custGeom>
+              <a:avLst/>
+              <a:gdLst>
+                <a:gd name="connsiteX0" fmla="*/ 0 w 1846907"/>
+                <a:gd name="connsiteY0" fmla="*/ 0 h 452673"/>
+                <a:gd name="connsiteX1" fmla="*/ 1557196 w 1846907"/>
+                <a:gd name="connsiteY1" fmla="*/ 162962 h 452673"/>
+                <a:gd name="connsiteX2" fmla="*/ 1729212 w 1846907"/>
+                <a:gd name="connsiteY2" fmla="*/ 344031 h 452673"/>
+                <a:gd name="connsiteX3" fmla="*/ 1846907 w 1846907"/>
+                <a:gd name="connsiteY3" fmla="*/ 452673 h 452673"/>
+              </a:gdLst>
+              <a:ahLst/>
+              <a:cxnLst>
+                <a:cxn ang="0">
+                  <a:pos x="connsiteX0" y="connsiteY0"/>
+                </a:cxn>
+                <a:cxn ang="0">
+                  <a:pos x="connsiteX1" y="connsiteY1"/>
+                </a:cxn>
+                <a:cxn ang="0">
+                  <a:pos x="connsiteX2" y="connsiteY2"/>
+                </a:cxn>
+                <a:cxn ang="0">
+                  <a:pos x="connsiteX3" y="connsiteY3"/>
+                </a:cxn>
+              </a:cxnLst>
+              <a:rect l="l" t="t" r="r" b="b"/>
+              <a:pathLst>
+                <a:path w="1846907" h="452673">
+                  <a:moveTo>
+                    <a:pt x="0" y="0"/>
+                  </a:moveTo>
+                  <a:cubicBezTo>
+                    <a:pt x="634497" y="52812"/>
+                    <a:pt x="1268994" y="105624"/>
+                    <a:pt x="1557196" y="162962"/>
+                  </a:cubicBezTo>
+                  <a:cubicBezTo>
+                    <a:pt x="1845398" y="220300"/>
+                    <a:pt x="1680927" y="295746"/>
+                    <a:pt x="1729212" y="344031"/>
+                  </a:cubicBezTo>
+                  <a:cubicBezTo>
+                    <a:pt x="1777497" y="392316"/>
+                    <a:pt x="1807675" y="446637"/>
+                    <a:pt x="1846907" y="452673"/>
+                  </a:cubicBezTo>
+                </a:path>
+              </a:pathLst>
+            </a:custGeom>
+            <a:noFill/>
+            <a:ln w="28575">
+              <a:solidFill>
+                <a:schemeClr val="bg1"/>
+              </a:solidFill>
+            </a:ln>
+          </p:spPr>
+          <p:style>
+            <a:lnRef idx="2">
+              <a:schemeClr val="accent1">
+                <a:shade val="50000"/>
+              </a:schemeClr>
+            </a:lnRef>
+            <a:fillRef idx="1">
+              <a:schemeClr val="accent1"/>
+            </a:fillRef>
+            <a:effectRef idx="0">
+              <a:schemeClr val="accent1"/>
+            </a:effectRef>
+            <a:fontRef idx="minor">
+              <a:schemeClr val="lt1"/>
+            </a:fontRef>
+          </p:style>
+          <p:txBody>
+            <a:bodyPr rtlCol="0" anchor="ctr"/>
+            <a:lstStyle/>
+            <a:p>
+              <a:pPr algn="ctr"/>
+              <a:endParaRPr lang="en-CA"/>
+            </a:p>
+          </p:txBody>
+        </p:sp>
+        <p:sp>
+          <p:nvSpPr>
+            <p:cNvPr id="63" name="Freeform 62"/>
+            <p:cNvSpPr/>
+            <p:nvPr/>
+          </p:nvSpPr>
+          <p:spPr>
+            <a:xfrm>
+              <a:off x="1122630" y="3060071"/>
+              <a:ext cx="2181885" cy="398353"/>
+            </a:xfrm>
+            <a:custGeom>
+              <a:avLst/>
+              <a:gdLst>
+                <a:gd name="connsiteX0" fmla="*/ 0 w 2181885"/>
+                <a:gd name="connsiteY0" fmla="*/ 0 h 398353"/>
+                <a:gd name="connsiteX1" fmla="*/ 389299 w 2181885"/>
+                <a:gd name="connsiteY1" fmla="*/ 144856 h 398353"/>
+                <a:gd name="connsiteX2" fmla="*/ 778598 w 2181885"/>
+                <a:gd name="connsiteY2" fmla="*/ 208230 h 398353"/>
+                <a:gd name="connsiteX3" fmla="*/ 1919334 w 2181885"/>
+                <a:gd name="connsiteY3" fmla="*/ 298765 h 398353"/>
+                <a:gd name="connsiteX4" fmla="*/ 2181885 w 2181885"/>
+                <a:gd name="connsiteY4" fmla="*/ 398353 h 398353"/>
+              </a:gdLst>
+              <a:ahLst/>
+              <a:cxnLst>
+                <a:cxn ang="0">
+                  <a:pos x="connsiteX0" y="connsiteY0"/>
+                </a:cxn>
+                <a:cxn ang="0">
+                  <a:pos x="connsiteX1" y="connsiteY1"/>
+                </a:cxn>
+                <a:cxn ang="0">
+                  <a:pos x="connsiteX2" y="connsiteY2"/>
+                </a:cxn>
+                <a:cxn ang="0">
+                  <a:pos x="connsiteX3" y="connsiteY3"/>
+                </a:cxn>
+                <a:cxn ang="0">
+                  <a:pos x="connsiteX4" y="connsiteY4"/>
+                </a:cxn>
+              </a:cxnLst>
+              <a:rect l="l" t="t" r="r" b="b"/>
+              <a:pathLst>
+                <a:path w="2181885" h="398353">
+                  <a:moveTo>
+                    <a:pt x="0" y="0"/>
+                  </a:moveTo>
+                  <a:cubicBezTo>
+                    <a:pt x="129766" y="55075"/>
+                    <a:pt x="259533" y="110151"/>
+                    <a:pt x="389299" y="144856"/>
+                  </a:cubicBezTo>
+                  <a:cubicBezTo>
+                    <a:pt x="519065" y="179561"/>
+                    <a:pt x="523592" y="182579"/>
+                    <a:pt x="778598" y="208230"/>
+                  </a:cubicBezTo>
+                  <a:cubicBezTo>
+                    <a:pt x="1033604" y="233881"/>
+                    <a:pt x="1685453" y="267078"/>
+                    <a:pt x="1919334" y="298765"/>
+                  </a:cubicBezTo>
+                  <a:cubicBezTo>
+                    <a:pt x="2153215" y="330452"/>
+                    <a:pt x="2166796" y="390809"/>
+                    <a:pt x="2181885" y="398353"/>
+                  </a:cubicBezTo>
+                </a:path>
+              </a:pathLst>
+            </a:custGeom>
+            <a:noFill/>
+            <a:ln w="28575">
+              <a:solidFill>
+                <a:schemeClr val="bg1"/>
+              </a:solidFill>
+            </a:ln>
+          </p:spPr>
+          <p:style>
+            <a:lnRef idx="2">
+              <a:schemeClr val="accent1">
+                <a:shade val="50000"/>
+              </a:schemeClr>
+            </a:lnRef>
+            <a:fillRef idx="1">
+              <a:schemeClr val="accent1"/>
+            </a:fillRef>
+            <a:effectRef idx="0">
+              <a:schemeClr val="accent1"/>
+            </a:effectRef>
+            <a:fontRef idx="minor">
+              <a:schemeClr val="lt1"/>
+            </a:fontRef>
+          </p:style>
+          <p:txBody>
+            <a:bodyPr rtlCol="0" anchor="ctr"/>
+            <a:lstStyle/>
+            <a:p>
+              <a:pPr algn="ctr"/>
+              <a:endParaRPr lang="en-CA"/>
+            </a:p>
+          </p:txBody>
+        </p:sp>
+        <p:sp>
+          <p:nvSpPr>
+            <p:cNvPr id="64" name="Freeform 63"/>
+            <p:cNvSpPr/>
+            <p:nvPr/>
+          </p:nvSpPr>
+          <p:spPr>
+            <a:xfrm>
+              <a:off x="1575303" y="3177766"/>
+              <a:ext cx="1729212" cy="135802"/>
+            </a:xfrm>
+            <a:custGeom>
+              <a:avLst/>
+              <a:gdLst>
+                <a:gd name="connsiteX0" fmla="*/ 0 w 1729212"/>
+                <a:gd name="connsiteY0" fmla="*/ 0 h 135802"/>
+                <a:gd name="connsiteX1" fmla="*/ 1113576 w 1729212"/>
+                <a:gd name="connsiteY1" fmla="*/ 63375 h 135802"/>
+                <a:gd name="connsiteX2" fmla="*/ 1729212 w 1729212"/>
+                <a:gd name="connsiteY2" fmla="*/ 135802 h 135802"/>
+              </a:gdLst>
+              <a:ahLst/>
+              <a:cxnLst>
+                <a:cxn ang="0">
+                  <a:pos x="connsiteX0" y="connsiteY0"/>
+                </a:cxn>
+                <a:cxn ang="0">
+                  <a:pos x="connsiteX1" y="connsiteY1"/>
+                </a:cxn>
+                <a:cxn ang="0">
+                  <a:pos x="connsiteX2" y="connsiteY2"/>
+                </a:cxn>
+              </a:cxnLst>
+              <a:rect l="l" t="t" r="r" b="b"/>
+              <a:pathLst>
+                <a:path w="1729212" h="135802">
+                  <a:moveTo>
+                    <a:pt x="0" y="0"/>
+                  </a:moveTo>
+                  <a:lnTo>
+                    <a:pt x="1113576" y="63375"/>
+                  </a:lnTo>
+                  <a:cubicBezTo>
+                    <a:pt x="1401778" y="86009"/>
+                    <a:pt x="1565495" y="110905"/>
+                    <a:pt x="1729212" y="135802"/>
+                  </a:cubicBezTo>
+                </a:path>
+              </a:pathLst>
+            </a:custGeom>
+            <a:noFill/>
+            <a:ln w="28575">
+              <a:solidFill>
+                <a:schemeClr val="bg1"/>
+              </a:solidFill>
+            </a:ln>
+          </p:spPr>
+          <p:style>
+            <a:lnRef idx="2">
+              <a:schemeClr val="accent1">
+                <a:shade val="50000"/>
+              </a:schemeClr>
+            </a:lnRef>
+            <a:fillRef idx="1">
+              <a:schemeClr val="accent1"/>
+            </a:fillRef>
+            <a:effectRef idx="0">
+              <a:schemeClr val="accent1"/>
+            </a:effectRef>
+            <a:fontRef idx="minor">
+              <a:schemeClr val="lt1"/>
+            </a:fontRef>
+          </p:style>
+          <p:txBody>
+            <a:bodyPr rtlCol="0" anchor="ctr"/>
+            <a:lstStyle/>
+            <a:p>
+              <a:pPr algn="ctr"/>
+              <a:endParaRPr lang="en-CA"/>
+            </a:p>
+          </p:txBody>
+        </p:sp>
+        <p:sp>
+          <p:nvSpPr>
+            <p:cNvPr id="65" name="Freeform 64"/>
+            <p:cNvSpPr/>
+            <p:nvPr/>
+          </p:nvSpPr>
+          <p:spPr>
+            <a:xfrm>
+              <a:off x="1213164" y="2779414"/>
+              <a:ext cx="2091351" cy="434566"/>
+            </a:xfrm>
+            <a:custGeom>
+              <a:avLst/>
+              <a:gdLst>
+                <a:gd name="connsiteX0" fmla="*/ 0 w 2091351"/>
+                <a:gd name="connsiteY0" fmla="*/ 0 h 434566"/>
+                <a:gd name="connsiteX1" fmla="*/ 452674 w 2091351"/>
+                <a:gd name="connsiteY1" fmla="*/ 316871 h 434566"/>
+                <a:gd name="connsiteX2" fmla="*/ 2091351 w 2091351"/>
+                <a:gd name="connsiteY2" fmla="*/ 434566 h 434566"/>
+              </a:gdLst>
+              <a:ahLst/>
+              <a:cxnLst>
+                <a:cxn ang="0">
+                  <a:pos x="connsiteX0" y="connsiteY0"/>
+                </a:cxn>
+                <a:cxn ang="0">
+                  <a:pos x="connsiteX1" y="connsiteY1"/>
+                </a:cxn>
+                <a:cxn ang="0">
+                  <a:pos x="connsiteX2" y="connsiteY2"/>
+                </a:cxn>
+              </a:cxnLst>
+              <a:rect l="l" t="t" r="r" b="b"/>
+              <a:pathLst>
+                <a:path w="2091351" h="434566">
+                  <a:moveTo>
+                    <a:pt x="0" y="0"/>
+                  </a:moveTo>
+                  <a:cubicBezTo>
+                    <a:pt x="52058" y="122221"/>
+                    <a:pt x="104116" y="244443"/>
+                    <a:pt x="452674" y="316871"/>
+                  </a:cubicBezTo>
+                  <a:cubicBezTo>
+                    <a:pt x="801232" y="389299"/>
+                    <a:pt x="1760900" y="407406"/>
+                    <a:pt x="2091351" y="434566"/>
+                  </a:cubicBezTo>
+                </a:path>
+              </a:pathLst>
+            </a:custGeom>
+            <a:noFill/>
+            <a:ln w="28575">
+              <a:solidFill>
+                <a:schemeClr val="bg1"/>
+              </a:solidFill>
+            </a:ln>
+          </p:spPr>
+          <p:style>
+            <a:lnRef idx="2">
+              <a:schemeClr val="accent1">
+                <a:shade val="50000"/>
+              </a:schemeClr>
+            </a:lnRef>
+            <a:fillRef idx="1">
+              <a:schemeClr val="accent1"/>
+            </a:fillRef>
+            <a:effectRef idx="0">
+              <a:schemeClr val="accent1"/>
+            </a:effectRef>
+            <a:fontRef idx="minor">
+              <a:schemeClr val="lt1"/>
+            </a:fontRef>
+          </p:style>
+          <p:txBody>
+            <a:bodyPr rtlCol="0" anchor="ctr"/>
+            <a:lstStyle/>
+            <a:p>
+              <a:pPr algn="ctr"/>
+              <a:endParaRPr lang="en-CA"/>
+            </a:p>
+          </p:txBody>
+        </p:sp>
+        <p:sp>
+          <p:nvSpPr>
+            <p:cNvPr id="66" name="Freeform 65"/>
+            <p:cNvSpPr/>
+            <p:nvPr/>
+          </p:nvSpPr>
+          <p:spPr>
+            <a:xfrm>
+              <a:off x="1756372" y="3041964"/>
+              <a:ext cx="1557196" cy="90535"/>
+            </a:xfrm>
+            <a:custGeom>
+              <a:avLst/>
+              <a:gdLst>
+                <a:gd name="connsiteX0" fmla="*/ 0 w 1557196"/>
+                <a:gd name="connsiteY0" fmla="*/ 0 h 90535"/>
+                <a:gd name="connsiteX1" fmla="*/ 1557196 w 1557196"/>
+                <a:gd name="connsiteY1" fmla="*/ 90535 h 90535"/>
+              </a:gdLst>
+              <a:ahLst/>
+              <a:cxnLst>
+                <a:cxn ang="0">
+                  <a:pos x="connsiteX0" y="connsiteY0"/>
+                </a:cxn>
+                <a:cxn ang="0">
+                  <a:pos x="connsiteX1" y="connsiteY1"/>
+                </a:cxn>
+              </a:cxnLst>
+              <a:rect l="l" t="t" r="r" b="b"/>
+              <a:pathLst>
+                <a:path w="1557196" h="90535">
+                  <a:moveTo>
+                    <a:pt x="0" y="0"/>
+                  </a:moveTo>
+                  <a:lnTo>
+                    <a:pt x="1557196" y="90535"/>
+                  </a:lnTo>
+                </a:path>
+              </a:pathLst>
+            </a:custGeom>
+            <a:noFill/>
+            <a:ln w="28575">
+              <a:solidFill>
+                <a:schemeClr val="bg1"/>
+              </a:solidFill>
+            </a:ln>
+          </p:spPr>
+          <p:style>
+            <a:lnRef idx="2">
+              <a:schemeClr val="accent1">
+                <a:shade val="50000"/>
+              </a:schemeClr>
+            </a:lnRef>
+            <a:fillRef idx="1">
+              <a:schemeClr val="accent1"/>
+            </a:fillRef>
+            <a:effectRef idx="0">
+              <a:schemeClr val="accent1"/>
+            </a:effectRef>
+            <a:fontRef idx="minor">
+              <a:schemeClr val="lt1"/>
+            </a:fontRef>
+          </p:style>
+          <p:txBody>
+            <a:bodyPr rtlCol="0" anchor="ctr"/>
+            <a:lstStyle/>
+            <a:p>
+              <a:pPr algn="ctr"/>
+              <a:endParaRPr lang="en-CA"/>
+            </a:p>
+          </p:txBody>
+        </p:sp>
+        <p:sp>
+          <p:nvSpPr>
+            <p:cNvPr id="67" name="Freeform 66"/>
+            <p:cNvSpPr/>
+            <p:nvPr/>
+          </p:nvSpPr>
+          <p:spPr>
+            <a:xfrm>
+              <a:off x="1358020" y="2607398"/>
+              <a:ext cx="1937441" cy="452673"/>
+            </a:xfrm>
+            <a:custGeom>
+              <a:avLst/>
+              <a:gdLst>
+                <a:gd name="connsiteX0" fmla="*/ 0 w 1937441"/>
+                <a:gd name="connsiteY0" fmla="*/ 0 h 452673"/>
+                <a:gd name="connsiteX1" fmla="*/ 425513 w 1937441"/>
+                <a:gd name="connsiteY1" fmla="*/ 334978 h 452673"/>
+                <a:gd name="connsiteX2" fmla="*/ 1937441 w 1937441"/>
+                <a:gd name="connsiteY2" fmla="*/ 452673 h 452673"/>
+              </a:gdLst>
+              <a:ahLst/>
+              <a:cxnLst>
+                <a:cxn ang="0">
+                  <a:pos x="connsiteX0" y="connsiteY0"/>
+                </a:cxn>
+                <a:cxn ang="0">
+                  <a:pos x="connsiteX1" y="connsiteY1"/>
+                </a:cxn>
+                <a:cxn ang="0">
+                  <a:pos x="connsiteX2" y="connsiteY2"/>
+                </a:cxn>
+              </a:cxnLst>
+              <a:rect l="l" t="t" r="r" b="b"/>
+              <a:pathLst>
+                <a:path w="1937441" h="452673">
+                  <a:moveTo>
+                    <a:pt x="0" y="0"/>
+                  </a:moveTo>
+                  <a:cubicBezTo>
+                    <a:pt x="51303" y="129766"/>
+                    <a:pt x="102606" y="259533"/>
+                    <a:pt x="425513" y="334978"/>
+                  </a:cubicBezTo>
+                  <a:cubicBezTo>
+                    <a:pt x="748420" y="410423"/>
+                    <a:pt x="1342930" y="431548"/>
+                    <a:pt x="1937441" y="452673"/>
+                  </a:cubicBezTo>
+                </a:path>
+              </a:pathLst>
+            </a:custGeom>
+            <a:noFill/>
+            <a:ln w="28575">
+              <a:solidFill>
+                <a:schemeClr val="bg1"/>
+              </a:solidFill>
+            </a:ln>
+          </p:spPr>
+          <p:style>
+            <a:lnRef idx="2">
+              <a:schemeClr val="accent1">
+                <a:shade val="50000"/>
+              </a:schemeClr>
+            </a:lnRef>
+            <a:fillRef idx="1">
+              <a:schemeClr val="accent1"/>
+            </a:fillRef>
+            <a:effectRef idx="0">
+              <a:schemeClr val="accent1"/>
+            </a:effectRef>
+            <a:fontRef idx="minor">
+              <a:schemeClr val="lt1"/>
+            </a:fontRef>
+          </p:style>
+          <p:txBody>
+            <a:bodyPr rtlCol="0" anchor="ctr"/>
+            <a:lstStyle/>
+            <a:p>
+              <a:pPr algn="ctr"/>
+              <a:endParaRPr lang="en-CA"/>
+            </a:p>
+          </p:txBody>
+        </p:sp>
+        <p:sp>
+          <p:nvSpPr>
+            <p:cNvPr id="68" name="Freeform 67"/>
+            <p:cNvSpPr/>
+            <p:nvPr/>
+          </p:nvSpPr>
+          <p:spPr>
+            <a:xfrm>
+              <a:off x="1937442" y="2888055"/>
+              <a:ext cx="1367073" cy="81482"/>
+            </a:xfrm>
+            <a:custGeom>
+              <a:avLst/>
+              <a:gdLst>
+                <a:gd name="connsiteX0" fmla="*/ 0 w 1367073"/>
+                <a:gd name="connsiteY0" fmla="*/ 0 h 81482"/>
+                <a:gd name="connsiteX1" fmla="*/ 1367073 w 1367073"/>
+                <a:gd name="connsiteY1" fmla="*/ 81482 h 81482"/>
+              </a:gdLst>
+              <a:ahLst/>
+              <a:cxnLst>
+                <a:cxn ang="0">
+                  <a:pos x="connsiteX0" y="connsiteY0"/>
+                </a:cxn>
+                <a:cxn ang="0">
+                  <a:pos x="connsiteX1" y="connsiteY1"/>
+                </a:cxn>
+              </a:cxnLst>
+              <a:rect l="l" t="t" r="r" b="b"/>
+              <a:pathLst>
+                <a:path w="1367073" h="81482">
+                  <a:moveTo>
+                    <a:pt x="0" y="0"/>
+                  </a:moveTo>
+                  <a:lnTo>
+                    <a:pt x="1367073" y="81482"/>
+                  </a:lnTo>
+                </a:path>
+              </a:pathLst>
+            </a:custGeom>
+            <a:noFill/>
+            <a:ln w="28575">
+              <a:solidFill>
+                <a:schemeClr val="bg1"/>
+              </a:solidFill>
+            </a:ln>
+          </p:spPr>
+          <p:style>
+            <a:lnRef idx="2">
+              <a:schemeClr val="accent1">
+                <a:shade val="50000"/>
+              </a:schemeClr>
+            </a:lnRef>
+            <a:fillRef idx="1">
+              <a:schemeClr val="accent1"/>
+            </a:fillRef>
+            <a:effectRef idx="0">
+              <a:schemeClr val="accent1"/>
+            </a:effectRef>
+            <a:fontRef idx="minor">
+              <a:schemeClr val="lt1"/>
+            </a:fontRef>
+          </p:style>
+          <p:txBody>
+            <a:bodyPr rtlCol="0" anchor="ctr"/>
+            <a:lstStyle/>
+            <a:p>
+              <a:pPr algn="ctr"/>
+              <a:endParaRPr lang="en-CA"/>
+            </a:p>
+          </p:txBody>
+        </p:sp>
+        <p:sp>
+          <p:nvSpPr>
+            <p:cNvPr id="69" name="Freeform 68"/>
+            <p:cNvSpPr/>
+            <p:nvPr/>
+          </p:nvSpPr>
+          <p:spPr>
+            <a:xfrm>
+              <a:off x="1493822" y="2435382"/>
+              <a:ext cx="1801639" cy="464993"/>
+            </a:xfrm>
+            <a:custGeom>
+              <a:avLst/>
+              <a:gdLst>
+                <a:gd name="connsiteX0" fmla="*/ 0 w 1801639"/>
+                <a:gd name="connsiteY0" fmla="*/ 0 h 464993"/>
+                <a:gd name="connsiteX1" fmla="*/ 488887 w 1801639"/>
+                <a:gd name="connsiteY1" fmla="*/ 407406 h 464993"/>
+                <a:gd name="connsiteX2" fmla="*/ 1801639 w 1801639"/>
+                <a:gd name="connsiteY2" fmla="*/ 452673 h 464993"/>
+              </a:gdLst>
+              <a:ahLst/>
+              <a:cxnLst>
+                <a:cxn ang="0">
+                  <a:pos x="connsiteX0" y="connsiteY0"/>
+                </a:cxn>
+                <a:cxn ang="0">
+                  <a:pos x="connsiteX1" y="connsiteY1"/>
+                </a:cxn>
+                <a:cxn ang="0">
+                  <a:pos x="connsiteX2" y="connsiteY2"/>
+                </a:cxn>
+              </a:cxnLst>
+              <a:rect l="l" t="t" r="r" b="b"/>
+              <a:pathLst>
+                <a:path w="1801639" h="464993">
+                  <a:moveTo>
+                    <a:pt x="0" y="0"/>
+                  </a:moveTo>
+                  <a:cubicBezTo>
+                    <a:pt x="94307" y="165980"/>
+                    <a:pt x="188614" y="331960"/>
+                    <a:pt x="488887" y="407406"/>
+                  </a:cubicBezTo>
+                  <a:cubicBezTo>
+                    <a:pt x="789160" y="482852"/>
+                    <a:pt x="1295399" y="467762"/>
+                    <a:pt x="1801639" y="452673"/>
+                  </a:cubicBezTo>
+                </a:path>
+              </a:pathLst>
+            </a:custGeom>
+            <a:noFill/>
+            <a:ln w="28575">
+              <a:solidFill>
+                <a:schemeClr val="bg1"/>
+              </a:solidFill>
+            </a:ln>
+          </p:spPr>
+          <p:style>
+            <a:lnRef idx="2">
+              <a:schemeClr val="accent1">
+                <a:shade val="50000"/>
+              </a:schemeClr>
+            </a:lnRef>
+            <a:fillRef idx="1">
+              <a:schemeClr val="accent1"/>
+            </a:fillRef>
+            <a:effectRef idx="0">
+              <a:schemeClr val="accent1"/>
+            </a:effectRef>
+            <a:fontRef idx="minor">
+              <a:schemeClr val="lt1"/>
+            </a:fontRef>
+          </p:style>
+          <p:txBody>
+            <a:bodyPr rtlCol="0" anchor="ctr"/>
+            <a:lstStyle/>
+            <a:p>
+              <a:pPr algn="ctr"/>
+              <a:endParaRPr lang="en-CA"/>
+            </a:p>
+          </p:txBody>
+        </p:sp>
+        <p:sp>
+          <p:nvSpPr>
+            <p:cNvPr id="70" name="Freeform 69"/>
+            <p:cNvSpPr/>
+            <p:nvPr/>
+          </p:nvSpPr>
+          <p:spPr>
+            <a:xfrm>
+              <a:off x="2082297" y="2770360"/>
+              <a:ext cx="1222218" cy="18107"/>
+            </a:xfrm>
+            <a:custGeom>
+              <a:avLst/>
+              <a:gdLst>
+                <a:gd name="connsiteX0" fmla="*/ 0 w 1222218"/>
+                <a:gd name="connsiteY0" fmla="*/ 0 h 18107"/>
+                <a:gd name="connsiteX1" fmla="*/ 1222218 w 1222218"/>
+                <a:gd name="connsiteY1" fmla="*/ 18107 h 18107"/>
+              </a:gdLst>
+              <a:ahLst/>
+              <a:cxnLst>
+                <a:cxn ang="0">
+                  <a:pos x="connsiteX0" y="connsiteY0"/>
+                </a:cxn>
+                <a:cxn ang="0">
+                  <a:pos x="connsiteX1" y="connsiteY1"/>
+                </a:cxn>
+              </a:cxnLst>
+              <a:rect l="l" t="t" r="r" b="b"/>
+              <a:pathLst>
+                <a:path w="1222218" h="18107">
+                  <a:moveTo>
+                    <a:pt x="0" y="0"/>
+                  </a:moveTo>
+                  <a:lnTo>
+                    <a:pt x="1222218" y="18107"/>
+                  </a:lnTo>
+                </a:path>
+              </a:pathLst>
+            </a:custGeom>
+            <a:noFill/>
+            <a:ln w="28575">
+              <a:solidFill>
+                <a:schemeClr val="bg1"/>
+              </a:solidFill>
+            </a:ln>
+          </p:spPr>
+          <p:style>
+            <a:lnRef idx="2">
+              <a:schemeClr val="accent1">
+                <a:shade val="50000"/>
+              </a:schemeClr>
+            </a:lnRef>
+            <a:fillRef idx="1">
+              <a:schemeClr val="accent1"/>
+            </a:fillRef>
+            <a:effectRef idx="0">
+              <a:schemeClr val="accent1"/>
+            </a:effectRef>
+            <a:fontRef idx="minor">
+              <a:schemeClr val="lt1"/>
+            </a:fontRef>
+          </p:style>
+          <p:txBody>
+            <a:bodyPr rtlCol="0" anchor="ctr"/>
+            <a:lstStyle/>
+            <a:p>
+              <a:pPr algn="ctr"/>
+              <a:endParaRPr lang="en-CA"/>
+            </a:p>
+          </p:txBody>
+        </p:sp>
+        <p:sp>
+          <p:nvSpPr>
+            <p:cNvPr id="71" name="Freeform 70"/>
+            <p:cNvSpPr/>
+            <p:nvPr/>
+          </p:nvSpPr>
+          <p:spPr>
+            <a:xfrm>
+              <a:off x="1638677" y="2299580"/>
+              <a:ext cx="1656784" cy="401494"/>
+            </a:xfrm>
+            <a:custGeom>
+              <a:avLst/>
+              <a:gdLst>
+                <a:gd name="connsiteX0" fmla="*/ 0 w 1656784"/>
+                <a:gd name="connsiteY0" fmla="*/ 0 h 401494"/>
+                <a:gd name="connsiteX1" fmla="*/ 470780 w 1656784"/>
+                <a:gd name="connsiteY1" fmla="*/ 353085 h 401494"/>
+                <a:gd name="connsiteX2" fmla="*/ 1656784 w 1656784"/>
+                <a:gd name="connsiteY2" fmla="*/ 389299 h 401494"/>
+              </a:gdLst>
+              <a:ahLst/>
+              <a:cxnLst>
+                <a:cxn ang="0">
+                  <a:pos x="connsiteX0" y="connsiteY0"/>
+                </a:cxn>
+                <a:cxn ang="0">
+                  <a:pos x="connsiteX1" y="connsiteY1"/>
+                </a:cxn>
+                <a:cxn ang="0">
+                  <a:pos x="connsiteX2" y="connsiteY2"/>
+                </a:cxn>
+              </a:cxnLst>
+              <a:rect l="l" t="t" r="r" b="b"/>
+              <a:pathLst>
+                <a:path w="1656784" h="401494">
+                  <a:moveTo>
+                    <a:pt x="0" y="0"/>
+                  </a:moveTo>
+                  <a:cubicBezTo>
+                    <a:pt x="97324" y="144101"/>
+                    <a:pt x="194649" y="288202"/>
+                    <a:pt x="470780" y="353085"/>
+                  </a:cubicBezTo>
+                  <a:cubicBezTo>
+                    <a:pt x="746911" y="417968"/>
+                    <a:pt x="1201847" y="403633"/>
+                    <a:pt x="1656784" y="389299"/>
+                  </a:cubicBezTo>
+                </a:path>
+              </a:pathLst>
+            </a:custGeom>
+            <a:noFill/>
+            <a:ln w="28575">
+              <a:solidFill>
+                <a:schemeClr val="bg1"/>
+              </a:solidFill>
+            </a:ln>
+          </p:spPr>
+          <p:style>
+            <a:lnRef idx="2">
+              <a:schemeClr val="accent1">
+                <a:shade val="50000"/>
+              </a:schemeClr>
+            </a:lnRef>
+            <a:fillRef idx="1">
+              <a:schemeClr val="accent1"/>
+            </a:fillRef>
+            <a:effectRef idx="0">
+              <a:schemeClr val="accent1"/>
+            </a:effectRef>
+            <a:fontRef idx="minor">
+              <a:schemeClr val="lt1"/>
+            </a:fontRef>
+          </p:style>
+          <p:txBody>
+            <a:bodyPr rtlCol="0" anchor="ctr"/>
+            <a:lstStyle/>
+            <a:p>
+              <a:pPr algn="ctr"/>
+              <a:endParaRPr lang="en-CA"/>
+            </a:p>
+          </p:txBody>
+        </p:sp>
+        <p:sp>
+          <p:nvSpPr>
+            <p:cNvPr id="72" name="Freeform 71"/>
+            <p:cNvSpPr/>
+            <p:nvPr/>
+          </p:nvSpPr>
+          <p:spPr>
+            <a:xfrm>
+              <a:off x="2245259" y="2616451"/>
+              <a:ext cx="1059256" cy="0"/>
+            </a:xfrm>
+            <a:custGeom>
+              <a:avLst/>
+              <a:gdLst>
+                <a:gd name="connsiteX0" fmla="*/ 0 w 1059256"/>
+                <a:gd name="connsiteY0" fmla="*/ 0 h 0"/>
+                <a:gd name="connsiteX1" fmla="*/ 1059256 w 1059256"/>
+                <a:gd name="connsiteY1" fmla="*/ 0 h 0"/>
+              </a:gdLst>
+              <a:ahLst/>
+              <a:cxnLst>
+                <a:cxn ang="0">
+                  <a:pos x="connsiteX0" y="connsiteY0"/>
+                </a:cxn>
+                <a:cxn ang="0">
+                  <a:pos x="connsiteX1" y="connsiteY1"/>
+                </a:cxn>
+              </a:cxnLst>
+              <a:rect l="l" t="t" r="r" b="b"/>
+              <a:pathLst>
+                <a:path w="1059256">
+                  <a:moveTo>
+                    <a:pt x="0" y="0"/>
+                  </a:moveTo>
+                  <a:lnTo>
+                    <a:pt x="1059256" y="0"/>
+                  </a:lnTo>
+                </a:path>
+              </a:pathLst>
+            </a:custGeom>
+            <a:noFill/>
+            <a:ln w="28575">
+              <a:solidFill>
+                <a:schemeClr val="bg1"/>
+              </a:solidFill>
+            </a:ln>
+          </p:spPr>
+          <p:style>
+            <a:lnRef idx="2">
+              <a:schemeClr val="accent1">
+                <a:shade val="50000"/>
+              </a:schemeClr>
+            </a:lnRef>
+            <a:fillRef idx="1">
+              <a:schemeClr val="accent1"/>
+            </a:fillRef>
+            <a:effectRef idx="0">
+              <a:schemeClr val="accent1"/>
+            </a:effectRef>
+            <a:fontRef idx="minor">
+              <a:schemeClr val="lt1"/>
+            </a:fontRef>
+          </p:style>
+          <p:txBody>
+            <a:bodyPr rtlCol="0" anchor="ctr"/>
+            <a:lstStyle/>
+            <a:p>
+              <a:pPr algn="ctr"/>
+              <a:endParaRPr lang="en-CA"/>
+            </a:p>
+          </p:txBody>
+        </p:sp>
+        <p:sp>
+          <p:nvSpPr>
+            <p:cNvPr id="73" name="Freeform 72"/>
+            <p:cNvSpPr/>
+            <p:nvPr/>
+          </p:nvSpPr>
+          <p:spPr>
+            <a:xfrm>
+              <a:off x="1792586" y="2154725"/>
+              <a:ext cx="1511929" cy="401471"/>
+            </a:xfrm>
+            <a:custGeom>
+              <a:avLst/>
+              <a:gdLst>
+                <a:gd name="connsiteX0" fmla="*/ 0 w 1511929"/>
+                <a:gd name="connsiteY0" fmla="*/ 0 h 401471"/>
+                <a:gd name="connsiteX1" fmla="*/ 479834 w 1511929"/>
+                <a:gd name="connsiteY1" fmla="*/ 371192 h 401471"/>
+                <a:gd name="connsiteX2" fmla="*/ 1511929 w 1511929"/>
+                <a:gd name="connsiteY2" fmla="*/ 353085 h 401471"/>
+              </a:gdLst>
+              <a:ahLst/>
+              <a:cxnLst>
+                <a:cxn ang="0">
+                  <a:pos x="connsiteX0" y="connsiteY0"/>
+                </a:cxn>
+                <a:cxn ang="0">
+                  <a:pos x="connsiteX1" y="connsiteY1"/>
+                </a:cxn>
+                <a:cxn ang="0">
+                  <a:pos x="connsiteX2" y="connsiteY2"/>
+                </a:cxn>
+              </a:cxnLst>
+              <a:rect l="l" t="t" r="r" b="b"/>
+              <a:pathLst>
+                <a:path w="1511929" h="401471">
+                  <a:moveTo>
+                    <a:pt x="0" y="0"/>
+                  </a:moveTo>
+                  <a:cubicBezTo>
+                    <a:pt x="113923" y="156172"/>
+                    <a:pt x="227846" y="312345"/>
+                    <a:pt x="479834" y="371192"/>
+                  </a:cubicBezTo>
+                  <a:cubicBezTo>
+                    <a:pt x="731822" y="430040"/>
+                    <a:pt x="1121875" y="391562"/>
+                    <a:pt x="1511929" y="353085"/>
+                  </a:cubicBezTo>
+                </a:path>
+              </a:pathLst>
+            </a:custGeom>
+            <a:noFill/>
+            <a:ln w="28575">
+              <a:solidFill>
+                <a:schemeClr val="bg1"/>
+              </a:solidFill>
+            </a:ln>
+          </p:spPr>
+          <p:style>
+            <a:lnRef idx="2">
+              <a:schemeClr val="accent1">
+                <a:shade val="50000"/>
+              </a:schemeClr>
+            </a:lnRef>
+            <a:fillRef idx="1">
+              <a:schemeClr val="accent1"/>
+            </a:fillRef>
+            <a:effectRef idx="0">
+              <a:schemeClr val="accent1"/>
+            </a:effectRef>
+            <a:fontRef idx="minor">
+              <a:schemeClr val="lt1"/>
+            </a:fontRef>
+          </p:style>
+          <p:txBody>
+            <a:bodyPr rtlCol="0" anchor="ctr"/>
+            <a:lstStyle/>
+            <a:p>
+              <a:pPr algn="ctr"/>
+              <a:endParaRPr lang="en-CA"/>
+            </a:p>
+          </p:txBody>
+        </p:sp>
+        <p:sp>
+          <p:nvSpPr>
+            <p:cNvPr id="74" name="Freeform 73"/>
+            <p:cNvSpPr/>
+            <p:nvPr/>
+          </p:nvSpPr>
+          <p:spPr>
+            <a:xfrm>
+              <a:off x="2353901" y="2417275"/>
+              <a:ext cx="932507" cy="47461"/>
+            </a:xfrm>
+            <a:custGeom>
+              <a:avLst/>
+              <a:gdLst>
+                <a:gd name="connsiteX0" fmla="*/ 0 w 932507"/>
+                <a:gd name="connsiteY0" fmla="*/ 36214 h 47461"/>
+                <a:gd name="connsiteX1" fmla="*/ 543208 w 932507"/>
+                <a:gd name="connsiteY1" fmla="*/ 45268 h 47461"/>
+                <a:gd name="connsiteX2" fmla="*/ 932507 w 932507"/>
+                <a:gd name="connsiteY2" fmla="*/ 0 h 47461"/>
+              </a:gdLst>
+              <a:ahLst/>
+              <a:cxnLst>
+                <a:cxn ang="0">
+                  <a:pos x="connsiteX0" y="connsiteY0"/>
+                </a:cxn>
+                <a:cxn ang="0">
+                  <a:pos x="connsiteX1" y="connsiteY1"/>
+                </a:cxn>
+                <a:cxn ang="0">
+                  <a:pos x="connsiteX2" y="connsiteY2"/>
+                </a:cxn>
+              </a:cxnLst>
+              <a:rect l="l" t="t" r="r" b="b"/>
+              <a:pathLst>
+                <a:path w="932507" h="47461">
+                  <a:moveTo>
+                    <a:pt x="0" y="36214"/>
+                  </a:moveTo>
+                  <a:cubicBezTo>
+                    <a:pt x="193895" y="43759"/>
+                    <a:pt x="387790" y="51304"/>
+                    <a:pt x="543208" y="45268"/>
+                  </a:cubicBezTo>
+                  <a:cubicBezTo>
+                    <a:pt x="698626" y="39232"/>
+                    <a:pt x="932507" y="0"/>
+                    <a:pt x="932507" y="0"/>
+                  </a:cubicBezTo>
+                </a:path>
+              </a:pathLst>
+            </a:custGeom>
+            <a:noFill/>
+            <a:ln w="28575">
+              <a:solidFill>
+                <a:schemeClr val="bg1"/>
+              </a:solidFill>
+            </a:ln>
+          </p:spPr>
+          <p:style>
+            <a:lnRef idx="2">
+              <a:schemeClr val="accent1">
+                <a:shade val="50000"/>
+              </a:schemeClr>
+            </a:lnRef>
+            <a:fillRef idx="1">
+              <a:schemeClr val="accent1"/>
+            </a:fillRef>
+            <a:effectRef idx="0">
+              <a:schemeClr val="accent1"/>
+            </a:effectRef>
+            <a:fontRef idx="minor">
+              <a:schemeClr val="lt1"/>
+            </a:fontRef>
+          </p:style>
+          <p:txBody>
+            <a:bodyPr rtlCol="0" anchor="ctr"/>
+            <a:lstStyle/>
+            <a:p>
+              <a:pPr algn="ctr"/>
+              <a:endParaRPr lang="en-CA"/>
+            </a:p>
+          </p:txBody>
+        </p:sp>
+        <p:sp>
+          <p:nvSpPr>
+            <p:cNvPr id="75" name="Freeform 74"/>
+            <p:cNvSpPr/>
+            <p:nvPr/>
+          </p:nvSpPr>
+          <p:spPr>
+            <a:xfrm>
+              <a:off x="1946495" y="2009869"/>
+              <a:ext cx="1339913" cy="399069"/>
+            </a:xfrm>
+            <a:custGeom>
+              <a:avLst/>
+              <a:gdLst>
+                <a:gd name="connsiteX0" fmla="*/ 0 w 1339913"/>
+                <a:gd name="connsiteY0" fmla="*/ 0 h 399069"/>
+                <a:gd name="connsiteX1" fmla="*/ 479834 w 1339913"/>
+                <a:gd name="connsiteY1" fmla="*/ 371192 h 399069"/>
+                <a:gd name="connsiteX2" fmla="*/ 1339913 w 1339913"/>
+                <a:gd name="connsiteY2" fmla="*/ 344032 h 399069"/>
+              </a:gdLst>
+              <a:ahLst/>
+              <a:cxnLst>
+                <a:cxn ang="0">
+                  <a:pos x="connsiteX0" y="connsiteY0"/>
+                </a:cxn>
+                <a:cxn ang="0">
+                  <a:pos x="connsiteX1" y="connsiteY1"/>
+                </a:cxn>
+                <a:cxn ang="0">
+                  <a:pos x="connsiteX2" y="connsiteY2"/>
+                </a:cxn>
+              </a:cxnLst>
+              <a:rect l="l" t="t" r="r" b="b"/>
+              <a:pathLst>
+                <a:path w="1339913" h="399069">
+                  <a:moveTo>
+                    <a:pt x="0" y="0"/>
+                  </a:moveTo>
+                  <a:cubicBezTo>
+                    <a:pt x="128257" y="156926"/>
+                    <a:pt x="256515" y="313853"/>
+                    <a:pt x="479834" y="371192"/>
+                  </a:cubicBezTo>
+                  <a:cubicBezTo>
+                    <a:pt x="703153" y="428531"/>
+                    <a:pt x="1021533" y="386281"/>
+                    <a:pt x="1339913" y="344032"/>
+                  </a:cubicBezTo>
+                </a:path>
+              </a:pathLst>
+            </a:custGeom>
+            <a:noFill/>
+            <a:ln w="28575">
+              <a:solidFill>
+                <a:schemeClr val="bg1"/>
+              </a:solidFill>
+            </a:ln>
+          </p:spPr>
+          <p:style>
+            <a:lnRef idx="2">
+              <a:schemeClr val="accent1">
+                <a:shade val="50000"/>
+              </a:schemeClr>
+            </a:lnRef>
+            <a:fillRef idx="1">
+              <a:schemeClr val="accent1"/>
+            </a:fillRef>
+            <a:effectRef idx="0">
+              <a:schemeClr val="accent1"/>
+            </a:effectRef>
+            <a:fontRef idx="minor">
+              <a:schemeClr val="lt1"/>
+            </a:fontRef>
+          </p:style>
+          <p:txBody>
+            <a:bodyPr rtlCol="0" anchor="ctr"/>
+            <a:lstStyle/>
+            <a:p>
+              <a:pPr algn="ctr"/>
+              <a:endParaRPr lang="en-CA"/>
+            </a:p>
+          </p:txBody>
+        </p:sp>
+        <p:sp>
+          <p:nvSpPr>
+            <p:cNvPr id="76" name="Freeform 75"/>
+            <p:cNvSpPr/>
+            <p:nvPr/>
+          </p:nvSpPr>
+          <p:spPr>
+            <a:xfrm>
+              <a:off x="2525917" y="2263366"/>
+              <a:ext cx="769544" cy="69473"/>
+            </a:xfrm>
+            <a:custGeom>
+              <a:avLst/>
+              <a:gdLst>
+                <a:gd name="connsiteX0" fmla="*/ 0 w 769544"/>
+                <a:gd name="connsiteY0" fmla="*/ 63375 h 69473"/>
+                <a:gd name="connsiteX1" fmla="*/ 452673 w 769544"/>
+                <a:gd name="connsiteY1" fmla="*/ 63375 h 69473"/>
+                <a:gd name="connsiteX2" fmla="*/ 769544 w 769544"/>
+                <a:gd name="connsiteY2" fmla="*/ 0 h 69473"/>
+              </a:gdLst>
+              <a:ahLst/>
+              <a:cxnLst>
+                <a:cxn ang="0">
+                  <a:pos x="connsiteX0" y="connsiteY0"/>
+                </a:cxn>
+                <a:cxn ang="0">
+                  <a:pos x="connsiteX1" y="connsiteY1"/>
+                </a:cxn>
+                <a:cxn ang="0">
+                  <a:pos x="connsiteX2" y="connsiteY2"/>
+                </a:cxn>
+              </a:cxnLst>
+              <a:rect l="l" t="t" r="r" b="b"/>
+              <a:pathLst>
+                <a:path w="769544" h="69473">
+                  <a:moveTo>
+                    <a:pt x="0" y="63375"/>
+                  </a:moveTo>
+                  <a:cubicBezTo>
+                    <a:pt x="162208" y="68656"/>
+                    <a:pt x="324416" y="73938"/>
+                    <a:pt x="452673" y="63375"/>
+                  </a:cubicBezTo>
+                  <a:cubicBezTo>
+                    <a:pt x="580930" y="52812"/>
+                    <a:pt x="675237" y="26406"/>
+                    <a:pt x="769544" y="0"/>
+                  </a:cubicBezTo>
+                </a:path>
+              </a:pathLst>
+            </a:custGeom>
+            <a:noFill/>
+            <a:ln w="28575">
+              <a:solidFill>
+                <a:schemeClr val="bg1"/>
+              </a:solidFill>
+            </a:ln>
+          </p:spPr>
+          <p:style>
+            <a:lnRef idx="2">
+              <a:schemeClr val="accent1">
+                <a:shade val="50000"/>
+              </a:schemeClr>
+            </a:lnRef>
+            <a:fillRef idx="1">
+              <a:schemeClr val="accent1"/>
+            </a:fillRef>
+            <a:effectRef idx="0">
+              <a:schemeClr val="accent1"/>
+            </a:effectRef>
+            <a:fontRef idx="minor">
+              <a:schemeClr val="lt1"/>
+            </a:fontRef>
+          </p:style>
+          <p:txBody>
+            <a:bodyPr rtlCol="0" anchor="ctr"/>
+            <a:lstStyle/>
+            <a:p>
+              <a:pPr algn="ctr"/>
+              <a:endParaRPr lang="en-CA"/>
+            </a:p>
+          </p:txBody>
+        </p:sp>
+        <p:sp>
+          <p:nvSpPr>
+            <p:cNvPr id="77" name="Freeform 76"/>
+            <p:cNvSpPr/>
+            <p:nvPr/>
+          </p:nvSpPr>
+          <p:spPr>
+            <a:xfrm>
+              <a:off x="2091350" y="1846907"/>
+              <a:ext cx="1213165" cy="392893"/>
+            </a:xfrm>
+            <a:custGeom>
+              <a:avLst/>
+              <a:gdLst>
+                <a:gd name="connsiteX0" fmla="*/ 0 w 1213165"/>
+                <a:gd name="connsiteY0" fmla="*/ 0 h 392893"/>
+                <a:gd name="connsiteX1" fmla="*/ 497941 w 1213165"/>
+                <a:gd name="connsiteY1" fmla="*/ 371192 h 392893"/>
+                <a:gd name="connsiteX2" fmla="*/ 1213165 w 1213165"/>
+                <a:gd name="connsiteY2" fmla="*/ 316871 h 392893"/>
+              </a:gdLst>
+              <a:ahLst/>
+              <a:cxnLst>
+                <a:cxn ang="0">
+                  <a:pos x="connsiteX0" y="connsiteY0"/>
+                </a:cxn>
+                <a:cxn ang="0">
+                  <a:pos x="connsiteX1" y="connsiteY1"/>
+                </a:cxn>
+                <a:cxn ang="0">
+                  <a:pos x="connsiteX2" y="connsiteY2"/>
+                </a:cxn>
+              </a:cxnLst>
+              <a:rect l="l" t="t" r="r" b="b"/>
+              <a:pathLst>
+                <a:path w="1213165" h="392893">
+                  <a:moveTo>
+                    <a:pt x="0" y="0"/>
+                  </a:moveTo>
+                  <a:cubicBezTo>
+                    <a:pt x="147873" y="159190"/>
+                    <a:pt x="295747" y="318380"/>
+                    <a:pt x="497941" y="371192"/>
+                  </a:cubicBezTo>
+                  <a:cubicBezTo>
+                    <a:pt x="700135" y="424004"/>
+                    <a:pt x="956650" y="370437"/>
+                    <a:pt x="1213165" y="316871"/>
+                  </a:cubicBezTo>
+                </a:path>
+              </a:pathLst>
+            </a:custGeom>
+            <a:noFill/>
+            <a:ln w="28575">
+              <a:solidFill>
+                <a:schemeClr val="bg1"/>
+              </a:solidFill>
+            </a:ln>
+          </p:spPr>
+          <p:style>
+            <a:lnRef idx="2">
+              <a:schemeClr val="accent1">
+                <a:shade val="50000"/>
+              </a:schemeClr>
+            </a:lnRef>
+            <a:fillRef idx="1">
+              <a:schemeClr val="accent1"/>
+            </a:fillRef>
+            <a:effectRef idx="0">
+              <a:schemeClr val="accent1"/>
+            </a:effectRef>
+            <a:fontRef idx="minor">
+              <a:schemeClr val="lt1"/>
+            </a:fontRef>
+          </p:style>
+          <p:txBody>
+            <a:bodyPr rtlCol="0" anchor="ctr"/>
+            <a:lstStyle/>
+            <a:p>
+              <a:pPr algn="ctr"/>
+              <a:endParaRPr lang="en-CA"/>
+            </a:p>
+          </p:txBody>
+        </p:sp>
+        <p:sp>
+          <p:nvSpPr>
+            <p:cNvPr id="78" name="Freeform 77"/>
+            <p:cNvSpPr/>
+            <p:nvPr/>
+          </p:nvSpPr>
+          <p:spPr>
+            <a:xfrm>
+              <a:off x="2679826" y="2082297"/>
+              <a:ext cx="624689" cy="89321"/>
+            </a:xfrm>
+            <a:custGeom>
+              <a:avLst/>
+              <a:gdLst>
+                <a:gd name="connsiteX0" fmla="*/ 0 w 624689"/>
+                <a:gd name="connsiteY0" fmla="*/ 81481 h 89321"/>
+                <a:gd name="connsiteX1" fmla="*/ 208229 w 624689"/>
+                <a:gd name="connsiteY1" fmla="*/ 81481 h 89321"/>
+                <a:gd name="connsiteX2" fmla="*/ 624689 w 624689"/>
+                <a:gd name="connsiteY2" fmla="*/ 0 h 89321"/>
+              </a:gdLst>
+              <a:ahLst/>
+              <a:cxnLst>
+                <a:cxn ang="0">
+                  <a:pos x="connsiteX0" y="connsiteY0"/>
+                </a:cxn>
+                <a:cxn ang="0">
+                  <a:pos x="connsiteX1" y="connsiteY1"/>
+                </a:cxn>
+                <a:cxn ang="0">
+                  <a:pos x="connsiteX2" y="connsiteY2"/>
+                </a:cxn>
+              </a:cxnLst>
+              <a:rect l="l" t="t" r="r" b="b"/>
+              <a:pathLst>
+                <a:path w="624689" h="89321">
+                  <a:moveTo>
+                    <a:pt x="0" y="81481"/>
+                  </a:moveTo>
+                  <a:cubicBezTo>
+                    <a:pt x="52057" y="88271"/>
+                    <a:pt x="104114" y="95061"/>
+                    <a:pt x="208229" y="81481"/>
+                  </a:cubicBezTo>
+                  <a:cubicBezTo>
+                    <a:pt x="312344" y="67901"/>
+                    <a:pt x="468516" y="33950"/>
+                    <a:pt x="624689" y="0"/>
+                  </a:cubicBezTo>
+                </a:path>
+              </a:pathLst>
+            </a:custGeom>
+            <a:noFill/>
+            <a:ln w="28575">
+              <a:solidFill>
+                <a:schemeClr val="bg1"/>
+              </a:solidFill>
+            </a:ln>
+          </p:spPr>
+          <p:style>
+            <a:lnRef idx="2">
+              <a:schemeClr val="accent1">
+                <a:shade val="50000"/>
+              </a:schemeClr>
+            </a:lnRef>
+            <a:fillRef idx="1">
+              <a:schemeClr val="accent1"/>
+            </a:fillRef>
+            <a:effectRef idx="0">
+              <a:schemeClr val="accent1"/>
+            </a:effectRef>
+            <a:fontRef idx="minor">
+              <a:schemeClr val="lt1"/>
+            </a:fontRef>
+          </p:style>
+          <p:txBody>
+            <a:bodyPr rtlCol="0" anchor="ctr"/>
+            <a:lstStyle/>
+            <a:p>
+              <a:pPr algn="ctr"/>
+              <a:endParaRPr lang="en-CA"/>
+            </a:p>
+          </p:txBody>
+        </p:sp>
+        <p:sp>
+          <p:nvSpPr>
+            <p:cNvPr id="79" name="Freeform 78"/>
+            <p:cNvSpPr/>
+            <p:nvPr/>
+          </p:nvSpPr>
+          <p:spPr>
+            <a:xfrm>
+              <a:off x="2245259" y="1702051"/>
+              <a:ext cx="1041149" cy="401573"/>
+            </a:xfrm>
+            <a:custGeom>
+              <a:avLst/>
+              <a:gdLst>
+                <a:gd name="connsiteX0" fmla="*/ 0 w 1041149"/>
+                <a:gd name="connsiteY0" fmla="*/ 0 h 401573"/>
+                <a:gd name="connsiteX1" fmla="*/ 434567 w 1041149"/>
+                <a:gd name="connsiteY1" fmla="*/ 371193 h 401573"/>
+                <a:gd name="connsiteX2" fmla="*/ 905347 w 1041149"/>
+                <a:gd name="connsiteY2" fmla="*/ 371193 h 401573"/>
+                <a:gd name="connsiteX3" fmla="*/ 1041149 w 1041149"/>
+                <a:gd name="connsiteY3" fmla="*/ 298765 h 401573"/>
+              </a:gdLst>
+              <a:ahLst/>
+              <a:cxnLst>
+                <a:cxn ang="0">
+                  <a:pos x="connsiteX0" y="connsiteY0"/>
+                </a:cxn>
+                <a:cxn ang="0">
+                  <a:pos x="connsiteX1" y="connsiteY1"/>
+                </a:cxn>
+                <a:cxn ang="0">
+                  <a:pos x="connsiteX2" y="connsiteY2"/>
+                </a:cxn>
+                <a:cxn ang="0">
+                  <a:pos x="connsiteX3" y="connsiteY3"/>
+                </a:cxn>
+              </a:cxnLst>
+              <a:rect l="l" t="t" r="r" b="b"/>
+              <a:pathLst>
+                <a:path w="1041149" h="401573">
+                  <a:moveTo>
+                    <a:pt x="0" y="0"/>
+                  </a:moveTo>
+                  <a:cubicBezTo>
+                    <a:pt x="141838" y="154663"/>
+                    <a:pt x="283676" y="309327"/>
+                    <a:pt x="434567" y="371193"/>
+                  </a:cubicBezTo>
+                  <a:cubicBezTo>
+                    <a:pt x="585458" y="433059"/>
+                    <a:pt x="804250" y="383264"/>
+                    <a:pt x="905347" y="371193"/>
+                  </a:cubicBezTo>
+                  <a:cubicBezTo>
+                    <a:pt x="1006444" y="359122"/>
+                    <a:pt x="1023796" y="328943"/>
+                    <a:pt x="1041149" y="298765"/>
+                  </a:cubicBezTo>
+                </a:path>
+              </a:pathLst>
+            </a:custGeom>
+            <a:noFill/>
+            <a:ln w="28575">
+              <a:solidFill>
+                <a:schemeClr val="bg1"/>
+              </a:solidFill>
+            </a:ln>
+          </p:spPr>
+          <p:style>
+            <a:lnRef idx="2">
+              <a:schemeClr val="accent1">
+                <a:shade val="50000"/>
+              </a:schemeClr>
+            </a:lnRef>
+            <a:fillRef idx="1">
+              <a:schemeClr val="accent1"/>
+            </a:fillRef>
+            <a:effectRef idx="0">
+              <a:schemeClr val="accent1"/>
+            </a:effectRef>
+            <a:fontRef idx="minor">
+              <a:schemeClr val="lt1"/>
+            </a:fontRef>
+          </p:style>
+          <p:txBody>
+            <a:bodyPr rtlCol="0" anchor="ctr"/>
+            <a:lstStyle/>
+            <a:p>
+              <a:pPr algn="ctr"/>
+              <a:endParaRPr lang="en-CA"/>
+            </a:p>
+          </p:txBody>
+        </p:sp>
+        <p:sp>
+          <p:nvSpPr>
+            <p:cNvPr id="80" name="Freeform 79"/>
+            <p:cNvSpPr/>
+            <p:nvPr/>
+          </p:nvSpPr>
+          <p:spPr>
+            <a:xfrm>
+              <a:off x="2797521" y="1910281"/>
+              <a:ext cx="488887" cy="108642"/>
+            </a:xfrm>
+            <a:custGeom>
+              <a:avLst/>
+              <a:gdLst>
+                <a:gd name="connsiteX0" fmla="*/ 0 w 488887"/>
+                <a:gd name="connsiteY0" fmla="*/ 108642 h 108642"/>
+                <a:gd name="connsiteX1" fmla="*/ 271604 w 488887"/>
+                <a:gd name="connsiteY1" fmla="*/ 90535 h 108642"/>
+                <a:gd name="connsiteX2" fmla="*/ 488887 w 488887"/>
+                <a:gd name="connsiteY2" fmla="*/ 0 h 108642"/>
+              </a:gdLst>
+              <a:ahLst/>
+              <a:cxnLst>
+                <a:cxn ang="0">
+                  <a:pos x="connsiteX0" y="connsiteY0"/>
+                </a:cxn>
+                <a:cxn ang="0">
+                  <a:pos x="connsiteX1" y="connsiteY1"/>
+                </a:cxn>
+                <a:cxn ang="0">
+                  <a:pos x="connsiteX2" y="connsiteY2"/>
+                </a:cxn>
+              </a:cxnLst>
+              <a:rect l="l" t="t" r="r" b="b"/>
+              <a:pathLst>
+                <a:path w="488887" h="108642">
+                  <a:moveTo>
+                    <a:pt x="0" y="108642"/>
+                  </a:moveTo>
+                  <a:cubicBezTo>
+                    <a:pt x="95061" y="108642"/>
+                    <a:pt x="190123" y="108642"/>
+                    <a:pt x="271604" y="90535"/>
+                  </a:cubicBezTo>
+                  <a:cubicBezTo>
+                    <a:pt x="353085" y="72428"/>
+                    <a:pt x="455691" y="15089"/>
+                    <a:pt x="488887" y="0"/>
+                  </a:cubicBezTo>
+                </a:path>
+              </a:pathLst>
+            </a:custGeom>
+            <a:noFill/>
+            <a:ln w="28575">
+              <a:solidFill>
+                <a:schemeClr val="bg1"/>
+              </a:solidFill>
+            </a:ln>
+          </p:spPr>
+          <p:style>
+            <a:lnRef idx="2">
+              <a:schemeClr val="accent1">
+                <a:shade val="50000"/>
+              </a:schemeClr>
+            </a:lnRef>
+            <a:fillRef idx="1">
+              <a:schemeClr val="accent1"/>
+            </a:fillRef>
+            <a:effectRef idx="0">
+              <a:schemeClr val="accent1"/>
+            </a:effectRef>
+            <a:fontRef idx="minor">
+              <a:schemeClr val="lt1"/>
+            </a:fontRef>
+          </p:style>
+          <p:txBody>
+            <a:bodyPr rtlCol="0" anchor="ctr"/>
+            <a:lstStyle/>
+            <a:p>
+              <a:pPr algn="ctr"/>
+              <a:endParaRPr lang="en-CA"/>
+            </a:p>
+          </p:txBody>
+        </p:sp>
+        <p:sp>
+          <p:nvSpPr>
+            <p:cNvPr id="81" name="Freeform 80"/>
+            <p:cNvSpPr/>
+            <p:nvPr/>
+          </p:nvSpPr>
+          <p:spPr>
+            <a:xfrm>
+              <a:off x="2417275" y="1575303"/>
+              <a:ext cx="887240" cy="375689"/>
+            </a:xfrm>
+            <a:custGeom>
+              <a:avLst/>
+              <a:gdLst>
+                <a:gd name="connsiteX0" fmla="*/ 0 w 887240"/>
+                <a:gd name="connsiteY0" fmla="*/ 0 h 375689"/>
+                <a:gd name="connsiteX1" fmla="*/ 416460 w 887240"/>
+                <a:gd name="connsiteY1" fmla="*/ 344032 h 375689"/>
+                <a:gd name="connsiteX2" fmla="*/ 724277 w 887240"/>
+                <a:gd name="connsiteY2" fmla="*/ 353085 h 375689"/>
+                <a:gd name="connsiteX3" fmla="*/ 887240 w 887240"/>
+                <a:gd name="connsiteY3" fmla="*/ 280657 h 375689"/>
+              </a:gdLst>
+              <a:ahLst/>
+              <a:cxnLst>
+                <a:cxn ang="0">
+                  <a:pos x="connsiteX0" y="connsiteY0"/>
+                </a:cxn>
+                <a:cxn ang="0">
+                  <a:pos x="connsiteX1" y="connsiteY1"/>
+                </a:cxn>
+                <a:cxn ang="0">
+                  <a:pos x="connsiteX2" y="connsiteY2"/>
+                </a:cxn>
+                <a:cxn ang="0">
+                  <a:pos x="connsiteX3" y="connsiteY3"/>
+                </a:cxn>
+              </a:cxnLst>
+              <a:rect l="l" t="t" r="r" b="b"/>
+              <a:pathLst>
+                <a:path w="887240" h="375689">
+                  <a:moveTo>
+                    <a:pt x="0" y="0"/>
+                  </a:moveTo>
+                  <a:cubicBezTo>
+                    <a:pt x="147873" y="142592"/>
+                    <a:pt x="295747" y="285184"/>
+                    <a:pt x="416460" y="344032"/>
+                  </a:cubicBezTo>
+                  <a:cubicBezTo>
+                    <a:pt x="537173" y="402880"/>
+                    <a:pt x="645814" y="363647"/>
+                    <a:pt x="724277" y="353085"/>
+                  </a:cubicBezTo>
+                  <a:cubicBezTo>
+                    <a:pt x="802740" y="342523"/>
+                    <a:pt x="844990" y="311590"/>
+                    <a:pt x="887240" y="280657"/>
+                  </a:cubicBezTo>
+                </a:path>
+              </a:pathLst>
+            </a:custGeom>
+            <a:noFill/>
+            <a:ln w="28575">
+              <a:solidFill>
+                <a:schemeClr val="bg1"/>
+              </a:solidFill>
+            </a:ln>
+          </p:spPr>
+          <p:style>
+            <a:lnRef idx="2">
+              <a:schemeClr val="accent1">
+                <a:shade val="50000"/>
+              </a:schemeClr>
+            </a:lnRef>
+            <a:fillRef idx="1">
+              <a:schemeClr val="accent1"/>
+            </a:fillRef>
+            <a:effectRef idx="0">
+              <a:schemeClr val="accent1"/>
+            </a:effectRef>
+            <a:fontRef idx="minor">
+              <a:schemeClr val="lt1"/>
+            </a:fontRef>
+          </p:style>
+          <p:txBody>
+            <a:bodyPr rtlCol="0" anchor="ctr"/>
+            <a:lstStyle/>
+            <a:p>
+              <a:pPr algn="ctr"/>
+              <a:endParaRPr lang="en-CA"/>
+            </a:p>
+          </p:txBody>
+        </p:sp>
+        <p:sp>
+          <p:nvSpPr>
+            <p:cNvPr id="82" name="Freeform 81"/>
+            <p:cNvSpPr/>
+            <p:nvPr/>
+          </p:nvSpPr>
+          <p:spPr>
+            <a:xfrm>
+              <a:off x="2978590" y="1783533"/>
+              <a:ext cx="325925" cy="96739"/>
+            </a:xfrm>
+            <a:custGeom>
+              <a:avLst/>
+              <a:gdLst>
+                <a:gd name="connsiteX0" fmla="*/ 0 w 325925"/>
+                <a:gd name="connsiteY0" fmla="*/ 81481 h 96739"/>
+                <a:gd name="connsiteX1" fmla="*/ 135802 w 325925"/>
+                <a:gd name="connsiteY1" fmla="*/ 90534 h 96739"/>
+                <a:gd name="connsiteX2" fmla="*/ 325925 w 325925"/>
+                <a:gd name="connsiteY2" fmla="*/ 0 h 96739"/>
+              </a:gdLst>
+              <a:ahLst/>
+              <a:cxnLst>
+                <a:cxn ang="0">
+                  <a:pos x="connsiteX0" y="connsiteY0"/>
+                </a:cxn>
+                <a:cxn ang="0">
+                  <a:pos x="connsiteX1" y="connsiteY1"/>
+                </a:cxn>
+                <a:cxn ang="0">
+                  <a:pos x="connsiteX2" y="connsiteY2"/>
+                </a:cxn>
+              </a:cxnLst>
+              <a:rect l="l" t="t" r="r" b="b"/>
+              <a:pathLst>
+                <a:path w="325925" h="96739">
+                  <a:moveTo>
+                    <a:pt x="0" y="81481"/>
+                  </a:moveTo>
+                  <a:cubicBezTo>
+                    <a:pt x="40740" y="92797"/>
+                    <a:pt x="81481" y="104114"/>
+                    <a:pt x="135802" y="90534"/>
+                  </a:cubicBezTo>
+                  <a:cubicBezTo>
+                    <a:pt x="190123" y="76954"/>
+                    <a:pt x="258024" y="38477"/>
+                    <a:pt x="325925" y="0"/>
+                  </a:cubicBezTo>
+                </a:path>
+              </a:pathLst>
+            </a:custGeom>
+            <a:noFill/>
+            <a:ln w="28575">
+              <a:solidFill>
+                <a:schemeClr val="bg1"/>
+              </a:solidFill>
+            </a:ln>
+          </p:spPr>
+          <p:style>
+            <a:lnRef idx="2">
+              <a:schemeClr val="accent1">
+                <a:shade val="50000"/>
+              </a:schemeClr>
+            </a:lnRef>
+            <a:fillRef idx="1">
+              <a:schemeClr val="accent1"/>
+            </a:fillRef>
+            <a:effectRef idx="0">
+              <a:schemeClr val="accent1"/>
+            </a:effectRef>
+            <a:fontRef idx="minor">
+              <a:schemeClr val="lt1"/>
+            </a:fontRef>
+          </p:style>
+          <p:txBody>
+            <a:bodyPr rtlCol="0" anchor="ctr"/>
+            <a:lstStyle/>
+            <a:p>
+              <a:pPr algn="ctr"/>
+              <a:endParaRPr lang="en-CA"/>
+            </a:p>
+          </p:txBody>
+        </p:sp>
+        <p:sp>
+          <p:nvSpPr>
+            <p:cNvPr id="83" name="Freeform 82"/>
+            <p:cNvSpPr/>
+            <p:nvPr/>
+          </p:nvSpPr>
+          <p:spPr>
+            <a:xfrm>
+              <a:off x="2553077" y="1412341"/>
+              <a:ext cx="733331" cy="408307"/>
+            </a:xfrm>
+            <a:custGeom>
+              <a:avLst/>
+              <a:gdLst>
+                <a:gd name="connsiteX0" fmla="*/ 0 w 733331"/>
+                <a:gd name="connsiteY0" fmla="*/ 0 h 408307"/>
+                <a:gd name="connsiteX1" fmla="*/ 434567 w 733331"/>
+                <a:gd name="connsiteY1" fmla="*/ 398352 h 408307"/>
+                <a:gd name="connsiteX2" fmla="*/ 733331 w 733331"/>
+                <a:gd name="connsiteY2" fmla="*/ 316871 h 408307"/>
+              </a:gdLst>
+              <a:ahLst/>
+              <a:cxnLst>
+                <a:cxn ang="0">
+                  <a:pos x="connsiteX0" y="connsiteY0"/>
+                </a:cxn>
+                <a:cxn ang="0">
+                  <a:pos x="connsiteX1" y="connsiteY1"/>
+                </a:cxn>
+                <a:cxn ang="0">
+                  <a:pos x="connsiteX2" y="connsiteY2"/>
+                </a:cxn>
+              </a:cxnLst>
+              <a:rect l="l" t="t" r="r" b="b"/>
+              <a:pathLst>
+                <a:path w="733331" h="408307">
+                  <a:moveTo>
+                    <a:pt x="0" y="0"/>
+                  </a:moveTo>
+                  <a:cubicBezTo>
+                    <a:pt x="156172" y="172770"/>
+                    <a:pt x="312345" y="345540"/>
+                    <a:pt x="434567" y="398352"/>
+                  </a:cubicBezTo>
+                  <a:cubicBezTo>
+                    <a:pt x="556789" y="451164"/>
+                    <a:pt x="632234" y="274622"/>
+                    <a:pt x="733331" y="316871"/>
+                  </a:cubicBezTo>
+                </a:path>
+              </a:pathLst>
+            </a:custGeom>
+            <a:noFill/>
+            <a:ln w="28575">
+              <a:solidFill>
+                <a:schemeClr val="bg1"/>
+              </a:solidFill>
+            </a:ln>
+          </p:spPr>
+          <p:style>
+            <a:lnRef idx="2">
+              <a:schemeClr val="accent1">
+                <a:shade val="50000"/>
+              </a:schemeClr>
+            </a:lnRef>
+            <a:fillRef idx="1">
+              <a:schemeClr val="accent1"/>
+            </a:fillRef>
+            <a:effectRef idx="0">
+              <a:schemeClr val="accent1"/>
+            </a:effectRef>
+            <a:fontRef idx="minor">
+              <a:schemeClr val="lt1"/>
+            </a:fontRef>
+          </p:style>
+          <p:txBody>
+            <a:bodyPr rtlCol="0" anchor="ctr"/>
+            <a:lstStyle/>
+            <a:p>
+              <a:pPr algn="ctr"/>
+              <a:endParaRPr lang="en-CA"/>
+            </a:p>
+          </p:txBody>
+        </p:sp>
+        <p:sp>
+          <p:nvSpPr>
+            <p:cNvPr id="84" name="TextBox 83"/>
+            <p:cNvSpPr txBox="1"/>
+            <p:nvPr/>
+          </p:nvSpPr>
+          <p:spPr>
+            <a:xfrm>
+              <a:off x="7344498" y="2076667"/>
+              <a:ext cx="1426309" cy="830997"/>
+            </a:xfrm>
+            <a:prstGeom prst="rect">
+              <a:avLst/>
+            </a:prstGeom>
+            <a:noFill/>
+          </p:spPr>
+          <p:txBody>
+            <a:bodyPr wrap="square" rtlCol="0">
+              <a:spAutoFit/>
+            </a:bodyPr>
+            <a:lstStyle/>
+            <a:p>
+              <a:r>
+                <a:rPr lang="en-CA" sz="2400" dirty="0" smtClean="0"/>
+                <a:t>Curvature estimate</a:t>
+              </a:r>
+              <a:endParaRPr lang="en-CA" sz="2400" dirty="0"/>
+            </a:p>
+          </p:txBody>
+        </p:sp>
+      </p:grpSp>
+    </p:spTree>
+    <p:extLst>
+      <p:ext uri="{BB962C8B-B14F-4D97-AF65-F5344CB8AC3E}">
+        <p14:creationId xmlns:p14="http://schemas.microsoft.com/office/powerpoint/2010/main" val="1592396155"/>
+      </p:ext>
+    </p:extLst>
+  </p:cSld>
+  <p:clrMapOvr>
+    <a:masterClrMapping/>
+  </p:clrMapOvr>
+</p:sld>
+</file>
+
 <file path=ppt/theme/theme1.xml><?xml version="1.0" encoding="utf-8"?>
 <a:theme xmlns:a="http://schemas.openxmlformats.org/drawingml/2006/main" name="Office Theme">
   <a:themeElements>

--- a/CISC874/Project/PartC/DataPipeline.pptx
+++ b/CISC874/Project/PartC/DataPipeline.pptx
@@ -248,7 +248,7 @@
           <a:p>
             <a:fld id="{8A73721D-0424-4701-9427-6A60784BC223}" type="datetimeFigureOut">
               <a:rPr lang="en-CA" smtClean="0"/>
-              <a:t>13/11/2016</a:t>
+              <a:t>03/12/2016</a:t>
             </a:fld>
             <a:endParaRPr lang="en-CA"/>
           </a:p>
@@ -418,7 +418,7 @@
           <a:p>
             <a:fld id="{8A73721D-0424-4701-9427-6A60784BC223}" type="datetimeFigureOut">
               <a:rPr lang="en-CA" smtClean="0"/>
-              <a:t>13/11/2016</a:t>
+              <a:t>03/12/2016</a:t>
             </a:fld>
             <a:endParaRPr lang="en-CA"/>
           </a:p>
@@ -598,7 +598,7 @@
           <a:p>
             <a:fld id="{8A73721D-0424-4701-9427-6A60784BC223}" type="datetimeFigureOut">
               <a:rPr lang="en-CA" smtClean="0"/>
-              <a:t>13/11/2016</a:t>
+              <a:t>03/12/2016</a:t>
             </a:fld>
             <a:endParaRPr lang="en-CA"/>
           </a:p>
@@ -768,7 +768,7 @@
           <a:p>
             <a:fld id="{8A73721D-0424-4701-9427-6A60784BC223}" type="datetimeFigureOut">
               <a:rPr lang="en-CA" smtClean="0"/>
-              <a:t>13/11/2016</a:t>
+              <a:t>03/12/2016</a:t>
             </a:fld>
             <a:endParaRPr lang="en-CA"/>
           </a:p>
@@ -1014,7 +1014,7 @@
           <a:p>
             <a:fld id="{8A73721D-0424-4701-9427-6A60784BC223}" type="datetimeFigureOut">
               <a:rPr lang="en-CA" smtClean="0"/>
-              <a:t>13/11/2016</a:t>
+              <a:t>03/12/2016</a:t>
             </a:fld>
             <a:endParaRPr lang="en-CA"/>
           </a:p>
@@ -1246,7 +1246,7 @@
           <a:p>
             <a:fld id="{8A73721D-0424-4701-9427-6A60784BC223}" type="datetimeFigureOut">
               <a:rPr lang="en-CA" smtClean="0"/>
-              <a:t>13/11/2016</a:t>
+              <a:t>03/12/2016</a:t>
             </a:fld>
             <a:endParaRPr lang="en-CA"/>
           </a:p>
@@ -1613,7 +1613,7 @@
           <a:p>
             <a:fld id="{8A73721D-0424-4701-9427-6A60784BC223}" type="datetimeFigureOut">
               <a:rPr lang="en-CA" smtClean="0"/>
-              <a:t>13/11/2016</a:t>
+              <a:t>03/12/2016</a:t>
             </a:fld>
             <a:endParaRPr lang="en-CA"/>
           </a:p>
@@ -1731,7 +1731,7 @@
           <a:p>
             <a:fld id="{8A73721D-0424-4701-9427-6A60784BC223}" type="datetimeFigureOut">
               <a:rPr lang="en-CA" smtClean="0"/>
-              <a:t>13/11/2016</a:t>
+              <a:t>03/12/2016</a:t>
             </a:fld>
             <a:endParaRPr lang="en-CA"/>
           </a:p>
@@ -1826,7 +1826,7 @@
           <a:p>
             <a:fld id="{8A73721D-0424-4701-9427-6A60784BC223}" type="datetimeFigureOut">
               <a:rPr lang="en-CA" smtClean="0"/>
-              <a:t>13/11/2016</a:t>
+              <a:t>03/12/2016</a:t>
             </a:fld>
             <a:endParaRPr lang="en-CA"/>
           </a:p>
@@ -2103,7 +2103,7 @@
           <a:p>
             <a:fld id="{8A73721D-0424-4701-9427-6A60784BC223}" type="datetimeFigureOut">
               <a:rPr lang="en-CA" smtClean="0"/>
-              <a:t>13/11/2016</a:t>
+              <a:t>03/12/2016</a:t>
             </a:fld>
             <a:endParaRPr lang="en-CA"/>
           </a:p>
@@ -2356,7 +2356,7 @@
           <a:p>
             <a:fld id="{8A73721D-0424-4701-9427-6A60784BC223}" type="datetimeFigureOut">
               <a:rPr lang="en-CA" smtClean="0"/>
-              <a:t>13/11/2016</a:t>
+              <a:t>03/12/2016</a:t>
             </a:fld>
             <a:endParaRPr lang="en-CA"/>
           </a:p>
@@ -2569,7 +2569,7 @@
           <a:p>
             <a:fld id="{8A73721D-0424-4701-9427-6A60784BC223}" type="datetimeFigureOut">
               <a:rPr lang="en-CA" smtClean="0"/>
-              <a:t>13/11/2016</a:t>
+              <a:t>03/12/2016</a:t>
             </a:fld>
             <a:endParaRPr lang="en-CA"/>
           </a:p>
@@ -11274,7 +11274,7 @@
       </p:grpSpPr>
       <p:grpSp>
         <p:nvGrpSpPr>
-          <p:cNvPr id="85" name="Group 84"/>
+          <p:cNvPr id="46" name="Group 45"/>
           <p:cNvGrpSpPr/>
           <p:nvPr/>
         </p:nvGrpSpPr>
@@ -11286,2027 +11286,2265 @@
             <a:chExt cx="11290946" cy="5408023"/>
           </a:xfrm>
         </p:grpSpPr>
-        <p:sp>
-          <p:nvSpPr>
-            <p:cNvPr id="2" name="Rectangle 1"/>
-            <p:cNvSpPr/>
-            <p:nvPr/>
-          </p:nvSpPr>
-          <p:spPr>
-            <a:xfrm>
-              <a:off x="1861459" y="705394"/>
-              <a:ext cx="8092438" cy="5408023"/>
-            </a:xfrm>
-            <a:prstGeom prst="rect">
-              <a:avLst/>
-            </a:prstGeom>
-            <a:noFill/>
-            <a:ln w="57150">
-              <a:solidFill>
-                <a:schemeClr val="tx1"/>
-              </a:solidFill>
-            </a:ln>
-          </p:spPr>
-          <p:style>
-            <a:lnRef idx="2">
-              <a:schemeClr val="accent1">
-                <a:shade val="50000"/>
-              </a:schemeClr>
-            </a:lnRef>
-            <a:fillRef idx="1">
-              <a:schemeClr val="accent1"/>
-            </a:fillRef>
-            <a:effectRef idx="0">
-              <a:schemeClr val="accent1"/>
-            </a:effectRef>
-            <a:fontRef idx="minor">
-              <a:schemeClr val="lt1"/>
-            </a:fontRef>
-          </p:style>
-          <p:txBody>
-            <a:bodyPr rtlCol="0" anchor="ctr"/>
-            <a:lstStyle/>
-            <a:p>
-              <a:pPr algn="ctr"/>
-              <a:endParaRPr lang="en-CA"/>
-            </a:p>
-          </p:txBody>
-        </p:sp>
-        <p:sp>
-          <p:nvSpPr>
-            <p:cNvPr id="3" name="TextBox 2"/>
-            <p:cNvSpPr txBox="1"/>
-            <p:nvPr/>
-          </p:nvSpPr>
-          <p:spPr>
-            <a:xfrm>
-              <a:off x="4258490" y="705394"/>
-              <a:ext cx="3169921" cy="646331"/>
-            </a:xfrm>
-            <a:prstGeom prst="rect">
-              <a:avLst/>
-            </a:prstGeom>
-            <a:noFill/>
-          </p:spPr>
-          <p:txBody>
-            <a:bodyPr wrap="square" rtlCol="0">
-              <a:spAutoFit/>
-            </a:bodyPr>
-            <a:lstStyle/>
-            <a:p>
-              <a:r>
-                <a:rPr lang="en-CA" sz="3600" dirty="0" smtClean="0"/>
-                <a:t>Neural network</a:t>
-              </a:r>
-              <a:endParaRPr lang="en-CA" sz="3600" dirty="0"/>
-            </a:p>
-          </p:txBody>
-        </p:sp>
-        <p:sp>
-          <p:nvSpPr>
-            <p:cNvPr id="4" name="Right Arrow 3"/>
-            <p:cNvSpPr/>
-            <p:nvPr/>
-          </p:nvSpPr>
-          <p:spPr>
-            <a:xfrm>
-              <a:off x="278674" y="3033811"/>
-              <a:ext cx="1582785" cy="583474"/>
-            </a:xfrm>
-            <a:prstGeom prst="rightArrow">
-              <a:avLst/>
-            </a:prstGeom>
-            <a:solidFill>
-              <a:schemeClr val="tx1"/>
-            </a:solidFill>
-            <a:ln>
-              <a:solidFill>
-                <a:schemeClr val="tx1"/>
-              </a:solidFill>
-            </a:ln>
-          </p:spPr>
-          <p:style>
-            <a:lnRef idx="2">
-              <a:schemeClr val="accent1">
-                <a:shade val="50000"/>
-              </a:schemeClr>
-            </a:lnRef>
-            <a:fillRef idx="1">
-              <a:schemeClr val="accent1"/>
-            </a:fillRef>
-            <a:effectRef idx="0">
-              <a:schemeClr val="accent1"/>
-            </a:effectRef>
-            <a:fontRef idx="minor">
-              <a:schemeClr val="lt1"/>
-            </a:fontRef>
-          </p:style>
-          <p:txBody>
-            <a:bodyPr rtlCol="0" anchor="ctr"/>
-            <a:lstStyle/>
-            <a:p>
-              <a:pPr algn="ctr"/>
-              <a:endParaRPr lang="en-CA"/>
-            </a:p>
-          </p:txBody>
-        </p:sp>
-        <p:sp>
-          <p:nvSpPr>
-            <p:cNvPr id="5" name="TextBox 4"/>
-            <p:cNvSpPr txBox="1"/>
-            <p:nvPr/>
-          </p:nvSpPr>
-          <p:spPr>
-            <a:xfrm>
-              <a:off x="89260" y="1994258"/>
-              <a:ext cx="2140134" cy="1200329"/>
-            </a:xfrm>
-            <a:prstGeom prst="rect">
-              <a:avLst/>
-            </a:prstGeom>
-            <a:noFill/>
-          </p:spPr>
-          <p:txBody>
-            <a:bodyPr wrap="square" rtlCol="0">
-              <a:spAutoFit/>
-            </a:bodyPr>
-            <a:lstStyle/>
-            <a:p>
-              <a:r>
-                <a:rPr lang="en-CA" sz="2400" dirty="0"/>
-                <a:t>Data suitable for neural network</a:t>
-              </a:r>
-              <a:endParaRPr lang="en-CA" sz="2400" dirty="0"/>
-            </a:p>
-          </p:txBody>
-        </p:sp>
         <p:grpSp>
           <p:nvGrpSpPr>
-            <p:cNvPr id="14" name="Group 13"/>
+            <p:cNvPr id="44" name="Group 43"/>
             <p:cNvGrpSpPr/>
             <p:nvPr/>
           </p:nvGrpSpPr>
           <p:grpSpPr>
             <a:xfrm>
-              <a:off x="3100251" y="1994258"/>
-              <a:ext cx="635726" cy="3578101"/>
-              <a:chOff x="3100251" y="1994258"/>
-              <a:chExt cx="635726" cy="3578101"/>
+              <a:off x="89260" y="705394"/>
+              <a:ext cx="11290946" cy="5408023"/>
+              <a:chOff x="89260" y="705394"/>
+              <a:chExt cx="11290946" cy="5408023"/>
             </a:xfrm>
           </p:grpSpPr>
-          <p:sp>
-            <p:nvSpPr>
-              <p:cNvPr id="6" name="Oval 5"/>
-              <p:cNvSpPr/>
+          <p:grpSp>
+            <p:nvGrpSpPr>
+              <p:cNvPr id="85" name="Group 84"/>
+              <p:cNvGrpSpPr/>
               <p:nvPr/>
-            </p:nvSpPr>
-            <p:spPr>
+            </p:nvGrpSpPr>
+            <p:grpSpPr>
               <a:xfrm>
-                <a:off x="3100251" y="1994258"/>
-                <a:ext cx="635726" cy="609605"/>
+                <a:off x="89260" y="705394"/>
+                <a:ext cx="11290946" cy="5408023"/>
+                <a:chOff x="89260" y="705394"/>
+                <a:chExt cx="11290946" cy="5408023"/>
               </a:xfrm>
-              <a:prstGeom prst="ellipse">
-                <a:avLst/>
-              </a:prstGeom>
-              <a:noFill/>
-              <a:ln w="38100">
+            </p:grpSpPr>
+            <p:sp>
+              <p:nvSpPr>
+                <p:cNvPr id="2" name="Rectangle 1"/>
+                <p:cNvSpPr/>
+                <p:nvPr/>
+              </p:nvSpPr>
+              <p:spPr>
+                <a:xfrm>
+                  <a:off x="1861459" y="705394"/>
+                  <a:ext cx="8092438" cy="5408023"/>
+                </a:xfrm>
+                <a:prstGeom prst="rect">
+                  <a:avLst/>
+                </a:prstGeom>
+                <a:noFill/>
+                <a:ln w="57150">
+                  <a:solidFill>
+                    <a:schemeClr val="tx1"/>
+                  </a:solidFill>
+                </a:ln>
+              </p:spPr>
+              <p:style>
+                <a:lnRef idx="2">
+                  <a:schemeClr val="accent1">
+                    <a:shade val="50000"/>
+                  </a:schemeClr>
+                </a:lnRef>
+                <a:fillRef idx="1">
+                  <a:schemeClr val="accent1"/>
+                </a:fillRef>
+                <a:effectRef idx="0">
+                  <a:schemeClr val="accent1"/>
+                </a:effectRef>
+                <a:fontRef idx="minor">
+                  <a:schemeClr val="lt1"/>
+                </a:fontRef>
+              </p:style>
+              <p:txBody>
+                <a:bodyPr rtlCol="0" anchor="ctr"/>
+                <a:lstStyle/>
+                <a:p>
+                  <a:pPr algn="ctr"/>
+                  <a:endParaRPr lang="en-CA"/>
+                </a:p>
+              </p:txBody>
+            </p:sp>
+            <p:sp>
+              <p:nvSpPr>
+                <p:cNvPr id="3" name="TextBox 2"/>
+                <p:cNvSpPr txBox="1"/>
+                <p:nvPr/>
+              </p:nvSpPr>
+              <p:spPr>
+                <a:xfrm>
+                  <a:off x="4258490" y="705394"/>
+                  <a:ext cx="3169921" cy="646331"/>
+                </a:xfrm>
+                <a:prstGeom prst="rect">
+                  <a:avLst/>
+                </a:prstGeom>
+                <a:noFill/>
+              </p:spPr>
+              <p:txBody>
+                <a:bodyPr wrap="square" rtlCol="0">
+                  <a:spAutoFit/>
+                </a:bodyPr>
+                <a:lstStyle/>
+                <a:p>
+                  <a:r>
+                    <a:rPr lang="en-CA" sz="3600" dirty="0" smtClean="0"/>
+                    <a:t>Neural network</a:t>
+                  </a:r>
+                  <a:endParaRPr lang="en-CA" sz="3600" dirty="0"/>
+                </a:p>
+              </p:txBody>
+            </p:sp>
+            <p:sp>
+              <p:nvSpPr>
+                <p:cNvPr id="4" name="Right Arrow 3"/>
+                <p:cNvSpPr/>
+                <p:nvPr/>
+              </p:nvSpPr>
+              <p:spPr>
+                <a:xfrm>
+                  <a:off x="278674" y="3033811"/>
+                  <a:ext cx="1582785" cy="583474"/>
+                </a:xfrm>
+                <a:prstGeom prst="rightArrow">
+                  <a:avLst/>
+                </a:prstGeom>
                 <a:solidFill>
                   <a:schemeClr val="tx1"/>
                 </a:solidFill>
-              </a:ln>
-            </p:spPr>
-            <p:style>
-              <a:lnRef idx="2">
-                <a:schemeClr val="accent1">
-                  <a:shade val="50000"/>
-                </a:schemeClr>
-              </a:lnRef>
-              <a:fillRef idx="1">
-                <a:schemeClr val="accent1"/>
-              </a:fillRef>
-              <a:effectRef idx="0">
-                <a:schemeClr val="accent1"/>
-              </a:effectRef>
-              <a:fontRef idx="minor">
-                <a:schemeClr val="lt1"/>
-              </a:fontRef>
-            </p:style>
-            <p:txBody>
-              <a:bodyPr rtlCol="0" anchor="ctr"/>
-              <a:lstStyle/>
-              <a:p>
-                <a:pPr algn="ctr"/>
-                <a:endParaRPr lang="en-CA"/>
-              </a:p>
-            </p:txBody>
-          </p:sp>
-          <p:sp>
-            <p:nvSpPr>
-              <p:cNvPr id="7" name="Oval 6"/>
-              <p:cNvSpPr/>
-              <p:nvPr/>
-            </p:nvSpPr>
-            <p:spPr>
-              <a:xfrm>
-                <a:off x="3100251" y="2715943"/>
-                <a:ext cx="635726" cy="609605"/>
-              </a:xfrm>
-              <a:prstGeom prst="ellipse">
-                <a:avLst/>
-              </a:prstGeom>
-              <a:noFill/>
-              <a:ln w="38100">
+                <a:ln>
+                  <a:solidFill>
+                    <a:schemeClr val="tx1"/>
+                  </a:solidFill>
+                </a:ln>
+              </p:spPr>
+              <p:style>
+                <a:lnRef idx="2">
+                  <a:schemeClr val="accent1">
+                    <a:shade val="50000"/>
+                  </a:schemeClr>
+                </a:lnRef>
+                <a:fillRef idx="1">
+                  <a:schemeClr val="accent1"/>
+                </a:fillRef>
+                <a:effectRef idx="0">
+                  <a:schemeClr val="accent1"/>
+                </a:effectRef>
+                <a:fontRef idx="minor">
+                  <a:schemeClr val="lt1"/>
+                </a:fontRef>
+              </p:style>
+              <p:txBody>
+                <a:bodyPr rtlCol="0" anchor="ctr"/>
+                <a:lstStyle/>
+                <a:p>
+                  <a:pPr algn="ctr"/>
+                  <a:endParaRPr lang="en-CA"/>
+                </a:p>
+              </p:txBody>
+            </p:sp>
+            <p:sp>
+              <p:nvSpPr>
+                <p:cNvPr id="5" name="TextBox 4"/>
+                <p:cNvSpPr txBox="1"/>
+                <p:nvPr/>
+              </p:nvSpPr>
+              <p:spPr>
+                <a:xfrm>
+                  <a:off x="89260" y="1994258"/>
+                  <a:ext cx="2140134" cy="1200329"/>
+                </a:xfrm>
+                <a:prstGeom prst="rect">
+                  <a:avLst/>
+                </a:prstGeom>
+                <a:noFill/>
+              </p:spPr>
+              <p:txBody>
+                <a:bodyPr wrap="square" rtlCol="0">
+                  <a:spAutoFit/>
+                </a:bodyPr>
+                <a:lstStyle/>
+                <a:p>
+                  <a:r>
+                    <a:rPr lang="en-CA" sz="2400" dirty="0"/>
+                    <a:t>Data suitable for neural network</a:t>
+                  </a:r>
+                </a:p>
+              </p:txBody>
+            </p:sp>
+            <p:grpSp>
+              <p:nvGrpSpPr>
+                <p:cNvPr id="14" name="Group 13"/>
+                <p:cNvGrpSpPr/>
+                <p:nvPr/>
+              </p:nvGrpSpPr>
+              <p:grpSpPr>
+                <a:xfrm>
+                  <a:off x="3100251" y="1994258"/>
+                  <a:ext cx="635726" cy="3578101"/>
+                  <a:chOff x="3100251" y="1994258"/>
+                  <a:chExt cx="635726" cy="3578101"/>
+                </a:xfrm>
+              </p:grpSpPr>
+              <p:sp>
+                <p:nvSpPr>
+                  <p:cNvPr id="6" name="Oval 5"/>
+                  <p:cNvSpPr/>
+                  <p:nvPr/>
+                </p:nvSpPr>
+                <p:spPr>
+                  <a:xfrm>
+                    <a:off x="3100251" y="1994258"/>
+                    <a:ext cx="635726" cy="609605"/>
+                  </a:xfrm>
+                  <a:prstGeom prst="ellipse">
+                    <a:avLst/>
+                  </a:prstGeom>
+                  <a:noFill/>
+                  <a:ln w="38100">
+                    <a:solidFill>
+                      <a:schemeClr val="tx1"/>
+                    </a:solidFill>
+                  </a:ln>
+                </p:spPr>
+                <p:style>
+                  <a:lnRef idx="2">
+                    <a:schemeClr val="accent1">
+                      <a:shade val="50000"/>
+                    </a:schemeClr>
+                  </a:lnRef>
+                  <a:fillRef idx="1">
+                    <a:schemeClr val="accent1"/>
+                  </a:fillRef>
+                  <a:effectRef idx="0">
+                    <a:schemeClr val="accent1"/>
+                  </a:effectRef>
+                  <a:fontRef idx="minor">
+                    <a:schemeClr val="lt1"/>
+                  </a:fontRef>
+                </p:style>
+                <p:txBody>
+                  <a:bodyPr rtlCol="0" anchor="ctr"/>
+                  <a:lstStyle/>
+                  <a:p>
+                    <a:pPr algn="ctr"/>
+                    <a:endParaRPr lang="en-CA"/>
+                  </a:p>
+                </p:txBody>
+              </p:sp>
+              <p:sp>
+                <p:nvSpPr>
+                  <p:cNvPr id="7" name="Oval 6"/>
+                  <p:cNvSpPr/>
+                  <p:nvPr/>
+                </p:nvSpPr>
+                <p:spPr>
+                  <a:xfrm>
+                    <a:off x="3100251" y="2715943"/>
+                    <a:ext cx="635726" cy="609605"/>
+                  </a:xfrm>
+                  <a:prstGeom prst="ellipse">
+                    <a:avLst/>
+                  </a:prstGeom>
+                  <a:noFill/>
+                  <a:ln w="38100">
+                    <a:solidFill>
+                      <a:schemeClr val="tx1"/>
+                    </a:solidFill>
+                  </a:ln>
+                </p:spPr>
+                <p:style>
+                  <a:lnRef idx="2">
+                    <a:schemeClr val="accent1">
+                      <a:shade val="50000"/>
+                    </a:schemeClr>
+                  </a:lnRef>
+                  <a:fillRef idx="1">
+                    <a:schemeClr val="accent1"/>
+                  </a:fillRef>
+                  <a:effectRef idx="0">
+                    <a:schemeClr val="accent1"/>
+                  </a:effectRef>
+                  <a:fontRef idx="minor">
+                    <a:schemeClr val="lt1"/>
+                  </a:fontRef>
+                </p:style>
+                <p:txBody>
+                  <a:bodyPr rtlCol="0" anchor="ctr"/>
+                  <a:lstStyle/>
+                  <a:p>
+                    <a:pPr algn="ctr"/>
+                    <a:endParaRPr lang="en-CA"/>
+                  </a:p>
+                </p:txBody>
+              </p:sp>
+              <p:sp>
+                <p:nvSpPr>
+                  <p:cNvPr id="8" name="Oval 7"/>
+                  <p:cNvSpPr/>
+                  <p:nvPr/>
+                </p:nvSpPr>
+                <p:spPr>
+                  <a:xfrm>
+                    <a:off x="3100251" y="4183337"/>
+                    <a:ext cx="635726" cy="609605"/>
+                  </a:xfrm>
+                  <a:prstGeom prst="ellipse">
+                    <a:avLst/>
+                  </a:prstGeom>
+                  <a:noFill/>
+                  <a:ln w="38100">
+                    <a:solidFill>
+                      <a:schemeClr val="tx1"/>
+                    </a:solidFill>
+                  </a:ln>
+                </p:spPr>
+                <p:style>
+                  <a:lnRef idx="2">
+                    <a:schemeClr val="accent1">
+                      <a:shade val="50000"/>
+                    </a:schemeClr>
+                  </a:lnRef>
+                  <a:fillRef idx="1">
+                    <a:schemeClr val="accent1"/>
+                  </a:fillRef>
+                  <a:effectRef idx="0">
+                    <a:schemeClr val="accent1"/>
+                  </a:effectRef>
+                  <a:fontRef idx="minor">
+                    <a:schemeClr val="lt1"/>
+                  </a:fontRef>
+                </p:style>
+                <p:txBody>
+                  <a:bodyPr rtlCol="0" anchor="ctr"/>
+                  <a:lstStyle/>
+                  <a:p>
+                    <a:pPr algn="ctr"/>
+                    <a:endParaRPr lang="en-CA"/>
+                  </a:p>
+                </p:txBody>
+              </p:sp>
+              <p:sp>
+                <p:nvSpPr>
+                  <p:cNvPr id="9" name="Oval 8"/>
+                  <p:cNvSpPr/>
+                  <p:nvPr/>
+                </p:nvSpPr>
+                <p:spPr>
+                  <a:xfrm>
+                    <a:off x="3100251" y="4962754"/>
+                    <a:ext cx="635726" cy="609605"/>
+                  </a:xfrm>
+                  <a:prstGeom prst="ellipse">
+                    <a:avLst/>
+                  </a:prstGeom>
+                  <a:noFill/>
+                  <a:ln w="38100">
+                    <a:solidFill>
+                      <a:schemeClr val="tx1"/>
+                    </a:solidFill>
+                  </a:ln>
+                </p:spPr>
+                <p:style>
+                  <a:lnRef idx="2">
+                    <a:schemeClr val="accent1">
+                      <a:shade val="50000"/>
+                    </a:schemeClr>
+                  </a:lnRef>
+                  <a:fillRef idx="1">
+                    <a:schemeClr val="accent1"/>
+                  </a:fillRef>
+                  <a:effectRef idx="0">
+                    <a:schemeClr val="accent1"/>
+                  </a:effectRef>
+                  <a:fontRef idx="minor">
+                    <a:schemeClr val="lt1"/>
+                  </a:fontRef>
+                </p:style>
+                <p:txBody>
+                  <a:bodyPr rtlCol="0" anchor="ctr"/>
+                  <a:lstStyle/>
+                  <a:p>
+                    <a:pPr algn="ctr"/>
+                    <a:endParaRPr lang="en-CA"/>
+                  </a:p>
+                </p:txBody>
+              </p:sp>
+              <p:sp>
+                <p:nvSpPr>
+                  <p:cNvPr id="10" name="Oval 9"/>
+                  <p:cNvSpPr/>
+                  <p:nvPr/>
+                </p:nvSpPr>
+                <p:spPr>
+                  <a:xfrm>
+                    <a:off x="3371306" y="3476484"/>
+                    <a:ext cx="93616" cy="89985"/>
+                  </a:xfrm>
+                  <a:prstGeom prst="ellipse">
+                    <a:avLst/>
+                  </a:prstGeom>
+                  <a:solidFill>
+                    <a:schemeClr val="tx1"/>
+                  </a:solidFill>
+                  <a:ln w="38100">
+                    <a:solidFill>
+                      <a:schemeClr val="tx1"/>
+                    </a:solidFill>
+                  </a:ln>
+                </p:spPr>
+                <p:style>
+                  <a:lnRef idx="2">
+                    <a:schemeClr val="accent1">
+                      <a:shade val="50000"/>
+                    </a:schemeClr>
+                  </a:lnRef>
+                  <a:fillRef idx="1">
+                    <a:schemeClr val="accent1"/>
+                  </a:fillRef>
+                  <a:effectRef idx="0">
+                    <a:schemeClr val="accent1"/>
+                  </a:effectRef>
+                  <a:fontRef idx="minor">
+                    <a:schemeClr val="lt1"/>
+                  </a:fontRef>
+                </p:style>
+                <p:txBody>
+                  <a:bodyPr rtlCol="0" anchor="ctr"/>
+                  <a:lstStyle/>
+                  <a:p>
+                    <a:pPr algn="ctr"/>
+                    <a:endParaRPr lang="en-CA"/>
+                  </a:p>
+                </p:txBody>
+              </p:sp>
+              <p:sp>
+                <p:nvSpPr>
+                  <p:cNvPr id="11" name="Oval 10"/>
+                  <p:cNvSpPr/>
+                  <p:nvPr/>
+                </p:nvSpPr>
+                <p:spPr>
+                  <a:xfrm>
+                    <a:off x="3371306" y="3709450"/>
+                    <a:ext cx="93616" cy="89985"/>
+                  </a:xfrm>
+                  <a:prstGeom prst="ellipse">
+                    <a:avLst/>
+                  </a:prstGeom>
+                  <a:solidFill>
+                    <a:schemeClr val="tx1"/>
+                  </a:solidFill>
+                  <a:ln w="38100">
+                    <a:solidFill>
+                      <a:schemeClr val="tx1"/>
+                    </a:solidFill>
+                  </a:ln>
+                </p:spPr>
+                <p:style>
+                  <a:lnRef idx="2">
+                    <a:schemeClr val="accent1">
+                      <a:shade val="50000"/>
+                    </a:schemeClr>
+                  </a:lnRef>
+                  <a:fillRef idx="1">
+                    <a:schemeClr val="accent1"/>
+                  </a:fillRef>
+                  <a:effectRef idx="0">
+                    <a:schemeClr val="accent1"/>
+                  </a:effectRef>
+                  <a:fontRef idx="minor">
+                    <a:schemeClr val="lt1"/>
+                  </a:fontRef>
+                </p:style>
+                <p:txBody>
+                  <a:bodyPr rtlCol="0" anchor="ctr"/>
+                  <a:lstStyle/>
+                  <a:p>
+                    <a:pPr algn="ctr"/>
+                    <a:endParaRPr lang="en-CA"/>
+                  </a:p>
+                </p:txBody>
+              </p:sp>
+              <p:sp>
+                <p:nvSpPr>
+                  <p:cNvPr id="12" name="Oval 11"/>
+                  <p:cNvSpPr/>
+                  <p:nvPr/>
+                </p:nvSpPr>
+                <p:spPr>
+                  <a:xfrm>
+                    <a:off x="3371306" y="3932419"/>
+                    <a:ext cx="93616" cy="89985"/>
+                  </a:xfrm>
+                  <a:prstGeom prst="ellipse">
+                    <a:avLst/>
+                  </a:prstGeom>
+                  <a:solidFill>
+                    <a:schemeClr val="tx1"/>
+                  </a:solidFill>
+                  <a:ln w="38100">
+                    <a:solidFill>
+                      <a:schemeClr val="tx1"/>
+                    </a:solidFill>
+                  </a:ln>
+                </p:spPr>
+                <p:style>
+                  <a:lnRef idx="2">
+                    <a:schemeClr val="accent1">
+                      <a:shade val="50000"/>
+                    </a:schemeClr>
+                  </a:lnRef>
+                  <a:fillRef idx="1">
+                    <a:schemeClr val="accent1"/>
+                  </a:fillRef>
+                  <a:effectRef idx="0">
+                    <a:schemeClr val="accent1"/>
+                  </a:effectRef>
+                  <a:fontRef idx="minor">
+                    <a:schemeClr val="lt1"/>
+                  </a:fontRef>
+                </p:style>
+                <p:txBody>
+                  <a:bodyPr rtlCol="0" anchor="ctr"/>
+                  <a:lstStyle/>
+                  <a:p>
+                    <a:pPr algn="ctr"/>
+                    <a:endParaRPr lang="en-CA"/>
+                  </a:p>
+                </p:txBody>
+              </p:sp>
+            </p:grpSp>
+            <p:sp>
+              <p:nvSpPr>
+                <p:cNvPr id="13" name="TextBox 12"/>
+                <p:cNvSpPr txBox="1"/>
+                <p:nvPr/>
+              </p:nvSpPr>
+              <p:spPr>
+                <a:xfrm>
+                  <a:off x="2657203" y="1161014"/>
+                  <a:ext cx="1428206" cy="830997"/>
+                </a:xfrm>
+                <a:prstGeom prst="rect">
+                  <a:avLst/>
+                </a:prstGeom>
+                <a:noFill/>
+              </p:spPr>
+              <p:txBody>
+                <a:bodyPr wrap="square" rtlCol="0">
+                  <a:spAutoFit/>
+                </a:bodyPr>
+                <a:lstStyle/>
+                <a:p>
+                  <a:r>
+                    <a:rPr lang="en-CA" sz="2400" dirty="0" smtClean="0"/>
+                    <a:t>102 input nodes</a:t>
+                  </a:r>
+                  <a:endParaRPr lang="en-CA" sz="2400" dirty="0"/>
+                </a:p>
+              </p:txBody>
+            </p:sp>
+            <p:grpSp>
+              <p:nvGrpSpPr>
+                <p:cNvPr id="15" name="Group 14"/>
+                <p:cNvGrpSpPr/>
+                <p:nvPr/>
+              </p:nvGrpSpPr>
+              <p:grpSpPr>
+                <a:xfrm>
+                  <a:off x="5047707" y="1997471"/>
+                  <a:ext cx="635726" cy="3578101"/>
+                  <a:chOff x="3100251" y="1994258"/>
+                  <a:chExt cx="635726" cy="3578101"/>
+                </a:xfrm>
+              </p:grpSpPr>
+              <p:sp>
+                <p:nvSpPr>
+                  <p:cNvPr id="16" name="Oval 15"/>
+                  <p:cNvSpPr/>
+                  <p:nvPr/>
+                </p:nvSpPr>
+                <p:spPr>
+                  <a:xfrm>
+                    <a:off x="3100251" y="1994258"/>
+                    <a:ext cx="635726" cy="609605"/>
+                  </a:xfrm>
+                  <a:prstGeom prst="ellipse">
+                    <a:avLst/>
+                  </a:prstGeom>
+                  <a:noFill/>
+                  <a:ln w="38100">
+                    <a:solidFill>
+                      <a:schemeClr val="tx1"/>
+                    </a:solidFill>
+                  </a:ln>
+                </p:spPr>
+                <p:style>
+                  <a:lnRef idx="2">
+                    <a:schemeClr val="accent1">
+                      <a:shade val="50000"/>
+                    </a:schemeClr>
+                  </a:lnRef>
+                  <a:fillRef idx="1">
+                    <a:schemeClr val="accent1"/>
+                  </a:fillRef>
+                  <a:effectRef idx="0">
+                    <a:schemeClr val="accent1"/>
+                  </a:effectRef>
+                  <a:fontRef idx="minor">
+                    <a:schemeClr val="lt1"/>
+                  </a:fontRef>
+                </p:style>
+                <p:txBody>
+                  <a:bodyPr rtlCol="0" anchor="ctr"/>
+                  <a:lstStyle/>
+                  <a:p>
+                    <a:pPr algn="ctr"/>
+                    <a:endParaRPr lang="en-CA"/>
+                  </a:p>
+                </p:txBody>
+              </p:sp>
+              <p:sp>
+                <p:nvSpPr>
+                  <p:cNvPr id="17" name="Oval 16"/>
+                  <p:cNvSpPr/>
+                  <p:nvPr/>
+                </p:nvSpPr>
+                <p:spPr>
+                  <a:xfrm>
+                    <a:off x="3100251" y="2715943"/>
+                    <a:ext cx="635726" cy="609605"/>
+                  </a:xfrm>
+                  <a:prstGeom prst="ellipse">
+                    <a:avLst/>
+                  </a:prstGeom>
+                  <a:noFill/>
+                  <a:ln w="38100">
+                    <a:solidFill>
+                      <a:schemeClr val="tx1"/>
+                    </a:solidFill>
+                  </a:ln>
+                </p:spPr>
+                <p:style>
+                  <a:lnRef idx="2">
+                    <a:schemeClr val="accent1">
+                      <a:shade val="50000"/>
+                    </a:schemeClr>
+                  </a:lnRef>
+                  <a:fillRef idx="1">
+                    <a:schemeClr val="accent1"/>
+                  </a:fillRef>
+                  <a:effectRef idx="0">
+                    <a:schemeClr val="accent1"/>
+                  </a:effectRef>
+                  <a:fontRef idx="minor">
+                    <a:schemeClr val="lt1"/>
+                  </a:fontRef>
+                </p:style>
+                <p:txBody>
+                  <a:bodyPr rtlCol="0" anchor="ctr"/>
+                  <a:lstStyle/>
+                  <a:p>
+                    <a:pPr algn="ctr"/>
+                    <a:endParaRPr lang="en-CA"/>
+                  </a:p>
+                </p:txBody>
+              </p:sp>
+              <p:sp>
+                <p:nvSpPr>
+                  <p:cNvPr id="18" name="Oval 17"/>
+                  <p:cNvSpPr/>
+                  <p:nvPr/>
+                </p:nvSpPr>
+                <p:spPr>
+                  <a:xfrm>
+                    <a:off x="3100251" y="4183337"/>
+                    <a:ext cx="635726" cy="609605"/>
+                  </a:xfrm>
+                  <a:prstGeom prst="ellipse">
+                    <a:avLst/>
+                  </a:prstGeom>
+                  <a:noFill/>
+                  <a:ln w="38100">
+                    <a:solidFill>
+                      <a:schemeClr val="tx1"/>
+                    </a:solidFill>
+                  </a:ln>
+                </p:spPr>
+                <p:style>
+                  <a:lnRef idx="2">
+                    <a:schemeClr val="accent1">
+                      <a:shade val="50000"/>
+                    </a:schemeClr>
+                  </a:lnRef>
+                  <a:fillRef idx="1">
+                    <a:schemeClr val="accent1"/>
+                  </a:fillRef>
+                  <a:effectRef idx="0">
+                    <a:schemeClr val="accent1"/>
+                  </a:effectRef>
+                  <a:fontRef idx="minor">
+                    <a:schemeClr val="lt1"/>
+                  </a:fontRef>
+                </p:style>
+                <p:txBody>
+                  <a:bodyPr rtlCol="0" anchor="ctr"/>
+                  <a:lstStyle/>
+                  <a:p>
+                    <a:pPr algn="ctr"/>
+                    <a:endParaRPr lang="en-CA"/>
+                  </a:p>
+                </p:txBody>
+              </p:sp>
+              <p:sp>
+                <p:nvSpPr>
+                  <p:cNvPr id="19" name="Oval 18"/>
+                  <p:cNvSpPr/>
+                  <p:nvPr/>
+                </p:nvSpPr>
+                <p:spPr>
+                  <a:xfrm>
+                    <a:off x="3100251" y="4962754"/>
+                    <a:ext cx="635726" cy="609605"/>
+                  </a:xfrm>
+                  <a:prstGeom prst="ellipse">
+                    <a:avLst/>
+                  </a:prstGeom>
+                  <a:noFill/>
+                  <a:ln w="38100">
+                    <a:solidFill>
+                      <a:schemeClr val="tx1"/>
+                    </a:solidFill>
+                  </a:ln>
+                </p:spPr>
+                <p:style>
+                  <a:lnRef idx="2">
+                    <a:schemeClr val="accent1">
+                      <a:shade val="50000"/>
+                    </a:schemeClr>
+                  </a:lnRef>
+                  <a:fillRef idx="1">
+                    <a:schemeClr val="accent1"/>
+                  </a:fillRef>
+                  <a:effectRef idx="0">
+                    <a:schemeClr val="accent1"/>
+                  </a:effectRef>
+                  <a:fontRef idx="minor">
+                    <a:schemeClr val="lt1"/>
+                  </a:fontRef>
+                </p:style>
+                <p:txBody>
+                  <a:bodyPr rtlCol="0" anchor="ctr"/>
+                  <a:lstStyle/>
+                  <a:p>
+                    <a:pPr algn="ctr"/>
+                    <a:endParaRPr lang="en-CA"/>
+                  </a:p>
+                </p:txBody>
+              </p:sp>
+              <p:sp>
+                <p:nvSpPr>
+                  <p:cNvPr id="20" name="Oval 19"/>
+                  <p:cNvSpPr/>
+                  <p:nvPr/>
+                </p:nvSpPr>
+                <p:spPr>
+                  <a:xfrm>
+                    <a:off x="3371306" y="3476484"/>
+                    <a:ext cx="93616" cy="89985"/>
+                  </a:xfrm>
+                  <a:prstGeom prst="ellipse">
+                    <a:avLst/>
+                  </a:prstGeom>
+                  <a:solidFill>
+                    <a:schemeClr val="tx1"/>
+                  </a:solidFill>
+                  <a:ln w="38100">
+                    <a:solidFill>
+                      <a:schemeClr val="tx1"/>
+                    </a:solidFill>
+                  </a:ln>
+                </p:spPr>
+                <p:style>
+                  <a:lnRef idx="2">
+                    <a:schemeClr val="accent1">
+                      <a:shade val="50000"/>
+                    </a:schemeClr>
+                  </a:lnRef>
+                  <a:fillRef idx="1">
+                    <a:schemeClr val="accent1"/>
+                  </a:fillRef>
+                  <a:effectRef idx="0">
+                    <a:schemeClr val="accent1"/>
+                  </a:effectRef>
+                  <a:fontRef idx="minor">
+                    <a:schemeClr val="lt1"/>
+                  </a:fontRef>
+                </p:style>
+                <p:txBody>
+                  <a:bodyPr rtlCol="0" anchor="ctr"/>
+                  <a:lstStyle/>
+                  <a:p>
+                    <a:pPr algn="ctr"/>
+                    <a:endParaRPr lang="en-CA"/>
+                  </a:p>
+                </p:txBody>
+              </p:sp>
+              <p:sp>
+                <p:nvSpPr>
+                  <p:cNvPr id="21" name="Oval 20"/>
+                  <p:cNvSpPr/>
+                  <p:nvPr/>
+                </p:nvSpPr>
+                <p:spPr>
+                  <a:xfrm>
+                    <a:off x="3371306" y="3709450"/>
+                    <a:ext cx="93616" cy="89985"/>
+                  </a:xfrm>
+                  <a:prstGeom prst="ellipse">
+                    <a:avLst/>
+                  </a:prstGeom>
+                  <a:solidFill>
+                    <a:schemeClr val="tx1"/>
+                  </a:solidFill>
+                  <a:ln w="38100">
+                    <a:solidFill>
+                      <a:schemeClr val="tx1"/>
+                    </a:solidFill>
+                  </a:ln>
+                </p:spPr>
+                <p:style>
+                  <a:lnRef idx="2">
+                    <a:schemeClr val="accent1">
+                      <a:shade val="50000"/>
+                    </a:schemeClr>
+                  </a:lnRef>
+                  <a:fillRef idx="1">
+                    <a:schemeClr val="accent1"/>
+                  </a:fillRef>
+                  <a:effectRef idx="0">
+                    <a:schemeClr val="accent1"/>
+                  </a:effectRef>
+                  <a:fontRef idx="minor">
+                    <a:schemeClr val="lt1"/>
+                  </a:fontRef>
+                </p:style>
+                <p:txBody>
+                  <a:bodyPr rtlCol="0" anchor="ctr"/>
+                  <a:lstStyle/>
+                  <a:p>
+                    <a:pPr algn="ctr"/>
+                    <a:endParaRPr lang="en-CA"/>
+                  </a:p>
+                </p:txBody>
+              </p:sp>
+              <p:sp>
+                <p:nvSpPr>
+                  <p:cNvPr id="22" name="Oval 21"/>
+                  <p:cNvSpPr/>
+                  <p:nvPr/>
+                </p:nvSpPr>
+                <p:spPr>
+                  <a:xfrm>
+                    <a:off x="3371306" y="3932419"/>
+                    <a:ext cx="93616" cy="89985"/>
+                  </a:xfrm>
+                  <a:prstGeom prst="ellipse">
+                    <a:avLst/>
+                  </a:prstGeom>
+                  <a:solidFill>
+                    <a:schemeClr val="tx1"/>
+                  </a:solidFill>
+                  <a:ln w="38100">
+                    <a:solidFill>
+                      <a:schemeClr val="tx1"/>
+                    </a:solidFill>
+                  </a:ln>
+                </p:spPr>
+                <p:style>
+                  <a:lnRef idx="2">
+                    <a:schemeClr val="accent1">
+                      <a:shade val="50000"/>
+                    </a:schemeClr>
+                  </a:lnRef>
+                  <a:fillRef idx="1">
+                    <a:schemeClr val="accent1"/>
+                  </a:fillRef>
+                  <a:effectRef idx="0">
+                    <a:schemeClr val="accent1"/>
+                  </a:effectRef>
+                  <a:fontRef idx="minor">
+                    <a:schemeClr val="lt1"/>
+                  </a:fontRef>
+                </p:style>
+                <p:txBody>
+                  <a:bodyPr rtlCol="0" anchor="ctr"/>
+                  <a:lstStyle/>
+                  <a:p>
+                    <a:pPr algn="ctr"/>
+                    <a:endParaRPr lang="en-CA"/>
+                  </a:p>
+                </p:txBody>
+              </p:sp>
+            </p:grpSp>
+            <p:sp>
+              <p:nvSpPr>
+                <p:cNvPr id="23" name="Oval 22"/>
+                <p:cNvSpPr/>
+                <p:nvPr/>
+              </p:nvSpPr>
+              <p:spPr>
+                <a:xfrm>
+                  <a:off x="6446584" y="3164615"/>
+                  <a:ext cx="853440" cy="857789"/>
+                </a:xfrm>
+                <a:prstGeom prst="ellipse">
+                  <a:avLst/>
+                </a:prstGeom>
+                <a:noFill/>
+                <a:ln w="38100">
+                  <a:solidFill>
+                    <a:schemeClr val="tx1"/>
+                  </a:solidFill>
+                </a:ln>
+              </p:spPr>
+              <p:style>
+                <a:lnRef idx="2">
+                  <a:schemeClr val="accent1">
+                    <a:shade val="50000"/>
+                  </a:schemeClr>
+                </a:lnRef>
+                <a:fillRef idx="1">
+                  <a:schemeClr val="accent1"/>
+                </a:fillRef>
+                <a:effectRef idx="0">
+                  <a:schemeClr val="accent1"/>
+                </a:effectRef>
+                <a:fontRef idx="minor">
+                  <a:schemeClr val="lt1"/>
+                </a:fontRef>
+              </p:style>
+              <p:txBody>
+                <a:bodyPr rtlCol="0" anchor="ctr"/>
+                <a:lstStyle/>
+                <a:p>
+                  <a:pPr algn="ctr"/>
+                  <a:endParaRPr lang="en-CA"/>
+                </a:p>
+              </p:txBody>
+            </p:sp>
+            <p:sp>
+              <p:nvSpPr>
+                <p:cNvPr id="24" name="TextBox 23"/>
+                <p:cNvSpPr txBox="1"/>
+                <p:nvPr/>
+              </p:nvSpPr>
+              <p:spPr>
+                <a:xfrm>
+                  <a:off x="4657999" y="1187141"/>
+                  <a:ext cx="1536245" cy="830997"/>
+                </a:xfrm>
+                <a:prstGeom prst="rect">
+                  <a:avLst/>
+                </a:prstGeom>
+                <a:noFill/>
+              </p:spPr>
+              <p:txBody>
+                <a:bodyPr wrap="square" rtlCol="0">
+                  <a:spAutoFit/>
+                </a:bodyPr>
+                <a:lstStyle/>
+                <a:p>
+                  <a:r>
+                    <a:rPr lang="en-CA" sz="2400" dirty="0" smtClean="0"/>
+                    <a:t>10 hidden nodes</a:t>
+                  </a:r>
+                  <a:endParaRPr lang="en-CA" sz="2400" dirty="0"/>
+                </a:p>
+              </p:txBody>
+            </p:sp>
+            <p:sp>
+              <p:nvSpPr>
+                <p:cNvPr id="25" name="TextBox 24"/>
+                <p:cNvSpPr txBox="1"/>
+                <p:nvPr/>
+              </p:nvSpPr>
+              <p:spPr>
+                <a:xfrm>
+                  <a:off x="6246629" y="1161014"/>
+                  <a:ext cx="1253349" cy="830997"/>
+                </a:xfrm>
+                <a:prstGeom prst="rect">
+                  <a:avLst/>
+                </a:prstGeom>
+                <a:noFill/>
+              </p:spPr>
+              <p:txBody>
+                <a:bodyPr wrap="square" rtlCol="0">
+                  <a:spAutoFit/>
+                </a:bodyPr>
+                <a:lstStyle/>
+                <a:p>
+                  <a:r>
+                    <a:rPr lang="en-CA" sz="2400" dirty="0" smtClean="0"/>
+                    <a:t>1 output node</a:t>
+                  </a:r>
+                  <a:endParaRPr lang="en-CA" sz="2400" dirty="0"/>
+                </a:p>
+              </p:txBody>
+            </p:sp>
+            <p:cxnSp>
+              <p:nvCxnSpPr>
+                <p:cNvPr id="27" name="Straight Arrow Connector 26"/>
+                <p:cNvCxnSpPr>
+                  <a:stCxn id="4" idx="3"/>
+                  <a:endCxn id="6" idx="2"/>
+                </p:cNvCxnSpPr>
+                <p:nvPr/>
+              </p:nvCxnSpPr>
+              <p:spPr>
+                <a:xfrm flipV="1">
+                  <a:off x="1861459" y="2299061"/>
+                  <a:ext cx="1238792" cy="1026487"/>
+                </a:xfrm>
+                <a:prstGeom prst="straightConnector1">
+                  <a:avLst/>
+                </a:prstGeom>
+                <a:ln w="28575">
+                  <a:solidFill>
+                    <a:schemeClr val="tx1"/>
+                  </a:solidFill>
+                  <a:tailEnd type="triangle"/>
+                </a:ln>
+              </p:spPr>
+              <p:style>
+                <a:lnRef idx="1">
+                  <a:schemeClr val="accent1"/>
+                </a:lnRef>
+                <a:fillRef idx="0">
+                  <a:schemeClr val="accent1"/>
+                </a:fillRef>
+                <a:effectRef idx="0">
+                  <a:schemeClr val="accent1"/>
+                </a:effectRef>
+                <a:fontRef idx="minor">
+                  <a:schemeClr val="tx1"/>
+                </a:fontRef>
+              </p:style>
+            </p:cxnSp>
+            <p:cxnSp>
+              <p:nvCxnSpPr>
+                <p:cNvPr id="29" name="Straight Arrow Connector 28"/>
+                <p:cNvCxnSpPr>
+                  <a:stCxn id="4" idx="3"/>
+                  <a:endCxn id="7" idx="2"/>
+                </p:cNvCxnSpPr>
+                <p:nvPr/>
+              </p:nvCxnSpPr>
+              <p:spPr>
+                <a:xfrm flipV="1">
+                  <a:off x="1861459" y="3020746"/>
+                  <a:ext cx="1238792" cy="304802"/>
+                </a:xfrm>
+                <a:prstGeom prst="straightConnector1">
+                  <a:avLst/>
+                </a:prstGeom>
+                <a:ln w="28575">
+                  <a:solidFill>
+                    <a:schemeClr val="tx1"/>
+                  </a:solidFill>
+                  <a:tailEnd type="triangle"/>
+                </a:ln>
+              </p:spPr>
+              <p:style>
+                <a:lnRef idx="1">
+                  <a:schemeClr val="accent1"/>
+                </a:lnRef>
+                <a:fillRef idx="0">
+                  <a:schemeClr val="accent1"/>
+                </a:fillRef>
+                <a:effectRef idx="0">
+                  <a:schemeClr val="accent1"/>
+                </a:effectRef>
+                <a:fontRef idx="minor">
+                  <a:schemeClr val="tx1"/>
+                </a:fontRef>
+              </p:style>
+            </p:cxnSp>
+            <p:cxnSp>
+              <p:nvCxnSpPr>
+                <p:cNvPr id="31" name="Straight Arrow Connector 30"/>
+                <p:cNvCxnSpPr>
+                  <a:stCxn id="4" idx="3"/>
+                  <a:endCxn id="8" idx="2"/>
+                </p:cNvCxnSpPr>
+                <p:nvPr/>
+              </p:nvCxnSpPr>
+              <p:spPr>
+                <a:xfrm>
+                  <a:off x="1861459" y="3325548"/>
+                  <a:ext cx="1238792" cy="1162592"/>
+                </a:xfrm>
+                <a:prstGeom prst="straightConnector1">
+                  <a:avLst/>
+                </a:prstGeom>
+                <a:ln w="28575">
+                  <a:solidFill>
+                    <a:schemeClr val="tx1"/>
+                  </a:solidFill>
+                  <a:tailEnd type="triangle"/>
+                </a:ln>
+              </p:spPr>
+              <p:style>
+                <a:lnRef idx="1">
+                  <a:schemeClr val="accent1"/>
+                </a:lnRef>
+                <a:fillRef idx="0">
+                  <a:schemeClr val="accent1"/>
+                </a:fillRef>
+                <a:effectRef idx="0">
+                  <a:schemeClr val="accent1"/>
+                </a:effectRef>
+                <a:fontRef idx="minor">
+                  <a:schemeClr val="tx1"/>
+                </a:fontRef>
+              </p:style>
+            </p:cxnSp>
+            <p:cxnSp>
+              <p:nvCxnSpPr>
+                <p:cNvPr id="33" name="Straight Arrow Connector 32"/>
+                <p:cNvCxnSpPr>
+                  <a:stCxn id="4" idx="3"/>
+                  <a:endCxn id="9" idx="2"/>
+                </p:cNvCxnSpPr>
+                <p:nvPr/>
+              </p:nvCxnSpPr>
+              <p:spPr>
+                <a:xfrm>
+                  <a:off x="1861459" y="3325548"/>
+                  <a:ext cx="1238792" cy="1942009"/>
+                </a:xfrm>
+                <a:prstGeom prst="straightConnector1">
+                  <a:avLst/>
+                </a:prstGeom>
+                <a:ln w="28575">
+                  <a:solidFill>
+                    <a:schemeClr val="tx1"/>
+                  </a:solidFill>
+                  <a:tailEnd type="triangle"/>
+                </a:ln>
+              </p:spPr>
+              <p:style>
+                <a:lnRef idx="1">
+                  <a:schemeClr val="accent1"/>
+                </a:lnRef>
+                <a:fillRef idx="0">
+                  <a:schemeClr val="accent1"/>
+                </a:fillRef>
+                <a:effectRef idx="0">
+                  <a:schemeClr val="accent1"/>
+                </a:effectRef>
+                <a:fontRef idx="minor">
+                  <a:schemeClr val="tx1"/>
+                </a:fontRef>
+              </p:style>
+            </p:cxnSp>
+            <p:cxnSp>
+              <p:nvCxnSpPr>
+                <p:cNvPr id="35" name="Straight Arrow Connector 34"/>
+                <p:cNvCxnSpPr>
+                  <a:stCxn id="6" idx="6"/>
+                  <a:endCxn id="16" idx="2"/>
+                </p:cNvCxnSpPr>
+                <p:nvPr/>
+              </p:nvCxnSpPr>
+              <p:spPr>
+                <a:xfrm>
+                  <a:off x="3735977" y="2299061"/>
+                  <a:ext cx="1311730" cy="3213"/>
+                </a:xfrm>
+                <a:prstGeom prst="straightConnector1">
+                  <a:avLst/>
+                </a:prstGeom>
+                <a:ln w="28575">
+                  <a:solidFill>
+                    <a:schemeClr val="tx1"/>
+                  </a:solidFill>
+                  <a:tailEnd type="triangle"/>
+                </a:ln>
+              </p:spPr>
+              <p:style>
+                <a:lnRef idx="1">
+                  <a:schemeClr val="accent1"/>
+                </a:lnRef>
+                <a:fillRef idx="0">
+                  <a:schemeClr val="accent1"/>
+                </a:fillRef>
+                <a:effectRef idx="0">
+                  <a:schemeClr val="accent1"/>
+                </a:effectRef>
+                <a:fontRef idx="minor">
+                  <a:schemeClr val="tx1"/>
+                </a:fontRef>
+              </p:style>
+            </p:cxnSp>
+            <p:cxnSp>
+              <p:nvCxnSpPr>
+                <p:cNvPr id="37" name="Straight Arrow Connector 36"/>
+                <p:cNvCxnSpPr>
+                  <a:stCxn id="6" idx="6"/>
+                  <a:endCxn id="17" idx="2"/>
+                </p:cNvCxnSpPr>
+                <p:nvPr/>
+              </p:nvCxnSpPr>
+              <p:spPr>
+                <a:xfrm>
+                  <a:off x="3735977" y="2299061"/>
+                  <a:ext cx="1311730" cy="724898"/>
+                </a:xfrm>
+                <a:prstGeom prst="straightConnector1">
+                  <a:avLst/>
+                </a:prstGeom>
+                <a:ln w="28575">
+                  <a:solidFill>
+                    <a:schemeClr val="tx1"/>
+                  </a:solidFill>
+                  <a:tailEnd type="triangle"/>
+                </a:ln>
+              </p:spPr>
+              <p:style>
+                <a:lnRef idx="1">
+                  <a:schemeClr val="accent1"/>
+                </a:lnRef>
+                <a:fillRef idx="0">
+                  <a:schemeClr val="accent1"/>
+                </a:fillRef>
+                <a:effectRef idx="0">
+                  <a:schemeClr val="accent1"/>
+                </a:effectRef>
+                <a:fontRef idx="minor">
+                  <a:schemeClr val="tx1"/>
+                </a:fontRef>
+              </p:style>
+            </p:cxnSp>
+            <p:cxnSp>
+              <p:nvCxnSpPr>
+                <p:cNvPr id="39" name="Straight Arrow Connector 38"/>
+                <p:cNvCxnSpPr>
+                  <a:stCxn id="6" idx="6"/>
+                  <a:endCxn id="18" idx="2"/>
+                </p:cNvCxnSpPr>
+                <p:nvPr/>
+              </p:nvCxnSpPr>
+              <p:spPr>
+                <a:xfrm>
+                  <a:off x="3735977" y="2299061"/>
+                  <a:ext cx="1311730" cy="2192292"/>
+                </a:xfrm>
+                <a:prstGeom prst="straightConnector1">
+                  <a:avLst/>
+                </a:prstGeom>
+                <a:ln w="28575">
+                  <a:solidFill>
+                    <a:schemeClr val="tx1"/>
+                  </a:solidFill>
+                  <a:tailEnd type="triangle"/>
+                </a:ln>
+              </p:spPr>
+              <p:style>
+                <a:lnRef idx="1">
+                  <a:schemeClr val="accent1"/>
+                </a:lnRef>
+                <a:fillRef idx="0">
+                  <a:schemeClr val="accent1"/>
+                </a:fillRef>
+                <a:effectRef idx="0">
+                  <a:schemeClr val="accent1"/>
+                </a:effectRef>
+                <a:fontRef idx="minor">
+                  <a:schemeClr val="tx1"/>
+                </a:fontRef>
+              </p:style>
+            </p:cxnSp>
+            <p:cxnSp>
+              <p:nvCxnSpPr>
+                <p:cNvPr id="41" name="Straight Arrow Connector 40"/>
+                <p:cNvCxnSpPr>
+                  <a:stCxn id="6" idx="6"/>
+                  <a:endCxn id="19" idx="2"/>
+                </p:cNvCxnSpPr>
+                <p:nvPr/>
+              </p:nvCxnSpPr>
+              <p:spPr>
+                <a:xfrm>
+                  <a:off x="3735977" y="2299061"/>
+                  <a:ext cx="1311730" cy="2971709"/>
+                </a:xfrm>
+                <a:prstGeom prst="straightConnector1">
+                  <a:avLst/>
+                </a:prstGeom>
+                <a:ln w="28575">
+                  <a:solidFill>
+                    <a:schemeClr val="tx1"/>
+                  </a:solidFill>
+                  <a:tailEnd type="triangle"/>
+                </a:ln>
+              </p:spPr>
+              <p:style>
+                <a:lnRef idx="1">
+                  <a:schemeClr val="accent1"/>
+                </a:lnRef>
+                <a:fillRef idx="0">
+                  <a:schemeClr val="accent1"/>
+                </a:fillRef>
+                <a:effectRef idx="0">
+                  <a:schemeClr val="accent1"/>
+                </a:effectRef>
+                <a:fontRef idx="minor">
+                  <a:schemeClr val="tx1"/>
+                </a:fontRef>
+              </p:style>
+            </p:cxnSp>
+            <p:cxnSp>
+              <p:nvCxnSpPr>
+                <p:cNvPr id="43" name="Straight Arrow Connector 42"/>
+                <p:cNvCxnSpPr>
+                  <a:stCxn id="7" idx="6"/>
+                  <a:endCxn id="16" idx="2"/>
+                </p:cNvCxnSpPr>
+                <p:nvPr/>
+              </p:nvCxnSpPr>
+              <p:spPr>
+                <a:xfrm flipV="1">
+                  <a:off x="3735977" y="2302274"/>
+                  <a:ext cx="1311730" cy="718472"/>
+                </a:xfrm>
+                <a:prstGeom prst="straightConnector1">
+                  <a:avLst/>
+                </a:prstGeom>
+                <a:ln w="28575">
+                  <a:solidFill>
+                    <a:schemeClr val="tx1"/>
+                  </a:solidFill>
+                  <a:tailEnd type="triangle"/>
+                </a:ln>
+              </p:spPr>
+              <p:style>
+                <a:lnRef idx="1">
+                  <a:schemeClr val="accent1"/>
+                </a:lnRef>
+                <a:fillRef idx="0">
+                  <a:schemeClr val="accent1"/>
+                </a:fillRef>
+                <a:effectRef idx="0">
+                  <a:schemeClr val="accent1"/>
+                </a:effectRef>
+                <a:fontRef idx="minor">
+                  <a:schemeClr val="tx1"/>
+                </a:fontRef>
+              </p:style>
+            </p:cxnSp>
+            <p:cxnSp>
+              <p:nvCxnSpPr>
+                <p:cNvPr id="45" name="Straight Arrow Connector 44"/>
+                <p:cNvCxnSpPr>
+                  <a:stCxn id="7" idx="6"/>
+                  <a:endCxn id="17" idx="2"/>
+                </p:cNvCxnSpPr>
+                <p:nvPr/>
+              </p:nvCxnSpPr>
+              <p:spPr>
+                <a:xfrm>
+                  <a:off x="3735977" y="3020746"/>
+                  <a:ext cx="1311730" cy="3213"/>
+                </a:xfrm>
+                <a:prstGeom prst="straightConnector1">
+                  <a:avLst/>
+                </a:prstGeom>
+                <a:ln w="28575">
+                  <a:solidFill>
+                    <a:schemeClr val="tx1"/>
+                  </a:solidFill>
+                  <a:tailEnd type="triangle"/>
+                </a:ln>
+              </p:spPr>
+              <p:style>
+                <a:lnRef idx="1">
+                  <a:schemeClr val="accent1"/>
+                </a:lnRef>
+                <a:fillRef idx="0">
+                  <a:schemeClr val="accent1"/>
+                </a:fillRef>
+                <a:effectRef idx="0">
+                  <a:schemeClr val="accent1"/>
+                </a:effectRef>
+                <a:fontRef idx="minor">
+                  <a:schemeClr val="tx1"/>
+                </a:fontRef>
+              </p:style>
+            </p:cxnSp>
+            <p:cxnSp>
+              <p:nvCxnSpPr>
+                <p:cNvPr id="47" name="Straight Arrow Connector 46"/>
+                <p:cNvCxnSpPr>
+                  <a:stCxn id="7" idx="6"/>
+                  <a:endCxn id="18" idx="2"/>
+                </p:cNvCxnSpPr>
+                <p:nvPr/>
+              </p:nvCxnSpPr>
+              <p:spPr>
+                <a:xfrm>
+                  <a:off x="3735977" y="3020746"/>
+                  <a:ext cx="1311730" cy="1470607"/>
+                </a:xfrm>
+                <a:prstGeom prst="straightConnector1">
+                  <a:avLst/>
+                </a:prstGeom>
+                <a:ln w="28575">
+                  <a:solidFill>
+                    <a:schemeClr val="tx1"/>
+                  </a:solidFill>
+                  <a:tailEnd type="triangle"/>
+                </a:ln>
+              </p:spPr>
+              <p:style>
+                <a:lnRef idx="1">
+                  <a:schemeClr val="accent1"/>
+                </a:lnRef>
+                <a:fillRef idx="0">
+                  <a:schemeClr val="accent1"/>
+                </a:fillRef>
+                <a:effectRef idx="0">
+                  <a:schemeClr val="accent1"/>
+                </a:effectRef>
+                <a:fontRef idx="minor">
+                  <a:schemeClr val="tx1"/>
+                </a:fontRef>
+              </p:style>
+            </p:cxnSp>
+            <p:cxnSp>
+              <p:nvCxnSpPr>
+                <p:cNvPr id="49" name="Straight Arrow Connector 48"/>
+                <p:cNvCxnSpPr>
+                  <a:stCxn id="7" idx="6"/>
+                  <a:endCxn id="19" idx="2"/>
+                </p:cNvCxnSpPr>
+                <p:nvPr/>
+              </p:nvCxnSpPr>
+              <p:spPr>
+                <a:xfrm>
+                  <a:off x="3735977" y="3020746"/>
+                  <a:ext cx="1311730" cy="2250024"/>
+                </a:xfrm>
+                <a:prstGeom prst="straightConnector1">
+                  <a:avLst/>
+                </a:prstGeom>
+                <a:ln w="28575">
+                  <a:solidFill>
+                    <a:schemeClr val="tx1"/>
+                  </a:solidFill>
+                  <a:tailEnd type="triangle"/>
+                </a:ln>
+              </p:spPr>
+              <p:style>
+                <a:lnRef idx="1">
+                  <a:schemeClr val="accent1"/>
+                </a:lnRef>
+                <a:fillRef idx="0">
+                  <a:schemeClr val="accent1"/>
+                </a:fillRef>
+                <a:effectRef idx="0">
+                  <a:schemeClr val="accent1"/>
+                </a:effectRef>
+                <a:fontRef idx="minor">
+                  <a:schemeClr val="tx1"/>
+                </a:fontRef>
+              </p:style>
+            </p:cxnSp>
+            <p:cxnSp>
+              <p:nvCxnSpPr>
+                <p:cNvPr id="51" name="Straight Arrow Connector 50"/>
+                <p:cNvCxnSpPr>
+                  <a:stCxn id="8" idx="6"/>
+                  <a:endCxn id="16" idx="2"/>
+                </p:cNvCxnSpPr>
+                <p:nvPr/>
+              </p:nvCxnSpPr>
+              <p:spPr>
+                <a:xfrm flipV="1">
+                  <a:off x="3735977" y="2302274"/>
+                  <a:ext cx="1311730" cy="2185866"/>
+                </a:xfrm>
+                <a:prstGeom prst="straightConnector1">
+                  <a:avLst/>
+                </a:prstGeom>
+                <a:ln w="28575">
+                  <a:solidFill>
+                    <a:schemeClr val="tx1"/>
+                  </a:solidFill>
+                  <a:tailEnd type="triangle"/>
+                </a:ln>
+              </p:spPr>
+              <p:style>
+                <a:lnRef idx="1">
+                  <a:schemeClr val="accent1"/>
+                </a:lnRef>
+                <a:fillRef idx="0">
+                  <a:schemeClr val="accent1"/>
+                </a:fillRef>
+                <a:effectRef idx="0">
+                  <a:schemeClr val="accent1"/>
+                </a:effectRef>
+                <a:fontRef idx="minor">
+                  <a:schemeClr val="tx1"/>
+                </a:fontRef>
+              </p:style>
+            </p:cxnSp>
+            <p:cxnSp>
+              <p:nvCxnSpPr>
+                <p:cNvPr id="53" name="Straight Arrow Connector 52"/>
+                <p:cNvCxnSpPr>
+                  <a:stCxn id="8" idx="6"/>
+                  <a:endCxn id="17" idx="2"/>
+                </p:cNvCxnSpPr>
+                <p:nvPr/>
+              </p:nvCxnSpPr>
+              <p:spPr>
+                <a:xfrm flipV="1">
+                  <a:off x="3735977" y="3023959"/>
+                  <a:ext cx="1311730" cy="1464181"/>
+                </a:xfrm>
+                <a:prstGeom prst="straightConnector1">
+                  <a:avLst/>
+                </a:prstGeom>
+                <a:ln w="28575">
+                  <a:solidFill>
+                    <a:schemeClr val="tx1"/>
+                  </a:solidFill>
+                  <a:tailEnd type="triangle"/>
+                </a:ln>
+              </p:spPr>
+              <p:style>
+                <a:lnRef idx="1">
+                  <a:schemeClr val="accent1"/>
+                </a:lnRef>
+                <a:fillRef idx="0">
+                  <a:schemeClr val="accent1"/>
+                </a:fillRef>
+                <a:effectRef idx="0">
+                  <a:schemeClr val="accent1"/>
+                </a:effectRef>
+                <a:fontRef idx="minor">
+                  <a:schemeClr val="tx1"/>
+                </a:fontRef>
+              </p:style>
+            </p:cxnSp>
+            <p:cxnSp>
+              <p:nvCxnSpPr>
+                <p:cNvPr id="55" name="Straight Arrow Connector 54"/>
+                <p:cNvCxnSpPr>
+                  <a:stCxn id="8" idx="6"/>
+                  <a:endCxn id="18" idx="2"/>
+                </p:cNvCxnSpPr>
+                <p:nvPr/>
+              </p:nvCxnSpPr>
+              <p:spPr>
+                <a:xfrm>
+                  <a:off x="3735977" y="4488140"/>
+                  <a:ext cx="1311730" cy="3213"/>
+                </a:xfrm>
+                <a:prstGeom prst="straightConnector1">
+                  <a:avLst/>
+                </a:prstGeom>
+                <a:ln w="28575">
+                  <a:solidFill>
+                    <a:schemeClr val="tx1"/>
+                  </a:solidFill>
+                  <a:tailEnd type="triangle"/>
+                </a:ln>
+              </p:spPr>
+              <p:style>
+                <a:lnRef idx="1">
+                  <a:schemeClr val="accent1"/>
+                </a:lnRef>
+                <a:fillRef idx="0">
+                  <a:schemeClr val="accent1"/>
+                </a:fillRef>
+                <a:effectRef idx="0">
+                  <a:schemeClr val="accent1"/>
+                </a:effectRef>
+                <a:fontRef idx="minor">
+                  <a:schemeClr val="tx1"/>
+                </a:fontRef>
+              </p:style>
+            </p:cxnSp>
+            <p:cxnSp>
+              <p:nvCxnSpPr>
+                <p:cNvPr id="57" name="Straight Arrow Connector 56"/>
+                <p:cNvCxnSpPr>
+                  <a:stCxn id="8" idx="6"/>
+                  <a:endCxn id="19" idx="2"/>
+                </p:cNvCxnSpPr>
+                <p:nvPr/>
+              </p:nvCxnSpPr>
+              <p:spPr>
+                <a:xfrm>
+                  <a:off x="3735977" y="4488140"/>
+                  <a:ext cx="1311730" cy="782630"/>
+                </a:xfrm>
+                <a:prstGeom prst="straightConnector1">
+                  <a:avLst/>
+                </a:prstGeom>
+                <a:ln w="28575">
+                  <a:solidFill>
+                    <a:schemeClr val="tx1"/>
+                  </a:solidFill>
+                  <a:tailEnd type="triangle"/>
+                </a:ln>
+              </p:spPr>
+              <p:style>
+                <a:lnRef idx="1">
+                  <a:schemeClr val="accent1"/>
+                </a:lnRef>
+                <a:fillRef idx="0">
+                  <a:schemeClr val="accent1"/>
+                </a:fillRef>
+                <a:effectRef idx="0">
+                  <a:schemeClr val="accent1"/>
+                </a:effectRef>
+                <a:fontRef idx="minor">
+                  <a:schemeClr val="tx1"/>
+                </a:fontRef>
+              </p:style>
+            </p:cxnSp>
+            <p:cxnSp>
+              <p:nvCxnSpPr>
+                <p:cNvPr id="59" name="Straight Arrow Connector 58"/>
+                <p:cNvCxnSpPr>
+                  <a:stCxn id="9" idx="6"/>
+                  <a:endCxn id="16" idx="2"/>
+                </p:cNvCxnSpPr>
+                <p:nvPr/>
+              </p:nvCxnSpPr>
+              <p:spPr>
+                <a:xfrm flipV="1">
+                  <a:off x="3735977" y="2302274"/>
+                  <a:ext cx="1311730" cy="2965283"/>
+                </a:xfrm>
+                <a:prstGeom prst="straightConnector1">
+                  <a:avLst/>
+                </a:prstGeom>
+                <a:ln w="28575">
+                  <a:solidFill>
+                    <a:schemeClr val="tx1"/>
+                  </a:solidFill>
+                  <a:tailEnd type="triangle"/>
+                </a:ln>
+              </p:spPr>
+              <p:style>
+                <a:lnRef idx="1">
+                  <a:schemeClr val="accent1"/>
+                </a:lnRef>
+                <a:fillRef idx="0">
+                  <a:schemeClr val="accent1"/>
+                </a:fillRef>
+                <a:effectRef idx="0">
+                  <a:schemeClr val="accent1"/>
+                </a:effectRef>
+                <a:fontRef idx="minor">
+                  <a:schemeClr val="tx1"/>
+                </a:fontRef>
+              </p:style>
+            </p:cxnSp>
+            <p:cxnSp>
+              <p:nvCxnSpPr>
+                <p:cNvPr id="61" name="Straight Arrow Connector 60"/>
+                <p:cNvCxnSpPr>
+                  <a:stCxn id="9" idx="6"/>
+                  <a:endCxn id="17" idx="2"/>
+                </p:cNvCxnSpPr>
+                <p:nvPr/>
+              </p:nvCxnSpPr>
+              <p:spPr>
+                <a:xfrm flipV="1">
+                  <a:off x="3735977" y="3023959"/>
+                  <a:ext cx="1311730" cy="2243598"/>
+                </a:xfrm>
+                <a:prstGeom prst="straightConnector1">
+                  <a:avLst/>
+                </a:prstGeom>
+                <a:ln w="28575">
+                  <a:solidFill>
+                    <a:schemeClr val="tx1"/>
+                  </a:solidFill>
+                  <a:tailEnd type="triangle"/>
+                </a:ln>
+              </p:spPr>
+              <p:style>
+                <a:lnRef idx="1">
+                  <a:schemeClr val="accent1"/>
+                </a:lnRef>
+                <a:fillRef idx="0">
+                  <a:schemeClr val="accent1"/>
+                </a:fillRef>
+                <a:effectRef idx="0">
+                  <a:schemeClr val="accent1"/>
+                </a:effectRef>
+                <a:fontRef idx="minor">
+                  <a:schemeClr val="tx1"/>
+                </a:fontRef>
+              </p:style>
+            </p:cxnSp>
+            <p:cxnSp>
+              <p:nvCxnSpPr>
+                <p:cNvPr id="63" name="Straight Arrow Connector 62"/>
+                <p:cNvCxnSpPr>
+                  <a:stCxn id="9" idx="6"/>
+                  <a:endCxn id="18" idx="2"/>
+                </p:cNvCxnSpPr>
+                <p:nvPr/>
+              </p:nvCxnSpPr>
+              <p:spPr>
+                <a:xfrm flipV="1">
+                  <a:off x="3735977" y="4491353"/>
+                  <a:ext cx="1311730" cy="776204"/>
+                </a:xfrm>
+                <a:prstGeom prst="straightConnector1">
+                  <a:avLst/>
+                </a:prstGeom>
+                <a:ln w="28575">
+                  <a:solidFill>
+                    <a:schemeClr val="tx1"/>
+                  </a:solidFill>
+                  <a:tailEnd type="triangle"/>
+                </a:ln>
+              </p:spPr>
+              <p:style>
+                <a:lnRef idx="1">
+                  <a:schemeClr val="accent1"/>
+                </a:lnRef>
+                <a:fillRef idx="0">
+                  <a:schemeClr val="accent1"/>
+                </a:fillRef>
+                <a:effectRef idx="0">
+                  <a:schemeClr val="accent1"/>
+                </a:effectRef>
+                <a:fontRef idx="minor">
+                  <a:schemeClr val="tx1"/>
+                </a:fontRef>
+              </p:style>
+            </p:cxnSp>
+            <p:cxnSp>
+              <p:nvCxnSpPr>
+                <p:cNvPr id="65" name="Straight Arrow Connector 64"/>
+                <p:cNvCxnSpPr>
+                  <a:stCxn id="9" idx="6"/>
+                  <a:endCxn id="19" idx="2"/>
+                </p:cNvCxnSpPr>
+                <p:nvPr/>
+              </p:nvCxnSpPr>
+              <p:spPr>
+                <a:xfrm>
+                  <a:off x="3735977" y="5267557"/>
+                  <a:ext cx="1311730" cy="3213"/>
+                </a:xfrm>
+                <a:prstGeom prst="straightConnector1">
+                  <a:avLst/>
+                </a:prstGeom>
+                <a:ln w="28575">
+                  <a:solidFill>
+                    <a:schemeClr val="tx1"/>
+                  </a:solidFill>
+                  <a:tailEnd type="triangle"/>
+                </a:ln>
+              </p:spPr>
+              <p:style>
+                <a:lnRef idx="1">
+                  <a:schemeClr val="accent1"/>
+                </a:lnRef>
+                <a:fillRef idx="0">
+                  <a:schemeClr val="accent1"/>
+                </a:fillRef>
+                <a:effectRef idx="0">
+                  <a:schemeClr val="accent1"/>
+                </a:effectRef>
+                <a:fontRef idx="minor">
+                  <a:schemeClr val="tx1"/>
+                </a:fontRef>
+              </p:style>
+            </p:cxnSp>
+            <p:cxnSp>
+              <p:nvCxnSpPr>
+                <p:cNvPr id="67" name="Straight Arrow Connector 66"/>
+                <p:cNvCxnSpPr>
+                  <a:stCxn id="16" idx="6"/>
+                  <a:endCxn id="23" idx="2"/>
+                </p:cNvCxnSpPr>
+                <p:nvPr/>
+              </p:nvCxnSpPr>
+              <p:spPr>
+                <a:xfrm>
+                  <a:off x="5683433" y="2302274"/>
+                  <a:ext cx="763151" cy="1291236"/>
+                </a:xfrm>
+                <a:prstGeom prst="straightConnector1">
+                  <a:avLst/>
+                </a:prstGeom>
+                <a:ln w="28575">
+                  <a:solidFill>
+                    <a:schemeClr val="tx1"/>
+                  </a:solidFill>
+                  <a:tailEnd type="triangle"/>
+                </a:ln>
+              </p:spPr>
+              <p:style>
+                <a:lnRef idx="1">
+                  <a:schemeClr val="accent1"/>
+                </a:lnRef>
+                <a:fillRef idx="0">
+                  <a:schemeClr val="accent1"/>
+                </a:fillRef>
+                <a:effectRef idx="0">
+                  <a:schemeClr val="accent1"/>
+                </a:effectRef>
+                <a:fontRef idx="minor">
+                  <a:schemeClr val="tx1"/>
+                </a:fontRef>
+              </p:style>
+            </p:cxnSp>
+            <p:cxnSp>
+              <p:nvCxnSpPr>
+                <p:cNvPr id="69" name="Straight Arrow Connector 68"/>
+                <p:cNvCxnSpPr>
+                  <a:stCxn id="17" idx="6"/>
+                  <a:endCxn id="23" idx="2"/>
+                </p:cNvCxnSpPr>
+                <p:nvPr/>
+              </p:nvCxnSpPr>
+              <p:spPr>
+                <a:xfrm>
+                  <a:off x="5683433" y="3023959"/>
+                  <a:ext cx="763151" cy="569551"/>
+                </a:xfrm>
+                <a:prstGeom prst="straightConnector1">
+                  <a:avLst/>
+                </a:prstGeom>
+                <a:ln w="28575">
+                  <a:solidFill>
+                    <a:schemeClr val="tx1"/>
+                  </a:solidFill>
+                  <a:tailEnd type="triangle"/>
+                </a:ln>
+              </p:spPr>
+              <p:style>
+                <a:lnRef idx="1">
+                  <a:schemeClr val="accent1"/>
+                </a:lnRef>
+                <a:fillRef idx="0">
+                  <a:schemeClr val="accent1"/>
+                </a:fillRef>
+                <a:effectRef idx="0">
+                  <a:schemeClr val="accent1"/>
+                </a:effectRef>
+                <a:fontRef idx="minor">
+                  <a:schemeClr val="tx1"/>
+                </a:fontRef>
+              </p:style>
+            </p:cxnSp>
+            <p:cxnSp>
+              <p:nvCxnSpPr>
+                <p:cNvPr id="71" name="Straight Arrow Connector 70"/>
+                <p:cNvCxnSpPr>
+                  <a:stCxn id="18" idx="6"/>
+                  <a:endCxn id="23" idx="2"/>
+                </p:cNvCxnSpPr>
+                <p:nvPr/>
+              </p:nvCxnSpPr>
+              <p:spPr>
+                <a:xfrm flipV="1">
+                  <a:off x="5683433" y="3593510"/>
+                  <a:ext cx="763151" cy="897843"/>
+                </a:xfrm>
+                <a:prstGeom prst="straightConnector1">
+                  <a:avLst/>
+                </a:prstGeom>
+                <a:ln w="28575">
+                  <a:solidFill>
+                    <a:schemeClr val="tx1"/>
+                  </a:solidFill>
+                  <a:tailEnd type="triangle"/>
+                </a:ln>
+              </p:spPr>
+              <p:style>
+                <a:lnRef idx="1">
+                  <a:schemeClr val="accent1"/>
+                </a:lnRef>
+                <a:fillRef idx="0">
+                  <a:schemeClr val="accent1"/>
+                </a:fillRef>
+                <a:effectRef idx="0">
+                  <a:schemeClr val="accent1"/>
+                </a:effectRef>
+                <a:fontRef idx="minor">
+                  <a:schemeClr val="tx1"/>
+                </a:fontRef>
+              </p:style>
+            </p:cxnSp>
+            <p:cxnSp>
+              <p:nvCxnSpPr>
+                <p:cNvPr id="73" name="Straight Arrow Connector 72"/>
+                <p:cNvCxnSpPr>
+                  <a:stCxn id="19" idx="6"/>
+                  <a:endCxn id="23" idx="2"/>
+                </p:cNvCxnSpPr>
+                <p:nvPr/>
+              </p:nvCxnSpPr>
+              <p:spPr>
+                <a:xfrm flipV="1">
+                  <a:off x="5683433" y="3593510"/>
+                  <a:ext cx="763151" cy="1677260"/>
+                </a:xfrm>
+                <a:prstGeom prst="straightConnector1">
+                  <a:avLst/>
+                </a:prstGeom>
+                <a:ln w="28575">
+                  <a:solidFill>
+                    <a:schemeClr val="tx1"/>
+                  </a:solidFill>
+                  <a:tailEnd type="triangle"/>
+                </a:ln>
+              </p:spPr>
+              <p:style>
+                <a:lnRef idx="1">
+                  <a:schemeClr val="accent1"/>
+                </a:lnRef>
+                <a:fillRef idx="0">
+                  <a:schemeClr val="accent1"/>
+                </a:fillRef>
+                <a:effectRef idx="0">
+                  <a:schemeClr val="accent1"/>
+                </a:effectRef>
+                <a:fontRef idx="minor">
+                  <a:schemeClr val="tx1"/>
+                </a:fontRef>
+              </p:style>
+            </p:cxnSp>
+            <p:grpSp>
+              <p:nvGrpSpPr>
+                <p:cNvPr id="80" name="Group 79"/>
+                <p:cNvGrpSpPr/>
+                <p:nvPr/>
+              </p:nvGrpSpPr>
+              <p:grpSpPr>
+                <a:xfrm>
+                  <a:off x="8948899" y="3249926"/>
+                  <a:ext cx="1004998" cy="723616"/>
+                  <a:chOff x="8600728" y="3194587"/>
+                  <a:chExt cx="1004998" cy="723616"/>
+                </a:xfrm>
+              </p:grpSpPr>
+              <p:sp>
+                <p:nvSpPr>
+                  <p:cNvPr id="78" name="Rectangle 77"/>
+                  <p:cNvSpPr/>
+                  <p:nvPr/>
+                </p:nvSpPr>
+                <p:spPr>
+                  <a:xfrm>
+                    <a:off x="8600728" y="3194587"/>
+                    <a:ext cx="1004998" cy="723616"/>
+                  </a:xfrm>
+                  <a:prstGeom prst="rect">
+                    <a:avLst/>
+                  </a:prstGeom>
+                  <a:noFill/>
+                  <a:ln w="57150">
+                    <a:solidFill>
+                      <a:schemeClr val="tx1"/>
+                    </a:solidFill>
+                  </a:ln>
+                </p:spPr>
+                <p:style>
+                  <a:lnRef idx="2">
+                    <a:schemeClr val="accent1">
+                      <a:shade val="50000"/>
+                    </a:schemeClr>
+                  </a:lnRef>
+                  <a:fillRef idx="1">
+                    <a:schemeClr val="accent1"/>
+                  </a:fillRef>
+                  <a:effectRef idx="0">
+                    <a:schemeClr val="accent1"/>
+                  </a:effectRef>
+                  <a:fontRef idx="minor">
+                    <a:schemeClr val="lt1"/>
+                  </a:fontRef>
+                </p:style>
+                <p:txBody>
+                  <a:bodyPr rtlCol="0" anchor="ctr"/>
+                  <a:lstStyle/>
+                  <a:p>
+                    <a:pPr algn="ctr"/>
+                    <a:endParaRPr lang="en-CA"/>
+                  </a:p>
+                </p:txBody>
+              </p:sp>
+              <p:sp>
+                <p:nvSpPr>
+                  <p:cNvPr id="79" name="TextBox 78"/>
+                  <p:cNvSpPr txBox="1"/>
+                  <p:nvPr/>
+                </p:nvSpPr>
+                <p:spPr>
+                  <a:xfrm>
+                    <a:off x="8600728" y="3205174"/>
+                    <a:ext cx="1004998" cy="646331"/>
+                  </a:xfrm>
+                  <a:prstGeom prst="rect">
+                    <a:avLst/>
+                  </a:prstGeom>
+                  <a:noFill/>
+                </p:spPr>
+                <p:txBody>
+                  <a:bodyPr wrap="square" rtlCol="0">
+                    <a:spAutoFit/>
+                  </a:bodyPr>
+                  <a:lstStyle/>
+                  <a:p>
+                    <a:pPr algn="ctr"/>
+                    <a:r>
+                      <a:rPr lang="en-CA" dirty="0" smtClean="0"/>
+                      <a:t>Multiply by </a:t>
+                    </a:r>
+                    <a:r>
+                      <a:rPr lang="en-CA" dirty="0" smtClean="0"/>
+                      <a:t>240</a:t>
+                    </a:r>
+                    <a:r>
+                      <a:rPr lang="en-CA" baseline="30000" dirty="0" smtClean="0"/>
+                      <a:t>o</a:t>
+                    </a:r>
+                    <a:endParaRPr lang="en-CA" dirty="0"/>
+                  </a:p>
+                </p:txBody>
+              </p:sp>
+            </p:grpSp>
+            <p:cxnSp>
+              <p:nvCxnSpPr>
+                <p:cNvPr id="82" name="Straight Arrow Connector 81"/>
+                <p:cNvCxnSpPr>
+                  <a:stCxn id="23" idx="6"/>
+                </p:cNvCxnSpPr>
+                <p:nvPr/>
+              </p:nvCxnSpPr>
+              <p:spPr>
+                <a:xfrm flipV="1">
+                  <a:off x="7300024" y="3593509"/>
+                  <a:ext cx="370124" cy="1"/>
+                </a:xfrm>
+                <a:prstGeom prst="straightConnector1">
+                  <a:avLst/>
+                </a:prstGeom>
+                <a:ln w="57150">
+                  <a:solidFill>
+                    <a:schemeClr val="tx1"/>
+                  </a:solidFill>
+                  <a:tailEnd type="triangle"/>
+                </a:ln>
+              </p:spPr>
+              <p:style>
+                <a:lnRef idx="1">
+                  <a:schemeClr val="accent1"/>
+                </a:lnRef>
+                <a:fillRef idx="0">
+                  <a:schemeClr val="accent1"/>
+                </a:fillRef>
+                <a:effectRef idx="0">
+                  <a:schemeClr val="accent1"/>
+                </a:effectRef>
+                <a:fontRef idx="minor">
+                  <a:schemeClr val="tx1"/>
+                </a:fontRef>
+              </p:style>
+            </p:cxnSp>
+            <p:sp>
+              <p:nvSpPr>
+                <p:cNvPr id="83" name="Right Arrow 82"/>
+                <p:cNvSpPr/>
+                <p:nvPr/>
+              </p:nvSpPr>
+              <p:spPr>
+                <a:xfrm>
+                  <a:off x="9953897" y="3313995"/>
+                  <a:ext cx="1208313" cy="583474"/>
+                </a:xfrm>
+                <a:prstGeom prst="rightArrow">
+                  <a:avLst/>
+                </a:prstGeom>
                 <a:solidFill>
                   <a:schemeClr val="tx1"/>
                 </a:solidFill>
-              </a:ln>
-            </p:spPr>
-            <p:style>
-              <a:lnRef idx="2">
-                <a:schemeClr val="accent1">
-                  <a:shade val="50000"/>
-                </a:schemeClr>
-              </a:lnRef>
-              <a:fillRef idx="1">
-                <a:schemeClr val="accent1"/>
-              </a:fillRef>
-              <a:effectRef idx="0">
-                <a:schemeClr val="accent1"/>
-              </a:effectRef>
-              <a:fontRef idx="minor">
-                <a:schemeClr val="lt1"/>
-              </a:fontRef>
-            </p:style>
-            <p:txBody>
-              <a:bodyPr rtlCol="0" anchor="ctr"/>
-              <a:lstStyle/>
-              <a:p>
-                <a:pPr algn="ctr"/>
-                <a:endParaRPr lang="en-CA"/>
-              </a:p>
-            </p:txBody>
-          </p:sp>
-          <p:sp>
-            <p:nvSpPr>
-              <p:cNvPr id="8" name="Oval 7"/>
-              <p:cNvSpPr/>
+                <a:ln>
+                  <a:solidFill>
+                    <a:schemeClr val="tx1"/>
+                  </a:solidFill>
+                </a:ln>
+              </p:spPr>
+              <p:style>
+                <a:lnRef idx="2">
+                  <a:schemeClr val="accent1">
+                    <a:shade val="50000"/>
+                  </a:schemeClr>
+                </a:lnRef>
+                <a:fillRef idx="1">
+                  <a:schemeClr val="accent1"/>
+                </a:fillRef>
+                <a:effectRef idx="0">
+                  <a:schemeClr val="accent1"/>
+                </a:effectRef>
+                <a:fontRef idx="minor">
+                  <a:schemeClr val="lt1"/>
+                </a:fontRef>
+              </p:style>
+              <p:txBody>
+                <a:bodyPr rtlCol="0" anchor="ctr"/>
+                <a:lstStyle/>
+                <a:p>
+                  <a:pPr algn="ctr"/>
+                  <a:endParaRPr lang="en-CA"/>
+                </a:p>
+              </p:txBody>
+            </p:sp>
+            <p:sp>
+              <p:nvSpPr>
+                <p:cNvPr id="84" name="TextBox 83"/>
+                <p:cNvSpPr txBox="1"/>
+                <p:nvPr/>
+              </p:nvSpPr>
+              <p:spPr>
+                <a:xfrm>
+                  <a:off x="9953897" y="2457571"/>
+                  <a:ext cx="1426309" cy="830997"/>
+                </a:xfrm>
+                <a:prstGeom prst="rect">
+                  <a:avLst/>
+                </a:prstGeom>
+                <a:noFill/>
+              </p:spPr>
+              <p:txBody>
+                <a:bodyPr wrap="square" rtlCol="0">
+                  <a:spAutoFit/>
+                </a:bodyPr>
+                <a:lstStyle/>
+                <a:p>
+                  <a:r>
+                    <a:rPr lang="en-CA" sz="2400" dirty="0" smtClean="0"/>
+                    <a:t>Curvature estimate</a:t>
+                  </a:r>
+                  <a:endParaRPr lang="en-CA" sz="2400" dirty="0"/>
+                </a:p>
+              </p:txBody>
+            </p:sp>
+          </p:grpSp>
+          <p:grpSp>
+            <p:nvGrpSpPr>
+              <p:cNvPr id="40" name="Group 39"/>
+              <p:cNvGrpSpPr/>
               <p:nvPr/>
-            </p:nvSpPr>
-            <p:spPr>
+            </p:nvGrpSpPr>
+            <p:grpSpPr>
               <a:xfrm>
-                <a:off x="3100251" y="4183337"/>
-                <a:ext cx="635726" cy="609605"/>
+                <a:off x="7644789" y="3255477"/>
+                <a:ext cx="999021" cy="723616"/>
+                <a:chOff x="6967819" y="4141960"/>
+                <a:chExt cx="1160167" cy="723616"/>
               </a:xfrm>
-              <a:prstGeom prst="ellipse">
-                <a:avLst/>
-              </a:prstGeom>
-              <a:noFill/>
-              <a:ln w="38100">
-                <a:solidFill>
-                  <a:schemeClr val="tx1"/>
-                </a:solidFill>
-              </a:ln>
-            </p:spPr>
-            <p:style>
-              <a:lnRef idx="2">
-                <a:schemeClr val="accent1">
-                  <a:shade val="50000"/>
-                </a:schemeClr>
-              </a:lnRef>
-              <a:fillRef idx="1">
-                <a:schemeClr val="accent1"/>
-              </a:fillRef>
-              <a:effectRef idx="0">
-                <a:schemeClr val="accent1"/>
-              </a:effectRef>
-              <a:fontRef idx="minor">
-                <a:schemeClr val="lt1"/>
-              </a:fontRef>
-            </p:style>
-            <p:txBody>
-              <a:bodyPr rtlCol="0" anchor="ctr"/>
-              <a:lstStyle/>
-              <a:p>
-                <a:pPr algn="ctr"/>
-                <a:endParaRPr lang="en-CA"/>
-              </a:p>
-            </p:txBody>
-          </p:sp>
-          <p:sp>
-            <p:nvSpPr>
-              <p:cNvPr id="9" name="Oval 8"/>
-              <p:cNvSpPr/>
-              <p:nvPr/>
-            </p:nvSpPr>
-            <p:spPr>
-              <a:xfrm>
-                <a:off x="3100251" y="4962754"/>
-                <a:ext cx="635726" cy="609605"/>
-              </a:xfrm>
-              <a:prstGeom prst="ellipse">
-                <a:avLst/>
-              </a:prstGeom>
-              <a:noFill/>
-              <a:ln w="38100">
-                <a:solidFill>
-                  <a:schemeClr val="tx1"/>
-                </a:solidFill>
-              </a:ln>
-            </p:spPr>
-            <p:style>
-              <a:lnRef idx="2">
-                <a:schemeClr val="accent1">
-                  <a:shade val="50000"/>
-                </a:schemeClr>
-              </a:lnRef>
-              <a:fillRef idx="1">
-                <a:schemeClr val="accent1"/>
-              </a:fillRef>
-              <a:effectRef idx="0">
-                <a:schemeClr val="accent1"/>
-              </a:effectRef>
-              <a:fontRef idx="minor">
-                <a:schemeClr val="lt1"/>
-              </a:fontRef>
-            </p:style>
-            <p:txBody>
-              <a:bodyPr rtlCol="0" anchor="ctr"/>
-              <a:lstStyle/>
-              <a:p>
-                <a:pPr algn="ctr"/>
-                <a:endParaRPr lang="en-CA"/>
-              </a:p>
-            </p:txBody>
-          </p:sp>
-          <p:sp>
-            <p:nvSpPr>
-              <p:cNvPr id="10" name="Oval 9"/>
-              <p:cNvSpPr/>
-              <p:nvPr/>
-            </p:nvSpPr>
-            <p:spPr>
-              <a:xfrm>
-                <a:off x="3371306" y="3476484"/>
-                <a:ext cx="93616" cy="89985"/>
-              </a:xfrm>
-              <a:prstGeom prst="ellipse">
-                <a:avLst/>
-              </a:prstGeom>
-              <a:solidFill>
-                <a:schemeClr val="tx1"/>
-              </a:solidFill>
-              <a:ln w="38100">
-                <a:solidFill>
-                  <a:schemeClr val="tx1"/>
-                </a:solidFill>
-              </a:ln>
-            </p:spPr>
-            <p:style>
-              <a:lnRef idx="2">
-                <a:schemeClr val="accent1">
-                  <a:shade val="50000"/>
-                </a:schemeClr>
-              </a:lnRef>
-              <a:fillRef idx="1">
-                <a:schemeClr val="accent1"/>
-              </a:fillRef>
-              <a:effectRef idx="0">
-                <a:schemeClr val="accent1"/>
-              </a:effectRef>
-              <a:fontRef idx="minor">
-                <a:schemeClr val="lt1"/>
-              </a:fontRef>
-            </p:style>
-            <p:txBody>
-              <a:bodyPr rtlCol="0" anchor="ctr"/>
-              <a:lstStyle/>
-              <a:p>
-                <a:pPr algn="ctr"/>
-                <a:endParaRPr lang="en-CA"/>
-              </a:p>
-            </p:txBody>
-          </p:sp>
-          <p:sp>
-            <p:nvSpPr>
-              <p:cNvPr id="11" name="Oval 10"/>
-              <p:cNvSpPr/>
-              <p:nvPr/>
-            </p:nvSpPr>
-            <p:spPr>
-              <a:xfrm>
-                <a:off x="3371306" y="3709450"/>
-                <a:ext cx="93616" cy="89985"/>
-              </a:xfrm>
-              <a:prstGeom prst="ellipse">
-                <a:avLst/>
-              </a:prstGeom>
-              <a:solidFill>
-                <a:schemeClr val="tx1"/>
-              </a:solidFill>
-              <a:ln w="38100">
-                <a:solidFill>
-                  <a:schemeClr val="tx1"/>
-                </a:solidFill>
-              </a:ln>
-            </p:spPr>
-            <p:style>
-              <a:lnRef idx="2">
-                <a:schemeClr val="accent1">
-                  <a:shade val="50000"/>
-                </a:schemeClr>
-              </a:lnRef>
-              <a:fillRef idx="1">
-                <a:schemeClr val="accent1"/>
-              </a:fillRef>
-              <a:effectRef idx="0">
-                <a:schemeClr val="accent1"/>
-              </a:effectRef>
-              <a:fontRef idx="minor">
-                <a:schemeClr val="lt1"/>
-              </a:fontRef>
-            </p:style>
-            <p:txBody>
-              <a:bodyPr rtlCol="0" anchor="ctr"/>
-              <a:lstStyle/>
-              <a:p>
-                <a:pPr algn="ctr"/>
-                <a:endParaRPr lang="en-CA"/>
-              </a:p>
-            </p:txBody>
-          </p:sp>
-          <p:sp>
-            <p:nvSpPr>
-              <p:cNvPr id="12" name="Oval 11"/>
-              <p:cNvSpPr/>
-              <p:nvPr/>
-            </p:nvSpPr>
-            <p:spPr>
-              <a:xfrm>
-                <a:off x="3371306" y="3932419"/>
-                <a:ext cx="93616" cy="89985"/>
-              </a:xfrm>
-              <a:prstGeom prst="ellipse">
-                <a:avLst/>
-              </a:prstGeom>
-              <a:solidFill>
-                <a:schemeClr val="tx1"/>
-              </a:solidFill>
-              <a:ln w="38100">
-                <a:solidFill>
-                  <a:schemeClr val="tx1"/>
-                </a:solidFill>
-              </a:ln>
-            </p:spPr>
-            <p:style>
-              <a:lnRef idx="2">
-                <a:schemeClr val="accent1">
-                  <a:shade val="50000"/>
-                </a:schemeClr>
-              </a:lnRef>
-              <a:fillRef idx="1">
-                <a:schemeClr val="accent1"/>
-              </a:fillRef>
-              <a:effectRef idx="0">
-                <a:schemeClr val="accent1"/>
-              </a:effectRef>
-              <a:fontRef idx="minor">
-                <a:schemeClr val="lt1"/>
-              </a:fontRef>
-            </p:style>
-            <p:txBody>
-              <a:bodyPr rtlCol="0" anchor="ctr"/>
-              <a:lstStyle/>
-              <a:p>
-                <a:pPr algn="ctr"/>
-                <a:endParaRPr lang="en-CA"/>
-              </a:p>
-            </p:txBody>
-          </p:sp>
+            </p:grpSpPr>
+            <p:sp>
+              <p:nvSpPr>
+                <p:cNvPr id="62" name="Rectangle 61"/>
+                <p:cNvSpPr/>
+                <p:nvPr/>
+              </p:nvSpPr>
+              <p:spPr>
+                <a:xfrm>
+                  <a:off x="7005228" y="4141960"/>
+                  <a:ext cx="1049898" cy="723616"/>
+                </a:xfrm>
+                <a:prstGeom prst="rect">
+                  <a:avLst/>
+                </a:prstGeom>
+                <a:noFill/>
+                <a:ln w="57150">
+                  <a:solidFill>
+                    <a:schemeClr val="tx1"/>
+                  </a:solidFill>
+                </a:ln>
+              </p:spPr>
+              <p:style>
+                <a:lnRef idx="2">
+                  <a:schemeClr val="accent1">
+                    <a:shade val="50000"/>
+                  </a:schemeClr>
+                </a:lnRef>
+                <a:fillRef idx="1">
+                  <a:schemeClr val="accent1"/>
+                </a:fillRef>
+                <a:effectRef idx="0">
+                  <a:schemeClr val="accent1"/>
+                </a:effectRef>
+                <a:fontRef idx="minor">
+                  <a:schemeClr val="lt1"/>
+                </a:fontRef>
+              </p:style>
+              <p:txBody>
+                <a:bodyPr rtlCol="0" anchor="ctr"/>
+                <a:lstStyle/>
+                <a:p>
+                  <a:pPr algn="ctr"/>
+                  <a:endParaRPr lang="en-CA"/>
+                </a:p>
+              </p:txBody>
+            </p:sp>
+            <p:sp>
+              <p:nvSpPr>
+                <p:cNvPr id="38" name="TextBox 37"/>
+                <p:cNvSpPr txBox="1"/>
+                <p:nvPr/>
+              </p:nvSpPr>
+              <p:spPr>
+                <a:xfrm>
+                  <a:off x="6967819" y="4149824"/>
+                  <a:ext cx="1160167" cy="646331"/>
+                </a:xfrm>
+                <a:prstGeom prst="rect">
+                  <a:avLst/>
+                </a:prstGeom>
+                <a:noFill/>
+              </p:spPr>
+              <p:txBody>
+                <a:bodyPr wrap="square" rtlCol="0">
+                  <a:spAutoFit/>
+                </a:bodyPr>
+                <a:lstStyle/>
+                <a:p>
+                  <a:pPr algn="ctr"/>
+                  <a:r>
+                    <a:rPr lang="en-CA" dirty="0" smtClean="0"/>
+                    <a:t>Subtract 0.5</a:t>
+                  </a:r>
+                  <a:endParaRPr lang="en-CA" dirty="0"/>
+                </a:p>
+              </p:txBody>
+            </p:sp>
+          </p:grpSp>
         </p:grpSp>
-        <p:sp>
-          <p:nvSpPr>
-            <p:cNvPr id="13" name="TextBox 12"/>
-            <p:cNvSpPr txBox="1"/>
-            <p:nvPr/>
-          </p:nvSpPr>
-          <p:spPr>
-            <a:xfrm>
-              <a:off x="2657203" y="1161014"/>
-              <a:ext cx="1428206" cy="830997"/>
-            </a:xfrm>
-            <a:prstGeom prst="rect">
-              <a:avLst/>
-            </a:prstGeom>
-            <a:noFill/>
-          </p:spPr>
-          <p:txBody>
-            <a:bodyPr wrap="square" rtlCol="0">
-              <a:spAutoFit/>
-            </a:bodyPr>
-            <a:lstStyle/>
-            <a:p>
-              <a:r>
-                <a:rPr lang="en-CA" sz="2400" dirty="0" smtClean="0"/>
-                <a:t>102 input nodes</a:t>
-              </a:r>
-              <a:endParaRPr lang="en-CA" sz="2400" dirty="0"/>
-            </a:p>
-          </p:txBody>
-        </p:sp>
-        <p:grpSp>
-          <p:nvGrpSpPr>
-            <p:cNvPr id="15" name="Group 14"/>
-            <p:cNvGrpSpPr/>
-            <p:nvPr/>
-          </p:nvGrpSpPr>
-          <p:grpSpPr>
-            <a:xfrm>
-              <a:off x="5047707" y="1997471"/>
-              <a:ext cx="635726" cy="3578101"/>
-              <a:chOff x="3100251" y="1994258"/>
-              <a:chExt cx="635726" cy="3578101"/>
-            </a:xfrm>
-          </p:grpSpPr>
-          <p:sp>
-            <p:nvSpPr>
-              <p:cNvPr id="16" name="Oval 15"/>
-              <p:cNvSpPr/>
-              <p:nvPr/>
-            </p:nvSpPr>
-            <p:spPr>
-              <a:xfrm>
-                <a:off x="3100251" y="1994258"/>
-                <a:ext cx="635726" cy="609605"/>
-              </a:xfrm>
-              <a:prstGeom prst="ellipse">
-                <a:avLst/>
-              </a:prstGeom>
-              <a:noFill/>
-              <a:ln w="38100">
-                <a:solidFill>
-                  <a:schemeClr val="tx1"/>
-                </a:solidFill>
-              </a:ln>
-            </p:spPr>
-            <p:style>
-              <a:lnRef idx="2">
-                <a:schemeClr val="accent1">
-                  <a:shade val="50000"/>
-                </a:schemeClr>
-              </a:lnRef>
-              <a:fillRef idx="1">
-                <a:schemeClr val="accent1"/>
-              </a:fillRef>
-              <a:effectRef idx="0">
-                <a:schemeClr val="accent1"/>
-              </a:effectRef>
-              <a:fontRef idx="minor">
-                <a:schemeClr val="lt1"/>
-              </a:fontRef>
-            </p:style>
-            <p:txBody>
-              <a:bodyPr rtlCol="0" anchor="ctr"/>
-              <a:lstStyle/>
-              <a:p>
-                <a:pPr algn="ctr"/>
-                <a:endParaRPr lang="en-CA"/>
-              </a:p>
-            </p:txBody>
-          </p:sp>
-          <p:sp>
-            <p:nvSpPr>
-              <p:cNvPr id="17" name="Oval 16"/>
-              <p:cNvSpPr/>
-              <p:nvPr/>
-            </p:nvSpPr>
-            <p:spPr>
-              <a:xfrm>
-                <a:off x="3100251" y="2715943"/>
-                <a:ext cx="635726" cy="609605"/>
-              </a:xfrm>
-              <a:prstGeom prst="ellipse">
-                <a:avLst/>
-              </a:prstGeom>
-              <a:noFill/>
-              <a:ln w="38100">
-                <a:solidFill>
-                  <a:schemeClr val="tx1"/>
-                </a:solidFill>
-              </a:ln>
-            </p:spPr>
-            <p:style>
-              <a:lnRef idx="2">
-                <a:schemeClr val="accent1">
-                  <a:shade val="50000"/>
-                </a:schemeClr>
-              </a:lnRef>
-              <a:fillRef idx="1">
-                <a:schemeClr val="accent1"/>
-              </a:fillRef>
-              <a:effectRef idx="0">
-                <a:schemeClr val="accent1"/>
-              </a:effectRef>
-              <a:fontRef idx="minor">
-                <a:schemeClr val="lt1"/>
-              </a:fontRef>
-            </p:style>
-            <p:txBody>
-              <a:bodyPr rtlCol="0" anchor="ctr"/>
-              <a:lstStyle/>
-              <a:p>
-                <a:pPr algn="ctr"/>
-                <a:endParaRPr lang="en-CA"/>
-              </a:p>
-            </p:txBody>
-          </p:sp>
-          <p:sp>
-            <p:nvSpPr>
-              <p:cNvPr id="18" name="Oval 17"/>
-              <p:cNvSpPr/>
-              <p:nvPr/>
-            </p:nvSpPr>
-            <p:spPr>
-              <a:xfrm>
-                <a:off x="3100251" y="4183337"/>
-                <a:ext cx="635726" cy="609605"/>
-              </a:xfrm>
-              <a:prstGeom prst="ellipse">
-                <a:avLst/>
-              </a:prstGeom>
-              <a:noFill/>
-              <a:ln w="38100">
-                <a:solidFill>
-                  <a:schemeClr val="tx1"/>
-                </a:solidFill>
-              </a:ln>
-            </p:spPr>
-            <p:style>
-              <a:lnRef idx="2">
-                <a:schemeClr val="accent1">
-                  <a:shade val="50000"/>
-                </a:schemeClr>
-              </a:lnRef>
-              <a:fillRef idx="1">
-                <a:schemeClr val="accent1"/>
-              </a:fillRef>
-              <a:effectRef idx="0">
-                <a:schemeClr val="accent1"/>
-              </a:effectRef>
-              <a:fontRef idx="minor">
-                <a:schemeClr val="lt1"/>
-              </a:fontRef>
-            </p:style>
-            <p:txBody>
-              <a:bodyPr rtlCol="0" anchor="ctr"/>
-              <a:lstStyle/>
-              <a:p>
-                <a:pPr algn="ctr"/>
-                <a:endParaRPr lang="en-CA"/>
-              </a:p>
-            </p:txBody>
-          </p:sp>
-          <p:sp>
-            <p:nvSpPr>
-              <p:cNvPr id="19" name="Oval 18"/>
-              <p:cNvSpPr/>
-              <p:nvPr/>
-            </p:nvSpPr>
-            <p:spPr>
-              <a:xfrm>
-                <a:off x="3100251" y="4962754"/>
-                <a:ext cx="635726" cy="609605"/>
-              </a:xfrm>
-              <a:prstGeom prst="ellipse">
-                <a:avLst/>
-              </a:prstGeom>
-              <a:noFill/>
-              <a:ln w="38100">
-                <a:solidFill>
-                  <a:schemeClr val="tx1"/>
-                </a:solidFill>
-              </a:ln>
-            </p:spPr>
-            <p:style>
-              <a:lnRef idx="2">
-                <a:schemeClr val="accent1">
-                  <a:shade val="50000"/>
-                </a:schemeClr>
-              </a:lnRef>
-              <a:fillRef idx="1">
-                <a:schemeClr val="accent1"/>
-              </a:fillRef>
-              <a:effectRef idx="0">
-                <a:schemeClr val="accent1"/>
-              </a:effectRef>
-              <a:fontRef idx="minor">
-                <a:schemeClr val="lt1"/>
-              </a:fontRef>
-            </p:style>
-            <p:txBody>
-              <a:bodyPr rtlCol="0" anchor="ctr"/>
-              <a:lstStyle/>
-              <a:p>
-                <a:pPr algn="ctr"/>
-                <a:endParaRPr lang="en-CA"/>
-              </a:p>
-            </p:txBody>
-          </p:sp>
-          <p:sp>
-            <p:nvSpPr>
-              <p:cNvPr id="20" name="Oval 19"/>
-              <p:cNvSpPr/>
-              <p:nvPr/>
-            </p:nvSpPr>
-            <p:spPr>
-              <a:xfrm>
-                <a:off x="3371306" y="3476484"/>
-                <a:ext cx="93616" cy="89985"/>
-              </a:xfrm>
-              <a:prstGeom prst="ellipse">
-                <a:avLst/>
-              </a:prstGeom>
-              <a:solidFill>
-                <a:schemeClr val="tx1"/>
-              </a:solidFill>
-              <a:ln w="38100">
-                <a:solidFill>
-                  <a:schemeClr val="tx1"/>
-                </a:solidFill>
-              </a:ln>
-            </p:spPr>
-            <p:style>
-              <a:lnRef idx="2">
-                <a:schemeClr val="accent1">
-                  <a:shade val="50000"/>
-                </a:schemeClr>
-              </a:lnRef>
-              <a:fillRef idx="1">
-                <a:schemeClr val="accent1"/>
-              </a:fillRef>
-              <a:effectRef idx="0">
-                <a:schemeClr val="accent1"/>
-              </a:effectRef>
-              <a:fontRef idx="minor">
-                <a:schemeClr val="lt1"/>
-              </a:fontRef>
-            </p:style>
-            <p:txBody>
-              <a:bodyPr rtlCol="0" anchor="ctr"/>
-              <a:lstStyle/>
-              <a:p>
-                <a:pPr algn="ctr"/>
-                <a:endParaRPr lang="en-CA"/>
-              </a:p>
-            </p:txBody>
-          </p:sp>
-          <p:sp>
-            <p:nvSpPr>
-              <p:cNvPr id="21" name="Oval 20"/>
-              <p:cNvSpPr/>
-              <p:nvPr/>
-            </p:nvSpPr>
-            <p:spPr>
-              <a:xfrm>
-                <a:off x="3371306" y="3709450"/>
-                <a:ext cx="93616" cy="89985"/>
-              </a:xfrm>
-              <a:prstGeom prst="ellipse">
-                <a:avLst/>
-              </a:prstGeom>
-              <a:solidFill>
-                <a:schemeClr val="tx1"/>
-              </a:solidFill>
-              <a:ln w="38100">
-                <a:solidFill>
-                  <a:schemeClr val="tx1"/>
-                </a:solidFill>
-              </a:ln>
-            </p:spPr>
-            <p:style>
-              <a:lnRef idx="2">
-                <a:schemeClr val="accent1">
-                  <a:shade val="50000"/>
-                </a:schemeClr>
-              </a:lnRef>
-              <a:fillRef idx="1">
-                <a:schemeClr val="accent1"/>
-              </a:fillRef>
-              <a:effectRef idx="0">
-                <a:schemeClr val="accent1"/>
-              </a:effectRef>
-              <a:fontRef idx="minor">
-                <a:schemeClr val="lt1"/>
-              </a:fontRef>
-            </p:style>
-            <p:txBody>
-              <a:bodyPr rtlCol="0" anchor="ctr"/>
-              <a:lstStyle/>
-              <a:p>
-                <a:pPr algn="ctr"/>
-                <a:endParaRPr lang="en-CA"/>
-              </a:p>
-            </p:txBody>
-          </p:sp>
-          <p:sp>
-            <p:nvSpPr>
-              <p:cNvPr id="22" name="Oval 21"/>
-              <p:cNvSpPr/>
-              <p:nvPr/>
-            </p:nvSpPr>
-            <p:spPr>
-              <a:xfrm>
-                <a:off x="3371306" y="3932419"/>
-                <a:ext cx="93616" cy="89985"/>
-              </a:xfrm>
-              <a:prstGeom prst="ellipse">
-                <a:avLst/>
-              </a:prstGeom>
-              <a:solidFill>
-                <a:schemeClr val="tx1"/>
-              </a:solidFill>
-              <a:ln w="38100">
-                <a:solidFill>
-                  <a:schemeClr val="tx1"/>
-                </a:solidFill>
-              </a:ln>
-            </p:spPr>
-            <p:style>
-              <a:lnRef idx="2">
-                <a:schemeClr val="accent1">
-                  <a:shade val="50000"/>
-                </a:schemeClr>
-              </a:lnRef>
-              <a:fillRef idx="1">
-                <a:schemeClr val="accent1"/>
-              </a:fillRef>
-              <a:effectRef idx="0">
-                <a:schemeClr val="accent1"/>
-              </a:effectRef>
-              <a:fontRef idx="minor">
-                <a:schemeClr val="lt1"/>
-              </a:fontRef>
-            </p:style>
-            <p:txBody>
-              <a:bodyPr rtlCol="0" anchor="ctr"/>
-              <a:lstStyle/>
-              <a:p>
-                <a:pPr algn="ctr"/>
-                <a:endParaRPr lang="en-CA"/>
-              </a:p>
-            </p:txBody>
-          </p:sp>
-        </p:grpSp>
-        <p:sp>
-          <p:nvSpPr>
-            <p:cNvPr id="23" name="Oval 22"/>
-            <p:cNvSpPr/>
-            <p:nvPr/>
-          </p:nvSpPr>
-          <p:spPr>
-            <a:xfrm>
-              <a:off x="6891746" y="3194587"/>
-              <a:ext cx="853440" cy="857789"/>
-            </a:xfrm>
-            <a:prstGeom prst="ellipse">
-              <a:avLst/>
-            </a:prstGeom>
-            <a:noFill/>
-            <a:ln w="38100">
-              <a:solidFill>
-                <a:schemeClr val="tx1"/>
-              </a:solidFill>
-            </a:ln>
-          </p:spPr>
-          <p:style>
-            <a:lnRef idx="2">
-              <a:schemeClr val="accent1">
-                <a:shade val="50000"/>
-              </a:schemeClr>
-            </a:lnRef>
-            <a:fillRef idx="1">
-              <a:schemeClr val="accent1"/>
-            </a:fillRef>
-            <a:effectRef idx="0">
-              <a:schemeClr val="accent1"/>
-            </a:effectRef>
-            <a:fontRef idx="minor">
-              <a:schemeClr val="lt1"/>
-            </a:fontRef>
-          </p:style>
-          <p:txBody>
-            <a:bodyPr rtlCol="0" anchor="ctr"/>
-            <a:lstStyle/>
-            <a:p>
-              <a:pPr algn="ctr"/>
-              <a:endParaRPr lang="en-CA"/>
-            </a:p>
-          </p:txBody>
-        </p:sp>
-        <p:sp>
-          <p:nvSpPr>
-            <p:cNvPr id="24" name="TextBox 23"/>
-            <p:cNvSpPr txBox="1"/>
-            <p:nvPr/>
-          </p:nvSpPr>
-          <p:spPr>
-            <a:xfrm>
-              <a:off x="4657999" y="1187141"/>
-              <a:ext cx="1536245" cy="830997"/>
-            </a:xfrm>
-            <a:prstGeom prst="rect">
-              <a:avLst/>
-            </a:prstGeom>
-            <a:noFill/>
-          </p:spPr>
-          <p:txBody>
-            <a:bodyPr wrap="square" rtlCol="0">
-              <a:spAutoFit/>
-            </a:bodyPr>
-            <a:lstStyle/>
-            <a:p>
-              <a:r>
-                <a:rPr lang="en-CA" sz="2400" dirty="0" smtClean="0"/>
-                <a:t>10 hidden nodes</a:t>
-              </a:r>
-              <a:endParaRPr lang="en-CA" sz="2400" dirty="0"/>
-            </a:p>
-          </p:txBody>
-        </p:sp>
-        <p:sp>
-          <p:nvSpPr>
-            <p:cNvPr id="25" name="TextBox 24"/>
-            <p:cNvSpPr txBox="1"/>
-            <p:nvPr/>
-          </p:nvSpPr>
-          <p:spPr>
-            <a:xfrm>
-              <a:off x="6766834" y="1207923"/>
-              <a:ext cx="1536245" cy="830997"/>
-            </a:xfrm>
-            <a:prstGeom prst="rect">
-              <a:avLst/>
-            </a:prstGeom>
-            <a:noFill/>
-          </p:spPr>
-          <p:txBody>
-            <a:bodyPr wrap="square" rtlCol="0">
-              <a:spAutoFit/>
-            </a:bodyPr>
-            <a:lstStyle/>
-            <a:p>
-              <a:r>
-                <a:rPr lang="en-CA" sz="2400" dirty="0" smtClean="0"/>
-                <a:t>1 output node</a:t>
-              </a:r>
-              <a:endParaRPr lang="en-CA" sz="2400" dirty="0"/>
-            </a:p>
-          </p:txBody>
-        </p:sp>
         <p:cxnSp>
           <p:nvCxnSpPr>
-            <p:cNvPr id="27" name="Straight Arrow Connector 26"/>
-            <p:cNvCxnSpPr>
-              <a:stCxn id="4" idx="3"/>
-              <a:endCxn id="6" idx="2"/>
-            </p:cNvCxnSpPr>
+            <p:cNvPr id="68" name="Straight Arrow Connector 67"/>
+            <p:cNvCxnSpPr/>
             <p:nvPr/>
           </p:nvCxnSpPr>
           <p:spPr>
             <a:xfrm flipV="1">
-              <a:off x="1861459" y="2299061"/>
-              <a:ext cx="1238792" cy="1026487"/>
-            </a:xfrm>
-            <a:prstGeom prst="straightConnector1">
-              <a:avLst/>
-            </a:prstGeom>
-            <a:ln w="28575">
-              <a:solidFill>
-                <a:schemeClr val="tx1"/>
-              </a:solidFill>
-              <a:tailEnd type="triangle"/>
-            </a:ln>
-          </p:spPr>
-          <p:style>
-            <a:lnRef idx="1">
-              <a:schemeClr val="accent1"/>
-            </a:lnRef>
-            <a:fillRef idx="0">
-              <a:schemeClr val="accent1"/>
-            </a:fillRef>
-            <a:effectRef idx="0">
-              <a:schemeClr val="accent1"/>
-            </a:effectRef>
-            <a:fontRef idx="minor">
-              <a:schemeClr val="tx1"/>
-            </a:fontRef>
-          </p:style>
-        </p:cxnSp>
-        <p:cxnSp>
-          <p:nvCxnSpPr>
-            <p:cNvPr id="29" name="Straight Arrow Connector 28"/>
-            <p:cNvCxnSpPr>
-              <a:stCxn id="4" idx="3"/>
-              <a:endCxn id="7" idx="2"/>
-            </p:cNvCxnSpPr>
-            <p:nvPr/>
-          </p:nvCxnSpPr>
-          <p:spPr>
-            <a:xfrm flipV="1">
-              <a:off x="1861459" y="3020746"/>
-              <a:ext cx="1238792" cy="304802"/>
-            </a:xfrm>
-            <a:prstGeom prst="straightConnector1">
-              <a:avLst/>
-            </a:prstGeom>
-            <a:ln w="28575">
-              <a:solidFill>
-                <a:schemeClr val="tx1"/>
-              </a:solidFill>
-              <a:tailEnd type="triangle"/>
-            </a:ln>
-          </p:spPr>
-          <p:style>
-            <a:lnRef idx="1">
-              <a:schemeClr val="accent1"/>
-            </a:lnRef>
-            <a:fillRef idx="0">
-              <a:schemeClr val="accent1"/>
-            </a:fillRef>
-            <a:effectRef idx="0">
-              <a:schemeClr val="accent1"/>
-            </a:effectRef>
-            <a:fontRef idx="minor">
-              <a:schemeClr val="tx1"/>
-            </a:fontRef>
-          </p:style>
-        </p:cxnSp>
-        <p:cxnSp>
-          <p:nvCxnSpPr>
-            <p:cNvPr id="31" name="Straight Arrow Connector 30"/>
-            <p:cNvCxnSpPr>
-              <a:stCxn id="4" idx="3"/>
-              <a:endCxn id="8" idx="2"/>
-            </p:cNvCxnSpPr>
-            <p:nvPr/>
-          </p:nvCxnSpPr>
-          <p:spPr>
-            <a:xfrm>
-              <a:off x="1861459" y="3325548"/>
-              <a:ext cx="1238792" cy="1162592"/>
-            </a:xfrm>
-            <a:prstGeom prst="straightConnector1">
-              <a:avLst/>
-            </a:prstGeom>
-            <a:ln w="28575">
-              <a:solidFill>
-                <a:schemeClr val="tx1"/>
-              </a:solidFill>
-              <a:tailEnd type="triangle"/>
-            </a:ln>
-          </p:spPr>
-          <p:style>
-            <a:lnRef idx="1">
-              <a:schemeClr val="accent1"/>
-            </a:lnRef>
-            <a:fillRef idx="0">
-              <a:schemeClr val="accent1"/>
-            </a:fillRef>
-            <a:effectRef idx="0">
-              <a:schemeClr val="accent1"/>
-            </a:effectRef>
-            <a:fontRef idx="minor">
-              <a:schemeClr val="tx1"/>
-            </a:fontRef>
-          </p:style>
-        </p:cxnSp>
-        <p:cxnSp>
-          <p:nvCxnSpPr>
-            <p:cNvPr id="33" name="Straight Arrow Connector 32"/>
-            <p:cNvCxnSpPr>
-              <a:stCxn id="4" idx="3"/>
-              <a:endCxn id="9" idx="2"/>
-            </p:cNvCxnSpPr>
-            <p:nvPr/>
-          </p:nvCxnSpPr>
-          <p:spPr>
-            <a:xfrm>
-              <a:off x="1861459" y="3325548"/>
-              <a:ext cx="1238792" cy="1942009"/>
-            </a:xfrm>
-            <a:prstGeom prst="straightConnector1">
-              <a:avLst/>
-            </a:prstGeom>
-            <a:ln w="28575">
-              <a:solidFill>
-                <a:schemeClr val="tx1"/>
-              </a:solidFill>
-              <a:tailEnd type="triangle"/>
-            </a:ln>
-          </p:spPr>
-          <p:style>
-            <a:lnRef idx="1">
-              <a:schemeClr val="accent1"/>
-            </a:lnRef>
-            <a:fillRef idx="0">
-              <a:schemeClr val="accent1"/>
-            </a:fillRef>
-            <a:effectRef idx="0">
-              <a:schemeClr val="accent1"/>
-            </a:effectRef>
-            <a:fontRef idx="minor">
-              <a:schemeClr val="tx1"/>
-            </a:fontRef>
-          </p:style>
-        </p:cxnSp>
-        <p:cxnSp>
-          <p:nvCxnSpPr>
-            <p:cNvPr id="35" name="Straight Arrow Connector 34"/>
-            <p:cNvCxnSpPr>
-              <a:stCxn id="6" idx="6"/>
-              <a:endCxn id="16" idx="2"/>
-            </p:cNvCxnSpPr>
-            <p:nvPr/>
-          </p:nvCxnSpPr>
-          <p:spPr>
-            <a:xfrm>
-              <a:off x="3735977" y="2299061"/>
-              <a:ext cx="1311730" cy="3213"/>
-            </a:xfrm>
-            <a:prstGeom prst="straightConnector1">
-              <a:avLst/>
-            </a:prstGeom>
-            <a:ln w="28575">
-              <a:solidFill>
-                <a:schemeClr val="tx1"/>
-              </a:solidFill>
-              <a:tailEnd type="triangle"/>
-            </a:ln>
-          </p:spPr>
-          <p:style>
-            <a:lnRef idx="1">
-              <a:schemeClr val="accent1"/>
-            </a:lnRef>
-            <a:fillRef idx="0">
-              <a:schemeClr val="accent1"/>
-            </a:fillRef>
-            <a:effectRef idx="0">
-              <a:schemeClr val="accent1"/>
-            </a:effectRef>
-            <a:fontRef idx="minor">
-              <a:schemeClr val="tx1"/>
-            </a:fontRef>
-          </p:style>
-        </p:cxnSp>
-        <p:cxnSp>
-          <p:nvCxnSpPr>
-            <p:cNvPr id="37" name="Straight Arrow Connector 36"/>
-            <p:cNvCxnSpPr>
-              <a:stCxn id="6" idx="6"/>
-              <a:endCxn id="17" idx="2"/>
-            </p:cNvCxnSpPr>
-            <p:nvPr/>
-          </p:nvCxnSpPr>
-          <p:spPr>
-            <a:xfrm>
-              <a:off x="3735977" y="2299061"/>
-              <a:ext cx="1311730" cy="724898"/>
-            </a:xfrm>
-            <a:prstGeom prst="straightConnector1">
-              <a:avLst/>
-            </a:prstGeom>
-            <a:ln w="28575">
-              <a:solidFill>
-                <a:schemeClr val="tx1"/>
-              </a:solidFill>
-              <a:tailEnd type="triangle"/>
-            </a:ln>
-          </p:spPr>
-          <p:style>
-            <a:lnRef idx="1">
-              <a:schemeClr val="accent1"/>
-            </a:lnRef>
-            <a:fillRef idx="0">
-              <a:schemeClr val="accent1"/>
-            </a:fillRef>
-            <a:effectRef idx="0">
-              <a:schemeClr val="accent1"/>
-            </a:effectRef>
-            <a:fontRef idx="minor">
-              <a:schemeClr val="tx1"/>
-            </a:fontRef>
-          </p:style>
-        </p:cxnSp>
-        <p:cxnSp>
-          <p:nvCxnSpPr>
-            <p:cNvPr id="39" name="Straight Arrow Connector 38"/>
-            <p:cNvCxnSpPr>
-              <a:stCxn id="6" idx="6"/>
-              <a:endCxn id="18" idx="2"/>
-            </p:cNvCxnSpPr>
-            <p:nvPr/>
-          </p:nvCxnSpPr>
-          <p:spPr>
-            <a:xfrm>
-              <a:off x="3735977" y="2299061"/>
-              <a:ext cx="1311730" cy="2192292"/>
-            </a:xfrm>
-            <a:prstGeom prst="straightConnector1">
-              <a:avLst/>
-            </a:prstGeom>
-            <a:ln w="28575">
-              <a:solidFill>
-                <a:schemeClr val="tx1"/>
-              </a:solidFill>
-              <a:tailEnd type="triangle"/>
-            </a:ln>
-          </p:spPr>
-          <p:style>
-            <a:lnRef idx="1">
-              <a:schemeClr val="accent1"/>
-            </a:lnRef>
-            <a:fillRef idx="0">
-              <a:schemeClr val="accent1"/>
-            </a:fillRef>
-            <a:effectRef idx="0">
-              <a:schemeClr val="accent1"/>
-            </a:effectRef>
-            <a:fontRef idx="minor">
-              <a:schemeClr val="tx1"/>
-            </a:fontRef>
-          </p:style>
-        </p:cxnSp>
-        <p:cxnSp>
-          <p:nvCxnSpPr>
-            <p:cNvPr id="41" name="Straight Arrow Connector 40"/>
-            <p:cNvCxnSpPr>
-              <a:stCxn id="6" idx="6"/>
-              <a:endCxn id="19" idx="2"/>
-            </p:cNvCxnSpPr>
-            <p:nvPr/>
-          </p:nvCxnSpPr>
-          <p:spPr>
-            <a:xfrm>
-              <a:off x="3735977" y="2299061"/>
-              <a:ext cx="1311730" cy="2971709"/>
-            </a:xfrm>
-            <a:prstGeom prst="straightConnector1">
-              <a:avLst/>
-            </a:prstGeom>
-            <a:ln w="28575">
-              <a:solidFill>
-                <a:schemeClr val="tx1"/>
-              </a:solidFill>
-              <a:tailEnd type="triangle"/>
-            </a:ln>
-          </p:spPr>
-          <p:style>
-            <a:lnRef idx="1">
-              <a:schemeClr val="accent1"/>
-            </a:lnRef>
-            <a:fillRef idx="0">
-              <a:schemeClr val="accent1"/>
-            </a:fillRef>
-            <a:effectRef idx="0">
-              <a:schemeClr val="accent1"/>
-            </a:effectRef>
-            <a:fontRef idx="minor">
-              <a:schemeClr val="tx1"/>
-            </a:fontRef>
-          </p:style>
-        </p:cxnSp>
-        <p:cxnSp>
-          <p:nvCxnSpPr>
-            <p:cNvPr id="43" name="Straight Arrow Connector 42"/>
-            <p:cNvCxnSpPr>
-              <a:stCxn id="7" idx="6"/>
-              <a:endCxn id="16" idx="2"/>
-            </p:cNvCxnSpPr>
-            <p:nvPr/>
-          </p:nvCxnSpPr>
-          <p:spPr>
-            <a:xfrm flipV="1">
-              <a:off x="3735977" y="2302274"/>
-              <a:ext cx="1311730" cy="718472"/>
-            </a:xfrm>
-            <a:prstGeom prst="straightConnector1">
-              <a:avLst/>
-            </a:prstGeom>
-            <a:ln w="28575">
-              <a:solidFill>
-                <a:schemeClr val="tx1"/>
-              </a:solidFill>
-              <a:tailEnd type="triangle"/>
-            </a:ln>
-          </p:spPr>
-          <p:style>
-            <a:lnRef idx="1">
-              <a:schemeClr val="accent1"/>
-            </a:lnRef>
-            <a:fillRef idx="0">
-              <a:schemeClr val="accent1"/>
-            </a:fillRef>
-            <a:effectRef idx="0">
-              <a:schemeClr val="accent1"/>
-            </a:effectRef>
-            <a:fontRef idx="minor">
-              <a:schemeClr val="tx1"/>
-            </a:fontRef>
-          </p:style>
-        </p:cxnSp>
-        <p:cxnSp>
-          <p:nvCxnSpPr>
-            <p:cNvPr id="45" name="Straight Arrow Connector 44"/>
-            <p:cNvCxnSpPr>
-              <a:stCxn id="7" idx="6"/>
-              <a:endCxn id="17" idx="2"/>
-            </p:cNvCxnSpPr>
-            <p:nvPr/>
-          </p:nvCxnSpPr>
-          <p:spPr>
-            <a:xfrm>
-              <a:off x="3735977" y="3020746"/>
-              <a:ext cx="1311730" cy="3213"/>
-            </a:xfrm>
-            <a:prstGeom prst="straightConnector1">
-              <a:avLst/>
-            </a:prstGeom>
-            <a:ln w="28575">
-              <a:solidFill>
-                <a:schemeClr val="tx1"/>
-              </a:solidFill>
-              <a:tailEnd type="triangle"/>
-            </a:ln>
-          </p:spPr>
-          <p:style>
-            <a:lnRef idx="1">
-              <a:schemeClr val="accent1"/>
-            </a:lnRef>
-            <a:fillRef idx="0">
-              <a:schemeClr val="accent1"/>
-            </a:fillRef>
-            <a:effectRef idx="0">
-              <a:schemeClr val="accent1"/>
-            </a:effectRef>
-            <a:fontRef idx="minor">
-              <a:schemeClr val="tx1"/>
-            </a:fontRef>
-          </p:style>
-        </p:cxnSp>
-        <p:cxnSp>
-          <p:nvCxnSpPr>
-            <p:cNvPr id="47" name="Straight Arrow Connector 46"/>
-            <p:cNvCxnSpPr>
-              <a:stCxn id="7" idx="6"/>
-              <a:endCxn id="18" idx="2"/>
-            </p:cNvCxnSpPr>
-            <p:nvPr/>
-          </p:nvCxnSpPr>
-          <p:spPr>
-            <a:xfrm>
-              <a:off x="3735977" y="3020746"/>
-              <a:ext cx="1311730" cy="1470607"/>
-            </a:xfrm>
-            <a:prstGeom prst="straightConnector1">
-              <a:avLst/>
-            </a:prstGeom>
-            <a:ln w="28575">
-              <a:solidFill>
-                <a:schemeClr val="tx1"/>
-              </a:solidFill>
-              <a:tailEnd type="triangle"/>
-            </a:ln>
-          </p:spPr>
-          <p:style>
-            <a:lnRef idx="1">
-              <a:schemeClr val="accent1"/>
-            </a:lnRef>
-            <a:fillRef idx="0">
-              <a:schemeClr val="accent1"/>
-            </a:fillRef>
-            <a:effectRef idx="0">
-              <a:schemeClr val="accent1"/>
-            </a:effectRef>
-            <a:fontRef idx="minor">
-              <a:schemeClr val="tx1"/>
-            </a:fontRef>
-          </p:style>
-        </p:cxnSp>
-        <p:cxnSp>
-          <p:nvCxnSpPr>
-            <p:cNvPr id="49" name="Straight Arrow Connector 48"/>
-            <p:cNvCxnSpPr>
-              <a:stCxn id="7" idx="6"/>
-              <a:endCxn id="19" idx="2"/>
-            </p:cNvCxnSpPr>
-            <p:nvPr/>
-          </p:nvCxnSpPr>
-          <p:spPr>
-            <a:xfrm>
-              <a:off x="3735977" y="3020746"/>
-              <a:ext cx="1311730" cy="2250024"/>
-            </a:xfrm>
-            <a:prstGeom prst="straightConnector1">
-              <a:avLst/>
-            </a:prstGeom>
-            <a:ln w="28575">
-              <a:solidFill>
-                <a:schemeClr val="tx1"/>
-              </a:solidFill>
-              <a:tailEnd type="triangle"/>
-            </a:ln>
-          </p:spPr>
-          <p:style>
-            <a:lnRef idx="1">
-              <a:schemeClr val="accent1"/>
-            </a:lnRef>
-            <a:fillRef idx="0">
-              <a:schemeClr val="accent1"/>
-            </a:fillRef>
-            <a:effectRef idx="0">
-              <a:schemeClr val="accent1"/>
-            </a:effectRef>
-            <a:fontRef idx="minor">
-              <a:schemeClr val="tx1"/>
-            </a:fontRef>
-          </p:style>
-        </p:cxnSp>
-        <p:cxnSp>
-          <p:nvCxnSpPr>
-            <p:cNvPr id="51" name="Straight Arrow Connector 50"/>
-            <p:cNvCxnSpPr>
-              <a:stCxn id="8" idx="6"/>
-              <a:endCxn id="16" idx="2"/>
-            </p:cNvCxnSpPr>
-            <p:nvPr/>
-          </p:nvCxnSpPr>
-          <p:spPr>
-            <a:xfrm flipV="1">
-              <a:off x="3735977" y="2302274"/>
-              <a:ext cx="1311730" cy="2185866"/>
-            </a:xfrm>
-            <a:prstGeom prst="straightConnector1">
-              <a:avLst/>
-            </a:prstGeom>
-            <a:ln w="28575">
-              <a:solidFill>
-                <a:schemeClr val="tx1"/>
-              </a:solidFill>
-              <a:tailEnd type="triangle"/>
-            </a:ln>
-          </p:spPr>
-          <p:style>
-            <a:lnRef idx="1">
-              <a:schemeClr val="accent1"/>
-            </a:lnRef>
-            <a:fillRef idx="0">
-              <a:schemeClr val="accent1"/>
-            </a:fillRef>
-            <a:effectRef idx="0">
-              <a:schemeClr val="accent1"/>
-            </a:effectRef>
-            <a:fontRef idx="minor">
-              <a:schemeClr val="tx1"/>
-            </a:fontRef>
-          </p:style>
-        </p:cxnSp>
-        <p:cxnSp>
-          <p:nvCxnSpPr>
-            <p:cNvPr id="53" name="Straight Arrow Connector 52"/>
-            <p:cNvCxnSpPr>
-              <a:stCxn id="8" idx="6"/>
-              <a:endCxn id="17" idx="2"/>
-            </p:cNvCxnSpPr>
-            <p:nvPr/>
-          </p:nvCxnSpPr>
-          <p:spPr>
-            <a:xfrm flipV="1">
-              <a:off x="3735977" y="3023959"/>
-              <a:ext cx="1311730" cy="1464181"/>
-            </a:xfrm>
-            <a:prstGeom prst="straightConnector1">
-              <a:avLst/>
-            </a:prstGeom>
-            <a:ln w="28575">
-              <a:solidFill>
-                <a:schemeClr val="tx1"/>
-              </a:solidFill>
-              <a:tailEnd type="triangle"/>
-            </a:ln>
-          </p:spPr>
-          <p:style>
-            <a:lnRef idx="1">
-              <a:schemeClr val="accent1"/>
-            </a:lnRef>
-            <a:fillRef idx="0">
-              <a:schemeClr val="accent1"/>
-            </a:fillRef>
-            <a:effectRef idx="0">
-              <a:schemeClr val="accent1"/>
-            </a:effectRef>
-            <a:fontRef idx="minor">
-              <a:schemeClr val="tx1"/>
-            </a:fontRef>
-          </p:style>
-        </p:cxnSp>
-        <p:cxnSp>
-          <p:nvCxnSpPr>
-            <p:cNvPr id="55" name="Straight Arrow Connector 54"/>
-            <p:cNvCxnSpPr>
-              <a:stCxn id="8" idx="6"/>
-              <a:endCxn id="18" idx="2"/>
-            </p:cNvCxnSpPr>
-            <p:nvPr/>
-          </p:nvCxnSpPr>
-          <p:spPr>
-            <a:xfrm>
-              <a:off x="3735977" y="4488140"/>
-              <a:ext cx="1311730" cy="3213"/>
-            </a:xfrm>
-            <a:prstGeom prst="straightConnector1">
-              <a:avLst/>
-            </a:prstGeom>
-            <a:ln w="28575">
-              <a:solidFill>
-                <a:schemeClr val="tx1"/>
-              </a:solidFill>
-              <a:tailEnd type="triangle"/>
-            </a:ln>
-          </p:spPr>
-          <p:style>
-            <a:lnRef idx="1">
-              <a:schemeClr val="accent1"/>
-            </a:lnRef>
-            <a:fillRef idx="0">
-              <a:schemeClr val="accent1"/>
-            </a:fillRef>
-            <a:effectRef idx="0">
-              <a:schemeClr val="accent1"/>
-            </a:effectRef>
-            <a:fontRef idx="minor">
-              <a:schemeClr val="tx1"/>
-            </a:fontRef>
-          </p:style>
-        </p:cxnSp>
-        <p:cxnSp>
-          <p:nvCxnSpPr>
-            <p:cNvPr id="57" name="Straight Arrow Connector 56"/>
-            <p:cNvCxnSpPr>
-              <a:stCxn id="8" idx="6"/>
-              <a:endCxn id="19" idx="2"/>
-            </p:cNvCxnSpPr>
-            <p:nvPr/>
-          </p:nvCxnSpPr>
-          <p:spPr>
-            <a:xfrm>
-              <a:off x="3735977" y="4488140"/>
-              <a:ext cx="1311730" cy="782630"/>
-            </a:xfrm>
-            <a:prstGeom prst="straightConnector1">
-              <a:avLst/>
-            </a:prstGeom>
-            <a:ln w="28575">
-              <a:solidFill>
-                <a:schemeClr val="tx1"/>
-              </a:solidFill>
-              <a:tailEnd type="triangle"/>
-            </a:ln>
-          </p:spPr>
-          <p:style>
-            <a:lnRef idx="1">
-              <a:schemeClr val="accent1"/>
-            </a:lnRef>
-            <a:fillRef idx="0">
-              <a:schemeClr val="accent1"/>
-            </a:fillRef>
-            <a:effectRef idx="0">
-              <a:schemeClr val="accent1"/>
-            </a:effectRef>
-            <a:fontRef idx="minor">
-              <a:schemeClr val="tx1"/>
-            </a:fontRef>
-          </p:style>
-        </p:cxnSp>
-        <p:cxnSp>
-          <p:nvCxnSpPr>
-            <p:cNvPr id="59" name="Straight Arrow Connector 58"/>
-            <p:cNvCxnSpPr>
-              <a:stCxn id="9" idx="6"/>
-              <a:endCxn id="16" idx="2"/>
-            </p:cNvCxnSpPr>
-            <p:nvPr/>
-          </p:nvCxnSpPr>
-          <p:spPr>
-            <a:xfrm flipV="1">
-              <a:off x="3735977" y="2302274"/>
-              <a:ext cx="1311730" cy="2965283"/>
-            </a:xfrm>
-            <a:prstGeom prst="straightConnector1">
-              <a:avLst/>
-            </a:prstGeom>
-            <a:ln w="28575">
-              <a:solidFill>
-                <a:schemeClr val="tx1"/>
-              </a:solidFill>
-              <a:tailEnd type="triangle"/>
-            </a:ln>
-          </p:spPr>
-          <p:style>
-            <a:lnRef idx="1">
-              <a:schemeClr val="accent1"/>
-            </a:lnRef>
-            <a:fillRef idx="0">
-              <a:schemeClr val="accent1"/>
-            </a:fillRef>
-            <a:effectRef idx="0">
-              <a:schemeClr val="accent1"/>
-            </a:effectRef>
-            <a:fontRef idx="minor">
-              <a:schemeClr val="tx1"/>
-            </a:fontRef>
-          </p:style>
-        </p:cxnSp>
-        <p:cxnSp>
-          <p:nvCxnSpPr>
-            <p:cNvPr id="61" name="Straight Arrow Connector 60"/>
-            <p:cNvCxnSpPr>
-              <a:stCxn id="9" idx="6"/>
-              <a:endCxn id="17" idx="2"/>
-            </p:cNvCxnSpPr>
-            <p:nvPr/>
-          </p:nvCxnSpPr>
-          <p:spPr>
-            <a:xfrm flipV="1">
-              <a:off x="3735977" y="3023959"/>
-              <a:ext cx="1311730" cy="2243598"/>
-            </a:xfrm>
-            <a:prstGeom prst="straightConnector1">
-              <a:avLst/>
-            </a:prstGeom>
-            <a:ln w="28575">
-              <a:solidFill>
-                <a:schemeClr val="tx1"/>
-              </a:solidFill>
-              <a:tailEnd type="triangle"/>
-            </a:ln>
-          </p:spPr>
-          <p:style>
-            <a:lnRef idx="1">
-              <a:schemeClr val="accent1"/>
-            </a:lnRef>
-            <a:fillRef idx="0">
-              <a:schemeClr val="accent1"/>
-            </a:fillRef>
-            <a:effectRef idx="0">
-              <a:schemeClr val="accent1"/>
-            </a:effectRef>
-            <a:fontRef idx="minor">
-              <a:schemeClr val="tx1"/>
-            </a:fontRef>
-          </p:style>
-        </p:cxnSp>
-        <p:cxnSp>
-          <p:nvCxnSpPr>
-            <p:cNvPr id="63" name="Straight Arrow Connector 62"/>
-            <p:cNvCxnSpPr>
-              <a:stCxn id="9" idx="6"/>
-              <a:endCxn id="18" idx="2"/>
-            </p:cNvCxnSpPr>
-            <p:nvPr/>
-          </p:nvCxnSpPr>
-          <p:spPr>
-            <a:xfrm flipV="1">
-              <a:off x="3735977" y="4491353"/>
-              <a:ext cx="1311730" cy="776204"/>
-            </a:xfrm>
-            <a:prstGeom prst="straightConnector1">
-              <a:avLst/>
-            </a:prstGeom>
-            <a:ln w="28575">
-              <a:solidFill>
-                <a:schemeClr val="tx1"/>
-              </a:solidFill>
-              <a:tailEnd type="triangle"/>
-            </a:ln>
-          </p:spPr>
-          <p:style>
-            <a:lnRef idx="1">
-              <a:schemeClr val="accent1"/>
-            </a:lnRef>
-            <a:fillRef idx="0">
-              <a:schemeClr val="accent1"/>
-            </a:fillRef>
-            <a:effectRef idx="0">
-              <a:schemeClr val="accent1"/>
-            </a:effectRef>
-            <a:fontRef idx="minor">
-              <a:schemeClr val="tx1"/>
-            </a:fontRef>
-          </p:style>
-        </p:cxnSp>
-        <p:cxnSp>
-          <p:nvCxnSpPr>
-            <p:cNvPr id="65" name="Straight Arrow Connector 64"/>
-            <p:cNvCxnSpPr>
-              <a:stCxn id="9" idx="6"/>
-              <a:endCxn id="19" idx="2"/>
-            </p:cNvCxnSpPr>
-            <p:nvPr/>
-          </p:nvCxnSpPr>
-          <p:spPr>
-            <a:xfrm>
-              <a:off x="3735977" y="5267557"/>
-              <a:ext cx="1311730" cy="3213"/>
-            </a:xfrm>
-            <a:prstGeom prst="straightConnector1">
-              <a:avLst/>
-            </a:prstGeom>
-            <a:ln w="28575">
-              <a:solidFill>
-                <a:schemeClr val="tx1"/>
-              </a:solidFill>
-              <a:tailEnd type="triangle"/>
-            </a:ln>
-          </p:spPr>
-          <p:style>
-            <a:lnRef idx="1">
-              <a:schemeClr val="accent1"/>
-            </a:lnRef>
-            <a:fillRef idx="0">
-              <a:schemeClr val="accent1"/>
-            </a:fillRef>
-            <a:effectRef idx="0">
-              <a:schemeClr val="accent1"/>
-            </a:effectRef>
-            <a:fontRef idx="minor">
-              <a:schemeClr val="tx1"/>
-            </a:fontRef>
-          </p:style>
-        </p:cxnSp>
-        <p:cxnSp>
-          <p:nvCxnSpPr>
-            <p:cNvPr id="67" name="Straight Arrow Connector 66"/>
-            <p:cNvCxnSpPr>
-              <a:stCxn id="16" idx="6"/>
-              <a:endCxn id="23" idx="2"/>
-            </p:cNvCxnSpPr>
-            <p:nvPr/>
-          </p:nvCxnSpPr>
-          <p:spPr>
-            <a:xfrm>
-              <a:off x="5683433" y="2302274"/>
-              <a:ext cx="1208313" cy="1321208"/>
-            </a:xfrm>
-            <a:prstGeom prst="straightConnector1">
-              <a:avLst/>
-            </a:prstGeom>
-            <a:ln w="28575">
-              <a:solidFill>
-                <a:schemeClr val="tx1"/>
-              </a:solidFill>
-              <a:tailEnd type="triangle"/>
-            </a:ln>
-          </p:spPr>
-          <p:style>
-            <a:lnRef idx="1">
-              <a:schemeClr val="accent1"/>
-            </a:lnRef>
-            <a:fillRef idx="0">
-              <a:schemeClr val="accent1"/>
-            </a:fillRef>
-            <a:effectRef idx="0">
-              <a:schemeClr val="accent1"/>
-            </a:effectRef>
-            <a:fontRef idx="minor">
-              <a:schemeClr val="tx1"/>
-            </a:fontRef>
-          </p:style>
-        </p:cxnSp>
-        <p:cxnSp>
-          <p:nvCxnSpPr>
-            <p:cNvPr id="69" name="Straight Arrow Connector 68"/>
-            <p:cNvCxnSpPr>
-              <a:stCxn id="17" idx="6"/>
-              <a:endCxn id="23" idx="2"/>
-            </p:cNvCxnSpPr>
-            <p:nvPr/>
-          </p:nvCxnSpPr>
-          <p:spPr>
-            <a:xfrm>
-              <a:off x="5683433" y="3023959"/>
-              <a:ext cx="1208313" cy="599523"/>
-            </a:xfrm>
-            <a:prstGeom prst="straightConnector1">
-              <a:avLst/>
-            </a:prstGeom>
-            <a:ln w="28575">
-              <a:solidFill>
-                <a:schemeClr val="tx1"/>
-              </a:solidFill>
-              <a:tailEnd type="triangle"/>
-            </a:ln>
-          </p:spPr>
-          <p:style>
-            <a:lnRef idx="1">
-              <a:schemeClr val="accent1"/>
-            </a:lnRef>
-            <a:fillRef idx="0">
-              <a:schemeClr val="accent1"/>
-            </a:fillRef>
-            <a:effectRef idx="0">
-              <a:schemeClr val="accent1"/>
-            </a:effectRef>
-            <a:fontRef idx="minor">
-              <a:schemeClr val="tx1"/>
-            </a:fontRef>
-          </p:style>
-        </p:cxnSp>
-        <p:cxnSp>
-          <p:nvCxnSpPr>
-            <p:cNvPr id="71" name="Straight Arrow Connector 70"/>
-            <p:cNvCxnSpPr>
-              <a:stCxn id="18" idx="6"/>
-              <a:endCxn id="23" idx="2"/>
-            </p:cNvCxnSpPr>
-            <p:nvPr/>
-          </p:nvCxnSpPr>
-          <p:spPr>
-            <a:xfrm flipV="1">
-              <a:off x="5683433" y="3623482"/>
-              <a:ext cx="1208313" cy="867871"/>
-            </a:xfrm>
-            <a:prstGeom prst="straightConnector1">
-              <a:avLst/>
-            </a:prstGeom>
-            <a:ln w="28575">
-              <a:solidFill>
-                <a:schemeClr val="tx1"/>
-              </a:solidFill>
-              <a:tailEnd type="triangle"/>
-            </a:ln>
-          </p:spPr>
-          <p:style>
-            <a:lnRef idx="1">
-              <a:schemeClr val="accent1"/>
-            </a:lnRef>
-            <a:fillRef idx="0">
-              <a:schemeClr val="accent1"/>
-            </a:fillRef>
-            <a:effectRef idx="0">
-              <a:schemeClr val="accent1"/>
-            </a:effectRef>
-            <a:fontRef idx="minor">
-              <a:schemeClr val="tx1"/>
-            </a:fontRef>
-          </p:style>
-        </p:cxnSp>
-        <p:cxnSp>
-          <p:nvCxnSpPr>
-            <p:cNvPr id="73" name="Straight Arrow Connector 72"/>
-            <p:cNvCxnSpPr>
-              <a:stCxn id="19" idx="6"/>
-              <a:endCxn id="23" idx="2"/>
-            </p:cNvCxnSpPr>
-            <p:nvPr/>
-          </p:nvCxnSpPr>
-          <p:spPr>
-            <a:xfrm flipV="1">
-              <a:off x="5683433" y="3623482"/>
-              <a:ext cx="1208313" cy="1647288"/>
-            </a:xfrm>
-            <a:prstGeom prst="straightConnector1">
-              <a:avLst/>
-            </a:prstGeom>
-            <a:ln w="28575">
-              <a:solidFill>
-                <a:schemeClr val="tx1"/>
-              </a:solidFill>
-              <a:tailEnd type="triangle"/>
-            </a:ln>
-          </p:spPr>
-          <p:style>
-            <a:lnRef idx="1">
-              <a:schemeClr val="accent1"/>
-            </a:lnRef>
-            <a:fillRef idx="0">
-              <a:schemeClr val="accent1"/>
-            </a:fillRef>
-            <a:effectRef idx="0">
-              <a:schemeClr val="accent1"/>
-            </a:effectRef>
-            <a:fontRef idx="minor">
-              <a:schemeClr val="tx1"/>
-            </a:fontRef>
-          </p:style>
-        </p:cxnSp>
-        <p:grpSp>
-          <p:nvGrpSpPr>
-            <p:cNvPr id="80" name="Group 79"/>
-            <p:cNvGrpSpPr/>
-            <p:nvPr/>
-          </p:nvGrpSpPr>
-          <p:grpSpPr>
-            <a:xfrm>
-              <a:off x="8469128" y="3249926"/>
-              <a:ext cx="1484769" cy="723616"/>
-              <a:chOff x="8120957" y="3194587"/>
-              <a:chExt cx="1484769" cy="723616"/>
-            </a:xfrm>
-          </p:grpSpPr>
-          <p:sp>
-            <p:nvSpPr>
-              <p:cNvPr id="78" name="Rectangle 77"/>
-              <p:cNvSpPr/>
-              <p:nvPr/>
-            </p:nvSpPr>
-            <p:spPr>
-              <a:xfrm>
-                <a:off x="8120957" y="3194587"/>
-                <a:ext cx="1484769" cy="723616"/>
-              </a:xfrm>
-              <a:prstGeom prst="rect">
-                <a:avLst/>
-              </a:prstGeom>
-              <a:noFill/>
-              <a:ln w="57150">
-                <a:solidFill>
-                  <a:schemeClr val="tx1"/>
-                </a:solidFill>
-              </a:ln>
-            </p:spPr>
-            <p:style>
-              <a:lnRef idx="2">
-                <a:schemeClr val="accent1">
-                  <a:shade val="50000"/>
-                </a:schemeClr>
-              </a:lnRef>
-              <a:fillRef idx="1">
-                <a:schemeClr val="accent1"/>
-              </a:fillRef>
-              <a:effectRef idx="0">
-                <a:schemeClr val="accent1"/>
-              </a:effectRef>
-              <a:fontRef idx="minor">
-                <a:schemeClr val="lt1"/>
-              </a:fontRef>
-            </p:style>
-            <p:txBody>
-              <a:bodyPr rtlCol="0" anchor="ctr"/>
-              <a:lstStyle/>
-              <a:p>
-                <a:pPr algn="ctr"/>
-                <a:endParaRPr lang="en-CA"/>
-              </a:p>
-            </p:txBody>
-          </p:sp>
-          <p:sp>
-            <p:nvSpPr>
-              <p:cNvPr id="79" name="TextBox 78"/>
-              <p:cNvSpPr txBox="1"/>
-              <p:nvPr/>
-            </p:nvSpPr>
-            <p:spPr>
-              <a:xfrm>
-                <a:off x="8303079" y="3233229"/>
-                <a:ext cx="1138541" cy="646331"/>
-              </a:xfrm>
-              <a:prstGeom prst="rect">
-                <a:avLst/>
-              </a:prstGeom>
-              <a:noFill/>
-            </p:spPr>
-            <p:txBody>
-              <a:bodyPr wrap="square" rtlCol="0">
-                <a:spAutoFit/>
-              </a:bodyPr>
-              <a:lstStyle/>
-              <a:p>
-                <a:pPr algn="ctr"/>
-                <a:r>
-                  <a:rPr lang="en-CA" dirty="0" smtClean="0"/>
-                  <a:t>Multiply by 180</a:t>
-                </a:r>
-                <a:r>
-                  <a:rPr lang="en-CA" baseline="30000" dirty="0" smtClean="0"/>
-                  <a:t>o</a:t>
-                </a:r>
-                <a:endParaRPr lang="en-CA" dirty="0"/>
-              </a:p>
-            </p:txBody>
-          </p:sp>
-        </p:grpSp>
-        <p:cxnSp>
-          <p:nvCxnSpPr>
-            <p:cNvPr id="82" name="Straight Arrow Connector 81"/>
-            <p:cNvCxnSpPr>
-              <a:stCxn id="23" idx="6"/>
-              <a:endCxn id="78" idx="1"/>
-            </p:cNvCxnSpPr>
-            <p:nvPr/>
-          </p:nvCxnSpPr>
-          <p:spPr>
-            <a:xfrm flipV="1">
-              <a:off x="7745186" y="3611734"/>
-              <a:ext cx="723942" cy="11748"/>
+              <a:off x="8591924" y="3617284"/>
+              <a:ext cx="370124" cy="1"/>
             </a:xfrm>
             <a:prstGeom prst="straightConnector1">
               <a:avLst/>
@@ -13333,84 +13571,6 @@
             </a:fontRef>
           </p:style>
         </p:cxnSp>
-        <p:sp>
-          <p:nvSpPr>
-            <p:cNvPr id="83" name="Right Arrow 82"/>
-            <p:cNvSpPr/>
-            <p:nvPr/>
-          </p:nvSpPr>
-          <p:spPr>
-            <a:xfrm>
-              <a:off x="9953897" y="3313995"/>
-              <a:ext cx="1208313" cy="583474"/>
-            </a:xfrm>
-            <a:prstGeom prst="rightArrow">
-              <a:avLst/>
-            </a:prstGeom>
-            <a:solidFill>
-              <a:schemeClr val="tx1"/>
-            </a:solidFill>
-            <a:ln>
-              <a:solidFill>
-                <a:schemeClr val="tx1"/>
-              </a:solidFill>
-            </a:ln>
-          </p:spPr>
-          <p:style>
-            <a:lnRef idx="2">
-              <a:schemeClr val="accent1">
-                <a:shade val="50000"/>
-              </a:schemeClr>
-            </a:lnRef>
-            <a:fillRef idx="1">
-              <a:schemeClr val="accent1"/>
-            </a:fillRef>
-            <a:effectRef idx="0">
-              <a:schemeClr val="accent1"/>
-            </a:effectRef>
-            <a:fontRef idx="minor">
-              <a:schemeClr val="lt1"/>
-            </a:fontRef>
-          </p:style>
-          <p:txBody>
-            <a:bodyPr rtlCol="0" anchor="ctr"/>
-            <a:lstStyle/>
-            <a:p>
-              <a:pPr algn="ctr"/>
-              <a:endParaRPr lang="en-CA"/>
-            </a:p>
-          </p:txBody>
-        </p:sp>
-        <p:sp>
-          <p:nvSpPr>
-            <p:cNvPr id="84" name="TextBox 83"/>
-            <p:cNvSpPr txBox="1"/>
-            <p:nvPr/>
-          </p:nvSpPr>
-          <p:spPr>
-            <a:xfrm>
-              <a:off x="9953897" y="2457571"/>
-              <a:ext cx="1426309" cy="830997"/>
-            </a:xfrm>
-            <a:prstGeom prst="rect">
-              <a:avLst/>
-            </a:prstGeom>
-            <a:noFill/>
-          </p:spPr>
-          <p:txBody>
-            <a:bodyPr wrap="square" rtlCol="0">
-              <a:spAutoFit/>
-            </a:bodyPr>
-            <a:lstStyle/>
-            <a:p>
-              <a:r>
-                <a:rPr lang="en-CA" sz="2400" dirty="0" smtClean="0"/>
-                <a:t>Curvature estimate</a:t>
-              </a:r>
-              <a:endParaRPr lang="en-CA" sz="2400" dirty="0"/>
-            </a:p>
-          </p:txBody>
-        </p:sp>
       </p:grpSp>
     </p:spTree>
     <p:extLst>
